--- a/backend/src/core_ai/pptx_templates/FIT-HCMUS_template.pptx
+++ b/backend/src/core_ai/pptx_templates/FIT-HCMUS_template.pptx
@@ -244,7 +244,7 @@
       <p15:sldGuideLst xmlns:p15="http://schemas.microsoft.com/office/powerpoint/2012/main"/>
     </p:ext>
     <p:ext uri="GoogleSlidesCustomDataVersion2">
-      <go:slidesCustomData xmlns:go="http://customooxmlschemas.google.com/" xmlns:ahyp="http://schemas.microsoft.com/office/drawing/2018/hyperlinkcolor" xmlns:p15="http://schemas.microsoft.com/office/powerpoint/2012/main" xmlns:p14="http://schemas.microsoft.com/office/powerpoint/2010/main" xmlns:com="http://schemas.openxmlformats.org/drawingml/2006/compatibility" xmlns:pvml="urn:schemas-microsoft-com:office:powerpoint" xmlns:v="urn:schemas-microsoft-com:vml" xmlns:o="urn:schemas-microsoft-com:office:office" xmlns:dgm="http://schemas.openxmlformats.org/drawingml/2006/diagram" xmlns:c="http://schemas.openxmlformats.org/drawingml/2006/chart" xmlns:mv="urn:schemas-microsoft-com:mac:vml" xmlns:mc="http://schemas.openxmlformats.org/markup-compatibility/2006" xmlns="" r:id="rId6" roundtripDataSignature="AMtx7mhQ3tBUQi5bpBH/gRacCwppiNReSA=="/>
+      <go:slidesCustomData xmlns="" xmlns:mc="http://schemas.openxmlformats.org/markup-compatibility/2006" xmlns:mv="urn:schemas-microsoft-com:mac:vml" xmlns:c="http://schemas.openxmlformats.org/drawingml/2006/chart" xmlns:dgm="http://schemas.openxmlformats.org/drawingml/2006/diagram" xmlns:o="urn:schemas-microsoft-com:office:office" xmlns:v="urn:schemas-microsoft-com:vml" xmlns:pvml="urn:schemas-microsoft-com:office:powerpoint" xmlns:com="http://schemas.openxmlformats.org/drawingml/2006/compatibility" xmlns:p14="http://schemas.microsoft.com/office/powerpoint/2010/main" xmlns:p15="http://schemas.microsoft.com/office/powerpoint/2012/main" xmlns:ahyp="http://schemas.microsoft.com/office/drawing/2018/hyperlinkcolor" xmlns:go="http://customooxmlschemas.google.com/" r:id="rId6" roundtripDataSignature="AMtx7mhQ3tBUQi5bpBH/gRacCwppiNReSA=="/>
     </p:ext>
   </p:extLst>
 </p:presentation>
@@ -8343,9 +8343,10 @@
           <a:p>
             <a:pPr lvl="0"/>
             <a:r>
-              <a:rPr lang="en-US"/>
-              <a:t>00</a:t>
-            </a:r>
+              <a:rPr lang="en-US" dirty="0" smtClean="0"/>
+              <a:t>01</a:t>
+            </a:r>
+            <a:endParaRPr lang="en-US" dirty="0"/>
           </a:p>
         </p:txBody>
       </p:sp>
@@ -8603,9 +8604,10 @@
           <a:p>
             <a:pPr lvl="0"/>
             <a:r>
-              <a:rPr lang="en-US"/>
-              <a:t>00</a:t>
-            </a:r>
+              <a:rPr lang="en-US" dirty="0" smtClean="0"/>
+              <a:t>01</a:t>
+            </a:r>
+            <a:endParaRPr lang="en-US" dirty="0"/>
           </a:p>
         </p:txBody>
       </p:sp>

--- a/backend/src/core_ai/pptx_templates/FIT-HCMUS_template.pptx
+++ b/backend/src/core_ai/pptx_templates/FIT-HCMUS_template.pptx
@@ -244,7 +244,7 @@
       <p15:sldGuideLst xmlns:p15="http://schemas.microsoft.com/office/powerpoint/2012/main"/>
     </p:ext>
     <p:ext uri="GoogleSlidesCustomDataVersion2">
-      <go:slidesCustomData xmlns="" xmlns:mc="http://schemas.openxmlformats.org/markup-compatibility/2006" xmlns:mv="urn:schemas-microsoft-com:mac:vml" xmlns:c="http://schemas.openxmlformats.org/drawingml/2006/chart" xmlns:dgm="http://schemas.openxmlformats.org/drawingml/2006/diagram" xmlns:o="urn:schemas-microsoft-com:office:office" xmlns:v="urn:schemas-microsoft-com:vml" xmlns:pvml="urn:schemas-microsoft-com:office:powerpoint" xmlns:com="http://schemas.openxmlformats.org/drawingml/2006/compatibility" xmlns:p14="http://schemas.microsoft.com/office/powerpoint/2010/main" xmlns:p15="http://schemas.microsoft.com/office/powerpoint/2012/main" xmlns:ahyp="http://schemas.microsoft.com/office/drawing/2018/hyperlinkcolor" xmlns:go="http://customooxmlschemas.google.com/" r:id="rId6" roundtripDataSignature="AMtx7mhQ3tBUQi5bpBH/gRacCwppiNReSA=="/>
+      <go:slidesCustomData xmlns:go="http://customooxmlschemas.google.com/" xmlns:ahyp="http://schemas.microsoft.com/office/drawing/2018/hyperlinkcolor" xmlns:p15="http://schemas.microsoft.com/office/powerpoint/2012/main" xmlns:p14="http://schemas.microsoft.com/office/powerpoint/2010/main" xmlns:com="http://schemas.openxmlformats.org/drawingml/2006/compatibility" xmlns:pvml="urn:schemas-microsoft-com:office:powerpoint" xmlns:v="urn:schemas-microsoft-com:vml" xmlns:o="urn:schemas-microsoft-com:office:office" xmlns:dgm="http://schemas.openxmlformats.org/drawingml/2006/diagram" xmlns:c="http://schemas.openxmlformats.org/drawingml/2006/chart" xmlns:mv="urn:schemas-microsoft-com:mac:vml" xmlns:mc="http://schemas.openxmlformats.org/markup-compatibility/2006" xmlns="" r:id="rId6" roundtripDataSignature="AMtx7mhQ3tBUQi5bpBH/gRacCwppiNReSA=="/>
     </p:ext>
   </p:extLst>
 </p:presentation>
@@ -1681,6 +1681,284 @@
 </file>
 
 <file path=ppt/slideLayouts/slideLayout10.xml><?xml version="1.0" encoding="utf-8"?>
+<p:sldLayout xmlns:a="http://schemas.openxmlformats.org/drawingml/2006/main" xmlns:r="http://schemas.openxmlformats.org/officeDocument/2006/relationships" xmlns:p="http://schemas.openxmlformats.org/presentationml/2006/main" preserve="1" userDrawn="1">
+  <p:cSld name="Vertical split">
+    <p:spTree>
+      <p:nvGrpSpPr>
+        <p:cNvPr id="1" name=""/>
+        <p:cNvGrpSpPr/>
+        <p:nvPr/>
+      </p:nvGrpSpPr>
+      <p:grpSpPr>
+        <a:xfrm>
+          <a:off x="0" y="0"/>
+          <a:ext cx="0" cy="0"/>
+          <a:chOff x="0" y="0"/>
+          <a:chExt cx="0" cy="0"/>
+        </a:xfrm>
+      </p:grpSpPr>
+      <p:sp>
+        <p:nvSpPr>
+          <p:cNvPr id="3" name="Google Shape;47;p9"/>
+          <p:cNvSpPr txBox="1">
+            <a:spLocks noGrp="1"/>
+          </p:cNvSpPr>
+          <p:nvPr>
+            <p:ph type="body" idx="1" hasCustomPrompt="1"/>
+          </p:nvPr>
+        </p:nvSpPr>
+        <p:spPr>
+          <a:xfrm>
+            <a:off x="5879537" y="447279"/>
+            <a:ext cx="4596486" cy="5126308"/>
+          </a:xfrm>
+          <a:prstGeom prst="rect">
+            <a:avLst/>
+          </a:prstGeom>
+          <a:noFill/>
+          <a:ln>
+            <a:noFill/>
+          </a:ln>
+        </p:spPr>
+        <p:txBody>
+          <a:bodyPr spcFirstLastPara="1" wrap="square" lIns="0" tIns="0" rIns="0" bIns="0" anchor="t" anchorCtr="0">
+            <a:normAutofit/>
+          </a:bodyPr>
+          <a:lstStyle>
+            <a:lvl1pPr marL="457200" lvl="0" indent="-228600" algn="l">
+              <a:lnSpc>
+                <a:spcPct val="107000"/>
+              </a:lnSpc>
+              <a:spcBef>
+                <a:spcPts val="500"/>
+              </a:spcBef>
+              <a:spcAft>
+                <a:spcPts val="0"/>
+              </a:spcAft>
+              <a:buClr>
+                <a:schemeClr val="dk1"/>
+              </a:buClr>
+              <a:buSzPts val="1800"/>
+              <a:buFont typeface="Arial"/>
+              <a:buNone/>
+              <a:defRPr/>
+            </a:lvl1pPr>
+            <a:lvl2pPr marL="914400" lvl="1" indent="-228600" algn="l">
+              <a:lnSpc>
+                <a:spcPct val="103000"/>
+              </a:lnSpc>
+              <a:spcBef>
+                <a:spcPts val="500"/>
+              </a:spcBef>
+              <a:spcAft>
+                <a:spcPts val="0"/>
+              </a:spcAft>
+              <a:buClr>
+                <a:schemeClr val="dk1"/>
+              </a:buClr>
+              <a:buSzPts val="1600"/>
+              <a:buFont typeface="Arial"/>
+              <a:buNone/>
+              <a:defRPr/>
+            </a:lvl2pPr>
+            <a:lvl3pPr marL="1371600" lvl="2" indent="-228600" algn="l">
+              <a:lnSpc>
+                <a:spcPct val="102000"/>
+              </a:lnSpc>
+              <a:spcBef>
+                <a:spcPts val="500"/>
+              </a:spcBef>
+              <a:spcAft>
+                <a:spcPts val="0"/>
+              </a:spcAft>
+              <a:buClr>
+                <a:schemeClr val="dk1"/>
+              </a:buClr>
+              <a:buSzPts val="1400"/>
+              <a:buFont typeface="Arial"/>
+              <a:buNone/>
+              <a:defRPr/>
+            </a:lvl3pPr>
+            <a:lvl4pPr marL="1828800" lvl="3" indent="-228600" algn="l">
+              <a:lnSpc>
+                <a:spcPct val="103000"/>
+              </a:lnSpc>
+              <a:spcBef>
+                <a:spcPts val="500"/>
+              </a:spcBef>
+              <a:spcAft>
+                <a:spcPts val="0"/>
+              </a:spcAft>
+              <a:buClr>
+                <a:schemeClr val="dk1"/>
+              </a:buClr>
+              <a:buSzPts val="1300"/>
+              <a:buFont typeface="Arial"/>
+              <a:buNone/>
+              <a:defRPr/>
+            </a:lvl4pPr>
+            <a:lvl5pPr marL="2286000" lvl="4" indent="-228600" algn="l">
+              <a:lnSpc>
+                <a:spcPct val="103000"/>
+              </a:lnSpc>
+              <a:spcBef>
+                <a:spcPts val="500"/>
+              </a:spcBef>
+              <a:spcAft>
+                <a:spcPts val="0"/>
+              </a:spcAft>
+              <a:buClr>
+                <a:schemeClr val="dk1"/>
+              </a:buClr>
+              <a:buSzPts val="1300"/>
+              <a:buFont typeface="Arial"/>
+              <a:buNone/>
+              <a:defRPr/>
+            </a:lvl5pPr>
+            <a:lvl6pPr marL="2743200" lvl="5" indent="-342900" algn="l">
+              <a:lnSpc>
+                <a:spcPct val="103000"/>
+              </a:lnSpc>
+              <a:spcBef>
+                <a:spcPts val="500"/>
+              </a:spcBef>
+              <a:spcAft>
+                <a:spcPts val="0"/>
+              </a:spcAft>
+              <a:buClr>
+                <a:schemeClr val="dk1"/>
+              </a:buClr>
+              <a:buSzPts val="1800"/>
+              <a:buChar char="‒"/>
+              <a:defRPr/>
+            </a:lvl6pPr>
+            <a:lvl7pPr marL="3200400" lvl="6" indent="-342900" algn="l">
+              <a:lnSpc>
+                <a:spcPct val="103000"/>
+              </a:lnSpc>
+              <a:spcBef>
+                <a:spcPts val="500"/>
+              </a:spcBef>
+              <a:spcAft>
+                <a:spcPts val="0"/>
+              </a:spcAft>
+              <a:buClr>
+                <a:schemeClr val="dk1"/>
+              </a:buClr>
+              <a:buSzPts val="1800"/>
+              <a:buChar char="‒"/>
+              <a:defRPr/>
+            </a:lvl7pPr>
+            <a:lvl8pPr marL="3657600" lvl="7" indent="-342900" algn="l">
+              <a:lnSpc>
+                <a:spcPct val="103000"/>
+              </a:lnSpc>
+              <a:spcBef>
+                <a:spcPts val="500"/>
+              </a:spcBef>
+              <a:spcAft>
+                <a:spcPts val="0"/>
+              </a:spcAft>
+              <a:buClr>
+                <a:schemeClr val="dk1"/>
+              </a:buClr>
+              <a:buSzPts val="1800"/>
+              <a:buChar char="‒"/>
+              <a:defRPr/>
+            </a:lvl8pPr>
+            <a:lvl9pPr marL="4114800" lvl="8" indent="-342900" algn="l">
+              <a:lnSpc>
+                <a:spcPct val="103000"/>
+              </a:lnSpc>
+              <a:spcBef>
+                <a:spcPts val="500"/>
+              </a:spcBef>
+              <a:spcAft>
+                <a:spcPts val="0"/>
+              </a:spcAft>
+              <a:buClr>
+                <a:schemeClr val="dk1"/>
+              </a:buClr>
+              <a:buSzPts val="1800"/>
+              <a:buChar char="‒"/>
+              <a:defRPr/>
+            </a:lvl9pPr>
+          </a:lstStyle>
+          <a:p>
+            <a:pPr lvl="0"/>
+            <a:r>
+              <a:rPr lang="en-US" noProof="1" smtClean="0"/>
+              <a:t>Add Text</a:t>
+            </a:r>
+            <a:endParaRPr lang="en-US" noProof="1"/>
+          </a:p>
+        </p:txBody>
+      </p:sp>
+      <p:sp>
+        <p:nvSpPr>
+          <p:cNvPr id="4" name="Picture Placeholder 4">
+            <a:extLst>
+              <a:ext uri="{FF2B5EF4-FFF2-40B4-BE49-F238E27FC236}">
+                <a16:creationId xmlns:a16="http://schemas.microsoft.com/office/drawing/2014/main" id="{E4BBAF9A-7C35-481A-A051-34156DE6B27D}"/>
+              </a:ext>
+            </a:extLst>
+          </p:cNvPr>
+          <p:cNvSpPr>
+            <a:spLocks noGrp="1"/>
+          </p:cNvSpPr>
+          <p:nvPr>
+            <p:ph type="pic" sz="quarter" idx="10" hasCustomPrompt="1"/>
+          </p:nvPr>
+        </p:nvSpPr>
+        <p:spPr>
+          <a:xfrm>
+            <a:off x="377714" y="447279"/>
+            <a:ext cx="4953001" cy="5126308"/>
+          </a:xfrm>
+          <a:blipFill dpi="0" rotWithShape="1">
+            <a:blip r:embed="rId2">
+              <a:alphaModFix amt="70000"/>
+            </a:blip>
+            <a:srcRect/>
+            <a:stretch>
+              <a:fillRect/>
+            </a:stretch>
+          </a:blipFill>
+        </p:spPr>
+        <p:txBody>
+          <a:bodyPr anchor="ctr"/>
+          <a:lstStyle>
+            <a:lvl1pPr marL="0" indent="0" algn="ctr">
+              <a:lnSpc>
+                <a:spcPct val="600000"/>
+              </a:lnSpc>
+              <a:buFontTx/>
+              <a:buNone/>
+              <a:defRPr sz="900"/>
+            </a:lvl1pPr>
+          </a:lstStyle>
+          <a:p>
+            <a:r>
+              <a:rPr lang="en-US" noProof="1"/>
+              <a:t>Insert photo</a:t>
+            </a:r>
+          </a:p>
+        </p:txBody>
+      </p:sp>
+    </p:spTree>
+    <p:extLst>
+      <p:ext uri="{BB962C8B-B14F-4D97-AF65-F5344CB8AC3E}">
+        <p14:creationId xmlns:p14="http://schemas.microsoft.com/office/powerpoint/2010/main" val="1164729746"/>
+      </p:ext>
+    </p:extLst>
+  </p:cSld>
+  <p:clrMapOvr>
+    <a:masterClrMapping/>
+  </p:clrMapOvr>
+</p:sldLayout>
+</file>
+
+<file path=ppt/slideLayouts/slideLayout11.xml><?xml version="1.0" encoding="utf-8"?>
 <p:sldLayout xmlns:a="http://schemas.openxmlformats.org/drawingml/2006/main" xmlns:r="http://schemas.openxmlformats.org/officeDocument/2006/relationships" xmlns:p="http://schemas.openxmlformats.org/presentationml/2006/main" showMasterSp="0" matchingName="White logo horizontal " userDrawn="1">
   <p:cSld name="White logo horizontal ">
     <p:spTree>
@@ -1863,7 +2141,7 @@
 </p:sldLayout>
 </file>
 
-<file path=ppt/slideLayouts/slideLayout11.xml><?xml version="1.0" encoding="utf-8"?>
+<file path=ppt/slideLayouts/slideLayout12.xml><?xml version="1.0" encoding="utf-8"?>
 <p:sldLayout xmlns:a="http://schemas.openxmlformats.org/drawingml/2006/main" xmlns:r="http://schemas.openxmlformats.org/officeDocument/2006/relationships" xmlns:p="http://schemas.openxmlformats.org/presentationml/2006/main" showMasterSp="0" matchingName="White logo vertical " userDrawn="1">
   <p:cSld name="White logo vertical ">
     <p:spTree>
@@ -1977,7 +2255,7 @@
 </p:sldLayout>
 </file>
 
-<file path=ppt/slideLayouts/slideLayout12.xml><?xml version="1.0" encoding="utf-8"?>
+<file path=ppt/slideLayouts/slideLayout13.xml><?xml version="1.0" encoding="utf-8"?>
 <p:sldLayout xmlns:a="http://schemas.openxmlformats.org/drawingml/2006/main" xmlns:r="http://schemas.openxmlformats.org/officeDocument/2006/relationships" xmlns:p="http://schemas.openxmlformats.org/presentationml/2006/main" showMasterSp="0" matchingName="1 Content " userDrawn="1">
   <p:cSld name="OBJECT">
     <p:spTree>
@@ -2484,7 +2762,7 @@
 </p:sldLayout>
 </file>
 
-<file path=ppt/slideLayouts/slideLayout13.xml><?xml version="1.0" encoding="utf-8"?>
+<file path=ppt/slideLayouts/slideLayout14.xml><?xml version="1.0" encoding="utf-8"?>
 <p:sldLayout xmlns:a="http://schemas.openxmlformats.org/drawingml/2006/main" xmlns:r="http://schemas.openxmlformats.org/officeDocument/2006/relationships" xmlns:p="http://schemas.openxmlformats.org/presentationml/2006/main" showMasterSp="0" matchingName="2 Vertical contents " userDrawn="1">
   <p:cSld name="TWO_OBJECTS">
     <p:spTree>
@@ -3055,7 +3333,7 @@
 </p:sldLayout>
 </file>
 
-<file path=ppt/slideLayouts/slideLayout14.xml><?xml version="1.0" encoding="utf-8"?>
+<file path=ppt/slideLayouts/slideLayout15.xml><?xml version="1.0" encoding="utf-8"?>
 <p:sldLayout xmlns:a="http://schemas.openxmlformats.org/drawingml/2006/main" xmlns:r="http://schemas.openxmlformats.org/officeDocument/2006/relationships" xmlns:p="http://schemas.openxmlformats.org/presentationml/2006/main" showMasterSp="0" matchingName="3 Vertical contents " userDrawn="1">
   <p:cSld name="OBJECT_WITH_CAPTION_TEXT">
     <p:spTree>
@@ -3702,7 +3980,7 @@
 </p:sldLayout>
 </file>
 
-<file path=ppt/slideLayouts/slideLayout15.xml><?xml version="1.0" encoding="utf-8"?>
+<file path=ppt/slideLayouts/slideLayout16.xml><?xml version="1.0" encoding="utf-8"?>
 <p:sldLayout xmlns:a="http://schemas.openxmlformats.org/drawingml/2006/main" xmlns:r="http://schemas.openxmlformats.org/officeDocument/2006/relationships" xmlns:p="http://schemas.openxmlformats.org/presentationml/2006/main" showMasterSp="0" matchingName="4 Vertical contents " userDrawn="1">
   <p:cSld name="4 Vertical contents ">
     <p:spTree>
@@ -4413,7 +4691,7 @@
 </p:sldLayout>
 </file>
 
-<file path=ppt/slideLayouts/slideLayout16.xml><?xml version="1.0" encoding="utf-8"?>
+<file path=ppt/slideLayouts/slideLayout17.xml><?xml version="1.0" encoding="utf-8"?>
 <p:sldLayout xmlns:a="http://schemas.openxmlformats.org/drawingml/2006/main" xmlns:r="http://schemas.openxmlformats.org/officeDocument/2006/relationships" xmlns:p="http://schemas.openxmlformats.org/presentationml/2006/main" showMasterSp="0" matchingName="2 Horizontal contents " userDrawn="1">
   <p:cSld name="2 Horizontal contents ">
     <p:spTree>
@@ -4931,7 +5209,7 @@
 </p:sldLayout>
 </file>
 
-<file path=ppt/slideLayouts/slideLayout17.xml><?xml version="1.0" encoding="utf-8"?>
+<file path=ppt/slideLayouts/slideLayout18.xml><?xml version="1.0" encoding="utf-8"?>
 <p:sldLayout xmlns:a="http://schemas.openxmlformats.org/drawingml/2006/main" xmlns:r="http://schemas.openxmlformats.org/officeDocument/2006/relationships" xmlns:p="http://schemas.openxmlformats.org/presentationml/2006/main" showMasterSp="0" matchingName="2 x 2 Contents " userDrawn="1">
   <p:cSld name="2 x 2 Contents ">
     <p:spTree>
@@ -5632,7 +5910,7 @@
 </p:sldLayout>
 </file>
 
-<file path=ppt/slideLayouts/slideLayout18.xml><?xml version="1.0" encoding="utf-8"?>
+<file path=ppt/slideLayouts/slideLayout19.xml><?xml version="1.0" encoding="utf-8"?>
 <p:sldLayout xmlns:a="http://schemas.openxmlformats.org/drawingml/2006/main" xmlns:r="http://schemas.openxmlformats.org/officeDocument/2006/relationships" xmlns:p="http://schemas.openxmlformats.org/presentationml/2006/main" showMasterSp="0" matchingName="3 x 2 Contents " userDrawn="1">
   <p:cSld name="3 x 2 Contents ">
     <p:spTree>
@@ -6426,952 +6704,6 @@
           </p15:clr>
         </p15:guide>
         <p15:guide id="13" orient="horz" pos="2192">
-          <p15:clr>
-            <a:srgbClr val="FBAE40"/>
-          </p15:clr>
-        </p15:guide>
-      </p15:sldGuideLst>
-    </p:ext>
-  </p:extLst>
-</p:sldLayout>
-</file>
-
-<file path=ppt/slideLayouts/slideLayout19.xml><?xml version="1.0" encoding="utf-8"?>
-<p:sldLayout xmlns:a="http://schemas.openxmlformats.org/drawingml/2006/main" xmlns:r="http://schemas.openxmlformats.org/officeDocument/2006/relationships" xmlns:p="http://schemas.openxmlformats.org/presentationml/2006/main" showMasterSp="0" matchingName="4 x 2 Contents " userDrawn="1">
-  <p:cSld name="4 x 2 Contents ">
-    <p:spTree>
-      <p:nvGrpSpPr>
-        <p:cNvPr id="1" name="Shape 120"/>
-        <p:cNvGrpSpPr/>
-        <p:nvPr/>
-      </p:nvGrpSpPr>
-      <p:grpSpPr>
-        <a:xfrm>
-          <a:off x="0" y="0"/>
-          <a:ext cx="0" cy="0"/>
-          <a:chOff x="0" y="0"/>
-          <a:chExt cx="0" cy="0"/>
-        </a:xfrm>
-      </p:grpSpPr>
-      <p:sp>
-        <p:nvSpPr>
-          <p:cNvPr id="131" name="Google Shape;131;p19"/>
-          <p:cNvSpPr/>
-          <p:nvPr/>
-        </p:nvSpPr>
-        <p:spPr>
-          <a:xfrm>
-            <a:off x="9224010" y="259080"/>
-            <a:ext cx="1691640" cy="777240"/>
-          </a:xfrm>
-          <a:prstGeom prst="rect">
-            <a:avLst/>
-          </a:prstGeom>
-          <a:noFill/>
-          <a:ln>
-            <a:noFill/>
-          </a:ln>
-        </p:spPr>
-        <p:txBody>
-          <a:bodyPr spcFirstLastPara="1" wrap="square" lIns="0" tIns="17775" rIns="0" bIns="0" anchor="t" anchorCtr="0">
-            <a:normAutofit/>
-          </a:bodyPr>
-          <a:lstStyle/>
-          <a:p>
-            <a:pPr marL="0" marR="0" lvl="0" indent="0" algn="l" rtl="0">
-              <a:lnSpc>
-                <a:spcPct val="163636"/>
-              </a:lnSpc>
-              <a:spcBef>
-                <a:spcPts val="0"/>
-              </a:spcBef>
-              <a:spcAft>
-                <a:spcPts val="0"/>
-              </a:spcAft>
-              <a:buNone/>
-            </a:pPr>
-            <a:r>
-              <a:rPr lang="de-DE" sz="550" b="0" i="0" u="none" strike="noStrike">
-                <a:solidFill>
-                  <a:srgbClr val="000000"/>
-                </a:solidFill>
-                <a:latin typeface="Arial"/>
-                <a:ea typeface="Arial"/>
-                <a:cs typeface="Arial"/>
-                <a:sym typeface="Arial"/>
-              </a:rPr>
-              <a:t> </a:t>
-            </a:r>
-            <a:endParaRPr/>
-          </a:p>
-        </p:txBody>
-      </p:sp>
-      <p:sp>
-        <p:nvSpPr>
-          <p:cNvPr id="132" name="Google Shape;132;p19"/>
-          <p:cNvSpPr txBox="1">
-            <a:spLocks noGrp="1"/>
-          </p:cNvSpPr>
-          <p:nvPr>
-            <p:ph type="sldNum" idx="12"/>
-          </p:nvPr>
-        </p:nvSpPr>
-        <p:spPr>
-          <a:xfrm>
-            <a:off x="205200" y="5666400"/>
-            <a:ext cx="288290" cy="410210"/>
-          </a:xfrm>
-          <a:prstGeom prst="rect">
-            <a:avLst/>
-          </a:prstGeom>
-          <a:noFill/>
-          <a:ln>
-            <a:noFill/>
-          </a:ln>
-        </p:spPr>
-        <p:txBody>
-          <a:bodyPr spcFirstLastPara="1" wrap="square" lIns="91425" tIns="45700" rIns="91425" bIns="45700" anchor="t" anchorCtr="0">
-            <a:noAutofit/>
-          </a:bodyPr>
-          <a:lstStyle>
-            <a:lvl1pPr marL="0" marR="0" lvl="0" indent="0" algn="l" rtl="0">
-              <a:spcBef>
-                <a:spcPts val="0"/>
-              </a:spcBef>
-              <a:spcAft>
-                <a:spcPts val="0"/>
-              </a:spcAft>
-              <a:buNone/>
-              <a:defRPr sz="1800">
-                <a:solidFill>
-                  <a:schemeClr val="dk1"/>
-                </a:solidFill>
-                <a:latin typeface="Arial"/>
-                <a:ea typeface="Arial"/>
-                <a:cs typeface="Arial"/>
-                <a:sym typeface="Arial"/>
-              </a:defRPr>
-            </a:lvl1pPr>
-            <a:lvl2pPr marL="0" marR="0" lvl="1" indent="0" algn="l" rtl="0">
-              <a:spcBef>
-                <a:spcPts val="0"/>
-              </a:spcBef>
-              <a:spcAft>
-                <a:spcPts val="0"/>
-              </a:spcAft>
-              <a:buNone/>
-              <a:defRPr sz="1800">
-                <a:solidFill>
-                  <a:schemeClr val="dk1"/>
-                </a:solidFill>
-                <a:latin typeface="Arial"/>
-                <a:ea typeface="Arial"/>
-                <a:cs typeface="Arial"/>
-                <a:sym typeface="Arial"/>
-              </a:defRPr>
-            </a:lvl2pPr>
-            <a:lvl3pPr marL="0" marR="0" lvl="2" indent="0" algn="l" rtl="0">
-              <a:spcBef>
-                <a:spcPts val="0"/>
-              </a:spcBef>
-              <a:spcAft>
-                <a:spcPts val="0"/>
-              </a:spcAft>
-              <a:buNone/>
-              <a:defRPr sz="1800">
-                <a:solidFill>
-                  <a:schemeClr val="dk1"/>
-                </a:solidFill>
-                <a:latin typeface="Arial"/>
-                <a:ea typeface="Arial"/>
-                <a:cs typeface="Arial"/>
-                <a:sym typeface="Arial"/>
-              </a:defRPr>
-            </a:lvl3pPr>
-            <a:lvl4pPr marL="0" marR="0" lvl="3" indent="0" algn="l" rtl="0">
-              <a:spcBef>
-                <a:spcPts val="0"/>
-              </a:spcBef>
-              <a:spcAft>
-                <a:spcPts val="0"/>
-              </a:spcAft>
-              <a:buNone/>
-              <a:defRPr sz="1800">
-                <a:solidFill>
-                  <a:schemeClr val="dk1"/>
-                </a:solidFill>
-                <a:latin typeface="Arial"/>
-                <a:ea typeface="Arial"/>
-                <a:cs typeface="Arial"/>
-                <a:sym typeface="Arial"/>
-              </a:defRPr>
-            </a:lvl4pPr>
-            <a:lvl5pPr marL="0" marR="0" lvl="4" indent="0" algn="l" rtl="0">
-              <a:spcBef>
-                <a:spcPts val="0"/>
-              </a:spcBef>
-              <a:spcAft>
-                <a:spcPts val="0"/>
-              </a:spcAft>
-              <a:buNone/>
-              <a:defRPr sz="1800">
-                <a:solidFill>
-                  <a:schemeClr val="dk1"/>
-                </a:solidFill>
-                <a:latin typeface="Arial"/>
-                <a:ea typeface="Arial"/>
-                <a:cs typeface="Arial"/>
-                <a:sym typeface="Arial"/>
-              </a:defRPr>
-            </a:lvl5pPr>
-            <a:lvl6pPr marL="0" marR="0" lvl="5" indent="0" algn="l" rtl="0">
-              <a:spcBef>
-                <a:spcPts val="0"/>
-              </a:spcBef>
-              <a:spcAft>
-                <a:spcPts val="0"/>
-              </a:spcAft>
-              <a:buNone/>
-              <a:defRPr sz="1800">
-                <a:solidFill>
-                  <a:schemeClr val="dk1"/>
-                </a:solidFill>
-                <a:latin typeface="Arial"/>
-                <a:ea typeface="Arial"/>
-                <a:cs typeface="Arial"/>
-                <a:sym typeface="Arial"/>
-              </a:defRPr>
-            </a:lvl6pPr>
-            <a:lvl7pPr marL="0" marR="0" lvl="6" indent="0" algn="l" rtl="0">
-              <a:spcBef>
-                <a:spcPts val="0"/>
-              </a:spcBef>
-              <a:spcAft>
-                <a:spcPts val="0"/>
-              </a:spcAft>
-              <a:buNone/>
-              <a:defRPr sz="1800">
-                <a:solidFill>
-                  <a:schemeClr val="dk1"/>
-                </a:solidFill>
-                <a:latin typeface="Arial"/>
-                <a:ea typeface="Arial"/>
-                <a:cs typeface="Arial"/>
-                <a:sym typeface="Arial"/>
-              </a:defRPr>
-            </a:lvl7pPr>
-            <a:lvl8pPr marL="0" marR="0" lvl="7" indent="0" algn="l" rtl="0">
-              <a:spcBef>
-                <a:spcPts val="0"/>
-              </a:spcBef>
-              <a:spcAft>
-                <a:spcPts val="0"/>
-              </a:spcAft>
-              <a:buNone/>
-              <a:defRPr sz="1800">
-                <a:solidFill>
-                  <a:schemeClr val="dk1"/>
-                </a:solidFill>
-                <a:latin typeface="Arial"/>
-                <a:ea typeface="Arial"/>
-                <a:cs typeface="Arial"/>
-                <a:sym typeface="Arial"/>
-              </a:defRPr>
-            </a:lvl8pPr>
-            <a:lvl9pPr marL="0" marR="0" lvl="8" indent="0" algn="l" rtl="0">
-              <a:spcBef>
-                <a:spcPts val="0"/>
-              </a:spcBef>
-              <a:spcAft>
-                <a:spcPts val="0"/>
-              </a:spcAft>
-              <a:buNone/>
-              <a:defRPr sz="1800">
-                <a:solidFill>
-                  <a:schemeClr val="dk1"/>
-                </a:solidFill>
-                <a:latin typeface="Arial"/>
-                <a:ea typeface="Arial"/>
-                <a:cs typeface="Arial"/>
-                <a:sym typeface="Arial"/>
-              </a:defRPr>
-            </a:lvl9pPr>
-          </a:lstStyle>
-          <a:p>
-            <a:pPr marL="0" lvl="0" indent="0" algn="l" rtl="0">
-              <a:spcBef>
-                <a:spcPts val="0"/>
-              </a:spcBef>
-              <a:spcAft>
-                <a:spcPts val="0"/>
-              </a:spcAft>
-              <a:buNone/>
-            </a:pPr>
-            <a:fld id="{00000000-1234-1234-1234-123412341234}" type="slidenum">
-              <a:rPr lang="de-DE"/>
-              <a:t>‹#›</a:t>
-            </a:fld>
-            <a:endParaRPr dirty="0"/>
-          </a:p>
-        </p:txBody>
-      </p:sp>
-      <p:sp>
-        <p:nvSpPr>
-          <p:cNvPr id="14" name="Chapter_titleonly"/>
-          <p:cNvSpPr>
-            <a:spLocks noGrp="1"/>
-          </p:cNvSpPr>
-          <p:nvPr>
-            <p:ph type="body" sz="quarter" idx="15"/>
-          </p:nvPr>
-        </p:nvSpPr>
-        <p:spPr>
-          <a:xfrm>
-            <a:off x="205200" y="259200"/>
-            <a:ext cx="10558800" cy="388800"/>
-          </a:xfrm>
-        </p:spPr>
-        <p:txBody>
-          <a:bodyPr/>
-          <a:lstStyle>
-            <a:lvl1pPr marL="0" indent="0">
-              <a:lnSpc>
-                <a:spcPct val="89000"/>
-              </a:lnSpc>
-              <a:spcBef>
-                <a:spcPts val="0"/>
-              </a:spcBef>
-              <a:buNone/>
-              <a:defRPr sz="2800" kern="0" baseline="0">
-                <a:solidFill>
-                  <a:schemeClr val="tx1"/>
-                </a:solidFill>
-              </a:defRPr>
-            </a:lvl1pPr>
-            <a:lvl2pPr marL="233983" indent="0">
-              <a:buNone/>
-              <a:defRPr sz="2800"/>
-            </a:lvl2pPr>
-            <a:lvl3pPr marL="525562" indent="0">
-              <a:buNone/>
-              <a:defRPr sz="2800"/>
-            </a:lvl3pPr>
-            <a:lvl4pPr marL="748745" indent="0">
-              <a:buNone/>
-              <a:defRPr sz="2800"/>
-            </a:lvl4pPr>
-            <a:lvl5pPr marL="748745" indent="0">
-              <a:buNone/>
-              <a:defRPr sz="2800"/>
-            </a:lvl5pPr>
-          </a:lstStyle>
-          <a:p>
-            <a:pPr lvl="0"/>
-            <a:endParaRPr lang="en-US" noProof="1"/>
-          </a:p>
-        </p:txBody>
-      </p:sp>
-      <p:sp>
-        <p:nvSpPr>
-          <p:cNvPr id="15" name="Title 4">
-            <a:extLst>
-              <a:ext uri="{FF2B5EF4-FFF2-40B4-BE49-F238E27FC236}">
-                <a16:creationId xmlns:a16="http://schemas.microsoft.com/office/drawing/2014/main" id="{5CC74776-286D-45CF-B42A-A491ED08BED4}"/>
-              </a:ext>
-            </a:extLst>
-          </p:cNvPr>
-          <p:cNvSpPr>
-            <a:spLocks noGrp="1"/>
-          </p:cNvSpPr>
-          <p:nvPr>
-            <p:ph type="title"/>
-          </p:nvPr>
-        </p:nvSpPr>
-        <p:spPr>
-          <a:xfrm>
-            <a:off x="205200" y="648000"/>
-            <a:ext cx="10558800" cy="388800"/>
-          </a:xfrm>
-        </p:spPr>
-        <p:txBody>
-          <a:bodyPr/>
-          <a:lstStyle/>
-          <a:p>
-            <a:endParaRPr lang="en-US" dirty="0"/>
-          </a:p>
-        </p:txBody>
-      </p:sp>
-      <p:sp>
-        <p:nvSpPr>
-          <p:cNvPr id="16" name="Content Placeholder 1"/>
-          <p:cNvSpPr>
-            <a:spLocks noGrp="1"/>
-          </p:cNvSpPr>
-          <p:nvPr>
-            <p:ph sz="half" idx="1" hasCustomPrompt="1"/>
-          </p:nvPr>
-        </p:nvSpPr>
-        <p:spPr>
-          <a:xfrm>
-            <a:off x="205200" y="1296000"/>
-            <a:ext cx="2541600" cy="2055600"/>
-          </a:xfrm>
-        </p:spPr>
-        <p:txBody>
-          <a:bodyPr/>
-          <a:lstStyle>
-            <a:lvl1pPr>
-              <a:defRPr/>
-            </a:lvl1pPr>
-          </a:lstStyle>
-          <a:p>
-            <a:pPr lvl="0"/>
-            <a:r>
-              <a:rPr lang="en-US" noProof="1"/>
-              <a:t>Add Text </a:t>
-            </a:r>
-          </a:p>
-          <a:p>
-            <a:pPr lvl="1"/>
-            <a:r>
-              <a:rPr lang="en-US" noProof="1"/>
-              <a:t>Zweite Ebene</a:t>
-            </a:r>
-          </a:p>
-          <a:p>
-            <a:pPr lvl="2"/>
-            <a:r>
-              <a:rPr lang="en-US" noProof="1"/>
-              <a:t>Dritte Ebene</a:t>
-            </a:r>
-          </a:p>
-          <a:p>
-            <a:pPr lvl="3"/>
-            <a:r>
-              <a:rPr lang="en-US" noProof="1"/>
-              <a:t>Vierte Ebene</a:t>
-            </a:r>
-          </a:p>
-          <a:p>
-            <a:pPr lvl="4"/>
-            <a:r>
-              <a:rPr lang="en-US" noProof="1"/>
-              <a:t>Fünfte Ebene</a:t>
-            </a:r>
-          </a:p>
-        </p:txBody>
-      </p:sp>
-      <p:sp>
-        <p:nvSpPr>
-          <p:cNvPr id="17" name="Content Placeholder 2"/>
-          <p:cNvSpPr>
-            <a:spLocks noGrp="1"/>
-          </p:cNvSpPr>
-          <p:nvPr>
-            <p:ph sz="half" idx="3" hasCustomPrompt="1"/>
-          </p:nvPr>
-        </p:nvSpPr>
-        <p:spPr>
-          <a:xfrm>
-            <a:off x="2877600" y="1295999"/>
-            <a:ext cx="2541600" cy="2055600"/>
-          </a:xfrm>
-        </p:spPr>
-        <p:txBody>
-          <a:bodyPr/>
-          <a:lstStyle>
-            <a:lvl1pPr>
-              <a:defRPr/>
-            </a:lvl1pPr>
-          </a:lstStyle>
-          <a:p>
-            <a:pPr lvl="0"/>
-            <a:r>
-              <a:rPr lang="en-US" noProof="1"/>
-              <a:t>Add Text </a:t>
-            </a:r>
-          </a:p>
-          <a:p>
-            <a:pPr lvl="1"/>
-            <a:r>
-              <a:rPr lang="en-US" noProof="1"/>
-              <a:t>Zweite Ebene</a:t>
-            </a:r>
-          </a:p>
-          <a:p>
-            <a:pPr lvl="2"/>
-            <a:r>
-              <a:rPr lang="en-US" noProof="1"/>
-              <a:t>Dritte Ebene</a:t>
-            </a:r>
-          </a:p>
-          <a:p>
-            <a:pPr lvl="3"/>
-            <a:r>
-              <a:rPr lang="en-US" noProof="1"/>
-              <a:t>Vierte Ebene</a:t>
-            </a:r>
-          </a:p>
-          <a:p>
-            <a:pPr lvl="4"/>
-            <a:r>
-              <a:rPr lang="en-US" noProof="1"/>
-              <a:t>Fünfte Ebene</a:t>
-            </a:r>
-          </a:p>
-        </p:txBody>
-      </p:sp>
-      <p:sp>
-        <p:nvSpPr>
-          <p:cNvPr id="18" name="Content Placeholder 3">
-            <a:extLst>
-              <a:ext uri="{FF2B5EF4-FFF2-40B4-BE49-F238E27FC236}">
-                <a16:creationId xmlns:a16="http://schemas.microsoft.com/office/drawing/2014/main" id="{58468F8D-277D-4F1A-84A1-62122010643F}"/>
-              </a:ext>
-            </a:extLst>
-          </p:cNvPr>
-          <p:cNvSpPr>
-            <a:spLocks noGrp="1"/>
-          </p:cNvSpPr>
-          <p:nvPr>
-            <p:ph sz="half" idx="5" hasCustomPrompt="1"/>
-          </p:nvPr>
-        </p:nvSpPr>
-        <p:spPr>
-          <a:xfrm>
-            <a:off x="5550000" y="1296000"/>
-            <a:ext cx="2541600" cy="2055600"/>
-          </a:xfrm>
-        </p:spPr>
-        <p:txBody>
-          <a:bodyPr/>
-          <a:lstStyle>
-            <a:lvl1pPr>
-              <a:defRPr/>
-            </a:lvl1pPr>
-          </a:lstStyle>
-          <a:p>
-            <a:pPr lvl="0"/>
-            <a:r>
-              <a:rPr lang="en-US" noProof="1"/>
-              <a:t>Add Text </a:t>
-            </a:r>
-          </a:p>
-          <a:p>
-            <a:pPr lvl="1"/>
-            <a:r>
-              <a:rPr lang="en-US" noProof="1"/>
-              <a:t>Zweite Ebene</a:t>
-            </a:r>
-          </a:p>
-          <a:p>
-            <a:pPr lvl="2"/>
-            <a:r>
-              <a:rPr lang="en-US" noProof="1"/>
-              <a:t>Dritte Ebene</a:t>
-            </a:r>
-          </a:p>
-          <a:p>
-            <a:pPr lvl="3"/>
-            <a:r>
-              <a:rPr lang="en-US" noProof="1"/>
-              <a:t>Vierte Ebene</a:t>
-            </a:r>
-          </a:p>
-          <a:p>
-            <a:pPr lvl="4"/>
-            <a:r>
-              <a:rPr lang="en-US" noProof="1"/>
-              <a:t>Fünfte Ebene</a:t>
-            </a:r>
-          </a:p>
-        </p:txBody>
-      </p:sp>
-      <p:sp>
-        <p:nvSpPr>
-          <p:cNvPr id="19" name="Content Placeholder 4"/>
-          <p:cNvSpPr>
-            <a:spLocks noGrp="1"/>
-          </p:cNvSpPr>
-          <p:nvPr>
-            <p:ph sz="half" idx="7" hasCustomPrompt="1"/>
-          </p:nvPr>
-        </p:nvSpPr>
-        <p:spPr>
-          <a:xfrm>
-            <a:off x="8222400" y="1295999"/>
-            <a:ext cx="2541600" cy="2055600"/>
-          </a:xfrm>
-        </p:spPr>
-        <p:txBody>
-          <a:bodyPr/>
-          <a:lstStyle>
-            <a:lvl1pPr>
-              <a:defRPr/>
-            </a:lvl1pPr>
-          </a:lstStyle>
-          <a:p>
-            <a:pPr lvl="0"/>
-            <a:r>
-              <a:rPr lang="en-US" noProof="1"/>
-              <a:t>Add Text </a:t>
-            </a:r>
-          </a:p>
-          <a:p>
-            <a:pPr lvl="1"/>
-            <a:r>
-              <a:rPr lang="en-US" noProof="1"/>
-              <a:t>Zweite Ebene</a:t>
-            </a:r>
-          </a:p>
-          <a:p>
-            <a:pPr lvl="2"/>
-            <a:r>
-              <a:rPr lang="en-US" noProof="1"/>
-              <a:t>Dritte Ebene</a:t>
-            </a:r>
-          </a:p>
-          <a:p>
-            <a:pPr lvl="3"/>
-            <a:r>
-              <a:rPr lang="en-US" noProof="1"/>
-              <a:t>Vierte Ebene</a:t>
-            </a:r>
-          </a:p>
-          <a:p>
-            <a:pPr lvl="4"/>
-            <a:r>
-              <a:rPr lang="en-US" noProof="1"/>
-              <a:t>Fünfte Ebene</a:t>
-            </a:r>
-          </a:p>
-        </p:txBody>
-      </p:sp>
-      <p:sp>
-        <p:nvSpPr>
-          <p:cNvPr id="20" name="Content Placeholder 5"/>
-          <p:cNvSpPr>
-            <a:spLocks noGrp="1"/>
-          </p:cNvSpPr>
-          <p:nvPr>
-            <p:ph sz="half" idx="2" hasCustomPrompt="1"/>
-          </p:nvPr>
-        </p:nvSpPr>
-        <p:spPr>
-          <a:xfrm>
-            <a:off x="205200" y="3481200"/>
-            <a:ext cx="2541600" cy="2055600"/>
-          </a:xfrm>
-        </p:spPr>
-        <p:txBody>
-          <a:bodyPr/>
-          <a:lstStyle>
-            <a:lvl1pPr>
-              <a:defRPr/>
-            </a:lvl1pPr>
-          </a:lstStyle>
-          <a:p>
-            <a:pPr lvl="0"/>
-            <a:r>
-              <a:rPr lang="en-US" noProof="1"/>
-              <a:t>Add Text </a:t>
-            </a:r>
-          </a:p>
-          <a:p>
-            <a:pPr lvl="1"/>
-            <a:r>
-              <a:rPr lang="en-US" noProof="1"/>
-              <a:t>Zweite Ebene</a:t>
-            </a:r>
-          </a:p>
-          <a:p>
-            <a:pPr lvl="2"/>
-            <a:r>
-              <a:rPr lang="en-US" noProof="1"/>
-              <a:t>Dritte Ebene</a:t>
-            </a:r>
-          </a:p>
-          <a:p>
-            <a:pPr lvl="3"/>
-            <a:r>
-              <a:rPr lang="en-US" noProof="1"/>
-              <a:t>Vierte Ebene</a:t>
-            </a:r>
-          </a:p>
-          <a:p>
-            <a:pPr lvl="4"/>
-            <a:r>
-              <a:rPr lang="en-US" noProof="1"/>
-              <a:t>Fünfte Ebene</a:t>
-            </a:r>
-          </a:p>
-        </p:txBody>
-      </p:sp>
-      <p:sp>
-        <p:nvSpPr>
-          <p:cNvPr id="21" name="Content Placeholder 6"/>
-          <p:cNvSpPr>
-            <a:spLocks noGrp="1"/>
-          </p:cNvSpPr>
-          <p:nvPr>
-            <p:ph sz="half" idx="4" hasCustomPrompt="1"/>
-          </p:nvPr>
-        </p:nvSpPr>
-        <p:spPr>
-          <a:xfrm>
-            <a:off x="2877600" y="3481200"/>
-            <a:ext cx="2541600" cy="2055600"/>
-          </a:xfrm>
-        </p:spPr>
-        <p:txBody>
-          <a:bodyPr/>
-          <a:lstStyle>
-            <a:lvl1pPr>
-              <a:defRPr/>
-            </a:lvl1pPr>
-          </a:lstStyle>
-          <a:p>
-            <a:pPr lvl="0"/>
-            <a:r>
-              <a:rPr lang="en-US" noProof="1"/>
-              <a:t>Add Text </a:t>
-            </a:r>
-          </a:p>
-          <a:p>
-            <a:pPr lvl="1"/>
-            <a:r>
-              <a:rPr lang="en-US" noProof="1"/>
-              <a:t>Zweite Ebene</a:t>
-            </a:r>
-          </a:p>
-          <a:p>
-            <a:pPr lvl="2"/>
-            <a:r>
-              <a:rPr lang="en-US" noProof="1"/>
-              <a:t>Dritte Ebene</a:t>
-            </a:r>
-          </a:p>
-          <a:p>
-            <a:pPr lvl="3"/>
-            <a:r>
-              <a:rPr lang="en-US" noProof="1"/>
-              <a:t>Vierte Ebene</a:t>
-            </a:r>
-          </a:p>
-          <a:p>
-            <a:pPr lvl="4"/>
-            <a:r>
-              <a:rPr lang="en-US" noProof="1"/>
-              <a:t>Fünfte Ebene</a:t>
-            </a:r>
-          </a:p>
-        </p:txBody>
-      </p:sp>
-      <p:sp>
-        <p:nvSpPr>
-          <p:cNvPr id="22" name="Content Placeholder 7">
-            <a:extLst>
-              <a:ext uri="{FF2B5EF4-FFF2-40B4-BE49-F238E27FC236}">
-                <a16:creationId xmlns:a16="http://schemas.microsoft.com/office/drawing/2014/main" id="{B143799E-2832-49D7-9953-45BACACA7549}"/>
-              </a:ext>
-            </a:extLst>
-          </p:cNvPr>
-          <p:cNvSpPr>
-            <a:spLocks noGrp="1"/>
-          </p:cNvSpPr>
-          <p:nvPr>
-            <p:ph sz="half" idx="6" hasCustomPrompt="1"/>
-          </p:nvPr>
-        </p:nvSpPr>
-        <p:spPr>
-          <a:xfrm>
-            <a:off x="5550000" y="3481200"/>
-            <a:ext cx="2541600" cy="2055600"/>
-          </a:xfrm>
-        </p:spPr>
-        <p:txBody>
-          <a:bodyPr/>
-          <a:lstStyle>
-            <a:lvl1pPr>
-              <a:defRPr/>
-            </a:lvl1pPr>
-          </a:lstStyle>
-          <a:p>
-            <a:pPr lvl="0"/>
-            <a:r>
-              <a:rPr lang="en-US" noProof="1"/>
-              <a:t>Add Text </a:t>
-            </a:r>
-          </a:p>
-          <a:p>
-            <a:pPr lvl="1"/>
-            <a:r>
-              <a:rPr lang="en-US" noProof="1"/>
-              <a:t>Zweite Ebene</a:t>
-            </a:r>
-          </a:p>
-          <a:p>
-            <a:pPr lvl="2"/>
-            <a:r>
-              <a:rPr lang="en-US" noProof="1"/>
-              <a:t>Dritte Ebene</a:t>
-            </a:r>
-          </a:p>
-          <a:p>
-            <a:pPr lvl="3"/>
-            <a:r>
-              <a:rPr lang="en-US" noProof="1"/>
-              <a:t>Vierte Ebene</a:t>
-            </a:r>
-          </a:p>
-          <a:p>
-            <a:pPr lvl="4"/>
-            <a:r>
-              <a:rPr lang="en-US" noProof="1"/>
-              <a:t>Fünfte Ebene</a:t>
-            </a:r>
-          </a:p>
-        </p:txBody>
-      </p:sp>
-      <p:sp>
-        <p:nvSpPr>
-          <p:cNvPr id="23" name="Content Placeholder 8"/>
-          <p:cNvSpPr>
-            <a:spLocks noGrp="1"/>
-          </p:cNvSpPr>
-          <p:nvPr>
-            <p:ph sz="half" idx="8" hasCustomPrompt="1"/>
-          </p:nvPr>
-        </p:nvSpPr>
-        <p:spPr>
-          <a:xfrm>
-            <a:off x="8222400" y="3481200"/>
-            <a:ext cx="2541600" cy="2055600"/>
-          </a:xfrm>
-        </p:spPr>
-        <p:txBody>
-          <a:bodyPr/>
-          <a:lstStyle>
-            <a:lvl1pPr>
-              <a:defRPr/>
-            </a:lvl1pPr>
-          </a:lstStyle>
-          <a:p>
-            <a:pPr lvl="0"/>
-            <a:r>
-              <a:rPr lang="en-US" noProof="1"/>
-              <a:t>Add Text </a:t>
-            </a:r>
-          </a:p>
-          <a:p>
-            <a:pPr lvl="1"/>
-            <a:r>
-              <a:rPr lang="en-US" noProof="1"/>
-              <a:t>Zweite Ebene</a:t>
-            </a:r>
-          </a:p>
-          <a:p>
-            <a:pPr lvl="2"/>
-            <a:r>
-              <a:rPr lang="en-US" noProof="1"/>
-              <a:t>Dritte Ebene</a:t>
-            </a:r>
-          </a:p>
-          <a:p>
-            <a:pPr lvl="3"/>
-            <a:r>
-              <a:rPr lang="en-US" noProof="1"/>
-              <a:t>Vierte Ebene</a:t>
-            </a:r>
-          </a:p>
-          <a:p>
-            <a:pPr lvl="4"/>
-            <a:r>
-              <a:rPr lang="en-US" noProof="1"/>
-              <a:t>Fünfte Ebene</a:t>
-            </a:r>
-          </a:p>
-        </p:txBody>
-      </p:sp>
-    </p:spTree>
-  </p:cSld>
-  <p:clrMapOvr>
-    <a:masterClrMapping/>
-  </p:clrMapOvr>
-  <p:extLst mod="1">
-    <p:ext uri="{DCECCB84-F9BA-43D5-87BE-67443E8EF086}">
-      <p15:sldGuideLst xmlns:p15="http://schemas.microsoft.com/office/powerpoint/2012/main">
-        <p15:guide id="1" pos="128">
-          <p15:clr>
-            <a:srgbClr val="FBAE40"/>
-          </p15:clr>
-        </p15:guide>
-        <p15:guide id="2" pos="6784">
-          <p15:clr>
-            <a:srgbClr val="FBAE40"/>
-          </p15:clr>
-        </p15:guide>
-        <p15:guide id="3" orient="horz" pos="162">
-          <p15:clr>
-            <a:srgbClr val="FBAE40"/>
-          </p15:clr>
-        </p15:guide>
-        <p15:guide id="4" orient="horz" pos="408">
-          <p15:clr>
-            <a:srgbClr val="FBAE40"/>
-          </p15:clr>
-        </p15:guide>
-        <p15:guide id="5" orient="horz" pos="654">
-          <p15:clr>
-            <a:srgbClr val="FBAE40"/>
-          </p15:clr>
-        </p15:guide>
-        <p15:guide id="6" orient="horz" pos="816">
-          <p15:clr>
-            <a:srgbClr val="FBAE40"/>
-          </p15:clr>
-        </p15:guide>
-        <p15:guide id="7" orient="horz" pos="3489">
-          <p15:clr>
-            <a:srgbClr val="FBAE40"/>
-          </p15:clr>
-        </p15:guide>
-        <p15:guide id="8" orient="horz" pos="2113">
-          <p15:clr>
-            <a:srgbClr val="FBAE40"/>
-          </p15:clr>
-        </p15:guide>
-        <p15:guide id="9" orient="horz" pos="2192">
-          <p15:clr>
-            <a:srgbClr val="FBAE40"/>
-          </p15:clr>
-        </p15:guide>
-        <p15:guide id="10" pos="1731">
-          <p15:clr>
-            <a:srgbClr val="FBAE40"/>
-          </p15:clr>
-        </p15:guide>
-        <p15:guide id="11" pos="1810">
-          <p15:clr>
-            <a:srgbClr val="FBAE40"/>
-          </p15:clr>
-        </p15:guide>
-        <p15:guide id="12" pos="3416">
-          <p15:clr>
-            <a:srgbClr val="FBAE40"/>
-          </p15:clr>
-        </p15:guide>
-        <p15:guide id="13" pos="3497">
-          <p15:clr>
-            <a:srgbClr val="FBAE40"/>
-          </p15:clr>
-        </p15:guide>
-        <p15:guide id="14" pos="5098">
-          <p15:clr>
-            <a:srgbClr val="FBAE40"/>
-          </p15:clr>
-        </p15:guide>
-        <p15:guide id="15" pos="5177">
           <p15:clr>
             <a:srgbClr val="FBAE40"/>
           </p15:clr>
@@ -7605,6 +6937,952 @@
 </file>
 
 <file path=ppt/slideLayouts/slideLayout20.xml><?xml version="1.0" encoding="utf-8"?>
+<p:sldLayout xmlns:a="http://schemas.openxmlformats.org/drawingml/2006/main" xmlns:r="http://schemas.openxmlformats.org/officeDocument/2006/relationships" xmlns:p="http://schemas.openxmlformats.org/presentationml/2006/main" showMasterSp="0" matchingName="4 x 2 Contents " userDrawn="1">
+  <p:cSld name="4 x 2 Contents ">
+    <p:spTree>
+      <p:nvGrpSpPr>
+        <p:cNvPr id="1" name="Shape 120"/>
+        <p:cNvGrpSpPr/>
+        <p:nvPr/>
+      </p:nvGrpSpPr>
+      <p:grpSpPr>
+        <a:xfrm>
+          <a:off x="0" y="0"/>
+          <a:ext cx="0" cy="0"/>
+          <a:chOff x="0" y="0"/>
+          <a:chExt cx="0" cy="0"/>
+        </a:xfrm>
+      </p:grpSpPr>
+      <p:sp>
+        <p:nvSpPr>
+          <p:cNvPr id="131" name="Google Shape;131;p19"/>
+          <p:cNvSpPr/>
+          <p:nvPr/>
+        </p:nvSpPr>
+        <p:spPr>
+          <a:xfrm>
+            <a:off x="9224010" y="259080"/>
+            <a:ext cx="1691640" cy="777240"/>
+          </a:xfrm>
+          <a:prstGeom prst="rect">
+            <a:avLst/>
+          </a:prstGeom>
+          <a:noFill/>
+          <a:ln>
+            <a:noFill/>
+          </a:ln>
+        </p:spPr>
+        <p:txBody>
+          <a:bodyPr spcFirstLastPara="1" wrap="square" lIns="0" tIns="17775" rIns="0" bIns="0" anchor="t" anchorCtr="0">
+            <a:normAutofit/>
+          </a:bodyPr>
+          <a:lstStyle/>
+          <a:p>
+            <a:pPr marL="0" marR="0" lvl="0" indent="0" algn="l" rtl="0">
+              <a:lnSpc>
+                <a:spcPct val="163636"/>
+              </a:lnSpc>
+              <a:spcBef>
+                <a:spcPts val="0"/>
+              </a:spcBef>
+              <a:spcAft>
+                <a:spcPts val="0"/>
+              </a:spcAft>
+              <a:buNone/>
+            </a:pPr>
+            <a:r>
+              <a:rPr lang="de-DE" sz="550" b="0" i="0" u="none" strike="noStrike">
+                <a:solidFill>
+                  <a:srgbClr val="000000"/>
+                </a:solidFill>
+                <a:latin typeface="Arial"/>
+                <a:ea typeface="Arial"/>
+                <a:cs typeface="Arial"/>
+                <a:sym typeface="Arial"/>
+              </a:rPr>
+              <a:t> </a:t>
+            </a:r>
+            <a:endParaRPr/>
+          </a:p>
+        </p:txBody>
+      </p:sp>
+      <p:sp>
+        <p:nvSpPr>
+          <p:cNvPr id="132" name="Google Shape;132;p19"/>
+          <p:cNvSpPr txBox="1">
+            <a:spLocks noGrp="1"/>
+          </p:cNvSpPr>
+          <p:nvPr>
+            <p:ph type="sldNum" idx="12"/>
+          </p:nvPr>
+        </p:nvSpPr>
+        <p:spPr>
+          <a:xfrm>
+            <a:off x="205200" y="5666400"/>
+            <a:ext cx="288290" cy="410210"/>
+          </a:xfrm>
+          <a:prstGeom prst="rect">
+            <a:avLst/>
+          </a:prstGeom>
+          <a:noFill/>
+          <a:ln>
+            <a:noFill/>
+          </a:ln>
+        </p:spPr>
+        <p:txBody>
+          <a:bodyPr spcFirstLastPara="1" wrap="square" lIns="91425" tIns="45700" rIns="91425" bIns="45700" anchor="t" anchorCtr="0">
+            <a:noAutofit/>
+          </a:bodyPr>
+          <a:lstStyle>
+            <a:lvl1pPr marL="0" marR="0" lvl="0" indent="0" algn="l" rtl="0">
+              <a:spcBef>
+                <a:spcPts val="0"/>
+              </a:spcBef>
+              <a:spcAft>
+                <a:spcPts val="0"/>
+              </a:spcAft>
+              <a:buNone/>
+              <a:defRPr sz="1800">
+                <a:solidFill>
+                  <a:schemeClr val="dk1"/>
+                </a:solidFill>
+                <a:latin typeface="Arial"/>
+                <a:ea typeface="Arial"/>
+                <a:cs typeface="Arial"/>
+                <a:sym typeface="Arial"/>
+              </a:defRPr>
+            </a:lvl1pPr>
+            <a:lvl2pPr marL="0" marR="0" lvl="1" indent="0" algn="l" rtl="0">
+              <a:spcBef>
+                <a:spcPts val="0"/>
+              </a:spcBef>
+              <a:spcAft>
+                <a:spcPts val="0"/>
+              </a:spcAft>
+              <a:buNone/>
+              <a:defRPr sz="1800">
+                <a:solidFill>
+                  <a:schemeClr val="dk1"/>
+                </a:solidFill>
+                <a:latin typeface="Arial"/>
+                <a:ea typeface="Arial"/>
+                <a:cs typeface="Arial"/>
+                <a:sym typeface="Arial"/>
+              </a:defRPr>
+            </a:lvl2pPr>
+            <a:lvl3pPr marL="0" marR="0" lvl="2" indent="0" algn="l" rtl="0">
+              <a:spcBef>
+                <a:spcPts val="0"/>
+              </a:spcBef>
+              <a:spcAft>
+                <a:spcPts val="0"/>
+              </a:spcAft>
+              <a:buNone/>
+              <a:defRPr sz="1800">
+                <a:solidFill>
+                  <a:schemeClr val="dk1"/>
+                </a:solidFill>
+                <a:latin typeface="Arial"/>
+                <a:ea typeface="Arial"/>
+                <a:cs typeface="Arial"/>
+                <a:sym typeface="Arial"/>
+              </a:defRPr>
+            </a:lvl3pPr>
+            <a:lvl4pPr marL="0" marR="0" lvl="3" indent="0" algn="l" rtl="0">
+              <a:spcBef>
+                <a:spcPts val="0"/>
+              </a:spcBef>
+              <a:spcAft>
+                <a:spcPts val="0"/>
+              </a:spcAft>
+              <a:buNone/>
+              <a:defRPr sz="1800">
+                <a:solidFill>
+                  <a:schemeClr val="dk1"/>
+                </a:solidFill>
+                <a:latin typeface="Arial"/>
+                <a:ea typeface="Arial"/>
+                <a:cs typeface="Arial"/>
+                <a:sym typeface="Arial"/>
+              </a:defRPr>
+            </a:lvl4pPr>
+            <a:lvl5pPr marL="0" marR="0" lvl="4" indent="0" algn="l" rtl="0">
+              <a:spcBef>
+                <a:spcPts val="0"/>
+              </a:spcBef>
+              <a:spcAft>
+                <a:spcPts val="0"/>
+              </a:spcAft>
+              <a:buNone/>
+              <a:defRPr sz="1800">
+                <a:solidFill>
+                  <a:schemeClr val="dk1"/>
+                </a:solidFill>
+                <a:latin typeface="Arial"/>
+                <a:ea typeface="Arial"/>
+                <a:cs typeface="Arial"/>
+                <a:sym typeface="Arial"/>
+              </a:defRPr>
+            </a:lvl5pPr>
+            <a:lvl6pPr marL="0" marR="0" lvl="5" indent="0" algn="l" rtl="0">
+              <a:spcBef>
+                <a:spcPts val="0"/>
+              </a:spcBef>
+              <a:spcAft>
+                <a:spcPts val="0"/>
+              </a:spcAft>
+              <a:buNone/>
+              <a:defRPr sz="1800">
+                <a:solidFill>
+                  <a:schemeClr val="dk1"/>
+                </a:solidFill>
+                <a:latin typeface="Arial"/>
+                <a:ea typeface="Arial"/>
+                <a:cs typeface="Arial"/>
+                <a:sym typeface="Arial"/>
+              </a:defRPr>
+            </a:lvl6pPr>
+            <a:lvl7pPr marL="0" marR="0" lvl="6" indent="0" algn="l" rtl="0">
+              <a:spcBef>
+                <a:spcPts val="0"/>
+              </a:spcBef>
+              <a:spcAft>
+                <a:spcPts val="0"/>
+              </a:spcAft>
+              <a:buNone/>
+              <a:defRPr sz="1800">
+                <a:solidFill>
+                  <a:schemeClr val="dk1"/>
+                </a:solidFill>
+                <a:latin typeface="Arial"/>
+                <a:ea typeface="Arial"/>
+                <a:cs typeface="Arial"/>
+                <a:sym typeface="Arial"/>
+              </a:defRPr>
+            </a:lvl7pPr>
+            <a:lvl8pPr marL="0" marR="0" lvl="7" indent="0" algn="l" rtl="0">
+              <a:spcBef>
+                <a:spcPts val="0"/>
+              </a:spcBef>
+              <a:spcAft>
+                <a:spcPts val="0"/>
+              </a:spcAft>
+              <a:buNone/>
+              <a:defRPr sz="1800">
+                <a:solidFill>
+                  <a:schemeClr val="dk1"/>
+                </a:solidFill>
+                <a:latin typeface="Arial"/>
+                <a:ea typeface="Arial"/>
+                <a:cs typeface="Arial"/>
+                <a:sym typeface="Arial"/>
+              </a:defRPr>
+            </a:lvl8pPr>
+            <a:lvl9pPr marL="0" marR="0" lvl="8" indent="0" algn="l" rtl="0">
+              <a:spcBef>
+                <a:spcPts val="0"/>
+              </a:spcBef>
+              <a:spcAft>
+                <a:spcPts val="0"/>
+              </a:spcAft>
+              <a:buNone/>
+              <a:defRPr sz="1800">
+                <a:solidFill>
+                  <a:schemeClr val="dk1"/>
+                </a:solidFill>
+                <a:latin typeface="Arial"/>
+                <a:ea typeface="Arial"/>
+                <a:cs typeface="Arial"/>
+                <a:sym typeface="Arial"/>
+              </a:defRPr>
+            </a:lvl9pPr>
+          </a:lstStyle>
+          <a:p>
+            <a:pPr marL="0" lvl="0" indent="0" algn="l" rtl="0">
+              <a:spcBef>
+                <a:spcPts val="0"/>
+              </a:spcBef>
+              <a:spcAft>
+                <a:spcPts val="0"/>
+              </a:spcAft>
+              <a:buNone/>
+            </a:pPr>
+            <a:fld id="{00000000-1234-1234-1234-123412341234}" type="slidenum">
+              <a:rPr lang="de-DE"/>
+              <a:t>‹#›</a:t>
+            </a:fld>
+            <a:endParaRPr dirty="0"/>
+          </a:p>
+        </p:txBody>
+      </p:sp>
+      <p:sp>
+        <p:nvSpPr>
+          <p:cNvPr id="14" name="Chapter_titleonly"/>
+          <p:cNvSpPr>
+            <a:spLocks noGrp="1"/>
+          </p:cNvSpPr>
+          <p:nvPr>
+            <p:ph type="body" sz="quarter" idx="15"/>
+          </p:nvPr>
+        </p:nvSpPr>
+        <p:spPr>
+          <a:xfrm>
+            <a:off x="205200" y="259200"/>
+            <a:ext cx="10558800" cy="388800"/>
+          </a:xfrm>
+        </p:spPr>
+        <p:txBody>
+          <a:bodyPr/>
+          <a:lstStyle>
+            <a:lvl1pPr marL="0" indent="0">
+              <a:lnSpc>
+                <a:spcPct val="89000"/>
+              </a:lnSpc>
+              <a:spcBef>
+                <a:spcPts val="0"/>
+              </a:spcBef>
+              <a:buNone/>
+              <a:defRPr sz="2800" kern="0" baseline="0">
+                <a:solidFill>
+                  <a:schemeClr val="tx1"/>
+                </a:solidFill>
+              </a:defRPr>
+            </a:lvl1pPr>
+            <a:lvl2pPr marL="233983" indent="0">
+              <a:buNone/>
+              <a:defRPr sz="2800"/>
+            </a:lvl2pPr>
+            <a:lvl3pPr marL="525562" indent="0">
+              <a:buNone/>
+              <a:defRPr sz="2800"/>
+            </a:lvl3pPr>
+            <a:lvl4pPr marL="748745" indent="0">
+              <a:buNone/>
+              <a:defRPr sz="2800"/>
+            </a:lvl4pPr>
+            <a:lvl5pPr marL="748745" indent="0">
+              <a:buNone/>
+              <a:defRPr sz="2800"/>
+            </a:lvl5pPr>
+          </a:lstStyle>
+          <a:p>
+            <a:pPr lvl="0"/>
+            <a:endParaRPr lang="en-US" noProof="1"/>
+          </a:p>
+        </p:txBody>
+      </p:sp>
+      <p:sp>
+        <p:nvSpPr>
+          <p:cNvPr id="15" name="Title 4">
+            <a:extLst>
+              <a:ext uri="{FF2B5EF4-FFF2-40B4-BE49-F238E27FC236}">
+                <a16:creationId xmlns:a16="http://schemas.microsoft.com/office/drawing/2014/main" id="{5CC74776-286D-45CF-B42A-A491ED08BED4}"/>
+              </a:ext>
+            </a:extLst>
+          </p:cNvPr>
+          <p:cNvSpPr>
+            <a:spLocks noGrp="1"/>
+          </p:cNvSpPr>
+          <p:nvPr>
+            <p:ph type="title"/>
+          </p:nvPr>
+        </p:nvSpPr>
+        <p:spPr>
+          <a:xfrm>
+            <a:off x="205200" y="648000"/>
+            <a:ext cx="10558800" cy="388800"/>
+          </a:xfrm>
+        </p:spPr>
+        <p:txBody>
+          <a:bodyPr/>
+          <a:lstStyle/>
+          <a:p>
+            <a:endParaRPr lang="en-US" dirty="0"/>
+          </a:p>
+        </p:txBody>
+      </p:sp>
+      <p:sp>
+        <p:nvSpPr>
+          <p:cNvPr id="16" name="Content Placeholder 1"/>
+          <p:cNvSpPr>
+            <a:spLocks noGrp="1"/>
+          </p:cNvSpPr>
+          <p:nvPr>
+            <p:ph sz="half" idx="1" hasCustomPrompt="1"/>
+          </p:nvPr>
+        </p:nvSpPr>
+        <p:spPr>
+          <a:xfrm>
+            <a:off x="205200" y="1296000"/>
+            <a:ext cx="2541600" cy="2055600"/>
+          </a:xfrm>
+        </p:spPr>
+        <p:txBody>
+          <a:bodyPr/>
+          <a:lstStyle>
+            <a:lvl1pPr>
+              <a:defRPr/>
+            </a:lvl1pPr>
+          </a:lstStyle>
+          <a:p>
+            <a:pPr lvl="0"/>
+            <a:r>
+              <a:rPr lang="en-US" noProof="1"/>
+              <a:t>Add Text </a:t>
+            </a:r>
+          </a:p>
+          <a:p>
+            <a:pPr lvl="1"/>
+            <a:r>
+              <a:rPr lang="en-US" noProof="1"/>
+              <a:t>Zweite Ebene</a:t>
+            </a:r>
+          </a:p>
+          <a:p>
+            <a:pPr lvl="2"/>
+            <a:r>
+              <a:rPr lang="en-US" noProof="1"/>
+              <a:t>Dritte Ebene</a:t>
+            </a:r>
+          </a:p>
+          <a:p>
+            <a:pPr lvl="3"/>
+            <a:r>
+              <a:rPr lang="en-US" noProof="1"/>
+              <a:t>Vierte Ebene</a:t>
+            </a:r>
+          </a:p>
+          <a:p>
+            <a:pPr lvl="4"/>
+            <a:r>
+              <a:rPr lang="en-US" noProof="1"/>
+              <a:t>Fünfte Ebene</a:t>
+            </a:r>
+          </a:p>
+        </p:txBody>
+      </p:sp>
+      <p:sp>
+        <p:nvSpPr>
+          <p:cNvPr id="17" name="Content Placeholder 2"/>
+          <p:cNvSpPr>
+            <a:spLocks noGrp="1"/>
+          </p:cNvSpPr>
+          <p:nvPr>
+            <p:ph sz="half" idx="3" hasCustomPrompt="1"/>
+          </p:nvPr>
+        </p:nvSpPr>
+        <p:spPr>
+          <a:xfrm>
+            <a:off x="2877600" y="1295999"/>
+            <a:ext cx="2541600" cy="2055600"/>
+          </a:xfrm>
+        </p:spPr>
+        <p:txBody>
+          <a:bodyPr/>
+          <a:lstStyle>
+            <a:lvl1pPr>
+              <a:defRPr/>
+            </a:lvl1pPr>
+          </a:lstStyle>
+          <a:p>
+            <a:pPr lvl="0"/>
+            <a:r>
+              <a:rPr lang="en-US" noProof="1"/>
+              <a:t>Add Text </a:t>
+            </a:r>
+          </a:p>
+          <a:p>
+            <a:pPr lvl="1"/>
+            <a:r>
+              <a:rPr lang="en-US" noProof="1"/>
+              <a:t>Zweite Ebene</a:t>
+            </a:r>
+          </a:p>
+          <a:p>
+            <a:pPr lvl="2"/>
+            <a:r>
+              <a:rPr lang="en-US" noProof="1"/>
+              <a:t>Dritte Ebene</a:t>
+            </a:r>
+          </a:p>
+          <a:p>
+            <a:pPr lvl="3"/>
+            <a:r>
+              <a:rPr lang="en-US" noProof="1"/>
+              <a:t>Vierte Ebene</a:t>
+            </a:r>
+          </a:p>
+          <a:p>
+            <a:pPr lvl="4"/>
+            <a:r>
+              <a:rPr lang="en-US" noProof="1"/>
+              <a:t>Fünfte Ebene</a:t>
+            </a:r>
+          </a:p>
+        </p:txBody>
+      </p:sp>
+      <p:sp>
+        <p:nvSpPr>
+          <p:cNvPr id="18" name="Content Placeholder 3">
+            <a:extLst>
+              <a:ext uri="{FF2B5EF4-FFF2-40B4-BE49-F238E27FC236}">
+                <a16:creationId xmlns:a16="http://schemas.microsoft.com/office/drawing/2014/main" id="{58468F8D-277D-4F1A-84A1-62122010643F}"/>
+              </a:ext>
+            </a:extLst>
+          </p:cNvPr>
+          <p:cNvSpPr>
+            <a:spLocks noGrp="1"/>
+          </p:cNvSpPr>
+          <p:nvPr>
+            <p:ph sz="half" idx="5" hasCustomPrompt="1"/>
+          </p:nvPr>
+        </p:nvSpPr>
+        <p:spPr>
+          <a:xfrm>
+            <a:off x="5550000" y="1296000"/>
+            <a:ext cx="2541600" cy="2055600"/>
+          </a:xfrm>
+        </p:spPr>
+        <p:txBody>
+          <a:bodyPr/>
+          <a:lstStyle>
+            <a:lvl1pPr>
+              <a:defRPr/>
+            </a:lvl1pPr>
+          </a:lstStyle>
+          <a:p>
+            <a:pPr lvl="0"/>
+            <a:r>
+              <a:rPr lang="en-US" noProof="1"/>
+              <a:t>Add Text </a:t>
+            </a:r>
+          </a:p>
+          <a:p>
+            <a:pPr lvl="1"/>
+            <a:r>
+              <a:rPr lang="en-US" noProof="1"/>
+              <a:t>Zweite Ebene</a:t>
+            </a:r>
+          </a:p>
+          <a:p>
+            <a:pPr lvl="2"/>
+            <a:r>
+              <a:rPr lang="en-US" noProof="1"/>
+              <a:t>Dritte Ebene</a:t>
+            </a:r>
+          </a:p>
+          <a:p>
+            <a:pPr lvl="3"/>
+            <a:r>
+              <a:rPr lang="en-US" noProof="1"/>
+              <a:t>Vierte Ebene</a:t>
+            </a:r>
+          </a:p>
+          <a:p>
+            <a:pPr lvl="4"/>
+            <a:r>
+              <a:rPr lang="en-US" noProof="1"/>
+              <a:t>Fünfte Ebene</a:t>
+            </a:r>
+          </a:p>
+        </p:txBody>
+      </p:sp>
+      <p:sp>
+        <p:nvSpPr>
+          <p:cNvPr id="19" name="Content Placeholder 4"/>
+          <p:cNvSpPr>
+            <a:spLocks noGrp="1"/>
+          </p:cNvSpPr>
+          <p:nvPr>
+            <p:ph sz="half" idx="7" hasCustomPrompt="1"/>
+          </p:nvPr>
+        </p:nvSpPr>
+        <p:spPr>
+          <a:xfrm>
+            <a:off x="8222400" y="1295999"/>
+            <a:ext cx="2541600" cy="2055600"/>
+          </a:xfrm>
+        </p:spPr>
+        <p:txBody>
+          <a:bodyPr/>
+          <a:lstStyle>
+            <a:lvl1pPr>
+              <a:defRPr/>
+            </a:lvl1pPr>
+          </a:lstStyle>
+          <a:p>
+            <a:pPr lvl="0"/>
+            <a:r>
+              <a:rPr lang="en-US" noProof="1"/>
+              <a:t>Add Text </a:t>
+            </a:r>
+          </a:p>
+          <a:p>
+            <a:pPr lvl="1"/>
+            <a:r>
+              <a:rPr lang="en-US" noProof="1"/>
+              <a:t>Zweite Ebene</a:t>
+            </a:r>
+          </a:p>
+          <a:p>
+            <a:pPr lvl="2"/>
+            <a:r>
+              <a:rPr lang="en-US" noProof="1"/>
+              <a:t>Dritte Ebene</a:t>
+            </a:r>
+          </a:p>
+          <a:p>
+            <a:pPr lvl="3"/>
+            <a:r>
+              <a:rPr lang="en-US" noProof="1"/>
+              <a:t>Vierte Ebene</a:t>
+            </a:r>
+          </a:p>
+          <a:p>
+            <a:pPr lvl="4"/>
+            <a:r>
+              <a:rPr lang="en-US" noProof="1"/>
+              <a:t>Fünfte Ebene</a:t>
+            </a:r>
+          </a:p>
+        </p:txBody>
+      </p:sp>
+      <p:sp>
+        <p:nvSpPr>
+          <p:cNvPr id="20" name="Content Placeholder 5"/>
+          <p:cNvSpPr>
+            <a:spLocks noGrp="1"/>
+          </p:cNvSpPr>
+          <p:nvPr>
+            <p:ph sz="half" idx="2" hasCustomPrompt="1"/>
+          </p:nvPr>
+        </p:nvSpPr>
+        <p:spPr>
+          <a:xfrm>
+            <a:off x="205200" y="3481200"/>
+            <a:ext cx="2541600" cy="2055600"/>
+          </a:xfrm>
+        </p:spPr>
+        <p:txBody>
+          <a:bodyPr/>
+          <a:lstStyle>
+            <a:lvl1pPr>
+              <a:defRPr/>
+            </a:lvl1pPr>
+          </a:lstStyle>
+          <a:p>
+            <a:pPr lvl="0"/>
+            <a:r>
+              <a:rPr lang="en-US" noProof="1"/>
+              <a:t>Add Text </a:t>
+            </a:r>
+          </a:p>
+          <a:p>
+            <a:pPr lvl="1"/>
+            <a:r>
+              <a:rPr lang="en-US" noProof="1"/>
+              <a:t>Zweite Ebene</a:t>
+            </a:r>
+          </a:p>
+          <a:p>
+            <a:pPr lvl="2"/>
+            <a:r>
+              <a:rPr lang="en-US" noProof="1"/>
+              <a:t>Dritte Ebene</a:t>
+            </a:r>
+          </a:p>
+          <a:p>
+            <a:pPr lvl="3"/>
+            <a:r>
+              <a:rPr lang="en-US" noProof="1"/>
+              <a:t>Vierte Ebene</a:t>
+            </a:r>
+          </a:p>
+          <a:p>
+            <a:pPr lvl="4"/>
+            <a:r>
+              <a:rPr lang="en-US" noProof="1"/>
+              <a:t>Fünfte Ebene</a:t>
+            </a:r>
+          </a:p>
+        </p:txBody>
+      </p:sp>
+      <p:sp>
+        <p:nvSpPr>
+          <p:cNvPr id="21" name="Content Placeholder 6"/>
+          <p:cNvSpPr>
+            <a:spLocks noGrp="1"/>
+          </p:cNvSpPr>
+          <p:nvPr>
+            <p:ph sz="half" idx="4" hasCustomPrompt="1"/>
+          </p:nvPr>
+        </p:nvSpPr>
+        <p:spPr>
+          <a:xfrm>
+            <a:off x="2877600" y="3481200"/>
+            <a:ext cx="2541600" cy="2055600"/>
+          </a:xfrm>
+        </p:spPr>
+        <p:txBody>
+          <a:bodyPr/>
+          <a:lstStyle>
+            <a:lvl1pPr>
+              <a:defRPr/>
+            </a:lvl1pPr>
+          </a:lstStyle>
+          <a:p>
+            <a:pPr lvl="0"/>
+            <a:r>
+              <a:rPr lang="en-US" noProof="1"/>
+              <a:t>Add Text </a:t>
+            </a:r>
+          </a:p>
+          <a:p>
+            <a:pPr lvl="1"/>
+            <a:r>
+              <a:rPr lang="en-US" noProof="1"/>
+              <a:t>Zweite Ebene</a:t>
+            </a:r>
+          </a:p>
+          <a:p>
+            <a:pPr lvl="2"/>
+            <a:r>
+              <a:rPr lang="en-US" noProof="1"/>
+              <a:t>Dritte Ebene</a:t>
+            </a:r>
+          </a:p>
+          <a:p>
+            <a:pPr lvl="3"/>
+            <a:r>
+              <a:rPr lang="en-US" noProof="1"/>
+              <a:t>Vierte Ebene</a:t>
+            </a:r>
+          </a:p>
+          <a:p>
+            <a:pPr lvl="4"/>
+            <a:r>
+              <a:rPr lang="en-US" noProof="1"/>
+              <a:t>Fünfte Ebene</a:t>
+            </a:r>
+          </a:p>
+        </p:txBody>
+      </p:sp>
+      <p:sp>
+        <p:nvSpPr>
+          <p:cNvPr id="22" name="Content Placeholder 7">
+            <a:extLst>
+              <a:ext uri="{FF2B5EF4-FFF2-40B4-BE49-F238E27FC236}">
+                <a16:creationId xmlns:a16="http://schemas.microsoft.com/office/drawing/2014/main" id="{B143799E-2832-49D7-9953-45BACACA7549}"/>
+              </a:ext>
+            </a:extLst>
+          </p:cNvPr>
+          <p:cNvSpPr>
+            <a:spLocks noGrp="1"/>
+          </p:cNvSpPr>
+          <p:nvPr>
+            <p:ph sz="half" idx="6" hasCustomPrompt="1"/>
+          </p:nvPr>
+        </p:nvSpPr>
+        <p:spPr>
+          <a:xfrm>
+            <a:off x="5550000" y="3481200"/>
+            <a:ext cx="2541600" cy="2055600"/>
+          </a:xfrm>
+        </p:spPr>
+        <p:txBody>
+          <a:bodyPr/>
+          <a:lstStyle>
+            <a:lvl1pPr>
+              <a:defRPr/>
+            </a:lvl1pPr>
+          </a:lstStyle>
+          <a:p>
+            <a:pPr lvl="0"/>
+            <a:r>
+              <a:rPr lang="en-US" noProof="1"/>
+              <a:t>Add Text </a:t>
+            </a:r>
+          </a:p>
+          <a:p>
+            <a:pPr lvl="1"/>
+            <a:r>
+              <a:rPr lang="en-US" noProof="1"/>
+              <a:t>Zweite Ebene</a:t>
+            </a:r>
+          </a:p>
+          <a:p>
+            <a:pPr lvl="2"/>
+            <a:r>
+              <a:rPr lang="en-US" noProof="1"/>
+              <a:t>Dritte Ebene</a:t>
+            </a:r>
+          </a:p>
+          <a:p>
+            <a:pPr lvl="3"/>
+            <a:r>
+              <a:rPr lang="en-US" noProof="1"/>
+              <a:t>Vierte Ebene</a:t>
+            </a:r>
+          </a:p>
+          <a:p>
+            <a:pPr lvl="4"/>
+            <a:r>
+              <a:rPr lang="en-US" noProof="1"/>
+              <a:t>Fünfte Ebene</a:t>
+            </a:r>
+          </a:p>
+        </p:txBody>
+      </p:sp>
+      <p:sp>
+        <p:nvSpPr>
+          <p:cNvPr id="23" name="Content Placeholder 8"/>
+          <p:cNvSpPr>
+            <a:spLocks noGrp="1"/>
+          </p:cNvSpPr>
+          <p:nvPr>
+            <p:ph sz="half" idx="8" hasCustomPrompt="1"/>
+          </p:nvPr>
+        </p:nvSpPr>
+        <p:spPr>
+          <a:xfrm>
+            <a:off x="8222400" y="3481200"/>
+            <a:ext cx="2541600" cy="2055600"/>
+          </a:xfrm>
+        </p:spPr>
+        <p:txBody>
+          <a:bodyPr/>
+          <a:lstStyle>
+            <a:lvl1pPr>
+              <a:defRPr/>
+            </a:lvl1pPr>
+          </a:lstStyle>
+          <a:p>
+            <a:pPr lvl="0"/>
+            <a:r>
+              <a:rPr lang="en-US" noProof="1"/>
+              <a:t>Add Text </a:t>
+            </a:r>
+          </a:p>
+          <a:p>
+            <a:pPr lvl="1"/>
+            <a:r>
+              <a:rPr lang="en-US" noProof="1"/>
+              <a:t>Zweite Ebene</a:t>
+            </a:r>
+          </a:p>
+          <a:p>
+            <a:pPr lvl="2"/>
+            <a:r>
+              <a:rPr lang="en-US" noProof="1"/>
+              <a:t>Dritte Ebene</a:t>
+            </a:r>
+          </a:p>
+          <a:p>
+            <a:pPr lvl="3"/>
+            <a:r>
+              <a:rPr lang="en-US" noProof="1"/>
+              <a:t>Vierte Ebene</a:t>
+            </a:r>
+          </a:p>
+          <a:p>
+            <a:pPr lvl="4"/>
+            <a:r>
+              <a:rPr lang="en-US" noProof="1"/>
+              <a:t>Fünfte Ebene</a:t>
+            </a:r>
+          </a:p>
+        </p:txBody>
+      </p:sp>
+    </p:spTree>
+  </p:cSld>
+  <p:clrMapOvr>
+    <a:masterClrMapping/>
+  </p:clrMapOvr>
+  <p:extLst mod="1">
+    <p:ext uri="{DCECCB84-F9BA-43D5-87BE-67443E8EF086}">
+      <p15:sldGuideLst xmlns:p15="http://schemas.microsoft.com/office/powerpoint/2012/main">
+        <p15:guide id="1" pos="128">
+          <p15:clr>
+            <a:srgbClr val="FBAE40"/>
+          </p15:clr>
+        </p15:guide>
+        <p15:guide id="2" pos="6784">
+          <p15:clr>
+            <a:srgbClr val="FBAE40"/>
+          </p15:clr>
+        </p15:guide>
+        <p15:guide id="3" orient="horz" pos="162">
+          <p15:clr>
+            <a:srgbClr val="FBAE40"/>
+          </p15:clr>
+        </p15:guide>
+        <p15:guide id="4" orient="horz" pos="408">
+          <p15:clr>
+            <a:srgbClr val="FBAE40"/>
+          </p15:clr>
+        </p15:guide>
+        <p15:guide id="5" orient="horz" pos="654">
+          <p15:clr>
+            <a:srgbClr val="FBAE40"/>
+          </p15:clr>
+        </p15:guide>
+        <p15:guide id="6" orient="horz" pos="816">
+          <p15:clr>
+            <a:srgbClr val="FBAE40"/>
+          </p15:clr>
+        </p15:guide>
+        <p15:guide id="7" orient="horz" pos="3489">
+          <p15:clr>
+            <a:srgbClr val="FBAE40"/>
+          </p15:clr>
+        </p15:guide>
+        <p15:guide id="8" orient="horz" pos="2113">
+          <p15:clr>
+            <a:srgbClr val="FBAE40"/>
+          </p15:clr>
+        </p15:guide>
+        <p15:guide id="9" orient="horz" pos="2192">
+          <p15:clr>
+            <a:srgbClr val="FBAE40"/>
+          </p15:clr>
+        </p15:guide>
+        <p15:guide id="10" pos="1731">
+          <p15:clr>
+            <a:srgbClr val="FBAE40"/>
+          </p15:clr>
+        </p15:guide>
+        <p15:guide id="11" pos="1810">
+          <p15:clr>
+            <a:srgbClr val="FBAE40"/>
+          </p15:clr>
+        </p15:guide>
+        <p15:guide id="12" pos="3416">
+          <p15:clr>
+            <a:srgbClr val="FBAE40"/>
+          </p15:clr>
+        </p15:guide>
+        <p15:guide id="13" pos="3497">
+          <p15:clr>
+            <a:srgbClr val="FBAE40"/>
+          </p15:clr>
+        </p15:guide>
+        <p15:guide id="14" pos="5098">
+          <p15:clr>
+            <a:srgbClr val="FBAE40"/>
+          </p15:clr>
+        </p15:guide>
+        <p15:guide id="15" pos="5177">
+          <p15:clr>
+            <a:srgbClr val="FBAE40"/>
+          </p15:clr>
+        </p15:guide>
+      </p15:sldGuideLst>
+    </p:ext>
+  </p:extLst>
+</p:sldLayout>
+</file>
+
+<file path=ppt/slideLayouts/slideLayout21.xml><?xml version="1.0" encoding="utf-8"?>
 <p:sldLayout xmlns:a="http://schemas.openxmlformats.org/drawingml/2006/main" xmlns:r="http://schemas.openxmlformats.org/officeDocument/2006/relationships" xmlns:p="http://schemas.openxmlformats.org/presentationml/2006/main" showMasterSp="0" matchingName="Headline only " userDrawn="1">
   <p:cSld name="Headline only ">
     <p:spTree>
@@ -7992,7 +8270,7 @@
 </p:sldLayout>
 </file>
 
-<file path=ppt/slideLayouts/slideLayout21.xml><?xml version="1.0" encoding="utf-8"?>
+<file path=ppt/slideLayouts/slideLayout22.xml><?xml version="1.0" encoding="utf-8"?>
 <p:sldLayout xmlns:a="http://schemas.openxmlformats.org/drawingml/2006/main" xmlns:r="http://schemas.openxmlformats.org/officeDocument/2006/relationships" xmlns:p="http://schemas.openxmlformats.org/presentationml/2006/main" showMasterSp="0" matchingName="Blank slide " type="blank">
   <p:cSld name="BLANK">
     <p:spTree>
@@ -8712,8 +8990,8 @@
         </p:nvSpPr>
         <p:spPr>
           <a:xfrm>
-            <a:off x="0" y="0"/>
-            <a:ext cx="10969625" cy="5536800"/>
+            <a:off x="457201" y="430731"/>
+            <a:ext cx="10016358" cy="5158427"/>
           </a:xfrm>
           <a:blipFill dpi="0" rotWithShape="1">
             <a:blip r:embed="rId3">
@@ -8877,8 +9155,8 @@
         </p:nvSpPr>
         <p:spPr>
           <a:xfrm>
-            <a:off x="406800" y="1036800"/>
-            <a:ext cx="3780000" cy="2484000"/>
+            <a:off x="7478109" y="4046483"/>
+            <a:ext cx="3491515" cy="1490317"/>
           </a:xfrm>
           <a:solidFill>
             <a:schemeClr val="bg1"/>
@@ -9005,8 +9283,8 @@
         </p:nvSpPr>
         <p:spPr>
           <a:xfrm>
-            <a:off x="0" y="0"/>
-            <a:ext cx="10969625" cy="3085200"/>
+            <a:off x="163157" y="0"/>
+            <a:ext cx="10600842" cy="3216166"/>
           </a:xfrm>
           <a:blipFill dpi="0" rotWithShape="1">
             <a:blip r:embed="rId3">
@@ -10095,7 +10373,7 @@
           <p:nvPr/>
         </p:nvPicPr>
         <p:blipFill rotWithShape="1">
-          <a:blip r:embed="rId23">
+          <a:blip r:embed="rId24">
             <a:alphaModFix/>
           </a:blip>
           <a:srcRect/>
@@ -10128,18 +10406,19 @@
     <p:sldLayoutId id="2147483655" r:id="rId7"/>
     <p:sldLayoutId id="2147483656" r:id="rId8"/>
     <p:sldLayoutId id="2147483669" r:id="rId9"/>
-    <p:sldLayoutId id="2147483657" r:id="rId10"/>
-    <p:sldLayoutId id="2147483658" r:id="rId11"/>
-    <p:sldLayoutId id="2147483659" r:id="rId12"/>
-    <p:sldLayoutId id="2147483660" r:id="rId13"/>
-    <p:sldLayoutId id="2147483661" r:id="rId14"/>
-    <p:sldLayoutId id="2147483662" r:id="rId15"/>
-    <p:sldLayoutId id="2147483663" r:id="rId16"/>
-    <p:sldLayoutId id="2147483664" r:id="rId17"/>
-    <p:sldLayoutId id="2147483665" r:id="rId18"/>
-    <p:sldLayoutId id="2147483666" r:id="rId19"/>
-    <p:sldLayoutId id="2147483667" r:id="rId20"/>
-    <p:sldLayoutId id="2147483668" r:id="rId21"/>
+    <p:sldLayoutId id="2147483670" r:id="rId10"/>
+    <p:sldLayoutId id="2147483657" r:id="rId11"/>
+    <p:sldLayoutId id="2147483658" r:id="rId12"/>
+    <p:sldLayoutId id="2147483659" r:id="rId13"/>
+    <p:sldLayoutId id="2147483660" r:id="rId14"/>
+    <p:sldLayoutId id="2147483661" r:id="rId15"/>
+    <p:sldLayoutId id="2147483662" r:id="rId16"/>
+    <p:sldLayoutId id="2147483663" r:id="rId17"/>
+    <p:sldLayoutId id="2147483664" r:id="rId18"/>
+    <p:sldLayoutId id="2147483665" r:id="rId19"/>
+    <p:sldLayoutId id="2147483666" r:id="rId20"/>
+    <p:sldLayoutId id="2147483667" r:id="rId21"/>
+    <p:sldLayoutId id="2147483668" r:id="rId22"/>
   </p:sldLayoutIdLst>
   <p:hf hdr="0" ftr="0" dt="0"/>
   <p:txStyles>

--- a/backend/src/core_ai/pptx_templates/FIT-HCMUS_template.pptx
+++ b/backend/src/core_ai/pptx_templates/FIT-HCMUS_template.pptx
@@ -244,7 +244,7 @@
       <p15:sldGuideLst xmlns:p15="http://schemas.microsoft.com/office/powerpoint/2012/main"/>
     </p:ext>
     <p:ext uri="GoogleSlidesCustomDataVersion2">
-      <go:slidesCustomData xmlns:go="http://customooxmlschemas.google.com/" xmlns:ahyp="http://schemas.microsoft.com/office/drawing/2018/hyperlinkcolor" xmlns:p15="http://schemas.microsoft.com/office/powerpoint/2012/main" xmlns:p14="http://schemas.microsoft.com/office/powerpoint/2010/main" xmlns:com="http://schemas.openxmlformats.org/drawingml/2006/compatibility" xmlns:pvml="urn:schemas-microsoft-com:office:powerpoint" xmlns:v="urn:schemas-microsoft-com:vml" xmlns:o="urn:schemas-microsoft-com:office:office" xmlns:dgm="http://schemas.openxmlformats.org/drawingml/2006/diagram" xmlns:c="http://schemas.openxmlformats.org/drawingml/2006/chart" xmlns:mv="urn:schemas-microsoft-com:mac:vml" xmlns:mc="http://schemas.openxmlformats.org/markup-compatibility/2006" xmlns="" r:id="rId6" roundtripDataSignature="AMtx7mhQ3tBUQi5bpBH/gRacCwppiNReSA=="/>
+      <go:slidesCustomData xmlns="" xmlns:mc="http://schemas.openxmlformats.org/markup-compatibility/2006" xmlns:mv="urn:schemas-microsoft-com:mac:vml" xmlns:c="http://schemas.openxmlformats.org/drawingml/2006/chart" xmlns:dgm="http://schemas.openxmlformats.org/drawingml/2006/diagram" xmlns:o="urn:schemas-microsoft-com:office:office" xmlns:v="urn:schemas-microsoft-com:vml" xmlns:pvml="urn:schemas-microsoft-com:office:powerpoint" xmlns:com="http://schemas.openxmlformats.org/drawingml/2006/compatibility" xmlns:p14="http://schemas.microsoft.com/office/powerpoint/2010/main" xmlns:p15="http://schemas.microsoft.com/office/powerpoint/2012/main" xmlns:ahyp="http://schemas.microsoft.com/office/drawing/2018/hyperlinkcolor" xmlns:go="http://customooxmlschemas.google.com/" r:id="rId6" roundtripDataSignature="AMtx7mhQ3tBUQi5bpBH/gRacCwppiNReSA=="/>
     </p:ext>
   </p:extLst>
 </p:presentation>
@@ -1462,8 +1462,10 @@
       </p:grpSpPr>
       <p:pic>
         <p:nvPicPr>
-          <p:cNvPr id="17" name="Google Shape;17;p2"/>
-          <p:cNvPicPr preferRelativeResize="0"/>
+          <p:cNvPr id="17" name="Banner"/>
+          <p:cNvPicPr preferRelativeResize="0">
+            <a:picLocks noGrp="1" noRot="1" noMove="1" noResize="1" noEditPoints="1" noAdjustHandles="1" noChangeArrowheads="1" noChangeShapeType="1" noCrop="1"/>
+          </p:cNvPicPr>
           <p:nvPr/>
         </p:nvPicPr>
         <p:blipFill rotWithShape="1">
@@ -1489,8 +1491,10 @@
       </p:pic>
       <p:pic>
         <p:nvPicPr>
-          <p:cNvPr id="16" name="Google Shape;16;p2" descr="fit@hcmus · GitHub"/>
-          <p:cNvPicPr preferRelativeResize="0"/>
+          <p:cNvPr id="16" name="Logo" descr="fit@hcmus · GitHub"/>
+          <p:cNvPicPr preferRelativeResize="0">
+            <a:picLocks noGrp="1" noRot="1" noMove="1" noResize="1" noEditPoints="1" noAdjustHandles="1" noChangeArrowheads="1" noChangeShapeType="1" noCrop="1"/>
+          </p:cNvPicPr>
           <p:nvPr/>
         </p:nvPicPr>
         <p:blipFill rotWithShape="1">
@@ -1516,7 +1520,7 @@
       </p:pic>
       <p:sp>
         <p:nvSpPr>
-          <p:cNvPr id="9" name="Title 1">
+          <p:cNvPr id="9" name="Presentation Title">
             <a:extLst>
               <a:ext uri="{FF2B5EF4-FFF2-40B4-BE49-F238E27FC236}">
                 <a16:creationId xmlns:a16="http://schemas.microsoft.com/office/drawing/2014/main" id="{7FD8C3B7-D4C2-49FB-A234-B9EF65EF0E25}"/>
@@ -1532,7 +1536,7 @@
         </p:nvSpPr>
         <p:spPr>
           <a:xfrm>
-            <a:off x="547200" y="2602898"/>
+            <a:off x="547199" y="2254186"/>
             <a:ext cx="9268637" cy="1507549"/>
           </a:xfrm>
           <a:ln w="0">
@@ -1566,7 +1570,7 @@
       </p:sp>
       <p:sp>
         <p:nvSpPr>
-          <p:cNvPr id="10" name="Text Placeholder 2">
+          <p:cNvPr id="10" name="Name Date placeholder">
             <a:extLst>
               <a:ext uri="{FF2B5EF4-FFF2-40B4-BE49-F238E27FC236}">
                 <a16:creationId xmlns:a16="http://schemas.microsoft.com/office/drawing/2014/main" id="{77B0DFCC-F037-4745-849A-E2902A32AC76}"/>
@@ -1582,8 +1586,8 @@
         </p:nvSpPr>
         <p:spPr>
           <a:xfrm>
-            <a:off x="547200" y="4241130"/>
-            <a:ext cx="9268637" cy="1254369"/>
+            <a:off x="547198" y="3877138"/>
+            <a:ext cx="9268637" cy="1712020"/>
           </a:xfrm>
         </p:spPr>
         <p:txBody>
@@ -1631,7 +1635,7 @@
   <p:clrMapOvr>
     <a:masterClrMapping/>
   </p:clrMapOvr>
-  <p:extLst mod="1">
+  <p:extLst>
     <p:ext uri="{DCECCB84-F9BA-43D5-87BE-67443E8EF086}">
       <p15:sldGuideLst xmlns:p15="http://schemas.microsoft.com/office/powerpoint/2012/main">
         <p15:guide id="1" pos="325">
@@ -1682,7 +1686,7 @@
 
 <file path=ppt/slideLayouts/slideLayout10.xml><?xml version="1.0" encoding="utf-8"?>
 <p:sldLayout xmlns:a="http://schemas.openxmlformats.org/drawingml/2006/main" xmlns:r="http://schemas.openxmlformats.org/officeDocument/2006/relationships" xmlns:p="http://schemas.openxmlformats.org/presentationml/2006/main" preserve="1" userDrawn="1">
-  <p:cSld name="Vertical split">
+  <p:cSld name="1_Reverse vertical split">
     <p:spTree>
       <p:nvGrpSpPr>
         <p:cNvPr id="1" name=""/>
@@ -1699,9 +1703,9 @@
       </p:grpSpPr>
       <p:sp>
         <p:nvSpPr>
-          <p:cNvPr id="3" name="Google Shape;47;p9"/>
+          <p:cNvPr id="9" name="Logo"/>
           <p:cNvSpPr txBox="1">
-            <a:spLocks noGrp="1"/>
+            <a:spLocks noGrp="1" noRot="1" noMove="1" noResize="1" noEditPoints="1" noAdjustHandles="1" noChangeArrowheads="1" noChangeShapeType="1"/>
           </p:cNvSpPr>
           <p:nvPr>
             <p:ph type="body" idx="1" hasCustomPrompt="1"/>
@@ -1709,8 +1713,8 @@
         </p:nvSpPr>
         <p:spPr>
           <a:xfrm>
-            <a:off x="5879537" y="447279"/>
-            <a:ext cx="4596486" cy="5126308"/>
+            <a:off x="634875" y="808264"/>
+            <a:ext cx="4596486" cy="4796854"/>
           </a:xfrm>
           <a:prstGeom prst="rect">
             <a:avLst/>
@@ -1725,7 +1729,7 @@
             <a:normAutofit/>
           </a:bodyPr>
           <a:lstStyle>
-            <a:lvl1pPr marL="457200" lvl="0" indent="-228600" algn="l">
+            <a:lvl1pPr marL="514350" lvl="0" indent="-285750" algn="l">
               <a:lnSpc>
                 <a:spcPct val="107000"/>
               </a:lnSpc>
@@ -1739,8 +1743,8 @@
                 <a:schemeClr val="dk1"/>
               </a:buClr>
               <a:buSzPts val="1800"/>
-              <a:buFont typeface="Arial"/>
-              <a:buNone/>
+              <a:buFont typeface="Wingdings" panose="05000000000000000000" pitchFamily="2" charset="2"/>
+              <a:buChar char="Ø"/>
               <a:defRPr/>
             </a:lvl1pPr>
             <a:lvl2pPr marL="914400" lvl="1" indent="-228600" algn="l">
@@ -1887,16 +1891,15 @@
           <a:p>
             <a:pPr lvl="0"/>
             <a:r>
-              <a:rPr lang="en-US" noProof="1" smtClean="0"/>
+              <a:rPr lang="en-US" noProof="1"/>
               <a:t>Add Text</a:t>
             </a:r>
-            <a:endParaRPr lang="en-US" noProof="1"/>
           </a:p>
         </p:txBody>
       </p:sp>
       <p:sp>
         <p:nvSpPr>
-          <p:cNvPr id="4" name="Picture Placeholder 4">
+          <p:cNvPr id="5" name="Content">
             <a:extLst>
               <a:ext uri="{FF2B5EF4-FFF2-40B4-BE49-F238E27FC236}">
                 <a16:creationId xmlns:a16="http://schemas.microsoft.com/office/drawing/2014/main" id="{E4BBAF9A-7C35-481A-A051-34156DE6B27D}"/>
@@ -1912,8 +1915,8 @@
         </p:nvSpPr>
         <p:spPr>
           <a:xfrm>
-            <a:off x="377714" y="447279"/>
-            <a:ext cx="4953001" cy="5126308"/>
+            <a:off x="5543549" y="808262"/>
+            <a:ext cx="4953001" cy="4796855"/>
           </a:xfrm>
           <a:blipFill dpi="0" rotWithShape="1">
             <a:blip r:embed="rId2">
@@ -1945,10 +1948,72 @@
           </a:p>
         </p:txBody>
       </p:sp>
+      <p:sp>
+        <p:nvSpPr>
+          <p:cNvPr id="2" name="Chapter_title">
+            <a:extLst>
+              <a:ext uri="{FF2B5EF4-FFF2-40B4-BE49-F238E27FC236}">
+                <a16:creationId xmlns:a16="http://schemas.microsoft.com/office/drawing/2014/main" id="{70A7DDB5-9A93-2C32-858A-EA883E81F964}"/>
+              </a:ext>
+            </a:extLst>
+          </p:cNvPr>
+          <p:cNvSpPr>
+            <a:spLocks noGrp="1"/>
+          </p:cNvSpPr>
+          <p:nvPr>
+            <p:ph type="body" sz="quarter" idx="15"/>
+          </p:nvPr>
+        </p:nvSpPr>
+        <p:spPr>
+          <a:xfrm>
+            <a:off x="205200" y="259200"/>
+            <a:ext cx="10558800" cy="388800"/>
+          </a:xfrm>
+        </p:spPr>
+        <p:txBody>
+          <a:bodyPr/>
+          <a:lstStyle>
+            <a:lvl1pPr marL="0" indent="0">
+              <a:lnSpc>
+                <a:spcPct val="89000"/>
+              </a:lnSpc>
+              <a:spcBef>
+                <a:spcPts val="0"/>
+              </a:spcBef>
+              <a:buNone/>
+              <a:defRPr sz="2800" kern="0" baseline="0">
+                <a:solidFill>
+                  <a:schemeClr val="tx1"/>
+                </a:solidFill>
+              </a:defRPr>
+            </a:lvl1pPr>
+            <a:lvl2pPr marL="233983" indent="0">
+              <a:buNone/>
+              <a:defRPr sz="2800"/>
+            </a:lvl2pPr>
+            <a:lvl3pPr marL="525562" indent="0">
+              <a:buNone/>
+              <a:defRPr sz="2800"/>
+            </a:lvl3pPr>
+            <a:lvl4pPr marL="748745" indent="0">
+              <a:buNone/>
+              <a:defRPr sz="2800"/>
+            </a:lvl4pPr>
+            <a:lvl5pPr marL="748745" indent="0">
+              <a:buNone/>
+              <a:defRPr sz="2800"/>
+            </a:lvl5pPr>
+          </a:lstStyle>
+          <a:p>
+            <a:pPr lvl="0"/>
+            <a:endParaRPr lang="en-US" noProof="1"/>
+          </a:p>
+        </p:txBody>
+      </p:sp>
     </p:spTree>
     <p:extLst>
       <p:ext uri="{BB962C8B-B14F-4D97-AF65-F5344CB8AC3E}">
-        <p14:creationId xmlns:p14="http://schemas.microsoft.com/office/powerpoint/2010/main" val="1164729746"/>
+        <p14:creationId xmlns:p14="http://schemas.microsoft.com/office/powerpoint/2010/main" val="1015971719"/>
       </p:ext>
     </p:extLst>
   </p:cSld>
@@ -1959,6 +2024,610 @@
 </file>
 
 <file path=ppt/slideLayouts/slideLayout11.xml><?xml version="1.0" encoding="utf-8"?>
+<p:sldLayout xmlns:a="http://schemas.openxmlformats.org/drawingml/2006/main" xmlns:r="http://schemas.openxmlformats.org/officeDocument/2006/relationships" xmlns:p="http://schemas.openxmlformats.org/presentationml/2006/main" showMasterSp="0" matchingName="Split horizontal " preserve="1" userDrawn="1">
+  <p:cSld name="1_Split horizontal ">
+    <p:spTree>
+      <p:nvGrpSpPr>
+        <p:cNvPr id="1" name="Shape 41"/>
+        <p:cNvGrpSpPr/>
+        <p:nvPr/>
+      </p:nvGrpSpPr>
+      <p:grpSpPr>
+        <a:xfrm>
+          <a:off x="0" y="0"/>
+          <a:ext cx="0" cy="0"/>
+          <a:chOff x="0" y="0"/>
+          <a:chExt cx="0" cy="0"/>
+        </a:xfrm>
+      </p:grpSpPr>
+      <p:pic>
+        <p:nvPicPr>
+          <p:cNvPr id="44" name="Logo" descr="fit@hcmus · GitHub"/>
+          <p:cNvPicPr preferRelativeResize="0">
+            <a:picLocks noGrp="1" noRot="1" noMove="1" noResize="1" noEditPoints="1" noAdjustHandles="1" noChangeArrowheads="1" noChangeShapeType="1" noCrop="1"/>
+          </p:cNvPicPr>
+          <p:nvPr/>
+        </p:nvPicPr>
+        <p:blipFill rotWithShape="1">
+          <a:blip r:embed="rId2">
+            <a:alphaModFix/>
+          </a:blip>
+          <a:srcRect/>
+          <a:stretch/>
+        </p:blipFill>
+        <p:spPr>
+          <a:xfrm>
+            <a:off x="9740495" y="5589158"/>
+            <a:ext cx="1092317" cy="450581"/>
+          </a:xfrm>
+          <a:prstGeom prst="rect">
+            <a:avLst/>
+          </a:prstGeom>
+          <a:noFill/>
+          <a:ln>
+            <a:noFill/>
+          </a:ln>
+        </p:spPr>
+      </p:pic>
+      <p:sp>
+        <p:nvSpPr>
+          <p:cNvPr id="8" name="Picture Placeholder">
+            <a:extLst>
+              <a:ext uri="{FF2B5EF4-FFF2-40B4-BE49-F238E27FC236}">
+                <a16:creationId xmlns:a16="http://schemas.microsoft.com/office/drawing/2014/main" id="{E4BBAF9A-7C35-481A-A051-34156DE6B27D}"/>
+              </a:ext>
+            </a:extLst>
+          </p:cNvPr>
+          <p:cNvSpPr>
+            <a:spLocks noGrp="1"/>
+          </p:cNvSpPr>
+          <p:nvPr>
+            <p:ph type="pic" sz="quarter" idx="1" hasCustomPrompt="1"/>
+          </p:nvPr>
+        </p:nvSpPr>
+        <p:spPr>
+          <a:xfrm>
+            <a:off x="231970" y="742950"/>
+            <a:ext cx="10600842" cy="3216166"/>
+          </a:xfrm>
+          <a:blipFill dpi="0" rotWithShape="1">
+            <a:blip r:embed="rId3">
+              <a:alphaModFix amt="70000"/>
+            </a:blip>
+            <a:srcRect/>
+            <a:stretch>
+              <a:fillRect/>
+            </a:stretch>
+          </a:blipFill>
+        </p:spPr>
+        <p:txBody>
+          <a:bodyPr anchor="ctr"/>
+          <a:lstStyle>
+            <a:lvl1pPr marL="0" indent="0" algn="ctr">
+              <a:lnSpc>
+                <a:spcPct val="600000"/>
+              </a:lnSpc>
+              <a:buFontTx/>
+              <a:buNone/>
+              <a:defRPr sz="900"/>
+            </a:lvl1pPr>
+          </a:lstStyle>
+          <a:p>
+            <a:r>
+              <a:rPr lang="en-US" noProof="1"/>
+              <a:t>Insert photo</a:t>
+            </a:r>
+          </a:p>
+        </p:txBody>
+      </p:sp>
+      <p:sp>
+        <p:nvSpPr>
+          <p:cNvPr id="9" name="Content">
+            <a:extLst>
+              <a:ext uri="{FF2B5EF4-FFF2-40B4-BE49-F238E27FC236}">
+                <a16:creationId xmlns:a16="http://schemas.microsoft.com/office/drawing/2014/main" id="{990CB4FC-C276-4DB5-A6E3-49DD9BC66B63}"/>
+              </a:ext>
+            </a:extLst>
+          </p:cNvPr>
+          <p:cNvSpPr>
+            <a:spLocks noGrp="1"/>
+          </p:cNvSpPr>
+          <p:nvPr>
+            <p:ph type="body" sz="quarter" idx="2" hasCustomPrompt="1"/>
+          </p:nvPr>
+        </p:nvSpPr>
+        <p:spPr>
+          <a:xfrm>
+            <a:off x="205199" y="4098471"/>
+            <a:ext cx="10558800" cy="1438328"/>
+          </a:xfrm>
+        </p:spPr>
+        <p:txBody>
+          <a:bodyPr lIns="0" tIns="0" rIns="0" bIns="0">
+            <a:normAutofit/>
+          </a:bodyPr>
+          <a:lstStyle>
+            <a:lvl1pPr marL="285750" indent="-285750">
+              <a:buFont typeface="Wingdings" panose="05000000000000000000" pitchFamily="2" charset="2"/>
+              <a:buChar char="Ø"/>
+              <a:defRPr/>
+            </a:lvl1pPr>
+            <a:lvl2pPr marL="198000" indent="0">
+              <a:buFontTx/>
+              <a:buNone/>
+              <a:defRPr/>
+            </a:lvl2pPr>
+            <a:lvl3pPr marL="414000" indent="0">
+              <a:buFontTx/>
+              <a:buNone/>
+              <a:defRPr/>
+            </a:lvl3pPr>
+            <a:lvl4pPr marL="612000" indent="0">
+              <a:buFontTx/>
+              <a:buNone/>
+              <a:defRPr/>
+            </a:lvl4pPr>
+            <a:lvl5pPr marL="612000" indent="0">
+              <a:buFontTx/>
+              <a:buNone/>
+              <a:defRPr/>
+            </a:lvl5pPr>
+          </a:lstStyle>
+          <a:p>
+            <a:pPr lvl="0"/>
+            <a:r>
+              <a:rPr lang="en-US" noProof="1"/>
+              <a:t>Add Text</a:t>
+            </a:r>
+          </a:p>
+        </p:txBody>
+      </p:sp>
+      <p:sp>
+        <p:nvSpPr>
+          <p:cNvPr id="2" name="Chapter_title">
+            <a:extLst>
+              <a:ext uri="{FF2B5EF4-FFF2-40B4-BE49-F238E27FC236}">
+                <a16:creationId xmlns:a16="http://schemas.microsoft.com/office/drawing/2014/main" id="{0E0352A3-7FD0-92F9-450A-C67D7DC33FA4}"/>
+              </a:ext>
+            </a:extLst>
+          </p:cNvPr>
+          <p:cNvSpPr>
+            <a:spLocks noGrp="1"/>
+          </p:cNvSpPr>
+          <p:nvPr>
+            <p:ph type="body" sz="quarter" idx="15"/>
+          </p:nvPr>
+        </p:nvSpPr>
+        <p:spPr>
+          <a:xfrm>
+            <a:off x="205200" y="259200"/>
+            <a:ext cx="10558800" cy="388800"/>
+          </a:xfrm>
+        </p:spPr>
+        <p:txBody>
+          <a:bodyPr/>
+          <a:lstStyle>
+            <a:lvl1pPr marL="0" indent="0">
+              <a:lnSpc>
+                <a:spcPct val="89000"/>
+              </a:lnSpc>
+              <a:spcBef>
+                <a:spcPts val="0"/>
+              </a:spcBef>
+              <a:buNone/>
+              <a:defRPr sz="2800" kern="0" baseline="0">
+                <a:solidFill>
+                  <a:schemeClr val="tx1"/>
+                </a:solidFill>
+              </a:defRPr>
+            </a:lvl1pPr>
+            <a:lvl2pPr marL="233983" indent="0">
+              <a:buNone/>
+              <a:defRPr sz="2800"/>
+            </a:lvl2pPr>
+            <a:lvl3pPr marL="525562" indent="0">
+              <a:buNone/>
+              <a:defRPr sz="2800"/>
+            </a:lvl3pPr>
+            <a:lvl4pPr marL="748745" indent="0">
+              <a:buNone/>
+              <a:defRPr sz="2800"/>
+            </a:lvl4pPr>
+            <a:lvl5pPr marL="748745" indent="0">
+              <a:buNone/>
+              <a:defRPr sz="2800"/>
+            </a:lvl5pPr>
+          </a:lstStyle>
+          <a:p>
+            <a:pPr lvl="0"/>
+            <a:endParaRPr lang="en-US" noProof="1"/>
+          </a:p>
+        </p:txBody>
+      </p:sp>
+    </p:spTree>
+    <p:extLst>
+      <p:ext uri="{BB962C8B-B14F-4D97-AF65-F5344CB8AC3E}">
+        <p14:creationId xmlns:p14="http://schemas.microsoft.com/office/powerpoint/2010/main" val="2052726775"/>
+      </p:ext>
+    </p:extLst>
+  </p:cSld>
+  <p:clrMapOvr>
+    <a:masterClrMapping/>
+  </p:clrMapOvr>
+  <p:extLst>
+    <p:ext uri="{DCECCB84-F9BA-43D5-87BE-67443E8EF086}">
+      <p15:sldGuideLst xmlns:p15="http://schemas.microsoft.com/office/powerpoint/2012/main">
+        <p15:guide id="1" pos="128">
+          <p15:clr>
+            <a:srgbClr val="FBAE40"/>
+          </p15:clr>
+        </p15:guide>
+        <p15:guide id="2" pos="6784">
+          <p15:clr>
+            <a:srgbClr val="FBAE40"/>
+          </p15:clr>
+        </p15:guide>
+        <p15:guide id="3" orient="horz" pos="1949">
+          <p15:clr>
+            <a:srgbClr val="FBAE40"/>
+          </p15:clr>
+        </p15:guide>
+        <p15:guide id="4" orient="horz" pos="3489">
+          <p15:clr>
+            <a:srgbClr val="FBAE40"/>
+          </p15:clr>
+        </p15:guide>
+        <p15:guide id="5" orient="horz" pos="2202">
+          <p15:clr>
+            <a:srgbClr val="FBAE40"/>
+          </p15:clr>
+        </p15:guide>
+      </p15:sldGuideLst>
+    </p:ext>
+  </p:extLst>
+</p:sldLayout>
+</file>
+
+<file path=ppt/slideLayouts/slideLayout12.xml><?xml version="1.0" encoding="utf-8"?>
+<p:sldLayout xmlns:a="http://schemas.openxmlformats.org/drawingml/2006/main" xmlns:r="http://schemas.openxmlformats.org/officeDocument/2006/relationships" xmlns:p="http://schemas.openxmlformats.org/presentationml/2006/main" preserve="1" userDrawn="1">
+  <p:cSld name="1_Vertical split">
+    <p:spTree>
+      <p:nvGrpSpPr>
+        <p:cNvPr id="1" name=""/>
+        <p:cNvGrpSpPr/>
+        <p:nvPr/>
+      </p:nvGrpSpPr>
+      <p:grpSpPr>
+        <a:xfrm>
+          <a:off x="0" y="0"/>
+          <a:ext cx="0" cy="0"/>
+          <a:chOff x="0" y="0"/>
+          <a:chExt cx="0" cy="0"/>
+        </a:xfrm>
+      </p:grpSpPr>
+      <p:sp>
+        <p:nvSpPr>
+          <p:cNvPr id="3" name="Logo"/>
+          <p:cNvSpPr txBox="1">
+            <a:spLocks noGrp="1" noRot="1" noMove="1" noResize="1" noEditPoints="1" noAdjustHandles="1" noChangeArrowheads="1" noChangeShapeType="1"/>
+          </p:cNvSpPr>
+          <p:nvPr>
+            <p:ph type="body" idx="1" hasCustomPrompt="1"/>
+          </p:nvPr>
+        </p:nvSpPr>
+        <p:spPr>
+          <a:xfrm>
+            <a:off x="5879537" y="849085"/>
+            <a:ext cx="4596486" cy="4724502"/>
+          </a:xfrm>
+          <a:prstGeom prst="rect">
+            <a:avLst/>
+          </a:prstGeom>
+          <a:noFill/>
+          <a:ln>
+            <a:noFill/>
+          </a:ln>
+        </p:spPr>
+        <p:txBody>
+          <a:bodyPr spcFirstLastPara="1" wrap="square" lIns="0" tIns="0" rIns="0" bIns="0" anchor="t" anchorCtr="0">
+            <a:normAutofit/>
+          </a:bodyPr>
+          <a:lstStyle>
+            <a:lvl1pPr marL="514350" lvl="0" indent="-285750" algn="l">
+              <a:lnSpc>
+                <a:spcPct val="107000"/>
+              </a:lnSpc>
+              <a:spcBef>
+                <a:spcPts val="500"/>
+              </a:spcBef>
+              <a:spcAft>
+                <a:spcPts val="0"/>
+              </a:spcAft>
+              <a:buClr>
+                <a:schemeClr val="dk1"/>
+              </a:buClr>
+              <a:buSzPts val="1800"/>
+              <a:buFont typeface="Wingdings" panose="05000000000000000000" pitchFamily="2" charset="2"/>
+              <a:buChar char="Ø"/>
+              <a:defRPr/>
+            </a:lvl1pPr>
+            <a:lvl2pPr marL="914400" lvl="1" indent="-228600" algn="l">
+              <a:lnSpc>
+                <a:spcPct val="103000"/>
+              </a:lnSpc>
+              <a:spcBef>
+                <a:spcPts val="500"/>
+              </a:spcBef>
+              <a:spcAft>
+                <a:spcPts val="0"/>
+              </a:spcAft>
+              <a:buClr>
+                <a:schemeClr val="dk1"/>
+              </a:buClr>
+              <a:buSzPts val="1600"/>
+              <a:buFont typeface="Arial"/>
+              <a:buNone/>
+              <a:defRPr/>
+            </a:lvl2pPr>
+            <a:lvl3pPr marL="1371600" lvl="2" indent="-228600" algn="l">
+              <a:lnSpc>
+                <a:spcPct val="102000"/>
+              </a:lnSpc>
+              <a:spcBef>
+                <a:spcPts val="500"/>
+              </a:spcBef>
+              <a:spcAft>
+                <a:spcPts val="0"/>
+              </a:spcAft>
+              <a:buClr>
+                <a:schemeClr val="dk1"/>
+              </a:buClr>
+              <a:buSzPts val="1400"/>
+              <a:buFont typeface="Arial"/>
+              <a:buNone/>
+              <a:defRPr/>
+            </a:lvl3pPr>
+            <a:lvl4pPr marL="1828800" lvl="3" indent="-228600" algn="l">
+              <a:lnSpc>
+                <a:spcPct val="103000"/>
+              </a:lnSpc>
+              <a:spcBef>
+                <a:spcPts val="500"/>
+              </a:spcBef>
+              <a:spcAft>
+                <a:spcPts val="0"/>
+              </a:spcAft>
+              <a:buClr>
+                <a:schemeClr val="dk1"/>
+              </a:buClr>
+              <a:buSzPts val="1300"/>
+              <a:buFont typeface="Arial"/>
+              <a:buNone/>
+              <a:defRPr/>
+            </a:lvl4pPr>
+            <a:lvl5pPr marL="2286000" lvl="4" indent="-228600" algn="l">
+              <a:lnSpc>
+                <a:spcPct val="103000"/>
+              </a:lnSpc>
+              <a:spcBef>
+                <a:spcPts val="500"/>
+              </a:spcBef>
+              <a:spcAft>
+                <a:spcPts val="0"/>
+              </a:spcAft>
+              <a:buClr>
+                <a:schemeClr val="dk1"/>
+              </a:buClr>
+              <a:buSzPts val="1300"/>
+              <a:buFont typeface="Arial"/>
+              <a:buNone/>
+              <a:defRPr/>
+            </a:lvl5pPr>
+            <a:lvl6pPr marL="2743200" lvl="5" indent="-342900" algn="l">
+              <a:lnSpc>
+                <a:spcPct val="103000"/>
+              </a:lnSpc>
+              <a:spcBef>
+                <a:spcPts val="500"/>
+              </a:spcBef>
+              <a:spcAft>
+                <a:spcPts val="0"/>
+              </a:spcAft>
+              <a:buClr>
+                <a:schemeClr val="dk1"/>
+              </a:buClr>
+              <a:buSzPts val="1800"/>
+              <a:buChar char="‒"/>
+              <a:defRPr/>
+            </a:lvl6pPr>
+            <a:lvl7pPr marL="3200400" lvl="6" indent="-342900" algn="l">
+              <a:lnSpc>
+                <a:spcPct val="103000"/>
+              </a:lnSpc>
+              <a:spcBef>
+                <a:spcPts val="500"/>
+              </a:spcBef>
+              <a:spcAft>
+                <a:spcPts val="0"/>
+              </a:spcAft>
+              <a:buClr>
+                <a:schemeClr val="dk1"/>
+              </a:buClr>
+              <a:buSzPts val="1800"/>
+              <a:buChar char="‒"/>
+              <a:defRPr/>
+            </a:lvl7pPr>
+            <a:lvl8pPr marL="3657600" lvl="7" indent="-342900" algn="l">
+              <a:lnSpc>
+                <a:spcPct val="103000"/>
+              </a:lnSpc>
+              <a:spcBef>
+                <a:spcPts val="500"/>
+              </a:spcBef>
+              <a:spcAft>
+                <a:spcPts val="0"/>
+              </a:spcAft>
+              <a:buClr>
+                <a:schemeClr val="dk1"/>
+              </a:buClr>
+              <a:buSzPts val="1800"/>
+              <a:buChar char="‒"/>
+              <a:defRPr/>
+            </a:lvl8pPr>
+            <a:lvl9pPr marL="4114800" lvl="8" indent="-342900" algn="l">
+              <a:lnSpc>
+                <a:spcPct val="103000"/>
+              </a:lnSpc>
+              <a:spcBef>
+                <a:spcPts val="500"/>
+              </a:spcBef>
+              <a:spcAft>
+                <a:spcPts val="0"/>
+              </a:spcAft>
+              <a:buClr>
+                <a:schemeClr val="dk1"/>
+              </a:buClr>
+              <a:buSzPts val="1800"/>
+              <a:buChar char="‒"/>
+              <a:defRPr/>
+            </a:lvl9pPr>
+          </a:lstStyle>
+          <a:p>
+            <a:pPr lvl="0"/>
+            <a:r>
+              <a:rPr lang="en-US" noProof="1"/>
+              <a:t>Add Text</a:t>
+            </a:r>
+          </a:p>
+        </p:txBody>
+      </p:sp>
+      <p:sp>
+        <p:nvSpPr>
+          <p:cNvPr id="4" name="Content">
+            <a:extLst>
+              <a:ext uri="{FF2B5EF4-FFF2-40B4-BE49-F238E27FC236}">
+                <a16:creationId xmlns:a16="http://schemas.microsoft.com/office/drawing/2014/main" id="{E4BBAF9A-7C35-481A-A051-34156DE6B27D}"/>
+              </a:ext>
+            </a:extLst>
+          </p:cNvPr>
+          <p:cNvSpPr>
+            <a:spLocks noGrp="1"/>
+          </p:cNvSpPr>
+          <p:nvPr>
+            <p:ph type="pic" sz="quarter" idx="10" hasCustomPrompt="1"/>
+          </p:nvPr>
+        </p:nvSpPr>
+        <p:spPr>
+          <a:xfrm>
+            <a:off x="377714" y="849085"/>
+            <a:ext cx="4953001" cy="4724501"/>
+          </a:xfrm>
+          <a:blipFill dpi="0" rotWithShape="1">
+            <a:blip r:embed="rId2">
+              <a:alphaModFix amt="70000"/>
+            </a:blip>
+            <a:srcRect/>
+            <a:stretch>
+              <a:fillRect/>
+            </a:stretch>
+          </a:blipFill>
+        </p:spPr>
+        <p:txBody>
+          <a:bodyPr anchor="ctr"/>
+          <a:lstStyle>
+            <a:lvl1pPr marL="0" indent="0" algn="ctr">
+              <a:lnSpc>
+                <a:spcPct val="600000"/>
+              </a:lnSpc>
+              <a:buFontTx/>
+              <a:buNone/>
+              <a:defRPr sz="900"/>
+            </a:lvl1pPr>
+          </a:lstStyle>
+          <a:p>
+            <a:r>
+              <a:rPr lang="en-US" noProof="1"/>
+              <a:t>Insert photo</a:t>
+            </a:r>
+          </a:p>
+        </p:txBody>
+      </p:sp>
+      <p:sp>
+        <p:nvSpPr>
+          <p:cNvPr id="2" name="Chapter_title">
+            <a:extLst>
+              <a:ext uri="{FF2B5EF4-FFF2-40B4-BE49-F238E27FC236}">
+                <a16:creationId xmlns:a16="http://schemas.microsoft.com/office/drawing/2014/main" id="{4519EF8B-BDA3-0FDA-7E49-64A0679A3739}"/>
+              </a:ext>
+            </a:extLst>
+          </p:cNvPr>
+          <p:cNvSpPr>
+            <a:spLocks noGrp="1"/>
+          </p:cNvSpPr>
+          <p:nvPr>
+            <p:ph type="body" sz="quarter" idx="15"/>
+          </p:nvPr>
+        </p:nvSpPr>
+        <p:spPr>
+          <a:xfrm>
+            <a:off x="205200" y="259200"/>
+            <a:ext cx="10558800" cy="388800"/>
+          </a:xfrm>
+        </p:spPr>
+        <p:txBody>
+          <a:bodyPr/>
+          <a:lstStyle>
+            <a:lvl1pPr marL="0" indent="0">
+              <a:lnSpc>
+                <a:spcPct val="89000"/>
+              </a:lnSpc>
+              <a:spcBef>
+                <a:spcPts val="0"/>
+              </a:spcBef>
+              <a:buNone/>
+              <a:defRPr sz="2800" kern="0" baseline="0">
+                <a:solidFill>
+                  <a:schemeClr val="tx1"/>
+                </a:solidFill>
+              </a:defRPr>
+            </a:lvl1pPr>
+            <a:lvl2pPr marL="233983" indent="0">
+              <a:buNone/>
+              <a:defRPr sz="2800"/>
+            </a:lvl2pPr>
+            <a:lvl3pPr marL="525562" indent="0">
+              <a:buNone/>
+              <a:defRPr sz="2800"/>
+            </a:lvl3pPr>
+            <a:lvl4pPr marL="748745" indent="0">
+              <a:buNone/>
+              <a:defRPr sz="2800"/>
+            </a:lvl4pPr>
+            <a:lvl5pPr marL="748745" indent="0">
+              <a:buNone/>
+              <a:defRPr sz="2800"/>
+            </a:lvl5pPr>
+          </a:lstStyle>
+          <a:p>
+            <a:pPr lvl="0"/>
+            <a:endParaRPr lang="en-US" noProof="1"/>
+          </a:p>
+        </p:txBody>
+      </p:sp>
+    </p:spTree>
+    <p:extLst>
+      <p:ext uri="{BB962C8B-B14F-4D97-AF65-F5344CB8AC3E}">
+        <p14:creationId xmlns:p14="http://schemas.microsoft.com/office/powerpoint/2010/main" val="3568128299"/>
+      </p:ext>
+    </p:extLst>
+  </p:cSld>
+  <p:clrMapOvr>
+    <a:masterClrMapping/>
+  </p:clrMapOvr>
+</p:sldLayout>
+</file>
+
+<file path=ppt/slideLayouts/slideLayout13.xml><?xml version="1.0" encoding="utf-8"?>
 <p:sldLayout xmlns:a="http://schemas.openxmlformats.org/drawingml/2006/main" xmlns:r="http://schemas.openxmlformats.org/officeDocument/2006/relationships" xmlns:p="http://schemas.openxmlformats.org/presentationml/2006/main" showMasterSp="0" matchingName="White logo horizontal " userDrawn="1">
   <p:cSld name="White logo horizontal ">
     <p:spTree>
@@ -1985,7 +2654,7 @@
             </a:extLst>
           </p:cNvPr>
           <p:cNvSpPr>
-            <a:spLocks noGrp="1"/>
+            <a:spLocks noGrp="1" noRot="1" noMove="1" noResize="1" noEditPoints="1" noAdjustHandles="1" noChangeArrowheads="1" noChangeShapeType="1"/>
           </p:cNvSpPr>
           <p:nvPr>
             <p:ph type="pic" sz="quarter" idx="1" hasCustomPrompt="1"/>
@@ -1993,8 +2662,8 @@
         </p:nvSpPr>
         <p:spPr>
           <a:xfrm>
-            <a:off x="0" y="-1"/>
-            <a:ext cx="10969625" cy="6102967"/>
+            <a:off x="0" y="808264"/>
+            <a:ext cx="10969625" cy="5294702"/>
           </a:xfrm>
           <a:blipFill dpi="0" rotWithShape="1">
             <a:blip r:embed="rId2">
@@ -2026,194 +2695,13 @@
           </a:p>
         </p:txBody>
       </p:sp>
-      <p:sp>
-        <p:nvSpPr>
-          <p:cNvPr id="6" name="Logo">
-            <a:extLst>
-              <a:ext uri="{FF2B5EF4-FFF2-40B4-BE49-F238E27FC236}">
-                <a16:creationId xmlns:a16="http://schemas.microsoft.com/office/drawing/2014/main" id="{0C8D7868-566A-E406-AA76-0F7E438D3810}"/>
-              </a:ext>
-            </a:extLst>
-          </p:cNvPr>
-          <p:cNvSpPr>
-            <a:spLocks noGrp="1"/>
-          </p:cNvSpPr>
-          <p:nvPr>
-            <p:ph type="body" sz="quarter" idx="99" hasCustomPrompt="1"/>
-          </p:nvPr>
-        </p:nvSpPr>
-        <p:spPr>
-          <a:xfrm>
-            <a:off x="9672212" y="5561282"/>
-            <a:ext cx="1231531" cy="506144"/>
-          </a:xfrm>
-          <a:blipFill>
-            <a:blip r:embed="rId3"/>
-            <a:stretch>
-              <a:fillRect/>
-            </a:stretch>
-          </a:blipFill>
-        </p:spPr>
-        <p:txBody>
-          <a:bodyPr anchor="t" anchorCtr="0"/>
-          <a:lstStyle>
-            <a:lvl1pPr marL="0" indent="0" algn="l">
-              <a:buFontTx/>
-              <a:buNone/>
-              <a:defRPr sz="100">
-                <a:noFill/>
-              </a:defRPr>
-            </a:lvl1pPr>
-            <a:lvl2pPr marL="457200" indent="0">
-              <a:buFontTx/>
-              <a:buNone/>
-              <a:defRPr/>
-            </a:lvl2pPr>
-            <a:lvl3pPr marL="914400" indent="0">
-              <a:buFontTx/>
-              <a:buNone/>
-              <a:defRPr/>
-            </a:lvl3pPr>
-            <a:lvl4pPr marL="1371600" indent="0">
-              <a:buFontTx/>
-              <a:buNone/>
-              <a:defRPr/>
-            </a:lvl4pPr>
-            <a:lvl5pPr marL="1371600" indent="0">
-              <a:buFontTx/>
-              <a:buNone/>
-              <a:defRPr/>
-            </a:lvl5pPr>
-          </a:lstStyle>
-          <a:p>
-            <a:pPr lvl="0"/>
-            <a:r>
-              <a:rPr lang="en-US"/>
-              <a:t> </a:t>
-            </a:r>
-            <a:endParaRPr lang="de-DE"/>
-          </a:p>
-        </p:txBody>
-      </p:sp>
       <p:pic>
         <p:nvPicPr>
-          <p:cNvPr id="7" name="Google Shape;33;p5" descr="fit@hcmus · GitHub"/>
-          <p:cNvPicPr preferRelativeResize="0"/>
+          <p:cNvPr id="7" name="Logo" descr="fit@hcmus · GitHub"/>
+          <p:cNvPicPr preferRelativeResize="0">
+            <a:picLocks noGrp="1" noRot="1" noMove="1" noResize="1" noEditPoints="1" noAdjustHandles="1" noChangeArrowheads="1" noChangeShapeType="1" noCrop="1"/>
+          </p:cNvPicPr>
           <p:nvPr userDrawn="1"/>
-        </p:nvPicPr>
-        <p:blipFill rotWithShape="1">
-          <a:blip r:embed="rId4">
-            <a:alphaModFix/>
-          </a:blip>
-          <a:srcRect/>
-          <a:stretch/>
-        </p:blipFill>
-        <p:spPr>
-          <a:xfrm>
-            <a:off x="9672213" y="5561282"/>
-            <a:ext cx="1160600" cy="478457"/>
-          </a:xfrm>
-          <a:prstGeom prst="rect">
-            <a:avLst/>
-          </a:prstGeom>
-          <a:noFill/>
-          <a:ln>
-            <a:noFill/>
-          </a:ln>
-        </p:spPr>
-      </p:pic>
-    </p:spTree>
-  </p:cSld>
-  <p:clrMapOvr>
-    <a:masterClrMapping/>
-  </p:clrMapOvr>
-  <p:extLst mod="1">
-    <p:ext uri="{DCECCB84-F9BA-43D5-87BE-67443E8EF086}">
-      <p15:sldGuideLst xmlns:p15="http://schemas.microsoft.com/office/powerpoint/2012/main">
-        <p15:guide id="1" orient="horz" pos="3844">
-          <p15:clr>
-            <a:srgbClr val="FBAE40"/>
-          </p15:clr>
-        </p15:guide>
-      </p15:sldGuideLst>
-    </p:ext>
-  </p:extLst>
-</p:sldLayout>
-</file>
-
-<file path=ppt/slideLayouts/slideLayout12.xml><?xml version="1.0" encoding="utf-8"?>
-<p:sldLayout xmlns:a="http://schemas.openxmlformats.org/drawingml/2006/main" xmlns:r="http://schemas.openxmlformats.org/officeDocument/2006/relationships" xmlns:p="http://schemas.openxmlformats.org/presentationml/2006/main" showMasterSp="0" matchingName="White logo vertical " userDrawn="1">
-  <p:cSld name="White logo vertical ">
-    <p:spTree>
-      <p:nvGrpSpPr>
-        <p:cNvPr id="1" name="Shape 53"/>
-        <p:cNvGrpSpPr/>
-        <p:nvPr/>
-      </p:nvGrpSpPr>
-      <p:grpSpPr>
-        <a:xfrm>
-          <a:off x="0" y="0"/>
-          <a:ext cx="0" cy="0"/>
-          <a:chOff x="0" y="0"/>
-          <a:chExt cx="0" cy="0"/>
-        </a:xfrm>
-      </p:grpSpPr>
-      <p:sp>
-        <p:nvSpPr>
-          <p:cNvPr id="5" name="Picture Placeholder 4">
-            <a:extLst>
-              <a:ext uri="{FF2B5EF4-FFF2-40B4-BE49-F238E27FC236}">
-                <a16:creationId xmlns:a16="http://schemas.microsoft.com/office/drawing/2014/main" id="{E4BBAF9A-7C35-481A-A051-34156DE6B27D}"/>
-              </a:ext>
-            </a:extLst>
-          </p:cNvPr>
-          <p:cNvSpPr>
-            <a:spLocks noGrp="1"/>
-          </p:cNvSpPr>
-          <p:nvPr>
-            <p:ph type="pic" sz="quarter" idx="10" hasCustomPrompt="1"/>
-          </p:nvPr>
-        </p:nvSpPr>
-        <p:spPr>
-          <a:xfrm>
-            <a:off x="-1" y="0"/>
-            <a:ext cx="10909301" cy="6170400"/>
-          </a:xfrm>
-          <a:blipFill dpi="0" rotWithShape="1">
-            <a:blip r:embed="rId2">
-              <a:alphaModFix amt="70000"/>
-            </a:blip>
-            <a:srcRect/>
-            <a:stretch>
-              <a:fillRect/>
-            </a:stretch>
-          </a:blipFill>
-        </p:spPr>
-        <p:txBody>
-          <a:bodyPr anchor="ctr"/>
-          <a:lstStyle>
-            <a:lvl1pPr marL="0" indent="0" algn="ctr">
-              <a:lnSpc>
-                <a:spcPct val="600000"/>
-              </a:lnSpc>
-              <a:buFontTx/>
-              <a:buNone/>
-              <a:defRPr sz="900"/>
-            </a:lvl1pPr>
-          </a:lstStyle>
-          <a:p>
-            <a:r>
-              <a:rPr lang="en-US" noProof="1"/>
-              <a:t>Insert photo</a:t>
-            </a:r>
-          </a:p>
-        </p:txBody>
-      </p:sp>
-      <p:pic>
-        <p:nvPicPr>
-          <p:cNvPr id="56" name="Google Shape;56;p11" descr="fit@hcmus · GitHub"/>
-          <p:cNvPicPr preferRelativeResize="0"/>
-          <p:nvPr/>
         </p:nvPicPr>
         <p:blipFill rotWithShape="1">
           <a:blip r:embed="rId3">
@@ -2224,8 +2712,8 @@
         </p:blipFill>
         <p:spPr>
           <a:xfrm>
-            <a:off x="9816983" y="5719819"/>
-            <a:ext cx="1092317" cy="450581"/>
+            <a:off x="9672213" y="5561282"/>
+            <a:ext cx="1160600" cy="478457"/>
           </a:xfrm>
           <a:prstGeom prst="rect">
             <a:avLst/>
@@ -2236,15 +2724,77 @@
           </a:ln>
         </p:spPr>
       </p:pic>
+      <p:sp>
+        <p:nvSpPr>
+          <p:cNvPr id="2" name="Chapter_title">
+            <a:extLst>
+              <a:ext uri="{FF2B5EF4-FFF2-40B4-BE49-F238E27FC236}">
+                <a16:creationId xmlns:a16="http://schemas.microsoft.com/office/drawing/2014/main" id="{1A45C5DD-7758-30DF-6A15-7D79D3BAA5DB}"/>
+              </a:ext>
+            </a:extLst>
+          </p:cNvPr>
+          <p:cNvSpPr>
+            <a:spLocks noGrp="1"/>
+          </p:cNvSpPr>
+          <p:nvPr>
+            <p:ph type="body" sz="quarter" idx="15"/>
+          </p:nvPr>
+        </p:nvSpPr>
+        <p:spPr>
+          <a:xfrm>
+            <a:off x="205200" y="259200"/>
+            <a:ext cx="10558800" cy="388800"/>
+          </a:xfrm>
+        </p:spPr>
+        <p:txBody>
+          <a:bodyPr/>
+          <a:lstStyle>
+            <a:lvl1pPr marL="0" indent="0">
+              <a:lnSpc>
+                <a:spcPct val="89000"/>
+              </a:lnSpc>
+              <a:spcBef>
+                <a:spcPts val="0"/>
+              </a:spcBef>
+              <a:buNone/>
+              <a:defRPr sz="2800" kern="0" baseline="0">
+                <a:solidFill>
+                  <a:schemeClr val="tx1"/>
+                </a:solidFill>
+              </a:defRPr>
+            </a:lvl1pPr>
+            <a:lvl2pPr marL="233983" indent="0">
+              <a:buNone/>
+              <a:defRPr sz="2800"/>
+            </a:lvl2pPr>
+            <a:lvl3pPr marL="525562" indent="0">
+              <a:buNone/>
+              <a:defRPr sz="2800"/>
+            </a:lvl3pPr>
+            <a:lvl4pPr marL="748745" indent="0">
+              <a:buNone/>
+              <a:defRPr sz="2800"/>
+            </a:lvl4pPr>
+            <a:lvl5pPr marL="748745" indent="0">
+              <a:buNone/>
+              <a:defRPr sz="2800"/>
+            </a:lvl5pPr>
+          </a:lstStyle>
+          <a:p>
+            <a:pPr lvl="0"/>
+            <a:endParaRPr lang="en-US" noProof="1"/>
+          </a:p>
+        </p:txBody>
+      </p:sp>
     </p:spTree>
   </p:cSld>
   <p:clrMapOvr>
     <a:masterClrMapping/>
   </p:clrMapOvr>
-  <p:extLst mod="1">
+  <p:extLst>
     <p:ext uri="{DCECCB84-F9BA-43D5-87BE-67443E8EF086}">
       <p15:sldGuideLst xmlns:p15="http://schemas.microsoft.com/office/powerpoint/2012/main">
-        <p15:guide id="1" pos="6866">
+        <p15:guide id="1" orient="horz" pos="3844">
           <p15:clr>
             <a:srgbClr val="FBAE40"/>
           </p15:clr>
@@ -2255,7 +2805,7 @@
 </p:sldLayout>
 </file>
 
-<file path=ppt/slideLayouts/slideLayout13.xml><?xml version="1.0" encoding="utf-8"?>
+<file path=ppt/slideLayouts/slideLayout14.xml><?xml version="1.0" encoding="utf-8"?>
 <p:sldLayout xmlns:a="http://schemas.openxmlformats.org/drawingml/2006/main" xmlns:r="http://schemas.openxmlformats.org/officeDocument/2006/relationships" xmlns:p="http://schemas.openxmlformats.org/presentationml/2006/main" showMasterSp="0" matchingName="1 Content " userDrawn="1">
   <p:cSld name="OBJECT">
     <p:spTree>
@@ -2272,272 +2822,12 @@
           <a:chExt cx="0" cy="0"/>
         </a:xfrm>
       </p:grpSpPr>
-      <p:sp>
-        <p:nvSpPr>
-          <p:cNvPr id="60" name="Google Shape;60;p12"/>
-          <p:cNvSpPr/>
-          <p:nvPr/>
-        </p:nvSpPr>
-        <p:spPr>
-          <a:xfrm>
-            <a:off x="9224010" y="259080"/>
-            <a:ext cx="1691640" cy="777240"/>
-          </a:xfrm>
-          <a:prstGeom prst="rect">
-            <a:avLst/>
-          </a:prstGeom>
-          <a:noFill/>
-          <a:ln>
-            <a:noFill/>
-          </a:ln>
-        </p:spPr>
-        <p:txBody>
-          <a:bodyPr spcFirstLastPara="1" wrap="square" lIns="0" tIns="17775" rIns="0" bIns="0" anchor="t" anchorCtr="0">
-            <a:normAutofit/>
-          </a:bodyPr>
-          <a:lstStyle/>
-          <a:p>
-            <a:pPr marL="0" marR="0" lvl="0" indent="0" algn="l" rtl="0">
-              <a:lnSpc>
-                <a:spcPct val="163636"/>
-              </a:lnSpc>
-              <a:spcBef>
-                <a:spcPts val="0"/>
-              </a:spcBef>
-              <a:spcAft>
-                <a:spcPts val="0"/>
-              </a:spcAft>
-              <a:buNone/>
-            </a:pPr>
-            <a:r>
-              <a:rPr lang="de-DE" sz="550" b="0" i="0" u="none" strike="noStrike">
-                <a:solidFill>
-                  <a:srgbClr val="000000"/>
-                </a:solidFill>
-                <a:latin typeface="Arial"/>
-                <a:ea typeface="Arial"/>
-                <a:cs typeface="Arial"/>
-                <a:sym typeface="Arial"/>
-              </a:rPr>
-              <a:t> </a:t>
-            </a:r>
-            <a:endParaRPr/>
-          </a:p>
-        </p:txBody>
-      </p:sp>
-      <p:sp>
-        <p:nvSpPr>
-          <p:cNvPr id="62" name="Google Shape;62;p12"/>
-          <p:cNvSpPr txBox="1">
-            <a:spLocks noGrp="1"/>
-          </p:cNvSpPr>
-          <p:nvPr>
-            <p:ph type="sldNum" idx="12"/>
-          </p:nvPr>
-        </p:nvSpPr>
-        <p:spPr>
-          <a:xfrm>
-            <a:off x="205200" y="5666400"/>
-            <a:ext cx="288290" cy="410210"/>
-          </a:xfrm>
-          <a:prstGeom prst="rect">
-            <a:avLst/>
-          </a:prstGeom>
-          <a:noFill/>
-          <a:ln>
-            <a:noFill/>
-          </a:ln>
-        </p:spPr>
-        <p:txBody>
-          <a:bodyPr spcFirstLastPara="1" wrap="square" lIns="91425" tIns="45700" rIns="91425" bIns="45700" anchor="t" anchorCtr="0">
-            <a:noAutofit/>
-          </a:bodyPr>
-          <a:lstStyle>
-            <a:lvl1pPr marL="0" marR="0" lvl="0" indent="0" algn="l" rtl="0">
-              <a:spcBef>
-                <a:spcPts val="0"/>
-              </a:spcBef>
-              <a:spcAft>
-                <a:spcPts val="0"/>
-              </a:spcAft>
-              <a:buNone/>
-              <a:defRPr sz="1800">
-                <a:solidFill>
-                  <a:schemeClr val="dk1"/>
-                </a:solidFill>
-                <a:latin typeface="Arial"/>
-                <a:ea typeface="Arial"/>
-                <a:cs typeface="Arial"/>
-                <a:sym typeface="Arial"/>
-              </a:defRPr>
-            </a:lvl1pPr>
-            <a:lvl2pPr marL="0" marR="0" lvl="1" indent="0" algn="l" rtl="0">
-              <a:spcBef>
-                <a:spcPts val="0"/>
-              </a:spcBef>
-              <a:spcAft>
-                <a:spcPts val="0"/>
-              </a:spcAft>
-              <a:buNone/>
-              <a:defRPr sz="1800">
-                <a:solidFill>
-                  <a:schemeClr val="dk1"/>
-                </a:solidFill>
-                <a:latin typeface="Arial"/>
-                <a:ea typeface="Arial"/>
-                <a:cs typeface="Arial"/>
-                <a:sym typeface="Arial"/>
-              </a:defRPr>
-            </a:lvl2pPr>
-            <a:lvl3pPr marL="0" marR="0" lvl="2" indent="0" algn="l" rtl="0">
-              <a:spcBef>
-                <a:spcPts val="0"/>
-              </a:spcBef>
-              <a:spcAft>
-                <a:spcPts val="0"/>
-              </a:spcAft>
-              <a:buNone/>
-              <a:defRPr sz="1800">
-                <a:solidFill>
-                  <a:schemeClr val="dk1"/>
-                </a:solidFill>
-                <a:latin typeface="Arial"/>
-                <a:ea typeface="Arial"/>
-                <a:cs typeface="Arial"/>
-                <a:sym typeface="Arial"/>
-              </a:defRPr>
-            </a:lvl3pPr>
-            <a:lvl4pPr marL="0" marR="0" lvl="3" indent="0" algn="l" rtl="0">
-              <a:spcBef>
-                <a:spcPts val="0"/>
-              </a:spcBef>
-              <a:spcAft>
-                <a:spcPts val="0"/>
-              </a:spcAft>
-              <a:buNone/>
-              <a:defRPr sz="1800">
-                <a:solidFill>
-                  <a:schemeClr val="dk1"/>
-                </a:solidFill>
-                <a:latin typeface="Arial"/>
-                <a:ea typeface="Arial"/>
-                <a:cs typeface="Arial"/>
-                <a:sym typeface="Arial"/>
-              </a:defRPr>
-            </a:lvl4pPr>
-            <a:lvl5pPr marL="0" marR="0" lvl="4" indent="0" algn="l" rtl="0">
-              <a:spcBef>
-                <a:spcPts val="0"/>
-              </a:spcBef>
-              <a:spcAft>
-                <a:spcPts val="0"/>
-              </a:spcAft>
-              <a:buNone/>
-              <a:defRPr sz="1800">
-                <a:solidFill>
-                  <a:schemeClr val="dk1"/>
-                </a:solidFill>
-                <a:latin typeface="Arial"/>
-                <a:ea typeface="Arial"/>
-                <a:cs typeface="Arial"/>
-                <a:sym typeface="Arial"/>
-              </a:defRPr>
-            </a:lvl5pPr>
-            <a:lvl6pPr marL="0" marR="0" lvl="5" indent="0" algn="l" rtl="0">
-              <a:spcBef>
-                <a:spcPts val="0"/>
-              </a:spcBef>
-              <a:spcAft>
-                <a:spcPts val="0"/>
-              </a:spcAft>
-              <a:buNone/>
-              <a:defRPr sz="1800">
-                <a:solidFill>
-                  <a:schemeClr val="dk1"/>
-                </a:solidFill>
-                <a:latin typeface="Arial"/>
-                <a:ea typeface="Arial"/>
-                <a:cs typeface="Arial"/>
-                <a:sym typeface="Arial"/>
-              </a:defRPr>
-            </a:lvl6pPr>
-            <a:lvl7pPr marL="0" marR="0" lvl="6" indent="0" algn="l" rtl="0">
-              <a:spcBef>
-                <a:spcPts val="0"/>
-              </a:spcBef>
-              <a:spcAft>
-                <a:spcPts val="0"/>
-              </a:spcAft>
-              <a:buNone/>
-              <a:defRPr sz="1800">
-                <a:solidFill>
-                  <a:schemeClr val="dk1"/>
-                </a:solidFill>
-                <a:latin typeface="Arial"/>
-                <a:ea typeface="Arial"/>
-                <a:cs typeface="Arial"/>
-                <a:sym typeface="Arial"/>
-              </a:defRPr>
-            </a:lvl7pPr>
-            <a:lvl8pPr marL="0" marR="0" lvl="7" indent="0" algn="l" rtl="0">
-              <a:spcBef>
-                <a:spcPts val="0"/>
-              </a:spcBef>
-              <a:spcAft>
-                <a:spcPts val="0"/>
-              </a:spcAft>
-              <a:buNone/>
-              <a:defRPr sz="1800">
-                <a:solidFill>
-                  <a:schemeClr val="dk1"/>
-                </a:solidFill>
-                <a:latin typeface="Arial"/>
-                <a:ea typeface="Arial"/>
-                <a:cs typeface="Arial"/>
-                <a:sym typeface="Arial"/>
-              </a:defRPr>
-            </a:lvl8pPr>
-            <a:lvl9pPr marL="0" marR="0" lvl="8" indent="0" algn="l" rtl="0">
-              <a:spcBef>
-                <a:spcPts val="0"/>
-              </a:spcBef>
-              <a:spcAft>
-                <a:spcPts val="0"/>
-              </a:spcAft>
-              <a:buNone/>
-              <a:defRPr sz="1800">
-                <a:solidFill>
-                  <a:schemeClr val="dk1"/>
-                </a:solidFill>
-                <a:latin typeface="Arial"/>
-                <a:ea typeface="Arial"/>
-                <a:cs typeface="Arial"/>
-                <a:sym typeface="Arial"/>
-              </a:defRPr>
-            </a:lvl9pPr>
-          </a:lstStyle>
-          <a:p>
-            <a:pPr marL="0" lvl="0" indent="0" algn="l" rtl="0">
-              <a:spcBef>
-                <a:spcPts val="0"/>
-              </a:spcBef>
-              <a:spcAft>
-                <a:spcPts val="0"/>
-              </a:spcAft>
-              <a:buNone/>
-            </a:pPr>
-            <a:fld id="{00000000-1234-1234-1234-123412341234}" type="slidenum">
-              <a:rPr lang="de-DE"/>
-              <a:t>‹#›</a:t>
-            </a:fld>
-            <a:endParaRPr/>
-          </a:p>
-        </p:txBody>
-      </p:sp>
       <p:pic>
         <p:nvPicPr>
-          <p:cNvPr id="63" name="Google Shape;63;p12" descr="fit@hcmus · GitHub"/>
-          <p:cNvPicPr preferRelativeResize="0"/>
+          <p:cNvPr id="63" name="Logo" descr="fit@hcmus · GitHub"/>
+          <p:cNvPicPr preferRelativeResize="0">
+            <a:picLocks noGrp="1" noRot="1" noMove="1" noResize="1" noEditPoints="1" noAdjustHandles="1" noChangeArrowheads="1" noChangeShapeType="1" noCrop="1"/>
+          </p:cNvPicPr>
           <p:nvPr/>
         </p:nvPicPr>
         <p:blipFill rotWithShape="1">
@@ -2563,7 +2853,7 @@
       </p:pic>
       <p:sp>
         <p:nvSpPr>
-          <p:cNvPr id="8" name="Chapter_titleonly"/>
+          <p:cNvPr id="8" name="Chapter_title"/>
           <p:cNvSpPr>
             <a:spLocks noGrp="1"/>
           </p:cNvSpPr>
@@ -2619,7 +2909,7 @@
       </p:sp>
       <p:sp>
         <p:nvSpPr>
-          <p:cNvPr id="9" name="Title 4">
+          <p:cNvPr id="9" name="Slide_Title">
             <a:extLst>
               <a:ext uri="{FF2B5EF4-FFF2-40B4-BE49-F238E27FC236}">
                 <a16:creationId xmlns:a16="http://schemas.microsoft.com/office/drawing/2014/main" id="{5CC74776-286D-45CF-B42A-A491ED08BED4}"/>
@@ -2649,7 +2939,7 @@
       </p:sp>
       <p:sp>
         <p:nvSpPr>
-          <p:cNvPr id="10" name="Inhaltsplatzhalter 4">
+          <p:cNvPr id="10" name="Content_placeholder">
             <a:extLst>
               <a:ext uri="{FF2B5EF4-FFF2-40B4-BE49-F238E27FC236}">
                 <a16:creationId xmlns:a16="http://schemas.microsoft.com/office/drawing/2014/main" id="{4D46C5CB-CB38-4AD2-99D2-34C738DF30C0}"/>
@@ -2718,7 +3008,7 @@
   <p:clrMapOvr>
     <a:masterClrMapping/>
   </p:clrMapOvr>
-  <p:extLst mod="1">
+  <p:extLst>
     <p:ext uri="{DCECCB84-F9BA-43D5-87BE-67443E8EF086}">
       <p15:sldGuideLst xmlns:p15="http://schemas.microsoft.com/office/powerpoint/2012/main">
         <p15:guide id="1" pos="128">
@@ -2762,7 +3052,7 @@
 </p:sldLayout>
 </file>
 
-<file path=ppt/slideLayouts/slideLayout14.xml><?xml version="1.0" encoding="utf-8"?>
+<file path=ppt/slideLayouts/slideLayout15.xml><?xml version="1.0" encoding="utf-8"?>
 <p:sldLayout xmlns:a="http://schemas.openxmlformats.org/drawingml/2006/main" xmlns:r="http://schemas.openxmlformats.org/officeDocument/2006/relationships" xmlns:p="http://schemas.openxmlformats.org/presentationml/2006/main" showMasterSp="0" matchingName="2 Vertical contents " userDrawn="1">
   <p:cSld name="TWO_OBJECTS">
     <p:spTree>
@@ -2779,272 +3069,12 @@
           <a:chExt cx="0" cy="0"/>
         </a:xfrm>
       </p:grpSpPr>
-      <p:sp>
-        <p:nvSpPr>
-          <p:cNvPr id="69" name="Google Shape;69;p13"/>
-          <p:cNvSpPr/>
-          <p:nvPr/>
-        </p:nvSpPr>
-        <p:spPr>
-          <a:xfrm>
-            <a:off x="9224010" y="259080"/>
-            <a:ext cx="1691640" cy="777240"/>
-          </a:xfrm>
-          <a:prstGeom prst="rect">
-            <a:avLst/>
-          </a:prstGeom>
-          <a:noFill/>
-          <a:ln>
-            <a:noFill/>
-          </a:ln>
-        </p:spPr>
-        <p:txBody>
-          <a:bodyPr spcFirstLastPara="1" wrap="square" lIns="0" tIns="17775" rIns="0" bIns="0" anchor="t" anchorCtr="0">
-            <a:normAutofit/>
-          </a:bodyPr>
-          <a:lstStyle/>
-          <a:p>
-            <a:pPr marL="0" marR="0" lvl="0" indent="0" algn="l" rtl="0">
-              <a:lnSpc>
-                <a:spcPct val="163636"/>
-              </a:lnSpc>
-              <a:spcBef>
-                <a:spcPts val="0"/>
-              </a:spcBef>
-              <a:spcAft>
-                <a:spcPts val="0"/>
-              </a:spcAft>
-              <a:buNone/>
-            </a:pPr>
-            <a:r>
-              <a:rPr lang="de-DE" sz="550" b="0" i="0" u="none" strike="noStrike">
-                <a:solidFill>
-                  <a:srgbClr val="000000"/>
-                </a:solidFill>
-                <a:latin typeface="Arial"/>
-                <a:ea typeface="Arial"/>
-                <a:cs typeface="Arial"/>
-                <a:sym typeface="Arial"/>
-              </a:rPr>
-              <a:t> </a:t>
-            </a:r>
-            <a:endParaRPr/>
-          </a:p>
-        </p:txBody>
-      </p:sp>
-      <p:sp>
-        <p:nvSpPr>
-          <p:cNvPr id="70" name="Google Shape;70;p13"/>
-          <p:cNvSpPr txBox="1">
-            <a:spLocks noGrp="1"/>
-          </p:cNvSpPr>
-          <p:nvPr>
-            <p:ph type="sldNum" idx="12"/>
-          </p:nvPr>
-        </p:nvSpPr>
-        <p:spPr>
-          <a:xfrm>
-            <a:off x="205200" y="5666400"/>
-            <a:ext cx="288290" cy="410210"/>
-          </a:xfrm>
-          <a:prstGeom prst="rect">
-            <a:avLst/>
-          </a:prstGeom>
-          <a:noFill/>
-          <a:ln>
-            <a:noFill/>
-          </a:ln>
-        </p:spPr>
-        <p:txBody>
-          <a:bodyPr spcFirstLastPara="1" wrap="square" lIns="91425" tIns="45700" rIns="91425" bIns="45700" anchor="t" anchorCtr="0">
-            <a:noAutofit/>
-          </a:bodyPr>
-          <a:lstStyle>
-            <a:lvl1pPr marL="0" marR="0" lvl="0" indent="0" algn="l" rtl="0">
-              <a:spcBef>
-                <a:spcPts val="0"/>
-              </a:spcBef>
-              <a:spcAft>
-                <a:spcPts val="0"/>
-              </a:spcAft>
-              <a:buNone/>
-              <a:defRPr sz="1800">
-                <a:solidFill>
-                  <a:schemeClr val="dk1"/>
-                </a:solidFill>
-                <a:latin typeface="Arial"/>
-                <a:ea typeface="Arial"/>
-                <a:cs typeface="Arial"/>
-                <a:sym typeface="Arial"/>
-              </a:defRPr>
-            </a:lvl1pPr>
-            <a:lvl2pPr marL="0" marR="0" lvl="1" indent="0" algn="l" rtl="0">
-              <a:spcBef>
-                <a:spcPts val="0"/>
-              </a:spcBef>
-              <a:spcAft>
-                <a:spcPts val="0"/>
-              </a:spcAft>
-              <a:buNone/>
-              <a:defRPr sz="1800">
-                <a:solidFill>
-                  <a:schemeClr val="dk1"/>
-                </a:solidFill>
-                <a:latin typeface="Arial"/>
-                <a:ea typeface="Arial"/>
-                <a:cs typeface="Arial"/>
-                <a:sym typeface="Arial"/>
-              </a:defRPr>
-            </a:lvl2pPr>
-            <a:lvl3pPr marL="0" marR="0" lvl="2" indent="0" algn="l" rtl="0">
-              <a:spcBef>
-                <a:spcPts val="0"/>
-              </a:spcBef>
-              <a:spcAft>
-                <a:spcPts val="0"/>
-              </a:spcAft>
-              <a:buNone/>
-              <a:defRPr sz="1800">
-                <a:solidFill>
-                  <a:schemeClr val="dk1"/>
-                </a:solidFill>
-                <a:latin typeface="Arial"/>
-                <a:ea typeface="Arial"/>
-                <a:cs typeface="Arial"/>
-                <a:sym typeface="Arial"/>
-              </a:defRPr>
-            </a:lvl3pPr>
-            <a:lvl4pPr marL="0" marR="0" lvl="3" indent="0" algn="l" rtl="0">
-              <a:spcBef>
-                <a:spcPts val="0"/>
-              </a:spcBef>
-              <a:spcAft>
-                <a:spcPts val="0"/>
-              </a:spcAft>
-              <a:buNone/>
-              <a:defRPr sz="1800">
-                <a:solidFill>
-                  <a:schemeClr val="dk1"/>
-                </a:solidFill>
-                <a:latin typeface="Arial"/>
-                <a:ea typeface="Arial"/>
-                <a:cs typeface="Arial"/>
-                <a:sym typeface="Arial"/>
-              </a:defRPr>
-            </a:lvl4pPr>
-            <a:lvl5pPr marL="0" marR="0" lvl="4" indent="0" algn="l" rtl="0">
-              <a:spcBef>
-                <a:spcPts val="0"/>
-              </a:spcBef>
-              <a:spcAft>
-                <a:spcPts val="0"/>
-              </a:spcAft>
-              <a:buNone/>
-              <a:defRPr sz="1800">
-                <a:solidFill>
-                  <a:schemeClr val="dk1"/>
-                </a:solidFill>
-                <a:latin typeface="Arial"/>
-                <a:ea typeface="Arial"/>
-                <a:cs typeface="Arial"/>
-                <a:sym typeface="Arial"/>
-              </a:defRPr>
-            </a:lvl5pPr>
-            <a:lvl6pPr marL="0" marR="0" lvl="5" indent="0" algn="l" rtl="0">
-              <a:spcBef>
-                <a:spcPts val="0"/>
-              </a:spcBef>
-              <a:spcAft>
-                <a:spcPts val="0"/>
-              </a:spcAft>
-              <a:buNone/>
-              <a:defRPr sz="1800">
-                <a:solidFill>
-                  <a:schemeClr val="dk1"/>
-                </a:solidFill>
-                <a:latin typeface="Arial"/>
-                <a:ea typeface="Arial"/>
-                <a:cs typeface="Arial"/>
-                <a:sym typeface="Arial"/>
-              </a:defRPr>
-            </a:lvl6pPr>
-            <a:lvl7pPr marL="0" marR="0" lvl="6" indent="0" algn="l" rtl="0">
-              <a:spcBef>
-                <a:spcPts val="0"/>
-              </a:spcBef>
-              <a:spcAft>
-                <a:spcPts val="0"/>
-              </a:spcAft>
-              <a:buNone/>
-              <a:defRPr sz="1800">
-                <a:solidFill>
-                  <a:schemeClr val="dk1"/>
-                </a:solidFill>
-                <a:latin typeface="Arial"/>
-                <a:ea typeface="Arial"/>
-                <a:cs typeface="Arial"/>
-                <a:sym typeface="Arial"/>
-              </a:defRPr>
-            </a:lvl7pPr>
-            <a:lvl8pPr marL="0" marR="0" lvl="7" indent="0" algn="l" rtl="0">
-              <a:spcBef>
-                <a:spcPts val="0"/>
-              </a:spcBef>
-              <a:spcAft>
-                <a:spcPts val="0"/>
-              </a:spcAft>
-              <a:buNone/>
-              <a:defRPr sz="1800">
-                <a:solidFill>
-                  <a:schemeClr val="dk1"/>
-                </a:solidFill>
-                <a:latin typeface="Arial"/>
-                <a:ea typeface="Arial"/>
-                <a:cs typeface="Arial"/>
-                <a:sym typeface="Arial"/>
-              </a:defRPr>
-            </a:lvl8pPr>
-            <a:lvl9pPr marL="0" marR="0" lvl="8" indent="0" algn="l" rtl="0">
-              <a:spcBef>
-                <a:spcPts val="0"/>
-              </a:spcBef>
-              <a:spcAft>
-                <a:spcPts val="0"/>
-              </a:spcAft>
-              <a:buNone/>
-              <a:defRPr sz="1800">
-                <a:solidFill>
-                  <a:schemeClr val="dk1"/>
-                </a:solidFill>
-                <a:latin typeface="Arial"/>
-                <a:ea typeface="Arial"/>
-                <a:cs typeface="Arial"/>
-                <a:sym typeface="Arial"/>
-              </a:defRPr>
-            </a:lvl9pPr>
-          </a:lstStyle>
-          <a:p>
-            <a:pPr marL="0" lvl="0" indent="0" algn="l" rtl="0">
-              <a:spcBef>
-                <a:spcPts val="0"/>
-              </a:spcBef>
-              <a:spcAft>
-                <a:spcPts val="0"/>
-              </a:spcAft>
-              <a:buNone/>
-            </a:pPr>
-            <a:fld id="{00000000-1234-1234-1234-123412341234}" type="slidenum">
-              <a:rPr lang="de-DE"/>
-              <a:t>‹#›</a:t>
-            </a:fld>
-            <a:endParaRPr/>
-          </a:p>
-        </p:txBody>
-      </p:sp>
       <p:pic>
         <p:nvPicPr>
-          <p:cNvPr id="71" name="Google Shape;71;p13" descr="fit@hcmus · GitHub"/>
-          <p:cNvPicPr preferRelativeResize="0"/>
+          <p:cNvPr id="71" name="Logo" descr="fit@hcmus · GitHub"/>
+          <p:cNvPicPr preferRelativeResize="0">
+            <a:picLocks noGrp="1" noRot="1" noMove="1" noResize="1" noEditPoints="1" noAdjustHandles="1" noChangeArrowheads="1" noChangeShapeType="1" noCrop="1"/>
+          </p:cNvPicPr>
           <p:nvPr/>
         </p:nvPicPr>
         <p:blipFill rotWithShape="1">
@@ -3070,7 +3100,7 @@
       </p:pic>
       <p:sp>
         <p:nvSpPr>
-          <p:cNvPr id="9" name="Chapter_titleonly"/>
+          <p:cNvPr id="9" name="Chapter Title"/>
           <p:cNvSpPr>
             <a:spLocks noGrp="1"/>
           </p:cNvSpPr>
@@ -3126,7 +3156,7 @@
       </p:sp>
       <p:sp>
         <p:nvSpPr>
-          <p:cNvPr id="10" name="Title 4">
+          <p:cNvPr id="10" name="Slide Title">
             <a:extLst>
               <a:ext uri="{FF2B5EF4-FFF2-40B4-BE49-F238E27FC236}">
                 <a16:creationId xmlns:a16="http://schemas.microsoft.com/office/drawing/2014/main" id="{5CC74776-286D-45CF-B42A-A491ED08BED4}"/>
@@ -3279,7 +3309,7 @@
   <p:clrMapOvr>
     <a:masterClrMapping/>
   </p:clrMapOvr>
-  <p:extLst mod="1">
+  <p:extLst>
     <p:ext uri="{DCECCB84-F9BA-43D5-87BE-67443E8EF086}">
       <p15:sldGuideLst xmlns:p15="http://schemas.microsoft.com/office/powerpoint/2012/main">
         <p15:guide id="1" pos="128">
@@ -3333,7 +3363,272 @@
 </p:sldLayout>
 </file>
 
-<file path=ppt/slideLayouts/slideLayout15.xml><?xml version="1.0" encoding="utf-8"?>
+<file path=ppt/slideLayouts/slideLayout16.xml><?xml version="1.0" encoding="utf-8"?>
+<p:sldLayout xmlns:a="http://schemas.openxmlformats.org/drawingml/2006/main" xmlns:r="http://schemas.openxmlformats.org/officeDocument/2006/relationships" xmlns:p="http://schemas.openxmlformats.org/presentationml/2006/main" showMasterSp="0" matchingName="Split horizontal " preserve="1" userDrawn="1">
+  <p:cSld name="1_Split horizontal ">
+    <p:spTree>
+      <p:nvGrpSpPr>
+        <p:cNvPr id="1" name="Shape 41"/>
+        <p:cNvGrpSpPr/>
+        <p:nvPr/>
+      </p:nvGrpSpPr>
+      <p:grpSpPr>
+        <a:xfrm>
+          <a:off x="0" y="0"/>
+          <a:ext cx="0" cy="0"/>
+          <a:chOff x="0" y="0"/>
+          <a:chExt cx="0" cy="0"/>
+        </a:xfrm>
+      </p:grpSpPr>
+      <p:pic>
+        <p:nvPicPr>
+          <p:cNvPr id="44" name="Logo" descr="fit@hcmus · GitHub"/>
+          <p:cNvPicPr preferRelativeResize="0">
+            <a:picLocks noGrp="1" noRot="1" noMove="1" noResize="1" noEditPoints="1" noAdjustHandles="1" noChangeArrowheads="1" noChangeShapeType="1" noCrop="1"/>
+          </p:cNvPicPr>
+          <p:nvPr/>
+        </p:nvPicPr>
+        <p:blipFill rotWithShape="1">
+          <a:blip r:embed="rId2">
+            <a:alphaModFix/>
+          </a:blip>
+          <a:srcRect/>
+          <a:stretch/>
+        </p:blipFill>
+        <p:spPr>
+          <a:xfrm>
+            <a:off x="9740495" y="5589158"/>
+            <a:ext cx="1092317" cy="450581"/>
+          </a:xfrm>
+          <a:prstGeom prst="rect">
+            <a:avLst/>
+          </a:prstGeom>
+          <a:noFill/>
+          <a:ln>
+            <a:noFill/>
+          </a:ln>
+        </p:spPr>
+      </p:pic>
+      <p:sp>
+        <p:nvSpPr>
+          <p:cNvPr id="8" name="Picture Placeholder 4">
+            <a:extLst>
+              <a:ext uri="{FF2B5EF4-FFF2-40B4-BE49-F238E27FC236}">
+                <a16:creationId xmlns:a16="http://schemas.microsoft.com/office/drawing/2014/main" id="{E4BBAF9A-7C35-481A-A051-34156DE6B27D}"/>
+              </a:ext>
+            </a:extLst>
+          </p:cNvPr>
+          <p:cNvSpPr>
+            <a:spLocks noGrp="1"/>
+          </p:cNvSpPr>
+          <p:nvPr>
+            <p:ph type="pic" sz="quarter" idx="1" hasCustomPrompt="1"/>
+          </p:nvPr>
+        </p:nvSpPr>
+        <p:spPr>
+          <a:xfrm>
+            <a:off x="231970" y="742950"/>
+            <a:ext cx="10600842" cy="3216166"/>
+          </a:xfrm>
+          <a:blipFill dpi="0" rotWithShape="1">
+            <a:blip r:embed="rId3">
+              <a:alphaModFix amt="70000"/>
+            </a:blip>
+            <a:srcRect/>
+            <a:stretch>
+              <a:fillRect/>
+            </a:stretch>
+          </a:blipFill>
+        </p:spPr>
+        <p:txBody>
+          <a:bodyPr anchor="ctr"/>
+          <a:lstStyle>
+            <a:lvl1pPr marL="0" indent="0" algn="ctr">
+              <a:lnSpc>
+                <a:spcPct val="600000"/>
+              </a:lnSpc>
+              <a:buFontTx/>
+              <a:buNone/>
+              <a:defRPr sz="900"/>
+            </a:lvl1pPr>
+          </a:lstStyle>
+          <a:p>
+            <a:r>
+              <a:rPr lang="en-US" noProof="1"/>
+              <a:t>Insert photo</a:t>
+            </a:r>
+          </a:p>
+        </p:txBody>
+      </p:sp>
+      <p:sp>
+        <p:nvSpPr>
+          <p:cNvPr id="9" name="Content">
+            <a:extLst>
+              <a:ext uri="{FF2B5EF4-FFF2-40B4-BE49-F238E27FC236}">
+                <a16:creationId xmlns:a16="http://schemas.microsoft.com/office/drawing/2014/main" id="{990CB4FC-C276-4DB5-A6E3-49DD9BC66B63}"/>
+              </a:ext>
+            </a:extLst>
+          </p:cNvPr>
+          <p:cNvSpPr>
+            <a:spLocks noGrp="1"/>
+          </p:cNvSpPr>
+          <p:nvPr>
+            <p:ph type="body" sz="quarter" idx="2" hasCustomPrompt="1"/>
+          </p:nvPr>
+        </p:nvSpPr>
+        <p:spPr>
+          <a:xfrm>
+            <a:off x="205199" y="4098471"/>
+            <a:ext cx="10558800" cy="1438328"/>
+          </a:xfrm>
+        </p:spPr>
+        <p:txBody>
+          <a:bodyPr lIns="0" tIns="0" rIns="0" bIns="0">
+            <a:normAutofit/>
+          </a:bodyPr>
+          <a:lstStyle>
+            <a:lvl1pPr marL="285750" indent="-285750">
+              <a:buFont typeface="Wingdings" panose="05000000000000000000" pitchFamily="2" charset="2"/>
+              <a:buChar char="Ø"/>
+              <a:defRPr/>
+            </a:lvl1pPr>
+            <a:lvl2pPr marL="198000" indent="0">
+              <a:buFontTx/>
+              <a:buNone/>
+              <a:defRPr/>
+            </a:lvl2pPr>
+            <a:lvl3pPr marL="414000" indent="0">
+              <a:buFontTx/>
+              <a:buNone/>
+              <a:defRPr/>
+            </a:lvl3pPr>
+            <a:lvl4pPr marL="612000" indent="0">
+              <a:buFontTx/>
+              <a:buNone/>
+              <a:defRPr/>
+            </a:lvl4pPr>
+            <a:lvl5pPr marL="612000" indent="0">
+              <a:buFontTx/>
+              <a:buNone/>
+              <a:defRPr/>
+            </a:lvl5pPr>
+          </a:lstStyle>
+          <a:p>
+            <a:pPr lvl="0"/>
+            <a:r>
+              <a:rPr lang="en-US" noProof="1"/>
+              <a:t>Add Text</a:t>
+            </a:r>
+          </a:p>
+        </p:txBody>
+      </p:sp>
+      <p:sp>
+        <p:nvSpPr>
+          <p:cNvPr id="2" name="Chapter_title">
+            <a:extLst>
+              <a:ext uri="{FF2B5EF4-FFF2-40B4-BE49-F238E27FC236}">
+                <a16:creationId xmlns:a16="http://schemas.microsoft.com/office/drawing/2014/main" id="{0E0352A3-7FD0-92F9-450A-C67D7DC33FA4}"/>
+              </a:ext>
+            </a:extLst>
+          </p:cNvPr>
+          <p:cNvSpPr>
+            <a:spLocks noGrp="1"/>
+          </p:cNvSpPr>
+          <p:nvPr>
+            <p:ph type="body" sz="quarter" idx="15"/>
+          </p:nvPr>
+        </p:nvSpPr>
+        <p:spPr>
+          <a:xfrm>
+            <a:off x="205200" y="259200"/>
+            <a:ext cx="10558800" cy="388800"/>
+          </a:xfrm>
+        </p:spPr>
+        <p:txBody>
+          <a:bodyPr/>
+          <a:lstStyle>
+            <a:lvl1pPr marL="0" indent="0">
+              <a:lnSpc>
+                <a:spcPct val="89000"/>
+              </a:lnSpc>
+              <a:spcBef>
+                <a:spcPts val="0"/>
+              </a:spcBef>
+              <a:buNone/>
+              <a:defRPr sz="2800" kern="0" baseline="0">
+                <a:solidFill>
+                  <a:schemeClr val="tx1"/>
+                </a:solidFill>
+              </a:defRPr>
+            </a:lvl1pPr>
+            <a:lvl2pPr marL="233983" indent="0">
+              <a:buNone/>
+              <a:defRPr sz="2800"/>
+            </a:lvl2pPr>
+            <a:lvl3pPr marL="525562" indent="0">
+              <a:buNone/>
+              <a:defRPr sz="2800"/>
+            </a:lvl3pPr>
+            <a:lvl4pPr marL="748745" indent="0">
+              <a:buNone/>
+              <a:defRPr sz="2800"/>
+            </a:lvl4pPr>
+            <a:lvl5pPr marL="748745" indent="0">
+              <a:buNone/>
+              <a:defRPr sz="2800"/>
+            </a:lvl5pPr>
+          </a:lstStyle>
+          <a:p>
+            <a:pPr lvl="0"/>
+            <a:endParaRPr lang="en-US" noProof="1"/>
+          </a:p>
+        </p:txBody>
+      </p:sp>
+    </p:spTree>
+    <p:extLst>
+      <p:ext uri="{BB962C8B-B14F-4D97-AF65-F5344CB8AC3E}">
+        <p14:creationId xmlns:p14="http://schemas.microsoft.com/office/powerpoint/2010/main" val="3239094155"/>
+      </p:ext>
+    </p:extLst>
+  </p:cSld>
+  <p:clrMapOvr>
+    <a:masterClrMapping/>
+  </p:clrMapOvr>
+  <p:extLst>
+    <p:ext uri="{DCECCB84-F9BA-43D5-87BE-67443E8EF086}">
+      <p15:sldGuideLst xmlns:p15="http://schemas.microsoft.com/office/powerpoint/2012/main">
+        <p15:guide id="1" pos="128">
+          <p15:clr>
+            <a:srgbClr val="FBAE40"/>
+          </p15:clr>
+        </p15:guide>
+        <p15:guide id="2" pos="6784">
+          <p15:clr>
+            <a:srgbClr val="FBAE40"/>
+          </p15:clr>
+        </p15:guide>
+        <p15:guide id="3" orient="horz" pos="1949">
+          <p15:clr>
+            <a:srgbClr val="FBAE40"/>
+          </p15:clr>
+        </p15:guide>
+        <p15:guide id="4" orient="horz" pos="3489">
+          <p15:clr>
+            <a:srgbClr val="FBAE40"/>
+          </p15:clr>
+        </p15:guide>
+        <p15:guide id="5" orient="horz" pos="2202">
+          <p15:clr>
+            <a:srgbClr val="FBAE40"/>
+          </p15:clr>
+        </p15:guide>
+      </p15:sldGuideLst>
+    </p:ext>
+  </p:extLst>
+</p:sldLayout>
+</file>
+
+<file path=ppt/slideLayouts/slideLayout17.xml><?xml version="1.0" encoding="utf-8"?>
 <p:sldLayout xmlns:a="http://schemas.openxmlformats.org/drawingml/2006/main" xmlns:r="http://schemas.openxmlformats.org/officeDocument/2006/relationships" xmlns:p="http://schemas.openxmlformats.org/presentationml/2006/main" showMasterSp="0" matchingName="3 Vertical contents " userDrawn="1">
   <p:cSld name="OBJECT_WITH_CAPTION_TEXT">
     <p:spTree>
@@ -3350,272 +3645,12 @@
           <a:chExt cx="0" cy="0"/>
         </a:xfrm>
       </p:grpSpPr>
-      <p:sp>
-        <p:nvSpPr>
-          <p:cNvPr id="78" name="Google Shape;78;p14"/>
-          <p:cNvSpPr/>
-          <p:nvPr/>
-        </p:nvSpPr>
-        <p:spPr>
-          <a:xfrm>
-            <a:off x="9224010" y="259080"/>
-            <a:ext cx="1691640" cy="777240"/>
-          </a:xfrm>
-          <a:prstGeom prst="rect">
-            <a:avLst/>
-          </a:prstGeom>
-          <a:noFill/>
-          <a:ln>
-            <a:noFill/>
-          </a:ln>
-        </p:spPr>
-        <p:txBody>
-          <a:bodyPr spcFirstLastPara="1" wrap="square" lIns="0" tIns="17775" rIns="0" bIns="0" anchor="t" anchorCtr="0">
-            <a:normAutofit/>
-          </a:bodyPr>
-          <a:lstStyle/>
-          <a:p>
-            <a:pPr marL="0" marR="0" lvl="0" indent="0" algn="l" rtl="0">
-              <a:lnSpc>
-                <a:spcPct val="163636"/>
-              </a:lnSpc>
-              <a:spcBef>
-                <a:spcPts val="0"/>
-              </a:spcBef>
-              <a:spcAft>
-                <a:spcPts val="0"/>
-              </a:spcAft>
-              <a:buNone/>
-            </a:pPr>
-            <a:r>
-              <a:rPr lang="de-DE" sz="550" b="0" i="0" u="none" strike="noStrike">
-                <a:solidFill>
-                  <a:srgbClr val="000000"/>
-                </a:solidFill>
-                <a:latin typeface="Arial"/>
-                <a:ea typeface="Arial"/>
-                <a:cs typeface="Arial"/>
-                <a:sym typeface="Arial"/>
-              </a:rPr>
-              <a:t> </a:t>
-            </a:r>
-            <a:endParaRPr/>
-          </a:p>
-        </p:txBody>
-      </p:sp>
-      <p:sp>
-        <p:nvSpPr>
-          <p:cNvPr id="79" name="Google Shape;79;p14"/>
-          <p:cNvSpPr txBox="1">
-            <a:spLocks noGrp="1"/>
-          </p:cNvSpPr>
-          <p:nvPr>
-            <p:ph type="sldNum" idx="12"/>
-          </p:nvPr>
-        </p:nvSpPr>
-        <p:spPr>
-          <a:xfrm>
-            <a:off x="205200" y="5666400"/>
-            <a:ext cx="288290" cy="410210"/>
-          </a:xfrm>
-          <a:prstGeom prst="rect">
-            <a:avLst/>
-          </a:prstGeom>
-          <a:noFill/>
-          <a:ln>
-            <a:noFill/>
-          </a:ln>
-        </p:spPr>
-        <p:txBody>
-          <a:bodyPr spcFirstLastPara="1" wrap="square" lIns="91425" tIns="45700" rIns="91425" bIns="45700" anchor="t" anchorCtr="0">
-            <a:noAutofit/>
-          </a:bodyPr>
-          <a:lstStyle>
-            <a:lvl1pPr marL="0" marR="0" lvl="0" indent="0" algn="l" rtl="0">
-              <a:spcBef>
-                <a:spcPts val="0"/>
-              </a:spcBef>
-              <a:spcAft>
-                <a:spcPts val="0"/>
-              </a:spcAft>
-              <a:buNone/>
-              <a:defRPr sz="1800">
-                <a:solidFill>
-                  <a:schemeClr val="dk1"/>
-                </a:solidFill>
-                <a:latin typeface="Arial"/>
-                <a:ea typeface="Arial"/>
-                <a:cs typeface="Arial"/>
-                <a:sym typeface="Arial"/>
-              </a:defRPr>
-            </a:lvl1pPr>
-            <a:lvl2pPr marL="0" marR="0" lvl="1" indent="0" algn="l" rtl="0">
-              <a:spcBef>
-                <a:spcPts val="0"/>
-              </a:spcBef>
-              <a:spcAft>
-                <a:spcPts val="0"/>
-              </a:spcAft>
-              <a:buNone/>
-              <a:defRPr sz="1800">
-                <a:solidFill>
-                  <a:schemeClr val="dk1"/>
-                </a:solidFill>
-                <a:latin typeface="Arial"/>
-                <a:ea typeface="Arial"/>
-                <a:cs typeface="Arial"/>
-                <a:sym typeface="Arial"/>
-              </a:defRPr>
-            </a:lvl2pPr>
-            <a:lvl3pPr marL="0" marR="0" lvl="2" indent="0" algn="l" rtl="0">
-              <a:spcBef>
-                <a:spcPts val="0"/>
-              </a:spcBef>
-              <a:spcAft>
-                <a:spcPts val="0"/>
-              </a:spcAft>
-              <a:buNone/>
-              <a:defRPr sz="1800">
-                <a:solidFill>
-                  <a:schemeClr val="dk1"/>
-                </a:solidFill>
-                <a:latin typeface="Arial"/>
-                <a:ea typeface="Arial"/>
-                <a:cs typeface="Arial"/>
-                <a:sym typeface="Arial"/>
-              </a:defRPr>
-            </a:lvl3pPr>
-            <a:lvl4pPr marL="0" marR="0" lvl="3" indent="0" algn="l" rtl="0">
-              <a:spcBef>
-                <a:spcPts val="0"/>
-              </a:spcBef>
-              <a:spcAft>
-                <a:spcPts val="0"/>
-              </a:spcAft>
-              <a:buNone/>
-              <a:defRPr sz="1800">
-                <a:solidFill>
-                  <a:schemeClr val="dk1"/>
-                </a:solidFill>
-                <a:latin typeface="Arial"/>
-                <a:ea typeface="Arial"/>
-                <a:cs typeface="Arial"/>
-                <a:sym typeface="Arial"/>
-              </a:defRPr>
-            </a:lvl4pPr>
-            <a:lvl5pPr marL="0" marR="0" lvl="4" indent="0" algn="l" rtl="0">
-              <a:spcBef>
-                <a:spcPts val="0"/>
-              </a:spcBef>
-              <a:spcAft>
-                <a:spcPts val="0"/>
-              </a:spcAft>
-              <a:buNone/>
-              <a:defRPr sz="1800">
-                <a:solidFill>
-                  <a:schemeClr val="dk1"/>
-                </a:solidFill>
-                <a:latin typeface="Arial"/>
-                <a:ea typeface="Arial"/>
-                <a:cs typeface="Arial"/>
-                <a:sym typeface="Arial"/>
-              </a:defRPr>
-            </a:lvl5pPr>
-            <a:lvl6pPr marL="0" marR="0" lvl="5" indent="0" algn="l" rtl="0">
-              <a:spcBef>
-                <a:spcPts val="0"/>
-              </a:spcBef>
-              <a:spcAft>
-                <a:spcPts val="0"/>
-              </a:spcAft>
-              <a:buNone/>
-              <a:defRPr sz="1800">
-                <a:solidFill>
-                  <a:schemeClr val="dk1"/>
-                </a:solidFill>
-                <a:latin typeface="Arial"/>
-                <a:ea typeface="Arial"/>
-                <a:cs typeface="Arial"/>
-                <a:sym typeface="Arial"/>
-              </a:defRPr>
-            </a:lvl6pPr>
-            <a:lvl7pPr marL="0" marR="0" lvl="6" indent="0" algn="l" rtl="0">
-              <a:spcBef>
-                <a:spcPts val="0"/>
-              </a:spcBef>
-              <a:spcAft>
-                <a:spcPts val="0"/>
-              </a:spcAft>
-              <a:buNone/>
-              <a:defRPr sz="1800">
-                <a:solidFill>
-                  <a:schemeClr val="dk1"/>
-                </a:solidFill>
-                <a:latin typeface="Arial"/>
-                <a:ea typeface="Arial"/>
-                <a:cs typeface="Arial"/>
-                <a:sym typeface="Arial"/>
-              </a:defRPr>
-            </a:lvl7pPr>
-            <a:lvl8pPr marL="0" marR="0" lvl="7" indent="0" algn="l" rtl="0">
-              <a:spcBef>
-                <a:spcPts val="0"/>
-              </a:spcBef>
-              <a:spcAft>
-                <a:spcPts val="0"/>
-              </a:spcAft>
-              <a:buNone/>
-              <a:defRPr sz="1800">
-                <a:solidFill>
-                  <a:schemeClr val="dk1"/>
-                </a:solidFill>
-                <a:latin typeface="Arial"/>
-                <a:ea typeface="Arial"/>
-                <a:cs typeface="Arial"/>
-                <a:sym typeface="Arial"/>
-              </a:defRPr>
-            </a:lvl8pPr>
-            <a:lvl9pPr marL="0" marR="0" lvl="8" indent="0" algn="l" rtl="0">
-              <a:spcBef>
-                <a:spcPts val="0"/>
-              </a:spcBef>
-              <a:spcAft>
-                <a:spcPts val="0"/>
-              </a:spcAft>
-              <a:buNone/>
-              <a:defRPr sz="1800">
-                <a:solidFill>
-                  <a:schemeClr val="dk1"/>
-                </a:solidFill>
-                <a:latin typeface="Arial"/>
-                <a:ea typeface="Arial"/>
-                <a:cs typeface="Arial"/>
-                <a:sym typeface="Arial"/>
-              </a:defRPr>
-            </a:lvl9pPr>
-          </a:lstStyle>
-          <a:p>
-            <a:pPr marL="0" lvl="0" indent="0" algn="l" rtl="0">
-              <a:spcBef>
-                <a:spcPts val="0"/>
-              </a:spcBef>
-              <a:spcAft>
-                <a:spcPts val="0"/>
-              </a:spcAft>
-              <a:buNone/>
-            </a:pPr>
-            <a:fld id="{00000000-1234-1234-1234-123412341234}" type="slidenum">
-              <a:rPr lang="de-DE"/>
-              <a:t>‹#›</a:t>
-            </a:fld>
-            <a:endParaRPr/>
-          </a:p>
-        </p:txBody>
-      </p:sp>
       <p:pic>
         <p:nvPicPr>
-          <p:cNvPr id="80" name="Google Shape;80;p14" descr="fit@hcmus · GitHub"/>
-          <p:cNvPicPr preferRelativeResize="0"/>
+          <p:cNvPr id="80" name="Logo" descr="fit@hcmus · GitHub"/>
+          <p:cNvPicPr preferRelativeResize="0">
+            <a:picLocks noGrp="1" noRot="1" noMove="1" noResize="1" noEditPoints="1" noAdjustHandles="1" noChangeArrowheads="1" noChangeShapeType="1" noCrop="1"/>
+          </p:cNvPicPr>
           <p:nvPr/>
         </p:nvPicPr>
         <p:blipFill rotWithShape="1">
@@ -3641,7 +3676,7 @@
       </p:pic>
       <p:sp>
         <p:nvSpPr>
-          <p:cNvPr id="10" name="Chapter_titleonly"/>
+          <p:cNvPr id="10" name="Chapter Title"/>
           <p:cNvSpPr>
             <a:spLocks noGrp="1"/>
           </p:cNvSpPr>
@@ -3697,7 +3732,7 @@
       </p:sp>
       <p:sp>
         <p:nvSpPr>
-          <p:cNvPr id="11" name="Title 4">
+          <p:cNvPr id="11" name="Slide Title">
             <a:extLst>
               <a:ext uri="{FF2B5EF4-FFF2-40B4-BE49-F238E27FC236}">
                 <a16:creationId xmlns:a16="http://schemas.microsoft.com/office/drawing/2014/main" id="{5CC74776-286D-45CF-B42A-A491ED08BED4}"/>
@@ -3916,7 +3951,7 @@
   <p:clrMapOvr>
     <a:masterClrMapping/>
   </p:clrMapOvr>
-  <p:extLst mod="1">
+  <p:extLst>
     <p:ext uri="{DCECCB84-F9BA-43D5-87BE-67443E8EF086}">
       <p15:sldGuideLst xmlns:p15="http://schemas.microsoft.com/office/powerpoint/2012/main">
         <p15:guide id="1" pos="128">
@@ -3980,7 +4015,346 @@
 </p:sldLayout>
 </file>
 
-<file path=ppt/slideLayouts/slideLayout16.xml><?xml version="1.0" encoding="utf-8"?>
+<file path=ppt/slideLayouts/slideLayout18.xml><?xml version="1.0" encoding="utf-8"?>
+<p:sldLayout xmlns:a="http://schemas.openxmlformats.org/drawingml/2006/main" xmlns:r="http://schemas.openxmlformats.org/officeDocument/2006/relationships" xmlns:p="http://schemas.openxmlformats.org/presentationml/2006/main" preserve="1" userDrawn="1">
+  <p:cSld name="Vertical split">
+    <p:spTree>
+      <p:nvGrpSpPr>
+        <p:cNvPr id="1" name=""/>
+        <p:cNvGrpSpPr/>
+        <p:nvPr/>
+      </p:nvGrpSpPr>
+      <p:grpSpPr>
+        <a:xfrm>
+          <a:off x="0" y="0"/>
+          <a:ext cx="0" cy="0"/>
+          <a:chOff x="0" y="0"/>
+          <a:chExt cx="0" cy="0"/>
+        </a:xfrm>
+      </p:grpSpPr>
+      <p:sp>
+        <p:nvSpPr>
+          <p:cNvPr id="3" name="Logo"/>
+          <p:cNvSpPr txBox="1">
+            <a:spLocks noGrp="1" noRot="1" noMove="1" noResize="1" noEditPoints="1" noAdjustHandles="1" noChangeArrowheads="1" noChangeShapeType="1"/>
+          </p:cNvSpPr>
+          <p:nvPr>
+            <p:ph type="body" idx="1" hasCustomPrompt="1"/>
+          </p:nvPr>
+        </p:nvSpPr>
+        <p:spPr>
+          <a:xfrm>
+            <a:off x="5879537" y="849085"/>
+            <a:ext cx="4596486" cy="4724502"/>
+          </a:xfrm>
+          <a:prstGeom prst="rect">
+            <a:avLst/>
+          </a:prstGeom>
+          <a:noFill/>
+          <a:ln>
+            <a:noFill/>
+          </a:ln>
+        </p:spPr>
+        <p:txBody>
+          <a:bodyPr spcFirstLastPara="1" wrap="square" lIns="0" tIns="0" rIns="0" bIns="0" anchor="t" anchorCtr="0">
+            <a:normAutofit/>
+          </a:bodyPr>
+          <a:lstStyle>
+            <a:lvl1pPr marL="514350" lvl="0" indent="-285750" algn="l">
+              <a:lnSpc>
+                <a:spcPct val="107000"/>
+              </a:lnSpc>
+              <a:spcBef>
+                <a:spcPts val="500"/>
+              </a:spcBef>
+              <a:spcAft>
+                <a:spcPts val="0"/>
+              </a:spcAft>
+              <a:buClr>
+                <a:schemeClr val="dk1"/>
+              </a:buClr>
+              <a:buSzPts val="1800"/>
+              <a:buFont typeface="Wingdings" panose="05000000000000000000" pitchFamily="2" charset="2"/>
+              <a:buChar char="Ø"/>
+              <a:defRPr/>
+            </a:lvl1pPr>
+            <a:lvl2pPr marL="914400" lvl="1" indent="-228600" algn="l">
+              <a:lnSpc>
+                <a:spcPct val="103000"/>
+              </a:lnSpc>
+              <a:spcBef>
+                <a:spcPts val="500"/>
+              </a:spcBef>
+              <a:spcAft>
+                <a:spcPts val="0"/>
+              </a:spcAft>
+              <a:buClr>
+                <a:schemeClr val="dk1"/>
+              </a:buClr>
+              <a:buSzPts val="1600"/>
+              <a:buFont typeface="Arial"/>
+              <a:buNone/>
+              <a:defRPr/>
+            </a:lvl2pPr>
+            <a:lvl3pPr marL="1371600" lvl="2" indent="-228600" algn="l">
+              <a:lnSpc>
+                <a:spcPct val="102000"/>
+              </a:lnSpc>
+              <a:spcBef>
+                <a:spcPts val="500"/>
+              </a:spcBef>
+              <a:spcAft>
+                <a:spcPts val="0"/>
+              </a:spcAft>
+              <a:buClr>
+                <a:schemeClr val="dk1"/>
+              </a:buClr>
+              <a:buSzPts val="1400"/>
+              <a:buFont typeface="Arial"/>
+              <a:buNone/>
+              <a:defRPr/>
+            </a:lvl3pPr>
+            <a:lvl4pPr marL="1828800" lvl="3" indent="-228600" algn="l">
+              <a:lnSpc>
+                <a:spcPct val="103000"/>
+              </a:lnSpc>
+              <a:spcBef>
+                <a:spcPts val="500"/>
+              </a:spcBef>
+              <a:spcAft>
+                <a:spcPts val="0"/>
+              </a:spcAft>
+              <a:buClr>
+                <a:schemeClr val="dk1"/>
+              </a:buClr>
+              <a:buSzPts val="1300"/>
+              <a:buFont typeface="Arial"/>
+              <a:buNone/>
+              <a:defRPr/>
+            </a:lvl4pPr>
+            <a:lvl5pPr marL="2286000" lvl="4" indent="-228600" algn="l">
+              <a:lnSpc>
+                <a:spcPct val="103000"/>
+              </a:lnSpc>
+              <a:spcBef>
+                <a:spcPts val="500"/>
+              </a:spcBef>
+              <a:spcAft>
+                <a:spcPts val="0"/>
+              </a:spcAft>
+              <a:buClr>
+                <a:schemeClr val="dk1"/>
+              </a:buClr>
+              <a:buSzPts val="1300"/>
+              <a:buFont typeface="Arial"/>
+              <a:buNone/>
+              <a:defRPr/>
+            </a:lvl5pPr>
+            <a:lvl6pPr marL="2743200" lvl="5" indent="-342900" algn="l">
+              <a:lnSpc>
+                <a:spcPct val="103000"/>
+              </a:lnSpc>
+              <a:spcBef>
+                <a:spcPts val="500"/>
+              </a:spcBef>
+              <a:spcAft>
+                <a:spcPts val="0"/>
+              </a:spcAft>
+              <a:buClr>
+                <a:schemeClr val="dk1"/>
+              </a:buClr>
+              <a:buSzPts val="1800"/>
+              <a:buChar char="‒"/>
+              <a:defRPr/>
+            </a:lvl6pPr>
+            <a:lvl7pPr marL="3200400" lvl="6" indent="-342900" algn="l">
+              <a:lnSpc>
+                <a:spcPct val="103000"/>
+              </a:lnSpc>
+              <a:spcBef>
+                <a:spcPts val="500"/>
+              </a:spcBef>
+              <a:spcAft>
+                <a:spcPts val="0"/>
+              </a:spcAft>
+              <a:buClr>
+                <a:schemeClr val="dk1"/>
+              </a:buClr>
+              <a:buSzPts val="1800"/>
+              <a:buChar char="‒"/>
+              <a:defRPr/>
+            </a:lvl7pPr>
+            <a:lvl8pPr marL="3657600" lvl="7" indent="-342900" algn="l">
+              <a:lnSpc>
+                <a:spcPct val="103000"/>
+              </a:lnSpc>
+              <a:spcBef>
+                <a:spcPts val="500"/>
+              </a:spcBef>
+              <a:spcAft>
+                <a:spcPts val="0"/>
+              </a:spcAft>
+              <a:buClr>
+                <a:schemeClr val="dk1"/>
+              </a:buClr>
+              <a:buSzPts val="1800"/>
+              <a:buChar char="‒"/>
+              <a:defRPr/>
+            </a:lvl8pPr>
+            <a:lvl9pPr marL="4114800" lvl="8" indent="-342900" algn="l">
+              <a:lnSpc>
+                <a:spcPct val="103000"/>
+              </a:lnSpc>
+              <a:spcBef>
+                <a:spcPts val="500"/>
+              </a:spcBef>
+              <a:spcAft>
+                <a:spcPts val="0"/>
+              </a:spcAft>
+              <a:buClr>
+                <a:schemeClr val="dk1"/>
+              </a:buClr>
+              <a:buSzPts val="1800"/>
+              <a:buChar char="‒"/>
+              <a:defRPr/>
+            </a:lvl9pPr>
+          </a:lstStyle>
+          <a:p>
+            <a:pPr lvl="0"/>
+            <a:r>
+              <a:rPr lang="en-US" noProof="1"/>
+              <a:t>Add Text</a:t>
+            </a:r>
+          </a:p>
+        </p:txBody>
+      </p:sp>
+      <p:sp>
+        <p:nvSpPr>
+          <p:cNvPr id="4" name="Content">
+            <a:extLst>
+              <a:ext uri="{FF2B5EF4-FFF2-40B4-BE49-F238E27FC236}">
+                <a16:creationId xmlns:a16="http://schemas.microsoft.com/office/drawing/2014/main" id="{E4BBAF9A-7C35-481A-A051-34156DE6B27D}"/>
+              </a:ext>
+            </a:extLst>
+          </p:cNvPr>
+          <p:cNvSpPr>
+            <a:spLocks noGrp="1"/>
+          </p:cNvSpPr>
+          <p:nvPr>
+            <p:ph type="pic" sz="quarter" idx="10" hasCustomPrompt="1"/>
+          </p:nvPr>
+        </p:nvSpPr>
+        <p:spPr>
+          <a:xfrm>
+            <a:off x="377714" y="849085"/>
+            <a:ext cx="4953001" cy="4724501"/>
+          </a:xfrm>
+          <a:blipFill dpi="0" rotWithShape="1">
+            <a:blip r:embed="rId2">
+              <a:alphaModFix amt="70000"/>
+            </a:blip>
+            <a:srcRect/>
+            <a:stretch>
+              <a:fillRect/>
+            </a:stretch>
+          </a:blipFill>
+        </p:spPr>
+        <p:txBody>
+          <a:bodyPr anchor="ctr"/>
+          <a:lstStyle>
+            <a:lvl1pPr marL="0" indent="0" algn="ctr">
+              <a:lnSpc>
+                <a:spcPct val="600000"/>
+              </a:lnSpc>
+              <a:buFontTx/>
+              <a:buNone/>
+              <a:defRPr sz="900"/>
+            </a:lvl1pPr>
+          </a:lstStyle>
+          <a:p>
+            <a:r>
+              <a:rPr lang="en-US" noProof="1"/>
+              <a:t>Insert photo</a:t>
+            </a:r>
+          </a:p>
+        </p:txBody>
+      </p:sp>
+      <p:sp>
+        <p:nvSpPr>
+          <p:cNvPr id="2" name="Chapter_title">
+            <a:extLst>
+              <a:ext uri="{FF2B5EF4-FFF2-40B4-BE49-F238E27FC236}">
+                <a16:creationId xmlns:a16="http://schemas.microsoft.com/office/drawing/2014/main" id="{4519EF8B-BDA3-0FDA-7E49-64A0679A3739}"/>
+              </a:ext>
+            </a:extLst>
+          </p:cNvPr>
+          <p:cNvSpPr>
+            <a:spLocks noGrp="1"/>
+          </p:cNvSpPr>
+          <p:nvPr>
+            <p:ph type="body" sz="quarter" idx="15"/>
+          </p:nvPr>
+        </p:nvSpPr>
+        <p:spPr>
+          <a:xfrm>
+            <a:off x="205200" y="259200"/>
+            <a:ext cx="10558800" cy="388800"/>
+          </a:xfrm>
+        </p:spPr>
+        <p:txBody>
+          <a:bodyPr/>
+          <a:lstStyle>
+            <a:lvl1pPr marL="0" indent="0">
+              <a:lnSpc>
+                <a:spcPct val="89000"/>
+              </a:lnSpc>
+              <a:spcBef>
+                <a:spcPts val="0"/>
+              </a:spcBef>
+              <a:buNone/>
+              <a:defRPr sz="2800" kern="0" baseline="0">
+                <a:solidFill>
+                  <a:schemeClr val="tx1"/>
+                </a:solidFill>
+              </a:defRPr>
+            </a:lvl1pPr>
+            <a:lvl2pPr marL="233983" indent="0">
+              <a:buNone/>
+              <a:defRPr sz="2800"/>
+            </a:lvl2pPr>
+            <a:lvl3pPr marL="525562" indent="0">
+              <a:buNone/>
+              <a:defRPr sz="2800"/>
+            </a:lvl3pPr>
+            <a:lvl4pPr marL="748745" indent="0">
+              <a:buNone/>
+              <a:defRPr sz="2800"/>
+            </a:lvl4pPr>
+            <a:lvl5pPr marL="748745" indent="0">
+              <a:buNone/>
+              <a:defRPr sz="2800"/>
+            </a:lvl5pPr>
+          </a:lstStyle>
+          <a:p>
+            <a:pPr lvl="0"/>
+            <a:endParaRPr lang="en-US" noProof="1"/>
+          </a:p>
+        </p:txBody>
+      </p:sp>
+    </p:spTree>
+    <p:extLst>
+      <p:ext uri="{BB962C8B-B14F-4D97-AF65-F5344CB8AC3E}">
+        <p14:creationId xmlns:p14="http://schemas.microsoft.com/office/powerpoint/2010/main" val="1164729746"/>
+      </p:ext>
+    </p:extLst>
+  </p:cSld>
+  <p:clrMapOvr>
+    <a:masterClrMapping/>
+  </p:clrMapOvr>
+</p:sldLayout>
+</file>
+
+<file path=ppt/slideLayouts/slideLayout19.xml><?xml version="1.0" encoding="utf-8"?>
 <p:sldLayout xmlns:a="http://schemas.openxmlformats.org/drawingml/2006/main" xmlns:r="http://schemas.openxmlformats.org/officeDocument/2006/relationships" xmlns:p="http://schemas.openxmlformats.org/presentationml/2006/main" showMasterSp="0" matchingName="4 Vertical contents " userDrawn="1">
   <p:cSld name="4 Vertical contents ">
     <p:spTree>
@@ -3997,271 +4371,9 @@
           <a:chExt cx="0" cy="0"/>
         </a:xfrm>
       </p:grpSpPr>
-      <p:sp>
-        <p:nvSpPr>
-          <p:cNvPr id="88" name="Google Shape;88;p15"/>
-          <p:cNvSpPr/>
-          <p:nvPr/>
-        </p:nvSpPr>
-        <p:spPr>
-          <a:xfrm>
-            <a:off x="9224010" y="259080"/>
-            <a:ext cx="1691640" cy="777240"/>
-          </a:xfrm>
-          <a:prstGeom prst="rect">
-            <a:avLst/>
-          </a:prstGeom>
-          <a:noFill/>
-          <a:ln>
-            <a:noFill/>
-          </a:ln>
-        </p:spPr>
-        <p:txBody>
-          <a:bodyPr spcFirstLastPara="1" wrap="square" lIns="0" tIns="17775" rIns="0" bIns="0" anchor="t" anchorCtr="0">
-            <a:normAutofit/>
-          </a:bodyPr>
-          <a:lstStyle/>
-          <a:p>
-            <a:pPr marL="0" marR="0" lvl="0" indent="0" algn="l" rtl="0">
-              <a:lnSpc>
-                <a:spcPct val="163636"/>
-              </a:lnSpc>
-              <a:spcBef>
-                <a:spcPts val="0"/>
-              </a:spcBef>
-              <a:spcAft>
-                <a:spcPts val="0"/>
-              </a:spcAft>
-              <a:buNone/>
-            </a:pPr>
-            <a:r>
-              <a:rPr lang="de-DE" sz="550" b="0" i="0" u="none" strike="noStrike">
-                <a:solidFill>
-                  <a:srgbClr val="000000"/>
-                </a:solidFill>
-                <a:latin typeface="Arial"/>
-                <a:ea typeface="Arial"/>
-                <a:cs typeface="Arial"/>
-                <a:sym typeface="Arial"/>
-              </a:rPr>
-              <a:t> </a:t>
-            </a:r>
-            <a:endParaRPr/>
-          </a:p>
-        </p:txBody>
-      </p:sp>
-      <p:sp>
-        <p:nvSpPr>
-          <p:cNvPr id="89" name="Google Shape;89;p15"/>
-          <p:cNvSpPr txBox="1">
-            <a:spLocks noGrp="1"/>
-          </p:cNvSpPr>
-          <p:nvPr>
-            <p:ph type="sldNum" idx="12"/>
-          </p:nvPr>
-        </p:nvSpPr>
-        <p:spPr>
-          <a:xfrm>
-            <a:off x="205200" y="5666400"/>
-            <a:ext cx="288290" cy="410210"/>
-          </a:xfrm>
-          <a:prstGeom prst="rect">
-            <a:avLst/>
-          </a:prstGeom>
-          <a:noFill/>
-          <a:ln>
-            <a:noFill/>
-          </a:ln>
-        </p:spPr>
-        <p:txBody>
-          <a:bodyPr spcFirstLastPara="1" wrap="square" lIns="91425" tIns="45700" rIns="91425" bIns="45700" anchor="t" anchorCtr="0">
-            <a:noAutofit/>
-          </a:bodyPr>
-          <a:lstStyle>
-            <a:lvl1pPr marL="0" marR="0" lvl="0" indent="0" algn="l" rtl="0">
-              <a:spcBef>
-                <a:spcPts val="0"/>
-              </a:spcBef>
-              <a:spcAft>
-                <a:spcPts val="0"/>
-              </a:spcAft>
-              <a:buNone/>
-              <a:defRPr sz="1800">
-                <a:solidFill>
-                  <a:schemeClr val="dk1"/>
-                </a:solidFill>
-                <a:latin typeface="Arial"/>
-                <a:ea typeface="Arial"/>
-                <a:cs typeface="Arial"/>
-                <a:sym typeface="Arial"/>
-              </a:defRPr>
-            </a:lvl1pPr>
-            <a:lvl2pPr marL="0" marR="0" lvl="1" indent="0" algn="l" rtl="0">
-              <a:spcBef>
-                <a:spcPts val="0"/>
-              </a:spcBef>
-              <a:spcAft>
-                <a:spcPts val="0"/>
-              </a:spcAft>
-              <a:buNone/>
-              <a:defRPr sz="1800">
-                <a:solidFill>
-                  <a:schemeClr val="dk1"/>
-                </a:solidFill>
-                <a:latin typeface="Arial"/>
-                <a:ea typeface="Arial"/>
-                <a:cs typeface="Arial"/>
-                <a:sym typeface="Arial"/>
-              </a:defRPr>
-            </a:lvl2pPr>
-            <a:lvl3pPr marL="0" marR="0" lvl="2" indent="0" algn="l" rtl="0">
-              <a:spcBef>
-                <a:spcPts val="0"/>
-              </a:spcBef>
-              <a:spcAft>
-                <a:spcPts val="0"/>
-              </a:spcAft>
-              <a:buNone/>
-              <a:defRPr sz="1800">
-                <a:solidFill>
-                  <a:schemeClr val="dk1"/>
-                </a:solidFill>
-                <a:latin typeface="Arial"/>
-                <a:ea typeface="Arial"/>
-                <a:cs typeface="Arial"/>
-                <a:sym typeface="Arial"/>
-              </a:defRPr>
-            </a:lvl3pPr>
-            <a:lvl4pPr marL="0" marR="0" lvl="3" indent="0" algn="l" rtl="0">
-              <a:spcBef>
-                <a:spcPts val="0"/>
-              </a:spcBef>
-              <a:spcAft>
-                <a:spcPts val="0"/>
-              </a:spcAft>
-              <a:buNone/>
-              <a:defRPr sz="1800">
-                <a:solidFill>
-                  <a:schemeClr val="dk1"/>
-                </a:solidFill>
-                <a:latin typeface="Arial"/>
-                <a:ea typeface="Arial"/>
-                <a:cs typeface="Arial"/>
-                <a:sym typeface="Arial"/>
-              </a:defRPr>
-            </a:lvl4pPr>
-            <a:lvl5pPr marL="0" marR="0" lvl="4" indent="0" algn="l" rtl="0">
-              <a:spcBef>
-                <a:spcPts val="0"/>
-              </a:spcBef>
-              <a:spcAft>
-                <a:spcPts val="0"/>
-              </a:spcAft>
-              <a:buNone/>
-              <a:defRPr sz="1800">
-                <a:solidFill>
-                  <a:schemeClr val="dk1"/>
-                </a:solidFill>
-                <a:latin typeface="Arial"/>
-                <a:ea typeface="Arial"/>
-                <a:cs typeface="Arial"/>
-                <a:sym typeface="Arial"/>
-              </a:defRPr>
-            </a:lvl5pPr>
-            <a:lvl6pPr marL="0" marR="0" lvl="5" indent="0" algn="l" rtl="0">
-              <a:spcBef>
-                <a:spcPts val="0"/>
-              </a:spcBef>
-              <a:spcAft>
-                <a:spcPts val="0"/>
-              </a:spcAft>
-              <a:buNone/>
-              <a:defRPr sz="1800">
-                <a:solidFill>
-                  <a:schemeClr val="dk1"/>
-                </a:solidFill>
-                <a:latin typeface="Arial"/>
-                <a:ea typeface="Arial"/>
-                <a:cs typeface="Arial"/>
-                <a:sym typeface="Arial"/>
-              </a:defRPr>
-            </a:lvl6pPr>
-            <a:lvl7pPr marL="0" marR="0" lvl="6" indent="0" algn="l" rtl="0">
-              <a:spcBef>
-                <a:spcPts val="0"/>
-              </a:spcBef>
-              <a:spcAft>
-                <a:spcPts val="0"/>
-              </a:spcAft>
-              <a:buNone/>
-              <a:defRPr sz="1800">
-                <a:solidFill>
-                  <a:schemeClr val="dk1"/>
-                </a:solidFill>
-                <a:latin typeface="Arial"/>
-                <a:ea typeface="Arial"/>
-                <a:cs typeface="Arial"/>
-                <a:sym typeface="Arial"/>
-              </a:defRPr>
-            </a:lvl7pPr>
-            <a:lvl8pPr marL="0" marR="0" lvl="7" indent="0" algn="l" rtl="0">
-              <a:spcBef>
-                <a:spcPts val="0"/>
-              </a:spcBef>
-              <a:spcAft>
-                <a:spcPts val="0"/>
-              </a:spcAft>
-              <a:buNone/>
-              <a:defRPr sz="1800">
-                <a:solidFill>
-                  <a:schemeClr val="dk1"/>
-                </a:solidFill>
-                <a:latin typeface="Arial"/>
-                <a:ea typeface="Arial"/>
-                <a:cs typeface="Arial"/>
-                <a:sym typeface="Arial"/>
-              </a:defRPr>
-            </a:lvl8pPr>
-            <a:lvl9pPr marL="0" marR="0" lvl="8" indent="0" algn="l" rtl="0">
-              <a:spcBef>
-                <a:spcPts val="0"/>
-              </a:spcBef>
-              <a:spcAft>
-                <a:spcPts val="0"/>
-              </a:spcAft>
-              <a:buNone/>
-              <a:defRPr sz="1800">
-                <a:solidFill>
-                  <a:schemeClr val="dk1"/>
-                </a:solidFill>
-                <a:latin typeface="Arial"/>
-                <a:ea typeface="Arial"/>
-                <a:cs typeface="Arial"/>
-                <a:sym typeface="Arial"/>
-              </a:defRPr>
-            </a:lvl9pPr>
-          </a:lstStyle>
-          <a:p>
-            <a:pPr marL="0" lvl="0" indent="0" algn="l" rtl="0">
-              <a:spcBef>
-                <a:spcPts val="0"/>
-              </a:spcBef>
-              <a:spcAft>
-                <a:spcPts val="0"/>
-              </a:spcAft>
-              <a:buNone/>
-            </a:pPr>
-            <a:fld id="{00000000-1234-1234-1234-123412341234}" type="slidenum">
-              <a:rPr lang="de-DE"/>
-              <a:t>‹#›</a:t>
-            </a:fld>
-            <a:endParaRPr/>
-          </a:p>
-        </p:txBody>
-      </p:sp>
       <p:pic>
         <p:nvPicPr>
-          <p:cNvPr id="90" name="Google Shape;90;p15" descr="fit@hcmus · GitHub"/>
+          <p:cNvPr id="90" name="Logo" descr="fit@hcmus · GitHub"/>
           <p:cNvPicPr preferRelativeResize="0"/>
           <p:nvPr/>
         </p:nvPicPr>
@@ -4288,7 +4400,7 @@
       </p:pic>
       <p:sp>
         <p:nvSpPr>
-          <p:cNvPr id="13" name="Chapter_titleonly"/>
+          <p:cNvPr id="13" name="Chapter Title"/>
           <p:cNvSpPr>
             <a:spLocks noGrp="1"/>
           </p:cNvSpPr>
@@ -4344,7 +4456,7 @@
       </p:sp>
       <p:sp>
         <p:nvSpPr>
-          <p:cNvPr id="14" name="Title 4">
+          <p:cNvPr id="14" name="Slide Title">
             <a:extLst>
               <a:ext uri="{FF2B5EF4-FFF2-40B4-BE49-F238E27FC236}">
                 <a16:creationId xmlns:a16="http://schemas.microsoft.com/office/drawing/2014/main" id="{5CC74776-286D-45CF-B42A-A491ED08BED4}"/>
@@ -4617,7 +4729,7 @@
   <p:clrMapOvr>
     <a:masterClrMapping/>
   </p:clrMapOvr>
-  <p:extLst mod="1">
+  <p:extLst>
     <p:ext uri="{DCECCB84-F9BA-43D5-87BE-67443E8EF086}">
       <p15:sldGuideLst xmlns:p15="http://schemas.microsoft.com/office/powerpoint/2012/main">
         <p15:guide id="1" pos="128">
@@ -4681,2029 +4793,6 @@
           </p15:clr>
         </p15:guide>
         <p15:guide id="13" pos="5177">
-          <p15:clr>
-            <a:srgbClr val="FBAE40"/>
-          </p15:clr>
-        </p15:guide>
-      </p15:sldGuideLst>
-    </p:ext>
-  </p:extLst>
-</p:sldLayout>
-</file>
-
-<file path=ppt/slideLayouts/slideLayout17.xml><?xml version="1.0" encoding="utf-8"?>
-<p:sldLayout xmlns:a="http://schemas.openxmlformats.org/drawingml/2006/main" xmlns:r="http://schemas.openxmlformats.org/officeDocument/2006/relationships" xmlns:p="http://schemas.openxmlformats.org/presentationml/2006/main" showMasterSp="0" matchingName="2 Horizontal contents " userDrawn="1">
-  <p:cSld name="2 Horizontal contents ">
-    <p:spTree>
-      <p:nvGrpSpPr>
-        <p:cNvPr id="1" name="Shape 91"/>
-        <p:cNvGrpSpPr/>
-        <p:nvPr/>
-      </p:nvGrpSpPr>
-      <p:grpSpPr>
-        <a:xfrm>
-          <a:off x="0" y="0"/>
-          <a:ext cx="0" cy="0"/>
-          <a:chOff x="0" y="0"/>
-          <a:chExt cx="0" cy="0"/>
-        </a:xfrm>
-      </p:grpSpPr>
-      <p:sp>
-        <p:nvSpPr>
-          <p:cNvPr id="97" name="Google Shape;97;p16"/>
-          <p:cNvSpPr txBox="1">
-            <a:spLocks noGrp="1"/>
-          </p:cNvSpPr>
-          <p:nvPr>
-            <p:ph type="sldNum" idx="12"/>
-          </p:nvPr>
-        </p:nvSpPr>
-        <p:spPr>
-          <a:xfrm>
-            <a:off x="205200" y="5666400"/>
-            <a:ext cx="288290" cy="410210"/>
-          </a:xfrm>
-          <a:prstGeom prst="rect">
-            <a:avLst/>
-          </a:prstGeom>
-          <a:noFill/>
-          <a:ln>
-            <a:noFill/>
-          </a:ln>
-        </p:spPr>
-        <p:txBody>
-          <a:bodyPr spcFirstLastPara="1" wrap="square" lIns="91425" tIns="45700" rIns="91425" bIns="45700" anchor="t" anchorCtr="0">
-            <a:noAutofit/>
-          </a:bodyPr>
-          <a:lstStyle>
-            <a:lvl1pPr marL="0" marR="0" lvl="0" indent="0" algn="l" rtl="0">
-              <a:spcBef>
-                <a:spcPts val="0"/>
-              </a:spcBef>
-              <a:spcAft>
-                <a:spcPts val="0"/>
-              </a:spcAft>
-              <a:buNone/>
-              <a:defRPr sz="1800">
-                <a:solidFill>
-                  <a:schemeClr val="dk1"/>
-                </a:solidFill>
-                <a:latin typeface="Arial"/>
-                <a:ea typeface="Arial"/>
-                <a:cs typeface="Arial"/>
-                <a:sym typeface="Arial"/>
-              </a:defRPr>
-            </a:lvl1pPr>
-            <a:lvl2pPr marL="0" marR="0" lvl="1" indent="0" algn="l" rtl="0">
-              <a:spcBef>
-                <a:spcPts val="0"/>
-              </a:spcBef>
-              <a:spcAft>
-                <a:spcPts val="0"/>
-              </a:spcAft>
-              <a:buNone/>
-              <a:defRPr sz="1800">
-                <a:solidFill>
-                  <a:schemeClr val="dk1"/>
-                </a:solidFill>
-                <a:latin typeface="Arial"/>
-                <a:ea typeface="Arial"/>
-                <a:cs typeface="Arial"/>
-                <a:sym typeface="Arial"/>
-              </a:defRPr>
-            </a:lvl2pPr>
-            <a:lvl3pPr marL="0" marR="0" lvl="2" indent="0" algn="l" rtl="0">
-              <a:spcBef>
-                <a:spcPts val="0"/>
-              </a:spcBef>
-              <a:spcAft>
-                <a:spcPts val="0"/>
-              </a:spcAft>
-              <a:buNone/>
-              <a:defRPr sz="1800">
-                <a:solidFill>
-                  <a:schemeClr val="dk1"/>
-                </a:solidFill>
-                <a:latin typeface="Arial"/>
-                <a:ea typeface="Arial"/>
-                <a:cs typeface="Arial"/>
-                <a:sym typeface="Arial"/>
-              </a:defRPr>
-            </a:lvl3pPr>
-            <a:lvl4pPr marL="0" marR="0" lvl="3" indent="0" algn="l" rtl="0">
-              <a:spcBef>
-                <a:spcPts val="0"/>
-              </a:spcBef>
-              <a:spcAft>
-                <a:spcPts val="0"/>
-              </a:spcAft>
-              <a:buNone/>
-              <a:defRPr sz="1800">
-                <a:solidFill>
-                  <a:schemeClr val="dk1"/>
-                </a:solidFill>
-                <a:latin typeface="Arial"/>
-                <a:ea typeface="Arial"/>
-                <a:cs typeface="Arial"/>
-                <a:sym typeface="Arial"/>
-              </a:defRPr>
-            </a:lvl4pPr>
-            <a:lvl5pPr marL="0" marR="0" lvl="4" indent="0" algn="l" rtl="0">
-              <a:spcBef>
-                <a:spcPts val="0"/>
-              </a:spcBef>
-              <a:spcAft>
-                <a:spcPts val="0"/>
-              </a:spcAft>
-              <a:buNone/>
-              <a:defRPr sz="1800">
-                <a:solidFill>
-                  <a:schemeClr val="dk1"/>
-                </a:solidFill>
-                <a:latin typeface="Arial"/>
-                <a:ea typeface="Arial"/>
-                <a:cs typeface="Arial"/>
-                <a:sym typeface="Arial"/>
-              </a:defRPr>
-            </a:lvl5pPr>
-            <a:lvl6pPr marL="0" marR="0" lvl="5" indent="0" algn="l" rtl="0">
-              <a:spcBef>
-                <a:spcPts val="0"/>
-              </a:spcBef>
-              <a:spcAft>
-                <a:spcPts val="0"/>
-              </a:spcAft>
-              <a:buNone/>
-              <a:defRPr sz="1800">
-                <a:solidFill>
-                  <a:schemeClr val="dk1"/>
-                </a:solidFill>
-                <a:latin typeface="Arial"/>
-                <a:ea typeface="Arial"/>
-                <a:cs typeface="Arial"/>
-                <a:sym typeface="Arial"/>
-              </a:defRPr>
-            </a:lvl6pPr>
-            <a:lvl7pPr marL="0" marR="0" lvl="6" indent="0" algn="l" rtl="0">
-              <a:spcBef>
-                <a:spcPts val="0"/>
-              </a:spcBef>
-              <a:spcAft>
-                <a:spcPts val="0"/>
-              </a:spcAft>
-              <a:buNone/>
-              <a:defRPr sz="1800">
-                <a:solidFill>
-                  <a:schemeClr val="dk1"/>
-                </a:solidFill>
-                <a:latin typeface="Arial"/>
-                <a:ea typeface="Arial"/>
-                <a:cs typeface="Arial"/>
-                <a:sym typeface="Arial"/>
-              </a:defRPr>
-            </a:lvl7pPr>
-            <a:lvl8pPr marL="0" marR="0" lvl="7" indent="0" algn="l" rtl="0">
-              <a:spcBef>
-                <a:spcPts val="0"/>
-              </a:spcBef>
-              <a:spcAft>
-                <a:spcPts val="0"/>
-              </a:spcAft>
-              <a:buNone/>
-              <a:defRPr sz="1800">
-                <a:solidFill>
-                  <a:schemeClr val="dk1"/>
-                </a:solidFill>
-                <a:latin typeface="Arial"/>
-                <a:ea typeface="Arial"/>
-                <a:cs typeface="Arial"/>
-                <a:sym typeface="Arial"/>
-              </a:defRPr>
-            </a:lvl8pPr>
-            <a:lvl9pPr marL="0" marR="0" lvl="8" indent="0" algn="l" rtl="0">
-              <a:spcBef>
-                <a:spcPts val="0"/>
-              </a:spcBef>
-              <a:spcAft>
-                <a:spcPts val="0"/>
-              </a:spcAft>
-              <a:buNone/>
-              <a:defRPr sz="1800">
-                <a:solidFill>
-                  <a:schemeClr val="dk1"/>
-                </a:solidFill>
-                <a:latin typeface="Arial"/>
-                <a:ea typeface="Arial"/>
-                <a:cs typeface="Arial"/>
-                <a:sym typeface="Arial"/>
-              </a:defRPr>
-            </a:lvl9pPr>
-          </a:lstStyle>
-          <a:p>
-            <a:pPr marL="0" lvl="0" indent="0" algn="l" rtl="0">
-              <a:spcBef>
-                <a:spcPts val="0"/>
-              </a:spcBef>
-              <a:spcAft>
-                <a:spcPts val="0"/>
-              </a:spcAft>
-              <a:buNone/>
-            </a:pPr>
-            <a:fld id="{00000000-1234-1234-1234-123412341234}" type="slidenum">
-              <a:rPr lang="de-DE"/>
-              <a:t>‹#›</a:t>
-            </a:fld>
-            <a:endParaRPr/>
-          </a:p>
-        </p:txBody>
-      </p:sp>
-      <p:pic>
-        <p:nvPicPr>
-          <p:cNvPr id="98" name="Google Shape;98;p16" descr="fit@hcmus · GitHub"/>
-          <p:cNvPicPr preferRelativeResize="0"/>
-          <p:nvPr/>
-        </p:nvPicPr>
-        <p:blipFill rotWithShape="1">
-          <a:blip r:embed="rId2">
-            <a:alphaModFix/>
-          </a:blip>
-          <a:srcRect/>
-          <a:stretch/>
-        </p:blipFill>
-        <p:spPr>
-          <a:xfrm>
-            <a:off x="9740495" y="5589158"/>
-            <a:ext cx="1092317" cy="450581"/>
-          </a:xfrm>
-          <a:prstGeom prst="rect">
-            <a:avLst/>
-          </a:prstGeom>
-          <a:noFill/>
-          <a:ln>
-            <a:noFill/>
-          </a:ln>
-        </p:spPr>
-      </p:pic>
-      <p:sp>
-        <p:nvSpPr>
-          <p:cNvPr id="9" name="Chapter_titleonly"/>
-          <p:cNvSpPr>
-            <a:spLocks noGrp="1"/>
-          </p:cNvSpPr>
-          <p:nvPr>
-            <p:ph type="body" sz="quarter" idx="15"/>
-          </p:nvPr>
-        </p:nvSpPr>
-        <p:spPr>
-          <a:xfrm>
-            <a:off x="205200" y="259200"/>
-            <a:ext cx="10558800" cy="388800"/>
-          </a:xfrm>
-        </p:spPr>
-        <p:txBody>
-          <a:bodyPr/>
-          <a:lstStyle>
-            <a:lvl1pPr marL="0" indent="0">
-              <a:lnSpc>
-                <a:spcPct val="89000"/>
-              </a:lnSpc>
-              <a:spcBef>
-                <a:spcPts val="0"/>
-              </a:spcBef>
-              <a:buNone/>
-              <a:defRPr sz="2800" kern="0" baseline="0">
-                <a:solidFill>
-                  <a:schemeClr val="tx1"/>
-                </a:solidFill>
-              </a:defRPr>
-            </a:lvl1pPr>
-            <a:lvl2pPr marL="233983" indent="0">
-              <a:buNone/>
-              <a:defRPr sz="2800"/>
-            </a:lvl2pPr>
-            <a:lvl3pPr marL="525562" indent="0">
-              <a:buNone/>
-              <a:defRPr sz="2800"/>
-            </a:lvl3pPr>
-            <a:lvl4pPr marL="748745" indent="0">
-              <a:buNone/>
-              <a:defRPr sz="2800"/>
-            </a:lvl4pPr>
-            <a:lvl5pPr marL="748745" indent="0">
-              <a:buNone/>
-              <a:defRPr sz="2800"/>
-            </a:lvl5pPr>
-          </a:lstStyle>
-          <a:p>
-            <a:pPr lvl="0"/>
-            <a:endParaRPr lang="en-US" noProof="1"/>
-          </a:p>
-        </p:txBody>
-      </p:sp>
-      <p:sp>
-        <p:nvSpPr>
-          <p:cNvPr id="10" name="Title 4">
-            <a:extLst>
-              <a:ext uri="{FF2B5EF4-FFF2-40B4-BE49-F238E27FC236}">
-                <a16:creationId xmlns:a16="http://schemas.microsoft.com/office/drawing/2014/main" id="{5CC74776-286D-45CF-B42A-A491ED08BED4}"/>
-              </a:ext>
-            </a:extLst>
-          </p:cNvPr>
-          <p:cNvSpPr>
-            <a:spLocks noGrp="1"/>
-          </p:cNvSpPr>
-          <p:nvPr>
-            <p:ph type="title"/>
-          </p:nvPr>
-        </p:nvSpPr>
-        <p:spPr>
-          <a:xfrm>
-            <a:off x="205200" y="648000"/>
-            <a:ext cx="10558800" cy="388800"/>
-          </a:xfrm>
-        </p:spPr>
-        <p:txBody>
-          <a:bodyPr/>
-          <a:lstStyle/>
-          <a:p>
-            <a:endParaRPr lang="en-US" dirty="0"/>
-          </a:p>
-        </p:txBody>
-      </p:sp>
-      <p:sp>
-        <p:nvSpPr>
-          <p:cNvPr id="8" name="Content Placeholder 1"/>
-          <p:cNvSpPr>
-            <a:spLocks noGrp="1"/>
-          </p:cNvSpPr>
-          <p:nvPr>
-            <p:ph sz="half" idx="1" hasCustomPrompt="1"/>
-          </p:nvPr>
-        </p:nvSpPr>
-        <p:spPr>
-          <a:xfrm>
-            <a:off x="205200" y="1296000"/>
-            <a:ext cx="10558800" cy="2055600"/>
-          </a:xfrm>
-        </p:spPr>
-        <p:txBody>
-          <a:bodyPr/>
-          <a:lstStyle>
-            <a:lvl1pPr>
-              <a:defRPr/>
-            </a:lvl1pPr>
-          </a:lstStyle>
-          <a:p>
-            <a:pPr lvl="0"/>
-            <a:r>
-              <a:rPr lang="en-US" noProof="1"/>
-              <a:t>Add Text </a:t>
-            </a:r>
-          </a:p>
-          <a:p>
-            <a:pPr lvl="1"/>
-            <a:r>
-              <a:rPr lang="en-US" noProof="1"/>
-              <a:t>Zweite Ebene</a:t>
-            </a:r>
-          </a:p>
-          <a:p>
-            <a:pPr lvl="2"/>
-            <a:r>
-              <a:rPr lang="en-US" noProof="1"/>
-              <a:t>Dritte Ebene</a:t>
-            </a:r>
-          </a:p>
-          <a:p>
-            <a:pPr lvl="3"/>
-            <a:r>
-              <a:rPr lang="en-US" noProof="1"/>
-              <a:t>Vierte Ebene</a:t>
-            </a:r>
-          </a:p>
-          <a:p>
-            <a:pPr lvl="4"/>
-            <a:r>
-              <a:rPr lang="en-US" noProof="1"/>
-              <a:t>Fünfte Ebene</a:t>
-            </a:r>
-          </a:p>
-        </p:txBody>
-      </p:sp>
-      <p:sp>
-        <p:nvSpPr>
-          <p:cNvPr id="11" name="Content Placeholder 2"/>
-          <p:cNvSpPr>
-            <a:spLocks noGrp="1"/>
-          </p:cNvSpPr>
-          <p:nvPr>
-            <p:ph sz="half" idx="2" hasCustomPrompt="1"/>
-          </p:nvPr>
-        </p:nvSpPr>
-        <p:spPr>
-          <a:xfrm>
-            <a:off x="205200" y="3481200"/>
-            <a:ext cx="10558800" cy="2055600"/>
-          </a:xfrm>
-        </p:spPr>
-        <p:txBody>
-          <a:bodyPr/>
-          <a:lstStyle>
-            <a:lvl1pPr>
-              <a:defRPr/>
-            </a:lvl1pPr>
-          </a:lstStyle>
-          <a:p>
-            <a:pPr lvl="0"/>
-            <a:r>
-              <a:rPr lang="en-US" noProof="1"/>
-              <a:t>Add Text </a:t>
-            </a:r>
-          </a:p>
-          <a:p>
-            <a:pPr lvl="1"/>
-            <a:r>
-              <a:rPr lang="en-US" noProof="1"/>
-              <a:t>Zweite Ebene</a:t>
-            </a:r>
-          </a:p>
-          <a:p>
-            <a:pPr lvl="2"/>
-            <a:r>
-              <a:rPr lang="en-US" noProof="1"/>
-              <a:t>Dritte Ebene</a:t>
-            </a:r>
-          </a:p>
-          <a:p>
-            <a:pPr lvl="3"/>
-            <a:r>
-              <a:rPr lang="en-US" noProof="1"/>
-              <a:t>Vierte Ebene</a:t>
-            </a:r>
-          </a:p>
-          <a:p>
-            <a:pPr lvl="4"/>
-            <a:r>
-              <a:rPr lang="en-US" noProof="1"/>
-              <a:t>Fünfte Ebene</a:t>
-            </a:r>
-          </a:p>
-        </p:txBody>
-      </p:sp>
-    </p:spTree>
-  </p:cSld>
-  <p:clrMapOvr>
-    <a:masterClrMapping/>
-  </p:clrMapOvr>
-  <p:extLst mod="1">
-    <p:ext uri="{DCECCB84-F9BA-43D5-87BE-67443E8EF086}">
-      <p15:sldGuideLst xmlns:p15="http://schemas.microsoft.com/office/powerpoint/2012/main">
-        <p15:guide id="1" pos="128">
-          <p15:clr>
-            <a:srgbClr val="FBAE40"/>
-          </p15:clr>
-        </p15:guide>
-        <p15:guide id="2" pos="6784">
-          <p15:clr>
-            <a:srgbClr val="FBAE40"/>
-          </p15:clr>
-        </p15:guide>
-        <p15:guide id="3" orient="horz" pos="162">
-          <p15:clr>
-            <a:srgbClr val="FBAE40"/>
-          </p15:clr>
-        </p15:guide>
-        <p15:guide id="4" orient="horz" pos="408">
-          <p15:clr>
-            <a:srgbClr val="FBAE40"/>
-          </p15:clr>
-        </p15:guide>
-        <p15:guide id="5" orient="horz" pos="654">
-          <p15:clr>
-            <a:srgbClr val="FBAE40"/>
-          </p15:clr>
-        </p15:guide>
-        <p15:guide id="6" orient="horz" pos="816">
-          <p15:clr>
-            <a:srgbClr val="FBAE40"/>
-          </p15:clr>
-        </p15:guide>
-        <p15:guide id="7" orient="horz" pos="3489">
-          <p15:clr>
-            <a:srgbClr val="FBAE40"/>
-          </p15:clr>
-        </p15:guide>
-        <p15:guide id="8" orient="horz" pos="2113">
-          <p15:clr>
-            <a:srgbClr val="FBAE40"/>
-          </p15:clr>
-        </p15:guide>
-        <p15:guide id="9" orient="horz" pos="2192">
-          <p15:clr>
-            <a:srgbClr val="FBAE40"/>
-          </p15:clr>
-        </p15:guide>
-      </p15:sldGuideLst>
-    </p:ext>
-  </p:extLst>
-</p:sldLayout>
-</file>
-
-<file path=ppt/slideLayouts/slideLayout18.xml><?xml version="1.0" encoding="utf-8"?>
-<p:sldLayout xmlns:a="http://schemas.openxmlformats.org/drawingml/2006/main" xmlns:r="http://schemas.openxmlformats.org/officeDocument/2006/relationships" xmlns:p="http://schemas.openxmlformats.org/presentationml/2006/main" showMasterSp="0" matchingName="2 x 2 Contents " userDrawn="1">
-  <p:cSld name="2 x 2 Contents ">
-    <p:spTree>
-      <p:nvGrpSpPr>
-        <p:cNvPr id="1" name="Shape 99"/>
-        <p:cNvGrpSpPr/>
-        <p:nvPr/>
-      </p:nvGrpSpPr>
-      <p:grpSpPr>
-        <a:xfrm>
-          <a:off x="0" y="0"/>
-          <a:ext cx="0" cy="0"/>
-          <a:chOff x="0" y="0"/>
-          <a:chExt cx="0" cy="0"/>
-        </a:xfrm>
-      </p:grpSpPr>
-      <p:sp>
-        <p:nvSpPr>
-          <p:cNvPr id="106" name="Google Shape;106;p17"/>
-          <p:cNvSpPr/>
-          <p:nvPr/>
-        </p:nvSpPr>
-        <p:spPr>
-          <a:xfrm>
-            <a:off x="9224010" y="259080"/>
-            <a:ext cx="1691640" cy="777240"/>
-          </a:xfrm>
-          <a:prstGeom prst="rect">
-            <a:avLst/>
-          </a:prstGeom>
-          <a:noFill/>
-          <a:ln>
-            <a:noFill/>
-          </a:ln>
-        </p:spPr>
-        <p:txBody>
-          <a:bodyPr spcFirstLastPara="1" wrap="square" lIns="0" tIns="17775" rIns="0" bIns="0" anchor="t" anchorCtr="0">
-            <a:normAutofit/>
-          </a:bodyPr>
-          <a:lstStyle/>
-          <a:p>
-            <a:pPr marL="0" marR="0" lvl="0" indent="0" algn="l" rtl="0">
-              <a:lnSpc>
-                <a:spcPct val="163636"/>
-              </a:lnSpc>
-              <a:spcBef>
-                <a:spcPts val="0"/>
-              </a:spcBef>
-              <a:spcAft>
-                <a:spcPts val="0"/>
-              </a:spcAft>
-              <a:buNone/>
-            </a:pPr>
-            <a:r>
-              <a:rPr lang="de-DE" sz="550" b="0" i="0" u="none" strike="noStrike">
-                <a:solidFill>
-                  <a:srgbClr val="000000"/>
-                </a:solidFill>
-                <a:latin typeface="Arial"/>
-                <a:ea typeface="Arial"/>
-                <a:cs typeface="Arial"/>
-                <a:sym typeface="Arial"/>
-              </a:rPr>
-              <a:t> </a:t>
-            </a:r>
-            <a:endParaRPr/>
-          </a:p>
-        </p:txBody>
-      </p:sp>
-      <p:sp>
-        <p:nvSpPr>
-          <p:cNvPr id="107" name="Google Shape;107;p17"/>
-          <p:cNvSpPr txBox="1">
-            <a:spLocks noGrp="1"/>
-          </p:cNvSpPr>
-          <p:nvPr>
-            <p:ph type="sldNum" idx="12"/>
-          </p:nvPr>
-        </p:nvSpPr>
-        <p:spPr>
-          <a:xfrm>
-            <a:off x="205200" y="5666400"/>
-            <a:ext cx="288290" cy="410210"/>
-          </a:xfrm>
-          <a:prstGeom prst="rect">
-            <a:avLst/>
-          </a:prstGeom>
-          <a:noFill/>
-          <a:ln>
-            <a:noFill/>
-          </a:ln>
-        </p:spPr>
-        <p:txBody>
-          <a:bodyPr spcFirstLastPara="1" wrap="square" lIns="91425" tIns="45700" rIns="91425" bIns="45700" anchor="t" anchorCtr="0">
-            <a:noAutofit/>
-          </a:bodyPr>
-          <a:lstStyle>
-            <a:lvl1pPr marL="0" marR="0" lvl="0" indent="0" algn="l" rtl="0">
-              <a:spcBef>
-                <a:spcPts val="0"/>
-              </a:spcBef>
-              <a:spcAft>
-                <a:spcPts val="0"/>
-              </a:spcAft>
-              <a:buNone/>
-              <a:defRPr sz="1800">
-                <a:solidFill>
-                  <a:schemeClr val="dk1"/>
-                </a:solidFill>
-                <a:latin typeface="Arial"/>
-                <a:ea typeface="Arial"/>
-                <a:cs typeface="Arial"/>
-                <a:sym typeface="Arial"/>
-              </a:defRPr>
-            </a:lvl1pPr>
-            <a:lvl2pPr marL="0" marR="0" lvl="1" indent="0" algn="l" rtl="0">
-              <a:spcBef>
-                <a:spcPts val="0"/>
-              </a:spcBef>
-              <a:spcAft>
-                <a:spcPts val="0"/>
-              </a:spcAft>
-              <a:buNone/>
-              <a:defRPr sz="1800">
-                <a:solidFill>
-                  <a:schemeClr val="dk1"/>
-                </a:solidFill>
-                <a:latin typeface="Arial"/>
-                <a:ea typeface="Arial"/>
-                <a:cs typeface="Arial"/>
-                <a:sym typeface="Arial"/>
-              </a:defRPr>
-            </a:lvl2pPr>
-            <a:lvl3pPr marL="0" marR="0" lvl="2" indent="0" algn="l" rtl="0">
-              <a:spcBef>
-                <a:spcPts val="0"/>
-              </a:spcBef>
-              <a:spcAft>
-                <a:spcPts val="0"/>
-              </a:spcAft>
-              <a:buNone/>
-              <a:defRPr sz="1800">
-                <a:solidFill>
-                  <a:schemeClr val="dk1"/>
-                </a:solidFill>
-                <a:latin typeface="Arial"/>
-                <a:ea typeface="Arial"/>
-                <a:cs typeface="Arial"/>
-                <a:sym typeface="Arial"/>
-              </a:defRPr>
-            </a:lvl3pPr>
-            <a:lvl4pPr marL="0" marR="0" lvl="3" indent="0" algn="l" rtl="0">
-              <a:spcBef>
-                <a:spcPts val="0"/>
-              </a:spcBef>
-              <a:spcAft>
-                <a:spcPts val="0"/>
-              </a:spcAft>
-              <a:buNone/>
-              <a:defRPr sz="1800">
-                <a:solidFill>
-                  <a:schemeClr val="dk1"/>
-                </a:solidFill>
-                <a:latin typeface="Arial"/>
-                <a:ea typeface="Arial"/>
-                <a:cs typeface="Arial"/>
-                <a:sym typeface="Arial"/>
-              </a:defRPr>
-            </a:lvl4pPr>
-            <a:lvl5pPr marL="0" marR="0" lvl="4" indent="0" algn="l" rtl="0">
-              <a:spcBef>
-                <a:spcPts val="0"/>
-              </a:spcBef>
-              <a:spcAft>
-                <a:spcPts val="0"/>
-              </a:spcAft>
-              <a:buNone/>
-              <a:defRPr sz="1800">
-                <a:solidFill>
-                  <a:schemeClr val="dk1"/>
-                </a:solidFill>
-                <a:latin typeface="Arial"/>
-                <a:ea typeface="Arial"/>
-                <a:cs typeface="Arial"/>
-                <a:sym typeface="Arial"/>
-              </a:defRPr>
-            </a:lvl5pPr>
-            <a:lvl6pPr marL="0" marR="0" lvl="5" indent="0" algn="l" rtl="0">
-              <a:spcBef>
-                <a:spcPts val="0"/>
-              </a:spcBef>
-              <a:spcAft>
-                <a:spcPts val="0"/>
-              </a:spcAft>
-              <a:buNone/>
-              <a:defRPr sz="1800">
-                <a:solidFill>
-                  <a:schemeClr val="dk1"/>
-                </a:solidFill>
-                <a:latin typeface="Arial"/>
-                <a:ea typeface="Arial"/>
-                <a:cs typeface="Arial"/>
-                <a:sym typeface="Arial"/>
-              </a:defRPr>
-            </a:lvl6pPr>
-            <a:lvl7pPr marL="0" marR="0" lvl="6" indent="0" algn="l" rtl="0">
-              <a:spcBef>
-                <a:spcPts val="0"/>
-              </a:spcBef>
-              <a:spcAft>
-                <a:spcPts val="0"/>
-              </a:spcAft>
-              <a:buNone/>
-              <a:defRPr sz="1800">
-                <a:solidFill>
-                  <a:schemeClr val="dk1"/>
-                </a:solidFill>
-                <a:latin typeface="Arial"/>
-                <a:ea typeface="Arial"/>
-                <a:cs typeface="Arial"/>
-                <a:sym typeface="Arial"/>
-              </a:defRPr>
-            </a:lvl7pPr>
-            <a:lvl8pPr marL="0" marR="0" lvl="7" indent="0" algn="l" rtl="0">
-              <a:spcBef>
-                <a:spcPts val="0"/>
-              </a:spcBef>
-              <a:spcAft>
-                <a:spcPts val="0"/>
-              </a:spcAft>
-              <a:buNone/>
-              <a:defRPr sz="1800">
-                <a:solidFill>
-                  <a:schemeClr val="dk1"/>
-                </a:solidFill>
-                <a:latin typeface="Arial"/>
-                <a:ea typeface="Arial"/>
-                <a:cs typeface="Arial"/>
-                <a:sym typeface="Arial"/>
-              </a:defRPr>
-            </a:lvl8pPr>
-            <a:lvl9pPr marL="0" marR="0" lvl="8" indent="0" algn="l" rtl="0">
-              <a:spcBef>
-                <a:spcPts val="0"/>
-              </a:spcBef>
-              <a:spcAft>
-                <a:spcPts val="0"/>
-              </a:spcAft>
-              <a:buNone/>
-              <a:defRPr sz="1800">
-                <a:solidFill>
-                  <a:schemeClr val="dk1"/>
-                </a:solidFill>
-                <a:latin typeface="Arial"/>
-                <a:ea typeface="Arial"/>
-                <a:cs typeface="Arial"/>
-                <a:sym typeface="Arial"/>
-              </a:defRPr>
-            </a:lvl9pPr>
-          </a:lstStyle>
-          <a:p>
-            <a:pPr marL="0" lvl="0" indent="0" algn="l" rtl="0">
-              <a:spcBef>
-                <a:spcPts val="0"/>
-              </a:spcBef>
-              <a:spcAft>
-                <a:spcPts val="0"/>
-              </a:spcAft>
-              <a:buNone/>
-            </a:pPr>
-            <a:fld id="{00000000-1234-1234-1234-123412341234}" type="slidenum">
-              <a:rPr lang="de-DE"/>
-              <a:t>‹#›</a:t>
-            </a:fld>
-            <a:endParaRPr/>
-          </a:p>
-        </p:txBody>
-      </p:sp>
-      <p:pic>
-        <p:nvPicPr>
-          <p:cNvPr id="108" name="Google Shape;108;p17" descr="fit@hcmus · GitHub"/>
-          <p:cNvPicPr preferRelativeResize="0"/>
-          <p:nvPr/>
-        </p:nvPicPr>
-        <p:blipFill rotWithShape="1">
-          <a:blip r:embed="rId2">
-            <a:alphaModFix/>
-          </a:blip>
-          <a:srcRect/>
-          <a:stretch/>
-        </p:blipFill>
-        <p:spPr>
-          <a:xfrm>
-            <a:off x="9740495" y="5589158"/>
-            <a:ext cx="1092317" cy="450581"/>
-          </a:xfrm>
-          <a:prstGeom prst="rect">
-            <a:avLst/>
-          </a:prstGeom>
-          <a:noFill/>
-          <a:ln>
-            <a:noFill/>
-          </a:ln>
-        </p:spPr>
-      </p:pic>
-      <p:sp>
-        <p:nvSpPr>
-          <p:cNvPr id="11" name="Chapter_titleonly"/>
-          <p:cNvSpPr>
-            <a:spLocks noGrp="1"/>
-          </p:cNvSpPr>
-          <p:nvPr>
-            <p:ph type="body" sz="quarter" idx="15"/>
-          </p:nvPr>
-        </p:nvSpPr>
-        <p:spPr>
-          <a:xfrm>
-            <a:off x="205200" y="259200"/>
-            <a:ext cx="10558800" cy="388800"/>
-          </a:xfrm>
-        </p:spPr>
-        <p:txBody>
-          <a:bodyPr/>
-          <a:lstStyle>
-            <a:lvl1pPr marL="0" indent="0">
-              <a:lnSpc>
-                <a:spcPct val="89000"/>
-              </a:lnSpc>
-              <a:spcBef>
-                <a:spcPts val="0"/>
-              </a:spcBef>
-              <a:buNone/>
-              <a:defRPr sz="2800" kern="0" baseline="0">
-                <a:solidFill>
-                  <a:schemeClr val="tx1"/>
-                </a:solidFill>
-              </a:defRPr>
-            </a:lvl1pPr>
-            <a:lvl2pPr marL="233983" indent="0">
-              <a:buNone/>
-              <a:defRPr sz="2800"/>
-            </a:lvl2pPr>
-            <a:lvl3pPr marL="525562" indent="0">
-              <a:buNone/>
-              <a:defRPr sz="2800"/>
-            </a:lvl3pPr>
-            <a:lvl4pPr marL="748745" indent="0">
-              <a:buNone/>
-              <a:defRPr sz="2800"/>
-            </a:lvl4pPr>
-            <a:lvl5pPr marL="748745" indent="0">
-              <a:buNone/>
-              <a:defRPr sz="2800"/>
-            </a:lvl5pPr>
-          </a:lstStyle>
-          <a:p>
-            <a:pPr lvl="0"/>
-            <a:endParaRPr lang="en-US" noProof="1"/>
-          </a:p>
-        </p:txBody>
-      </p:sp>
-      <p:sp>
-        <p:nvSpPr>
-          <p:cNvPr id="12" name="Title 4">
-            <a:extLst>
-              <a:ext uri="{FF2B5EF4-FFF2-40B4-BE49-F238E27FC236}">
-                <a16:creationId xmlns:a16="http://schemas.microsoft.com/office/drawing/2014/main" id="{5CC74776-286D-45CF-B42A-A491ED08BED4}"/>
-              </a:ext>
-            </a:extLst>
-          </p:cNvPr>
-          <p:cNvSpPr>
-            <a:spLocks noGrp="1"/>
-          </p:cNvSpPr>
-          <p:nvPr>
-            <p:ph type="title"/>
-          </p:nvPr>
-        </p:nvSpPr>
-        <p:spPr>
-          <a:xfrm>
-            <a:off x="205200" y="648000"/>
-            <a:ext cx="10558800" cy="388800"/>
-          </a:xfrm>
-        </p:spPr>
-        <p:txBody>
-          <a:bodyPr/>
-          <a:lstStyle/>
-          <a:p>
-            <a:endParaRPr lang="en-US" dirty="0"/>
-          </a:p>
-        </p:txBody>
-      </p:sp>
-      <p:sp>
-        <p:nvSpPr>
-          <p:cNvPr id="13" name="Content Placeholder 1"/>
-          <p:cNvSpPr>
-            <a:spLocks noGrp="1"/>
-          </p:cNvSpPr>
-          <p:nvPr>
-            <p:ph sz="half" idx="1" hasCustomPrompt="1"/>
-          </p:nvPr>
-        </p:nvSpPr>
-        <p:spPr>
-          <a:xfrm>
-            <a:off x="205200" y="1296000"/>
-            <a:ext cx="4914000" cy="2055600"/>
-          </a:xfrm>
-        </p:spPr>
-        <p:txBody>
-          <a:bodyPr/>
-          <a:lstStyle>
-            <a:lvl1pPr>
-              <a:defRPr/>
-            </a:lvl1pPr>
-          </a:lstStyle>
-          <a:p>
-            <a:pPr lvl="0"/>
-            <a:r>
-              <a:rPr lang="en-US" noProof="1"/>
-              <a:t>Add Text </a:t>
-            </a:r>
-          </a:p>
-          <a:p>
-            <a:pPr lvl="1"/>
-            <a:r>
-              <a:rPr lang="en-US" noProof="1"/>
-              <a:t>Zweite Ebene</a:t>
-            </a:r>
-          </a:p>
-          <a:p>
-            <a:pPr lvl="2"/>
-            <a:r>
-              <a:rPr lang="en-US" noProof="1"/>
-              <a:t>Dritte Ebene</a:t>
-            </a:r>
-          </a:p>
-          <a:p>
-            <a:pPr lvl="3"/>
-            <a:r>
-              <a:rPr lang="en-US" noProof="1"/>
-              <a:t>Vierte Ebene</a:t>
-            </a:r>
-          </a:p>
-          <a:p>
-            <a:pPr lvl="4"/>
-            <a:r>
-              <a:rPr lang="en-US" noProof="1"/>
-              <a:t>Fünfte Ebene</a:t>
-            </a:r>
-          </a:p>
-        </p:txBody>
-      </p:sp>
-      <p:sp>
-        <p:nvSpPr>
-          <p:cNvPr id="14" name="Content Placeholder 2"/>
-          <p:cNvSpPr>
-            <a:spLocks noGrp="1"/>
-          </p:cNvSpPr>
-          <p:nvPr>
-            <p:ph sz="half" idx="3" hasCustomPrompt="1"/>
-          </p:nvPr>
-        </p:nvSpPr>
-        <p:spPr>
-          <a:xfrm>
-            <a:off x="5850000" y="1295999"/>
-            <a:ext cx="4914000" cy="2055600"/>
-          </a:xfrm>
-        </p:spPr>
-        <p:txBody>
-          <a:bodyPr/>
-          <a:lstStyle>
-            <a:lvl1pPr>
-              <a:defRPr/>
-            </a:lvl1pPr>
-          </a:lstStyle>
-          <a:p>
-            <a:pPr lvl="0"/>
-            <a:r>
-              <a:rPr lang="en-US" noProof="1"/>
-              <a:t>Add Text </a:t>
-            </a:r>
-          </a:p>
-          <a:p>
-            <a:pPr lvl="1"/>
-            <a:r>
-              <a:rPr lang="en-US" noProof="1"/>
-              <a:t>Zweite Ebene</a:t>
-            </a:r>
-          </a:p>
-          <a:p>
-            <a:pPr lvl="2"/>
-            <a:r>
-              <a:rPr lang="en-US" noProof="1"/>
-              <a:t>Dritte Ebene</a:t>
-            </a:r>
-          </a:p>
-          <a:p>
-            <a:pPr lvl="3"/>
-            <a:r>
-              <a:rPr lang="en-US" noProof="1"/>
-              <a:t>Vierte Ebene</a:t>
-            </a:r>
-          </a:p>
-          <a:p>
-            <a:pPr lvl="4"/>
-            <a:r>
-              <a:rPr lang="en-US" noProof="1"/>
-              <a:t>Fünfte Ebene</a:t>
-            </a:r>
-          </a:p>
-        </p:txBody>
-      </p:sp>
-      <p:sp>
-        <p:nvSpPr>
-          <p:cNvPr id="15" name="Content Placeholder 3"/>
-          <p:cNvSpPr>
-            <a:spLocks noGrp="1"/>
-          </p:cNvSpPr>
-          <p:nvPr>
-            <p:ph sz="half" idx="2" hasCustomPrompt="1"/>
-          </p:nvPr>
-        </p:nvSpPr>
-        <p:spPr>
-          <a:xfrm>
-            <a:off x="205200" y="3481200"/>
-            <a:ext cx="4914000" cy="2055600"/>
-          </a:xfrm>
-        </p:spPr>
-        <p:txBody>
-          <a:bodyPr/>
-          <a:lstStyle>
-            <a:lvl1pPr>
-              <a:defRPr/>
-            </a:lvl1pPr>
-          </a:lstStyle>
-          <a:p>
-            <a:pPr lvl="0"/>
-            <a:r>
-              <a:rPr lang="en-US" noProof="1"/>
-              <a:t>Add Text </a:t>
-            </a:r>
-          </a:p>
-          <a:p>
-            <a:pPr lvl="1"/>
-            <a:r>
-              <a:rPr lang="en-US" noProof="1"/>
-              <a:t>Zweite Ebene</a:t>
-            </a:r>
-          </a:p>
-          <a:p>
-            <a:pPr lvl="2"/>
-            <a:r>
-              <a:rPr lang="en-US" noProof="1"/>
-              <a:t>Dritte Ebene</a:t>
-            </a:r>
-          </a:p>
-          <a:p>
-            <a:pPr lvl="3"/>
-            <a:r>
-              <a:rPr lang="en-US" noProof="1"/>
-              <a:t>Vierte Ebene</a:t>
-            </a:r>
-          </a:p>
-          <a:p>
-            <a:pPr lvl="4"/>
-            <a:r>
-              <a:rPr lang="en-US" noProof="1"/>
-              <a:t>Fünfte Ebene</a:t>
-            </a:r>
-          </a:p>
-        </p:txBody>
-      </p:sp>
-      <p:sp>
-        <p:nvSpPr>
-          <p:cNvPr id="16" name="Content Placeholder 4"/>
-          <p:cNvSpPr>
-            <a:spLocks noGrp="1"/>
-          </p:cNvSpPr>
-          <p:nvPr>
-            <p:ph sz="half" idx="4" hasCustomPrompt="1"/>
-          </p:nvPr>
-        </p:nvSpPr>
-        <p:spPr>
-          <a:xfrm>
-            <a:off x="5850000" y="3481200"/>
-            <a:ext cx="4914000" cy="2055600"/>
-          </a:xfrm>
-        </p:spPr>
-        <p:txBody>
-          <a:bodyPr/>
-          <a:lstStyle>
-            <a:lvl1pPr>
-              <a:defRPr/>
-            </a:lvl1pPr>
-          </a:lstStyle>
-          <a:p>
-            <a:pPr lvl="0"/>
-            <a:r>
-              <a:rPr lang="en-US" noProof="1"/>
-              <a:t>Add Text </a:t>
-            </a:r>
-          </a:p>
-          <a:p>
-            <a:pPr lvl="1"/>
-            <a:r>
-              <a:rPr lang="en-US" noProof="1"/>
-              <a:t>Zweite Ebene</a:t>
-            </a:r>
-          </a:p>
-          <a:p>
-            <a:pPr lvl="2"/>
-            <a:r>
-              <a:rPr lang="en-US" noProof="1"/>
-              <a:t>Dritte Ebene</a:t>
-            </a:r>
-          </a:p>
-          <a:p>
-            <a:pPr lvl="3"/>
-            <a:r>
-              <a:rPr lang="en-US" noProof="1"/>
-              <a:t>Vierte Ebene</a:t>
-            </a:r>
-          </a:p>
-          <a:p>
-            <a:pPr lvl="4"/>
-            <a:r>
-              <a:rPr lang="en-US" noProof="1"/>
-              <a:t>Fünfte Ebene</a:t>
-            </a:r>
-          </a:p>
-        </p:txBody>
-      </p:sp>
-    </p:spTree>
-  </p:cSld>
-  <p:clrMapOvr>
-    <a:masterClrMapping/>
-  </p:clrMapOvr>
-  <p:extLst mod="1">
-    <p:ext uri="{DCECCB84-F9BA-43D5-87BE-67443E8EF086}">
-      <p15:sldGuideLst xmlns:p15="http://schemas.microsoft.com/office/powerpoint/2012/main">
-        <p15:guide id="1" pos="128">
-          <p15:clr>
-            <a:srgbClr val="FBAE40"/>
-          </p15:clr>
-        </p15:guide>
-        <p15:guide id="2" pos="6784">
-          <p15:clr>
-            <a:srgbClr val="FBAE40"/>
-          </p15:clr>
-        </p15:guide>
-        <p15:guide id="3" orient="horz" pos="162">
-          <p15:clr>
-            <a:srgbClr val="FBAE40"/>
-          </p15:clr>
-        </p15:guide>
-        <p15:guide id="4" orient="horz" pos="408">
-          <p15:clr>
-            <a:srgbClr val="FBAE40"/>
-          </p15:clr>
-        </p15:guide>
-        <p15:guide id="5" orient="horz" pos="654">
-          <p15:clr>
-            <a:srgbClr val="FBAE40"/>
-          </p15:clr>
-        </p15:guide>
-        <p15:guide id="6" orient="horz" pos="816">
-          <p15:clr>
-            <a:srgbClr val="FBAE40"/>
-          </p15:clr>
-        </p15:guide>
-        <p15:guide id="7" orient="horz" pos="3489">
-          <p15:clr>
-            <a:srgbClr val="FBAE40"/>
-          </p15:clr>
-        </p15:guide>
-        <p15:guide id="8" orient="horz" pos="2113">
-          <p15:clr>
-            <a:srgbClr val="FBAE40"/>
-          </p15:clr>
-        </p15:guide>
-        <p15:guide id="9" orient="horz" pos="2192">
-          <p15:clr>
-            <a:srgbClr val="FBAE40"/>
-          </p15:clr>
-        </p15:guide>
-        <p15:guide id="10" pos="3225">
-          <p15:clr>
-            <a:srgbClr val="FBAE40"/>
-          </p15:clr>
-        </p15:guide>
-        <p15:guide id="11" pos="3683">
-          <p15:clr>
-            <a:srgbClr val="FBAE40"/>
-          </p15:clr>
-        </p15:guide>
-      </p15:sldGuideLst>
-    </p:ext>
-  </p:extLst>
-</p:sldLayout>
-</file>
-
-<file path=ppt/slideLayouts/slideLayout19.xml><?xml version="1.0" encoding="utf-8"?>
-<p:sldLayout xmlns:a="http://schemas.openxmlformats.org/drawingml/2006/main" xmlns:r="http://schemas.openxmlformats.org/officeDocument/2006/relationships" xmlns:p="http://schemas.openxmlformats.org/presentationml/2006/main" showMasterSp="0" matchingName="3 x 2 Contents " userDrawn="1">
-  <p:cSld name="3 x 2 Contents ">
-    <p:spTree>
-      <p:nvGrpSpPr>
-        <p:cNvPr id="1" name="Shape 109"/>
-        <p:cNvGrpSpPr/>
-        <p:nvPr/>
-      </p:nvGrpSpPr>
-      <p:grpSpPr>
-        <a:xfrm>
-          <a:off x="0" y="0"/>
-          <a:ext cx="0" cy="0"/>
-          <a:chOff x="0" y="0"/>
-          <a:chExt cx="0" cy="0"/>
-        </a:xfrm>
-      </p:grpSpPr>
-      <p:sp>
-        <p:nvSpPr>
-          <p:cNvPr id="118" name="Google Shape;118;p18"/>
-          <p:cNvSpPr/>
-          <p:nvPr/>
-        </p:nvSpPr>
-        <p:spPr>
-          <a:xfrm>
-            <a:off x="9224010" y="259080"/>
-            <a:ext cx="1691640" cy="777240"/>
-          </a:xfrm>
-          <a:prstGeom prst="rect">
-            <a:avLst/>
-          </a:prstGeom>
-          <a:noFill/>
-          <a:ln>
-            <a:noFill/>
-          </a:ln>
-        </p:spPr>
-        <p:txBody>
-          <a:bodyPr spcFirstLastPara="1" wrap="square" lIns="0" tIns="17775" rIns="0" bIns="0" anchor="t" anchorCtr="0">
-            <a:normAutofit/>
-          </a:bodyPr>
-          <a:lstStyle/>
-          <a:p>
-            <a:pPr marL="0" marR="0" lvl="0" indent="0" algn="l" rtl="0">
-              <a:lnSpc>
-                <a:spcPct val="163636"/>
-              </a:lnSpc>
-              <a:spcBef>
-                <a:spcPts val="0"/>
-              </a:spcBef>
-              <a:spcAft>
-                <a:spcPts val="0"/>
-              </a:spcAft>
-              <a:buNone/>
-            </a:pPr>
-            <a:r>
-              <a:rPr lang="de-DE" sz="550" b="0" i="0" u="none" strike="noStrike">
-                <a:solidFill>
-                  <a:srgbClr val="000000"/>
-                </a:solidFill>
-                <a:latin typeface="Arial"/>
-                <a:ea typeface="Arial"/>
-                <a:cs typeface="Arial"/>
-                <a:sym typeface="Arial"/>
-              </a:rPr>
-              <a:t> </a:t>
-            </a:r>
-            <a:endParaRPr/>
-          </a:p>
-        </p:txBody>
-      </p:sp>
-      <p:sp>
-        <p:nvSpPr>
-          <p:cNvPr id="119" name="Google Shape;119;p18"/>
-          <p:cNvSpPr txBox="1">
-            <a:spLocks noGrp="1"/>
-          </p:cNvSpPr>
-          <p:nvPr>
-            <p:ph type="sldNum" idx="12"/>
-          </p:nvPr>
-        </p:nvSpPr>
-        <p:spPr>
-          <a:xfrm>
-            <a:off x="205200" y="5666400"/>
-            <a:ext cx="288290" cy="410210"/>
-          </a:xfrm>
-          <a:prstGeom prst="rect">
-            <a:avLst/>
-          </a:prstGeom>
-          <a:noFill/>
-          <a:ln>
-            <a:noFill/>
-          </a:ln>
-        </p:spPr>
-        <p:txBody>
-          <a:bodyPr spcFirstLastPara="1" wrap="square" lIns="91425" tIns="45700" rIns="91425" bIns="45700" anchor="t" anchorCtr="0">
-            <a:noAutofit/>
-          </a:bodyPr>
-          <a:lstStyle>
-            <a:lvl1pPr marL="0" marR="0" lvl="0" indent="0" algn="l" rtl="0">
-              <a:spcBef>
-                <a:spcPts val="0"/>
-              </a:spcBef>
-              <a:spcAft>
-                <a:spcPts val="0"/>
-              </a:spcAft>
-              <a:buNone/>
-              <a:defRPr sz="1800">
-                <a:solidFill>
-                  <a:schemeClr val="dk1"/>
-                </a:solidFill>
-                <a:latin typeface="Arial"/>
-                <a:ea typeface="Arial"/>
-                <a:cs typeface="Arial"/>
-                <a:sym typeface="Arial"/>
-              </a:defRPr>
-            </a:lvl1pPr>
-            <a:lvl2pPr marL="0" marR="0" lvl="1" indent="0" algn="l" rtl="0">
-              <a:spcBef>
-                <a:spcPts val="0"/>
-              </a:spcBef>
-              <a:spcAft>
-                <a:spcPts val="0"/>
-              </a:spcAft>
-              <a:buNone/>
-              <a:defRPr sz="1800">
-                <a:solidFill>
-                  <a:schemeClr val="dk1"/>
-                </a:solidFill>
-                <a:latin typeface="Arial"/>
-                <a:ea typeface="Arial"/>
-                <a:cs typeface="Arial"/>
-                <a:sym typeface="Arial"/>
-              </a:defRPr>
-            </a:lvl2pPr>
-            <a:lvl3pPr marL="0" marR="0" lvl="2" indent="0" algn="l" rtl="0">
-              <a:spcBef>
-                <a:spcPts val="0"/>
-              </a:spcBef>
-              <a:spcAft>
-                <a:spcPts val="0"/>
-              </a:spcAft>
-              <a:buNone/>
-              <a:defRPr sz="1800">
-                <a:solidFill>
-                  <a:schemeClr val="dk1"/>
-                </a:solidFill>
-                <a:latin typeface="Arial"/>
-                <a:ea typeface="Arial"/>
-                <a:cs typeface="Arial"/>
-                <a:sym typeface="Arial"/>
-              </a:defRPr>
-            </a:lvl3pPr>
-            <a:lvl4pPr marL="0" marR="0" lvl="3" indent="0" algn="l" rtl="0">
-              <a:spcBef>
-                <a:spcPts val="0"/>
-              </a:spcBef>
-              <a:spcAft>
-                <a:spcPts val="0"/>
-              </a:spcAft>
-              <a:buNone/>
-              <a:defRPr sz="1800">
-                <a:solidFill>
-                  <a:schemeClr val="dk1"/>
-                </a:solidFill>
-                <a:latin typeface="Arial"/>
-                <a:ea typeface="Arial"/>
-                <a:cs typeface="Arial"/>
-                <a:sym typeface="Arial"/>
-              </a:defRPr>
-            </a:lvl4pPr>
-            <a:lvl5pPr marL="0" marR="0" lvl="4" indent="0" algn="l" rtl="0">
-              <a:spcBef>
-                <a:spcPts val="0"/>
-              </a:spcBef>
-              <a:spcAft>
-                <a:spcPts val="0"/>
-              </a:spcAft>
-              <a:buNone/>
-              <a:defRPr sz="1800">
-                <a:solidFill>
-                  <a:schemeClr val="dk1"/>
-                </a:solidFill>
-                <a:latin typeface="Arial"/>
-                <a:ea typeface="Arial"/>
-                <a:cs typeface="Arial"/>
-                <a:sym typeface="Arial"/>
-              </a:defRPr>
-            </a:lvl5pPr>
-            <a:lvl6pPr marL="0" marR="0" lvl="5" indent="0" algn="l" rtl="0">
-              <a:spcBef>
-                <a:spcPts val="0"/>
-              </a:spcBef>
-              <a:spcAft>
-                <a:spcPts val="0"/>
-              </a:spcAft>
-              <a:buNone/>
-              <a:defRPr sz="1800">
-                <a:solidFill>
-                  <a:schemeClr val="dk1"/>
-                </a:solidFill>
-                <a:latin typeface="Arial"/>
-                <a:ea typeface="Arial"/>
-                <a:cs typeface="Arial"/>
-                <a:sym typeface="Arial"/>
-              </a:defRPr>
-            </a:lvl6pPr>
-            <a:lvl7pPr marL="0" marR="0" lvl="6" indent="0" algn="l" rtl="0">
-              <a:spcBef>
-                <a:spcPts val="0"/>
-              </a:spcBef>
-              <a:spcAft>
-                <a:spcPts val="0"/>
-              </a:spcAft>
-              <a:buNone/>
-              <a:defRPr sz="1800">
-                <a:solidFill>
-                  <a:schemeClr val="dk1"/>
-                </a:solidFill>
-                <a:latin typeface="Arial"/>
-                <a:ea typeface="Arial"/>
-                <a:cs typeface="Arial"/>
-                <a:sym typeface="Arial"/>
-              </a:defRPr>
-            </a:lvl7pPr>
-            <a:lvl8pPr marL="0" marR="0" lvl="7" indent="0" algn="l" rtl="0">
-              <a:spcBef>
-                <a:spcPts val="0"/>
-              </a:spcBef>
-              <a:spcAft>
-                <a:spcPts val="0"/>
-              </a:spcAft>
-              <a:buNone/>
-              <a:defRPr sz="1800">
-                <a:solidFill>
-                  <a:schemeClr val="dk1"/>
-                </a:solidFill>
-                <a:latin typeface="Arial"/>
-                <a:ea typeface="Arial"/>
-                <a:cs typeface="Arial"/>
-                <a:sym typeface="Arial"/>
-              </a:defRPr>
-            </a:lvl8pPr>
-            <a:lvl9pPr marL="0" marR="0" lvl="8" indent="0" algn="l" rtl="0">
-              <a:spcBef>
-                <a:spcPts val="0"/>
-              </a:spcBef>
-              <a:spcAft>
-                <a:spcPts val="0"/>
-              </a:spcAft>
-              <a:buNone/>
-              <a:defRPr sz="1800">
-                <a:solidFill>
-                  <a:schemeClr val="dk1"/>
-                </a:solidFill>
-                <a:latin typeface="Arial"/>
-                <a:ea typeface="Arial"/>
-                <a:cs typeface="Arial"/>
-                <a:sym typeface="Arial"/>
-              </a:defRPr>
-            </a:lvl9pPr>
-          </a:lstStyle>
-          <a:p>
-            <a:pPr marL="0" lvl="0" indent="0" algn="l" rtl="0">
-              <a:spcBef>
-                <a:spcPts val="0"/>
-              </a:spcBef>
-              <a:spcAft>
-                <a:spcPts val="0"/>
-              </a:spcAft>
-              <a:buNone/>
-            </a:pPr>
-            <a:fld id="{00000000-1234-1234-1234-123412341234}" type="slidenum">
-              <a:rPr lang="de-DE"/>
-              <a:t>‹#›</a:t>
-            </a:fld>
-            <a:endParaRPr/>
-          </a:p>
-        </p:txBody>
-      </p:sp>
-      <p:sp>
-        <p:nvSpPr>
-          <p:cNvPr id="12" name="Chapter_titleonly"/>
-          <p:cNvSpPr>
-            <a:spLocks noGrp="1"/>
-          </p:cNvSpPr>
-          <p:nvPr>
-            <p:ph type="body" sz="quarter" idx="15"/>
-          </p:nvPr>
-        </p:nvSpPr>
-        <p:spPr>
-          <a:xfrm>
-            <a:off x="205200" y="259200"/>
-            <a:ext cx="10558800" cy="388800"/>
-          </a:xfrm>
-        </p:spPr>
-        <p:txBody>
-          <a:bodyPr/>
-          <a:lstStyle>
-            <a:lvl1pPr marL="0" indent="0">
-              <a:lnSpc>
-                <a:spcPct val="89000"/>
-              </a:lnSpc>
-              <a:spcBef>
-                <a:spcPts val="0"/>
-              </a:spcBef>
-              <a:buNone/>
-              <a:defRPr sz="2800" kern="0" baseline="0">
-                <a:solidFill>
-                  <a:schemeClr val="tx1"/>
-                </a:solidFill>
-              </a:defRPr>
-            </a:lvl1pPr>
-            <a:lvl2pPr marL="233983" indent="0">
-              <a:buNone/>
-              <a:defRPr sz="2800"/>
-            </a:lvl2pPr>
-            <a:lvl3pPr marL="525562" indent="0">
-              <a:buNone/>
-              <a:defRPr sz="2800"/>
-            </a:lvl3pPr>
-            <a:lvl4pPr marL="748745" indent="0">
-              <a:buNone/>
-              <a:defRPr sz="2800"/>
-            </a:lvl4pPr>
-            <a:lvl5pPr marL="748745" indent="0">
-              <a:buNone/>
-              <a:defRPr sz="2800"/>
-            </a:lvl5pPr>
-          </a:lstStyle>
-          <a:p>
-            <a:pPr lvl="0"/>
-            <a:endParaRPr lang="en-US" noProof="1"/>
-          </a:p>
-        </p:txBody>
-      </p:sp>
-      <p:sp>
-        <p:nvSpPr>
-          <p:cNvPr id="13" name="Title 4">
-            <a:extLst>
-              <a:ext uri="{FF2B5EF4-FFF2-40B4-BE49-F238E27FC236}">
-                <a16:creationId xmlns:a16="http://schemas.microsoft.com/office/drawing/2014/main" id="{5CC74776-286D-45CF-B42A-A491ED08BED4}"/>
-              </a:ext>
-            </a:extLst>
-          </p:cNvPr>
-          <p:cNvSpPr>
-            <a:spLocks noGrp="1"/>
-          </p:cNvSpPr>
-          <p:nvPr>
-            <p:ph type="title"/>
-          </p:nvPr>
-        </p:nvSpPr>
-        <p:spPr>
-          <a:xfrm>
-            <a:off x="205200" y="648000"/>
-            <a:ext cx="10558800" cy="388800"/>
-          </a:xfrm>
-        </p:spPr>
-        <p:txBody>
-          <a:bodyPr/>
-          <a:lstStyle/>
-          <a:p>
-            <a:endParaRPr lang="en-US" dirty="0"/>
-          </a:p>
-        </p:txBody>
-      </p:sp>
-      <p:sp>
-        <p:nvSpPr>
-          <p:cNvPr id="14" name="Content Placeholder 1"/>
-          <p:cNvSpPr>
-            <a:spLocks noGrp="1"/>
-          </p:cNvSpPr>
-          <p:nvPr>
-            <p:ph sz="half" idx="1" hasCustomPrompt="1"/>
-          </p:nvPr>
-        </p:nvSpPr>
-        <p:spPr>
-          <a:xfrm>
-            <a:off x="205200" y="1296000"/>
-            <a:ext cx="3168000" cy="2055600"/>
-          </a:xfrm>
-        </p:spPr>
-        <p:txBody>
-          <a:bodyPr/>
-          <a:lstStyle>
-            <a:lvl1pPr>
-              <a:defRPr/>
-            </a:lvl1pPr>
-          </a:lstStyle>
-          <a:p>
-            <a:pPr lvl="0"/>
-            <a:r>
-              <a:rPr lang="en-US" noProof="1"/>
-              <a:t>Add Text </a:t>
-            </a:r>
-          </a:p>
-          <a:p>
-            <a:pPr lvl="1"/>
-            <a:r>
-              <a:rPr lang="en-US" noProof="1"/>
-              <a:t>Zweite Ebene</a:t>
-            </a:r>
-          </a:p>
-          <a:p>
-            <a:pPr lvl="2"/>
-            <a:r>
-              <a:rPr lang="en-US" noProof="1"/>
-              <a:t>Dritte Ebene</a:t>
-            </a:r>
-          </a:p>
-          <a:p>
-            <a:pPr lvl="3"/>
-            <a:r>
-              <a:rPr lang="en-US" noProof="1"/>
-              <a:t>Vierte Ebene</a:t>
-            </a:r>
-          </a:p>
-          <a:p>
-            <a:pPr lvl="4"/>
-            <a:r>
-              <a:rPr lang="en-US" noProof="1"/>
-              <a:t>Fünfte Ebene</a:t>
-            </a:r>
-          </a:p>
-        </p:txBody>
-      </p:sp>
-      <p:sp>
-        <p:nvSpPr>
-          <p:cNvPr id="15" name="Content Placeholder 2"/>
-          <p:cNvSpPr>
-            <a:spLocks noGrp="1"/>
-          </p:cNvSpPr>
-          <p:nvPr>
-            <p:ph sz="half" idx="3" hasCustomPrompt="1"/>
-          </p:nvPr>
-        </p:nvSpPr>
-        <p:spPr>
-          <a:xfrm>
-            <a:off x="3900600" y="1295999"/>
-            <a:ext cx="3168000" cy="2055600"/>
-          </a:xfrm>
-        </p:spPr>
-        <p:txBody>
-          <a:bodyPr/>
-          <a:lstStyle>
-            <a:lvl1pPr>
-              <a:defRPr/>
-            </a:lvl1pPr>
-          </a:lstStyle>
-          <a:p>
-            <a:pPr lvl="0"/>
-            <a:r>
-              <a:rPr lang="en-US" noProof="1"/>
-              <a:t>Add Text </a:t>
-            </a:r>
-          </a:p>
-          <a:p>
-            <a:pPr lvl="1"/>
-            <a:r>
-              <a:rPr lang="en-US" noProof="1"/>
-              <a:t>Zweite Ebene</a:t>
-            </a:r>
-          </a:p>
-          <a:p>
-            <a:pPr lvl="2"/>
-            <a:r>
-              <a:rPr lang="en-US" noProof="1"/>
-              <a:t>Dritte Ebene</a:t>
-            </a:r>
-          </a:p>
-          <a:p>
-            <a:pPr lvl="3"/>
-            <a:r>
-              <a:rPr lang="en-US" noProof="1"/>
-              <a:t>Vierte Ebene</a:t>
-            </a:r>
-          </a:p>
-          <a:p>
-            <a:pPr lvl="4"/>
-            <a:r>
-              <a:rPr lang="en-US" noProof="1"/>
-              <a:t>Fünfte Ebene</a:t>
-            </a:r>
-          </a:p>
-        </p:txBody>
-      </p:sp>
-      <p:sp>
-        <p:nvSpPr>
-          <p:cNvPr id="16" name="Content Placeholder 3"/>
-          <p:cNvSpPr>
-            <a:spLocks noGrp="1"/>
-          </p:cNvSpPr>
-          <p:nvPr>
-            <p:ph sz="half" idx="5" hasCustomPrompt="1"/>
-          </p:nvPr>
-        </p:nvSpPr>
-        <p:spPr>
-          <a:xfrm>
-            <a:off x="7596000" y="1295999"/>
-            <a:ext cx="3168000" cy="2055600"/>
-          </a:xfrm>
-        </p:spPr>
-        <p:txBody>
-          <a:bodyPr/>
-          <a:lstStyle>
-            <a:lvl1pPr>
-              <a:defRPr/>
-            </a:lvl1pPr>
-          </a:lstStyle>
-          <a:p>
-            <a:pPr lvl="0"/>
-            <a:r>
-              <a:rPr lang="en-US" noProof="1"/>
-              <a:t>Add Text </a:t>
-            </a:r>
-          </a:p>
-          <a:p>
-            <a:pPr lvl="1"/>
-            <a:r>
-              <a:rPr lang="en-US" noProof="1"/>
-              <a:t>Zweite Ebene</a:t>
-            </a:r>
-          </a:p>
-          <a:p>
-            <a:pPr lvl="2"/>
-            <a:r>
-              <a:rPr lang="en-US" noProof="1"/>
-              <a:t>Dritte Ebene</a:t>
-            </a:r>
-          </a:p>
-          <a:p>
-            <a:pPr lvl="3"/>
-            <a:r>
-              <a:rPr lang="en-US" noProof="1"/>
-              <a:t>Vierte Ebene</a:t>
-            </a:r>
-          </a:p>
-          <a:p>
-            <a:pPr lvl="4"/>
-            <a:r>
-              <a:rPr lang="en-US" noProof="1"/>
-              <a:t>Fünfte Ebene</a:t>
-            </a:r>
-          </a:p>
-        </p:txBody>
-      </p:sp>
-      <p:sp>
-        <p:nvSpPr>
-          <p:cNvPr id="17" name="Content Placeholder 4"/>
-          <p:cNvSpPr>
-            <a:spLocks noGrp="1"/>
-          </p:cNvSpPr>
-          <p:nvPr>
-            <p:ph sz="half" idx="2" hasCustomPrompt="1"/>
-          </p:nvPr>
-        </p:nvSpPr>
-        <p:spPr>
-          <a:xfrm>
-            <a:off x="205200" y="3481200"/>
-            <a:ext cx="3168000" cy="2055600"/>
-          </a:xfrm>
-        </p:spPr>
-        <p:txBody>
-          <a:bodyPr/>
-          <a:lstStyle>
-            <a:lvl1pPr>
-              <a:defRPr/>
-            </a:lvl1pPr>
-          </a:lstStyle>
-          <a:p>
-            <a:pPr lvl="0"/>
-            <a:r>
-              <a:rPr lang="en-US" noProof="1"/>
-              <a:t>Add Text </a:t>
-            </a:r>
-          </a:p>
-          <a:p>
-            <a:pPr lvl="1"/>
-            <a:r>
-              <a:rPr lang="en-US" noProof="1"/>
-              <a:t>Zweite Ebene</a:t>
-            </a:r>
-          </a:p>
-          <a:p>
-            <a:pPr lvl="2"/>
-            <a:r>
-              <a:rPr lang="en-US" noProof="1"/>
-              <a:t>Dritte Ebene</a:t>
-            </a:r>
-          </a:p>
-          <a:p>
-            <a:pPr lvl="3"/>
-            <a:r>
-              <a:rPr lang="en-US" noProof="1"/>
-              <a:t>Vierte Ebene</a:t>
-            </a:r>
-          </a:p>
-          <a:p>
-            <a:pPr lvl="4"/>
-            <a:r>
-              <a:rPr lang="en-US" noProof="1"/>
-              <a:t>Fünfte Ebene</a:t>
-            </a:r>
-          </a:p>
-        </p:txBody>
-      </p:sp>
-      <p:sp>
-        <p:nvSpPr>
-          <p:cNvPr id="18" name="Content Placeholder 5"/>
-          <p:cNvSpPr>
-            <a:spLocks noGrp="1"/>
-          </p:cNvSpPr>
-          <p:nvPr>
-            <p:ph sz="half" idx="4" hasCustomPrompt="1"/>
-          </p:nvPr>
-        </p:nvSpPr>
-        <p:spPr>
-          <a:xfrm>
-            <a:off x="3900600" y="3481200"/>
-            <a:ext cx="3168000" cy="2055600"/>
-          </a:xfrm>
-        </p:spPr>
-        <p:txBody>
-          <a:bodyPr/>
-          <a:lstStyle>
-            <a:lvl1pPr>
-              <a:defRPr/>
-            </a:lvl1pPr>
-          </a:lstStyle>
-          <a:p>
-            <a:pPr lvl="0"/>
-            <a:r>
-              <a:rPr lang="en-US" noProof="1"/>
-              <a:t>Add Text </a:t>
-            </a:r>
-          </a:p>
-          <a:p>
-            <a:pPr lvl="1"/>
-            <a:r>
-              <a:rPr lang="en-US" noProof="1"/>
-              <a:t>Zweite Ebene</a:t>
-            </a:r>
-          </a:p>
-          <a:p>
-            <a:pPr lvl="2"/>
-            <a:r>
-              <a:rPr lang="en-US" noProof="1"/>
-              <a:t>Dritte Ebene</a:t>
-            </a:r>
-          </a:p>
-          <a:p>
-            <a:pPr lvl="3"/>
-            <a:r>
-              <a:rPr lang="en-US" noProof="1"/>
-              <a:t>Vierte Ebene</a:t>
-            </a:r>
-          </a:p>
-          <a:p>
-            <a:pPr lvl="4"/>
-            <a:r>
-              <a:rPr lang="en-US" noProof="1"/>
-              <a:t>Fünfte Ebene</a:t>
-            </a:r>
-          </a:p>
-        </p:txBody>
-      </p:sp>
-      <p:sp>
-        <p:nvSpPr>
-          <p:cNvPr id="19" name="Content Placeholder 6"/>
-          <p:cNvSpPr>
-            <a:spLocks noGrp="1"/>
-          </p:cNvSpPr>
-          <p:nvPr>
-            <p:ph sz="half" idx="6" hasCustomPrompt="1"/>
-          </p:nvPr>
-        </p:nvSpPr>
-        <p:spPr>
-          <a:xfrm>
-            <a:off x="7596000" y="3481200"/>
-            <a:ext cx="3168000" cy="2055600"/>
-          </a:xfrm>
-        </p:spPr>
-        <p:txBody>
-          <a:bodyPr/>
-          <a:lstStyle>
-            <a:lvl1pPr>
-              <a:defRPr/>
-            </a:lvl1pPr>
-          </a:lstStyle>
-          <a:p>
-            <a:pPr lvl="0"/>
-            <a:r>
-              <a:rPr lang="en-US" noProof="1"/>
-              <a:t>Add Text </a:t>
-            </a:r>
-          </a:p>
-          <a:p>
-            <a:pPr lvl="1"/>
-            <a:r>
-              <a:rPr lang="en-US" noProof="1"/>
-              <a:t>Zweite Ebene</a:t>
-            </a:r>
-          </a:p>
-          <a:p>
-            <a:pPr lvl="2"/>
-            <a:r>
-              <a:rPr lang="en-US" noProof="1"/>
-              <a:t>Dritte Ebene</a:t>
-            </a:r>
-          </a:p>
-          <a:p>
-            <a:pPr lvl="3"/>
-            <a:r>
-              <a:rPr lang="en-US" noProof="1"/>
-              <a:t>Vierte Ebene</a:t>
-            </a:r>
-          </a:p>
-          <a:p>
-            <a:pPr lvl="4"/>
-            <a:r>
-              <a:rPr lang="en-US" noProof="1"/>
-              <a:t>Fünfte Ebene</a:t>
-            </a:r>
-          </a:p>
-        </p:txBody>
-      </p:sp>
-    </p:spTree>
-  </p:cSld>
-  <p:clrMapOvr>
-    <a:masterClrMapping/>
-  </p:clrMapOvr>
-  <p:extLst mod="1">
-    <p:ext uri="{DCECCB84-F9BA-43D5-87BE-67443E8EF086}">
-      <p15:sldGuideLst xmlns:p15="http://schemas.microsoft.com/office/powerpoint/2012/main">
-        <p15:guide id="1" pos="128">
-          <p15:clr>
-            <a:srgbClr val="FBAE40"/>
-          </p15:clr>
-        </p15:guide>
-        <p15:guide id="2" pos="6784">
-          <p15:clr>
-            <a:srgbClr val="FBAE40"/>
-          </p15:clr>
-        </p15:guide>
-        <p15:guide id="3" orient="horz" pos="162">
-          <p15:clr>
-            <a:srgbClr val="FBAE40"/>
-          </p15:clr>
-        </p15:guide>
-        <p15:guide id="4" orient="horz" pos="408">
-          <p15:clr>
-            <a:srgbClr val="FBAE40"/>
-          </p15:clr>
-        </p15:guide>
-        <p15:guide id="5" orient="horz" pos="654">
-          <p15:clr>
-            <a:srgbClr val="FBAE40"/>
-          </p15:clr>
-        </p15:guide>
-        <p15:guide id="6" orient="horz" pos="816">
-          <p15:clr>
-            <a:srgbClr val="FBAE40"/>
-          </p15:clr>
-        </p15:guide>
-        <p15:guide id="7" orient="horz" pos="3489">
-          <p15:clr>
-            <a:srgbClr val="FBAE40"/>
-          </p15:clr>
-        </p15:guide>
-        <p15:guide id="8" pos="2126">
-          <p15:clr>
-            <a:srgbClr val="FBAE40"/>
-          </p15:clr>
-        </p15:guide>
-        <p15:guide id="9" pos="2457">
-          <p15:clr>
-            <a:srgbClr val="FBAE40"/>
-          </p15:clr>
-        </p15:guide>
-        <p15:guide id="10" pos="4453">
-          <p15:clr>
-            <a:srgbClr val="FBAE40"/>
-          </p15:clr>
-        </p15:guide>
-        <p15:guide id="11" pos="4782">
-          <p15:clr>
-            <a:srgbClr val="FBAE40"/>
-          </p15:clr>
-        </p15:guide>
-        <p15:guide id="12" orient="horz" pos="2113">
-          <p15:clr>
-            <a:srgbClr val="FBAE40"/>
-          </p15:clr>
-        </p15:guide>
-        <p15:guide id="13" orient="horz" pos="2192">
           <p15:clr>
             <a:srgbClr val="FBAE40"/>
           </p15:clr>
@@ -6733,8 +4822,10 @@
       </p:grpSpPr>
       <p:pic>
         <p:nvPicPr>
-          <p:cNvPr id="22" name="Google Shape;22;p3" descr="fit@hcmus · GitHub"/>
-          <p:cNvPicPr preferRelativeResize="0"/>
+          <p:cNvPr id="22" name="Logo" descr="fit@hcmus · GitHub"/>
+          <p:cNvPicPr preferRelativeResize="0">
+            <a:picLocks noGrp="1" noRot="1" noMove="1" noResize="1" noEditPoints="1" noAdjustHandles="1" noChangeArrowheads="1" noChangeShapeType="1" noCrop="1"/>
+          </p:cNvPicPr>
           <p:nvPr/>
         </p:nvPicPr>
         <p:blipFill rotWithShape="1">
@@ -6760,8 +4851,10 @@
       </p:pic>
       <p:pic>
         <p:nvPicPr>
-          <p:cNvPr id="23" name="Google Shape;23;p3"/>
-          <p:cNvPicPr preferRelativeResize="0"/>
+          <p:cNvPr id="23" name="Banner"/>
+          <p:cNvPicPr preferRelativeResize="0">
+            <a:picLocks noGrp="1" noRot="1" noMove="1" noResize="1" noEditPoints="1" noAdjustHandles="1" noChangeArrowheads="1" noChangeShapeType="1" noCrop="1"/>
+          </p:cNvPicPr>
           <p:nvPr/>
         </p:nvPicPr>
         <p:blipFill rotWithShape="1">
@@ -6803,8 +4896,8 @@
         </p:nvSpPr>
         <p:spPr>
           <a:xfrm>
-            <a:off x="3289593" y="1152144"/>
-            <a:ext cx="7132831" cy="2044365"/>
+            <a:off x="3289592" y="275230"/>
+            <a:ext cx="7132831" cy="1142866"/>
           </a:xfrm>
           <a:ln w="0">
             <a:noFill/>
@@ -6812,7 +4905,7 @@
           <a:effectLst/>
         </p:spPr>
         <p:txBody>
-          <a:bodyPr anchor="b" anchorCtr="0">
+          <a:bodyPr anchor="t" anchorCtr="0">
             <a:normAutofit/>
           </a:bodyPr>
           <a:lstStyle>
@@ -6853,8 +4946,8 @@
         </p:nvSpPr>
         <p:spPr>
           <a:xfrm>
-            <a:off x="3289593" y="3327191"/>
-            <a:ext cx="7132831" cy="1254369"/>
+            <a:off x="3289591" y="1573078"/>
+            <a:ext cx="7132831" cy="2750950"/>
           </a:xfrm>
         </p:spPr>
         <p:txBody>
@@ -6862,9 +4955,9 @@
             <a:normAutofit/>
           </a:bodyPr>
           <a:lstStyle>
-            <a:lvl1pPr marL="0" indent="0">
-              <a:buFontTx/>
-              <a:buNone/>
+            <a:lvl1pPr marL="457200" indent="-457200">
+              <a:buFont typeface="+mj-lt"/>
+              <a:buAutoNum type="arabicPeriod"/>
               <a:defRPr sz="2400"/>
             </a:lvl1pPr>
             <a:lvl2pPr marL="457200" indent="0">
@@ -6902,7 +4995,7 @@
   <p:clrMapOvr>
     <a:masterClrMapping/>
   </p:clrMapOvr>
-  <p:extLst mod="1">
+  <p:extLst>
     <p:ext uri="{DCECCB84-F9BA-43D5-87BE-67443E8EF086}">
       <p15:sldGuideLst xmlns:p15="http://schemas.microsoft.com/office/powerpoint/2012/main">
         <p15:guide id="1" pos="2070">
@@ -6937,11 +5030,11 @@
 </file>
 
 <file path=ppt/slideLayouts/slideLayout20.xml><?xml version="1.0" encoding="utf-8"?>
-<p:sldLayout xmlns:a="http://schemas.openxmlformats.org/drawingml/2006/main" xmlns:r="http://schemas.openxmlformats.org/officeDocument/2006/relationships" xmlns:p="http://schemas.openxmlformats.org/presentationml/2006/main" showMasterSp="0" matchingName="4 x 2 Contents " userDrawn="1">
-  <p:cSld name="4 x 2 Contents ">
+<p:sldLayout xmlns:a="http://schemas.openxmlformats.org/drawingml/2006/main" xmlns:r="http://schemas.openxmlformats.org/officeDocument/2006/relationships" xmlns:p="http://schemas.openxmlformats.org/presentationml/2006/main" showMasterSp="0" matchingName="2 Horizontal contents " userDrawn="1">
+  <p:cSld name="2 Horizontal contents ">
     <p:spTree>
       <p:nvGrpSpPr>
-        <p:cNvPr id="1" name="Shape 120"/>
+        <p:cNvPr id="1" name="Shape 91"/>
         <p:cNvGrpSpPr/>
         <p:nvPr/>
       </p:nvGrpSpPr>
@@ -6953,16 +5046,25 @@
           <a:chExt cx="0" cy="0"/>
         </a:xfrm>
       </p:grpSpPr>
-      <p:sp>
-        <p:nvSpPr>
-          <p:cNvPr id="131" name="Google Shape;131;p19"/>
-          <p:cNvSpPr/>
+      <p:pic>
+        <p:nvPicPr>
+          <p:cNvPr id="98" name="Logo" descr="fit@hcmus · GitHub"/>
+          <p:cNvPicPr preferRelativeResize="0">
+            <a:picLocks noGrp="1" noRot="1" noMove="1" noResize="1" noEditPoints="1" noAdjustHandles="1" noChangeArrowheads="1" noChangeShapeType="1" noCrop="1"/>
+          </p:cNvPicPr>
           <p:nvPr/>
-        </p:nvSpPr>
-        <p:spPr>
-          <a:xfrm>
-            <a:off x="9224010" y="259080"/>
-            <a:ext cx="1691640" cy="777240"/>
+        </p:nvPicPr>
+        <p:blipFill rotWithShape="1">
+          <a:blip r:embed="rId2">
+            <a:alphaModFix/>
+          </a:blip>
+          <a:srcRect/>
+          <a:stretch/>
+        </p:blipFill>
+        <p:spPr>
+          <a:xfrm>
+            <a:off x="9740495" y="5589158"/>
+            <a:ext cx="1092317" cy="450581"/>
           </a:xfrm>
           <a:prstGeom prst="rect">
             <a:avLst/>
@@ -6972,252 +5074,10 @@
             <a:noFill/>
           </a:ln>
         </p:spPr>
-        <p:txBody>
-          <a:bodyPr spcFirstLastPara="1" wrap="square" lIns="0" tIns="17775" rIns="0" bIns="0" anchor="t" anchorCtr="0">
-            <a:normAutofit/>
-          </a:bodyPr>
-          <a:lstStyle/>
-          <a:p>
-            <a:pPr marL="0" marR="0" lvl="0" indent="0" algn="l" rtl="0">
-              <a:lnSpc>
-                <a:spcPct val="163636"/>
-              </a:lnSpc>
-              <a:spcBef>
-                <a:spcPts val="0"/>
-              </a:spcBef>
-              <a:spcAft>
-                <a:spcPts val="0"/>
-              </a:spcAft>
-              <a:buNone/>
-            </a:pPr>
-            <a:r>
-              <a:rPr lang="de-DE" sz="550" b="0" i="0" u="none" strike="noStrike">
-                <a:solidFill>
-                  <a:srgbClr val="000000"/>
-                </a:solidFill>
-                <a:latin typeface="Arial"/>
-                <a:ea typeface="Arial"/>
-                <a:cs typeface="Arial"/>
-                <a:sym typeface="Arial"/>
-              </a:rPr>
-              <a:t> </a:t>
-            </a:r>
-            <a:endParaRPr/>
-          </a:p>
-        </p:txBody>
-      </p:sp>
+      </p:pic>
       <p:sp>
         <p:nvSpPr>
-          <p:cNvPr id="132" name="Google Shape;132;p19"/>
-          <p:cNvSpPr txBox="1">
-            <a:spLocks noGrp="1"/>
-          </p:cNvSpPr>
-          <p:nvPr>
-            <p:ph type="sldNum" idx="12"/>
-          </p:nvPr>
-        </p:nvSpPr>
-        <p:spPr>
-          <a:xfrm>
-            <a:off x="205200" y="5666400"/>
-            <a:ext cx="288290" cy="410210"/>
-          </a:xfrm>
-          <a:prstGeom prst="rect">
-            <a:avLst/>
-          </a:prstGeom>
-          <a:noFill/>
-          <a:ln>
-            <a:noFill/>
-          </a:ln>
-        </p:spPr>
-        <p:txBody>
-          <a:bodyPr spcFirstLastPara="1" wrap="square" lIns="91425" tIns="45700" rIns="91425" bIns="45700" anchor="t" anchorCtr="0">
-            <a:noAutofit/>
-          </a:bodyPr>
-          <a:lstStyle>
-            <a:lvl1pPr marL="0" marR="0" lvl="0" indent="0" algn="l" rtl="0">
-              <a:spcBef>
-                <a:spcPts val="0"/>
-              </a:spcBef>
-              <a:spcAft>
-                <a:spcPts val="0"/>
-              </a:spcAft>
-              <a:buNone/>
-              <a:defRPr sz="1800">
-                <a:solidFill>
-                  <a:schemeClr val="dk1"/>
-                </a:solidFill>
-                <a:latin typeface="Arial"/>
-                <a:ea typeface="Arial"/>
-                <a:cs typeface="Arial"/>
-                <a:sym typeface="Arial"/>
-              </a:defRPr>
-            </a:lvl1pPr>
-            <a:lvl2pPr marL="0" marR="0" lvl="1" indent="0" algn="l" rtl="0">
-              <a:spcBef>
-                <a:spcPts val="0"/>
-              </a:spcBef>
-              <a:spcAft>
-                <a:spcPts val="0"/>
-              </a:spcAft>
-              <a:buNone/>
-              <a:defRPr sz="1800">
-                <a:solidFill>
-                  <a:schemeClr val="dk1"/>
-                </a:solidFill>
-                <a:latin typeface="Arial"/>
-                <a:ea typeface="Arial"/>
-                <a:cs typeface="Arial"/>
-                <a:sym typeface="Arial"/>
-              </a:defRPr>
-            </a:lvl2pPr>
-            <a:lvl3pPr marL="0" marR="0" lvl="2" indent="0" algn="l" rtl="0">
-              <a:spcBef>
-                <a:spcPts val="0"/>
-              </a:spcBef>
-              <a:spcAft>
-                <a:spcPts val="0"/>
-              </a:spcAft>
-              <a:buNone/>
-              <a:defRPr sz="1800">
-                <a:solidFill>
-                  <a:schemeClr val="dk1"/>
-                </a:solidFill>
-                <a:latin typeface="Arial"/>
-                <a:ea typeface="Arial"/>
-                <a:cs typeface="Arial"/>
-                <a:sym typeface="Arial"/>
-              </a:defRPr>
-            </a:lvl3pPr>
-            <a:lvl4pPr marL="0" marR="0" lvl="3" indent="0" algn="l" rtl="0">
-              <a:spcBef>
-                <a:spcPts val="0"/>
-              </a:spcBef>
-              <a:spcAft>
-                <a:spcPts val="0"/>
-              </a:spcAft>
-              <a:buNone/>
-              <a:defRPr sz="1800">
-                <a:solidFill>
-                  <a:schemeClr val="dk1"/>
-                </a:solidFill>
-                <a:latin typeface="Arial"/>
-                <a:ea typeface="Arial"/>
-                <a:cs typeface="Arial"/>
-                <a:sym typeface="Arial"/>
-              </a:defRPr>
-            </a:lvl4pPr>
-            <a:lvl5pPr marL="0" marR="0" lvl="4" indent="0" algn="l" rtl="0">
-              <a:spcBef>
-                <a:spcPts val="0"/>
-              </a:spcBef>
-              <a:spcAft>
-                <a:spcPts val="0"/>
-              </a:spcAft>
-              <a:buNone/>
-              <a:defRPr sz="1800">
-                <a:solidFill>
-                  <a:schemeClr val="dk1"/>
-                </a:solidFill>
-                <a:latin typeface="Arial"/>
-                <a:ea typeface="Arial"/>
-                <a:cs typeface="Arial"/>
-                <a:sym typeface="Arial"/>
-              </a:defRPr>
-            </a:lvl5pPr>
-            <a:lvl6pPr marL="0" marR="0" lvl="5" indent="0" algn="l" rtl="0">
-              <a:spcBef>
-                <a:spcPts val="0"/>
-              </a:spcBef>
-              <a:spcAft>
-                <a:spcPts val="0"/>
-              </a:spcAft>
-              <a:buNone/>
-              <a:defRPr sz="1800">
-                <a:solidFill>
-                  <a:schemeClr val="dk1"/>
-                </a:solidFill>
-                <a:latin typeface="Arial"/>
-                <a:ea typeface="Arial"/>
-                <a:cs typeface="Arial"/>
-                <a:sym typeface="Arial"/>
-              </a:defRPr>
-            </a:lvl6pPr>
-            <a:lvl7pPr marL="0" marR="0" lvl="6" indent="0" algn="l" rtl="0">
-              <a:spcBef>
-                <a:spcPts val="0"/>
-              </a:spcBef>
-              <a:spcAft>
-                <a:spcPts val="0"/>
-              </a:spcAft>
-              <a:buNone/>
-              <a:defRPr sz="1800">
-                <a:solidFill>
-                  <a:schemeClr val="dk1"/>
-                </a:solidFill>
-                <a:latin typeface="Arial"/>
-                <a:ea typeface="Arial"/>
-                <a:cs typeface="Arial"/>
-                <a:sym typeface="Arial"/>
-              </a:defRPr>
-            </a:lvl7pPr>
-            <a:lvl8pPr marL="0" marR="0" lvl="7" indent="0" algn="l" rtl="0">
-              <a:spcBef>
-                <a:spcPts val="0"/>
-              </a:spcBef>
-              <a:spcAft>
-                <a:spcPts val="0"/>
-              </a:spcAft>
-              <a:buNone/>
-              <a:defRPr sz="1800">
-                <a:solidFill>
-                  <a:schemeClr val="dk1"/>
-                </a:solidFill>
-                <a:latin typeface="Arial"/>
-                <a:ea typeface="Arial"/>
-                <a:cs typeface="Arial"/>
-                <a:sym typeface="Arial"/>
-              </a:defRPr>
-            </a:lvl8pPr>
-            <a:lvl9pPr marL="0" marR="0" lvl="8" indent="0" algn="l" rtl="0">
-              <a:spcBef>
-                <a:spcPts val="0"/>
-              </a:spcBef>
-              <a:spcAft>
-                <a:spcPts val="0"/>
-              </a:spcAft>
-              <a:buNone/>
-              <a:defRPr sz="1800">
-                <a:solidFill>
-                  <a:schemeClr val="dk1"/>
-                </a:solidFill>
-                <a:latin typeface="Arial"/>
-                <a:ea typeface="Arial"/>
-                <a:cs typeface="Arial"/>
-                <a:sym typeface="Arial"/>
-              </a:defRPr>
-            </a:lvl9pPr>
-          </a:lstStyle>
-          <a:p>
-            <a:pPr marL="0" lvl="0" indent="0" algn="l" rtl="0">
-              <a:spcBef>
-                <a:spcPts val="0"/>
-              </a:spcBef>
-              <a:spcAft>
-                <a:spcPts val="0"/>
-              </a:spcAft>
-              <a:buNone/>
-            </a:pPr>
-            <a:fld id="{00000000-1234-1234-1234-123412341234}" type="slidenum">
-              <a:rPr lang="de-DE"/>
-              <a:t>‹#›</a:t>
-            </a:fld>
-            <a:endParaRPr dirty="0"/>
-          </a:p>
-        </p:txBody>
-      </p:sp>
-      <p:sp>
-        <p:nvSpPr>
-          <p:cNvPr id="14" name="Chapter_titleonly"/>
+          <p:cNvPr id="9" name="Chapter title"/>
           <p:cNvSpPr>
             <a:spLocks noGrp="1"/>
           </p:cNvSpPr>
@@ -7273,7 +5133,7 @@
       </p:sp>
       <p:sp>
         <p:nvSpPr>
-          <p:cNvPr id="15" name="Title 4">
+          <p:cNvPr id="10" name="Slide Title">
             <a:extLst>
               <a:ext uri="{FF2B5EF4-FFF2-40B4-BE49-F238E27FC236}">
                 <a16:creationId xmlns:a16="http://schemas.microsoft.com/office/drawing/2014/main" id="{5CC74776-286D-45CF-B42A-A491ED08BED4}"/>
@@ -7303,7 +5163,7 @@
       </p:sp>
       <p:sp>
         <p:nvSpPr>
-          <p:cNvPr id="16" name="Content Placeholder 1"/>
+          <p:cNvPr id="8" name="Content Placeholder 1"/>
           <p:cNvSpPr>
             <a:spLocks noGrp="1"/>
           </p:cNvSpPr>
@@ -7314,7 +5174,7 @@
         <p:spPr>
           <a:xfrm>
             <a:off x="205200" y="1296000"/>
-            <a:ext cx="2541600" cy="2055600"/>
+            <a:ext cx="10558800" cy="2055600"/>
           </a:xfrm>
         </p:spPr>
         <p:txBody>
@@ -7363,18 +5223,18 @@
       </p:sp>
       <p:sp>
         <p:nvSpPr>
-          <p:cNvPr id="17" name="Content Placeholder 2"/>
+          <p:cNvPr id="11" name="Content Placeholder 2"/>
           <p:cNvSpPr>
             <a:spLocks noGrp="1"/>
           </p:cNvSpPr>
           <p:nvPr>
-            <p:ph sz="half" idx="3" hasCustomPrompt="1"/>
+            <p:ph sz="half" idx="2" hasCustomPrompt="1"/>
           </p:nvPr>
         </p:nvSpPr>
         <p:spPr>
           <a:xfrm>
-            <a:off x="2877600" y="1295999"/>
-            <a:ext cx="2541600" cy="2055600"/>
+            <a:off x="205200" y="3481200"/>
+            <a:ext cx="10558800" cy="2055600"/>
           </a:xfrm>
         </p:spPr>
         <p:txBody>
@@ -7421,384 +5281,12 @@
           </a:p>
         </p:txBody>
       </p:sp>
-      <p:sp>
-        <p:nvSpPr>
-          <p:cNvPr id="18" name="Content Placeholder 3">
-            <a:extLst>
-              <a:ext uri="{FF2B5EF4-FFF2-40B4-BE49-F238E27FC236}">
-                <a16:creationId xmlns:a16="http://schemas.microsoft.com/office/drawing/2014/main" id="{58468F8D-277D-4F1A-84A1-62122010643F}"/>
-              </a:ext>
-            </a:extLst>
-          </p:cNvPr>
-          <p:cNvSpPr>
-            <a:spLocks noGrp="1"/>
-          </p:cNvSpPr>
-          <p:nvPr>
-            <p:ph sz="half" idx="5" hasCustomPrompt="1"/>
-          </p:nvPr>
-        </p:nvSpPr>
-        <p:spPr>
-          <a:xfrm>
-            <a:off x="5550000" y="1296000"/>
-            <a:ext cx="2541600" cy="2055600"/>
-          </a:xfrm>
-        </p:spPr>
-        <p:txBody>
-          <a:bodyPr/>
-          <a:lstStyle>
-            <a:lvl1pPr>
-              <a:defRPr/>
-            </a:lvl1pPr>
-          </a:lstStyle>
-          <a:p>
-            <a:pPr lvl="0"/>
-            <a:r>
-              <a:rPr lang="en-US" noProof="1"/>
-              <a:t>Add Text </a:t>
-            </a:r>
-          </a:p>
-          <a:p>
-            <a:pPr lvl="1"/>
-            <a:r>
-              <a:rPr lang="en-US" noProof="1"/>
-              <a:t>Zweite Ebene</a:t>
-            </a:r>
-          </a:p>
-          <a:p>
-            <a:pPr lvl="2"/>
-            <a:r>
-              <a:rPr lang="en-US" noProof="1"/>
-              <a:t>Dritte Ebene</a:t>
-            </a:r>
-          </a:p>
-          <a:p>
-            <a:pPr lvl="3"/>
-            <a:r>
-              <a:rPr lang="en-US" noProof="1"/>
-              <a:t>Vierte Ebene</a:t>
-            </a:r>
-          </a:p>
-          <a:p>
-            <a:pPr lvl="4"/>
-            <a:r>
-              <a:rPr lang="en-US" noProof="1"/>
-              <a:t>Fünfte Ebene</a:t>
-            </a:r>
-          </a:p>
-        </p:txBody>
-      </p:sp>
-      <p:sp>
-        <p:nvSpPr>
-          <p:cNvPr id="19" name="Content Placeholder 4"/>
-          <p:cNvSpPr>
-            <a:spLocks noGrp="1"/>
-          </p:cNvSpPr>
-          <p:nvPr>
-            <p:ph sz="half" idx="7" hasCustomPrompt="1"/>
-          </p:nvPr>
-        </p:nvSpPr>
-        <p:spPr>
-          <a:xfrm>
-            <a:off x="8222400" y="1295999"/>
-            <a:ext cx="2541600" cy="2055600"/>
-          </a:xfrm>
-        </p:spPr>
-        <p:txBody>
-          <a:bodyPr/>
-          <a:lstStyle>
-            <a:lvl1pPr>
-              <a:defRPr/>
-            </a:lvl1pPr>
-          </a:lstStyle>
-          <a:p>
-            <a:pPr lvl="0"/>
-            <a:r>
-              <a:rPr lang="en-US" noProof="1"/>
-              <a:t>Add Text </a:t>
-            </a:r>
-          </a:p>
-          <a:p>
-            <a:pPr lvl="1"/>
-            <a:r>
-              <a:rPr lang="en-US" noProof="1"/>
-              <a:t>Zweite Ebene</a:t>
-            </a:r>
-          </a:p>
-          <a:p>
-            <a:pPr lvl="2"/>
-            <a:r>
-              <a:rPr lang="en-US" noProof="1"/>
-              <a:t>Dritte Ebene</a:t>
-            </a:r>
-          </a:p>
-          <a:p>
-            <a:pPr lvl="3"/>
-            <a:r>
-              <a:rPr lang="en-US" noProof="1"/>
-              <a:t>Vierte Ebene</a:t>
-            </a:r>
-          </a:p>
-          <a:p>
-            <a:pPr lvl="4"/>
-            <a:r>
-              <a:rPr lang="en-US" noProof="1"/>
-              <a:t>Fünfte Ebene</a:t>
-            </a:r>
-          </a:p>
-        </p:txBody>
-      </p:sp>
-      <p:sp>
-        <p:nvSpPr>
-          <p:cNvPr id="20" name="Content Placeholder 5"/>
-          <p:cNvSpPr>
-            <a:spLocks noGrp="1"/>
-          </p:cNvSpPr>
-          <p:nvPr>
-            <p:ph sz="half" idx="2" hasCustomPrompt="1"/>
-          </p:nvPr>
-        </p:nvSpPr>
-        <p:spPr>
-          <a:xfrm>
-            <a:off x="205200" y="3481200"/>
-            <a:ext cx="2541600" cy="2055600"/>
-          </a:xfrm>
-        </p:spPr>
-        <p:txBody>
-          <a:bodyPr/>
-          <a:lstStyle>
-            <a:lvl1pPr>
-              <a:defRPr/>
-            </a:lvl1pPr>
-          </a:lstStyle>
-          <a:p>
-            <a:pPr lvl="0"/>
-            <a:r>
-              <a:rPr lang="en-US" noProof="1"/>
-              <a:t>Add Text </a:t>
-            </a:r>
-          </a:p>
-          <a:p>
-            <a:pPr lvl="1"/>
-            <a:r>
-              <a:rPr lang="en-US" noProof="1"/>
-              <a:t>Zweite Ebene</a:t>
-            </a:r>
-          </a:p>
-          <a:p>
-            <a:pPr lvl="2"/>
-            <a:r>
-              <a:rPr lang="en-US" noProof="1"/>
-              <a:t>Dritte Ebene</a:t>
-            </a:r>
-          </a:p>
-          <a:p>
-            <a:pPr lvl="3"/>
-            <a:r>
-              <a:rPr lang="en-US" noProof="1"/>
-              <a:t>Vierte Ebene</a:t>
-            </a:r>
-          </a:p>
-          <a:p>
-            <a:pPr lvl="4"/>
-            <a:r>
-              <a:rPr lang="en-US" noProof="1"/>
-              <a:t>Fünfte Ebene</a:t>
-            </a:r>
-          </a:p>
-        </p:txBody>
-      </p:sp>
-      <p:sp>
-        <p:nvSpPr>
-          <p:cNvPr id="21" name="Content Placeholder 6"/>
-          <p:cNvSpPr>
-            <a:spLocks noGrp="1"/>
-          </p:cNvSpPr>
-          <p:nvPr>
-            <p:ph sz="half" idx="4" hasCustomPrompt="1"/>
-          </p:nvPr>
-        </p:nvSpPr>
-        <p:spPr>
-          <a:xfrm>
-            <a:off x="2877600" y="3481200"/>
-            <a:ext cx="2541600" cy="2055600"/>
-          </a:xfrm>
-        </p:spPr>
-        <p:txBody>
-          <a:bodyPr/>
-          <a:lstStyle>
-            <a:lvl1pPr>
-              <a:defRPr/>
-            </a:lvl1pPr>
-          </a:lstStyle>
-          <a:p>
-            <a:pPr lvl="0"/>
-            <a:r>
-              <a:rPr lang="en-US" noProof="1"/>
-              <a:t>Add Text </a:t>
-            </a:r>
-          </a:p>
-          <a:p>
-            <a:pPr lvl="1"/>
-            <a:r>
-              <a:rPr lang="en-US" noProof="1"/>
-              <a:t>Zweite Ebene</a:t>
-            </a:r>
-          </a:p>
-          <a:p>
-            <a:pPr lvl="2"/>
-            <a:r>
-              <a:rPr lang="en-US" noProof="1"/>
-              <a:t>Dritte Ebene</a:t>
-            </a:r>
-          </a:p>
-          <a:p>
-            <a:pPr lvl="3"/>
-            <a:r>
-              <a:rPr lang="en-US" noProof="1"/>
-              <a:t>Vierte Ebene</a:t>
-            </a:r>
-          </a:p>
-          <a:p>
-            <a:pPr lvl="4"/>
-            <a:r>
-              <a:rPr lang="en-US" noProof="1"/>
-              <a:t>Fünfte Ebene</a:t>
-            </a:r>
-          </a:p>
-        </p:txBody>
-      </p:sp>
-      <p:sp>
-        <p:nvSpPr>
-          <p:cNvPr id="22" name="Content Placeholder 7">
-            <a:extLst>
-              <a:ext uri="{FF2B5EF4-FFF2-40B4-BE49-F238E27FC236}">
-                <a16:creationId xmlns:a16="http://schemas.microsoft.com/office/drawing/2014/main" id="{B143799E-2832-49D7-9953-45BACACA7549}"/>
-              </a:ext>
-            </a:extLst>
-          </p:cNvPr>
-          <p:cNvSpPr>
-            <a:spLocks noGrp="1"/>
-          </p:cNvSpPr>
-          <p:nvPr>
-            <p:ph sz="half" idx="6" hasCustomPrompt="1"/>
-          </p:nvPr>
-        </p:nvSpPr>
-        <p:spPr>
-          <a:xfrm>
-            <a:off x="5550000" y="3481200"/>
-            <a:ext cx="2541600" cy="2055600"/>
-          </a:xfrm>
-        </p:spPr>
-        <p:txBody>
-          <a:bodyPr/>
-          <a:lstStyle>
-            <a:lvl1pPr>
-              <a:defRPr/>
-            </a:lvl1pPr>
-          </a:lstStyle>
-          <a:p>
-            <a:pPr lvl="0"/>
-            <a:r>
-              <a:rPr lang="en-US" noProof="1"/>
-              <a:t>Add Text </a:t>
-            </a:r>
-          </a:p>
-          <a:p>
-            <a:pPr lvl="1"/>
-            <a:r>
-              <a:rPr lang="en-US" noProof="1"/>
-              <a:t>Zweite Ebene</a:t>
-            </a:r>
-          </a:p>
-          <a:p>
-            <a:pPr lvl="2"/>
-            <a:r>
-              <a:rPr lang="en-US" noProof="1"/>
-              <a:t>Dritte Ebene</a:t>
-            </a:r>
-          </a:p>
-          <a:p>
-            <a:pPr lvl="3"/>
-            <a:r>
-              <a:rPr lang="en-US" noProof="1"/>
-              <a:t>Vierte Ebene</a:t>
-            </a:r>
-          </a:p>
-          <a:p>
-            <a:pPr lvl="4"/>
-            <a:r>
-              <a:rPr lang="en-US" noProof="1"/>
-              <a:t>Fünfte Ebene</a:t>
-            </a:r>
-          </a:p>
-        </p:txBody>
-      </p:sp>
-      <p:sp>
-        <p:nvSpPr>
-          <p:cNvPr id="23" name="Content Placeholder 8"/>
-          <p:cNvSpPr>
-            <a:spLocks noGrp="1"/>
-          </p:cNvSpPr>
-          <p:nvPr>
-            <p:ph sz="half" idx="8" hasCustomPrompt="1"/>
-          </p:nvPr>
-        </p:nvSpPr>
-        <p:spPr>
-          <a:xfrm>
-            <a:off x="8222400" y="3481200"/>
-            <a:ext cx="2541600" cy="2055600"/>
-          </a:xfrm>
-        </p:spPr>
-        <p:txBody>
-          <a:bodyPr/>
-          <a:lstStyle>
-            <a:lvl1pPr>
-              <a:defRPr/>
-            </a:lvl1pPr>
-          </a:lstStyle>
-          <a:p>
-            <a:pPr lvl="0"/>
-            <a:r>
-              <a:rPr lang="en-US" noProof="1"/>
-              <a:t>Add Text </a:t>
-            </a:r>
-          </a:p>
-          <a:p>
-            <a:pPr lvl="1"/>
-            <a:r>
-              <a:rPr lang="en-US" noProof="1"/>
-              <a:t>Zweite Ebene</a:t>
-            </a:r>
-          </a:p>
-          <a:p>
-            <a:pPr lvl="2"/>
-            <a:r>
-              <a:rPr lang="en-US" noProof="1"/>
-              <a:t>Dritte Ebene</a:t>
-            </a:r>
-          </a:p>
-          <a:p>
-            <a:pPr lvl="3"/>
-            <a:r>
-              <a:rPr lang="en-US" noProof="1"/>
-              <a:t>Vierte Ebene</a:t>
-            </a:r>
-          </a:p>
-          <a:p>
-            <a:pPr lvl="4"/>
-            <a:r>
-              <a:rPr lang="en-US" noProof="1"/>
-              <a:t>Fünfte Ebene</a:t>
-            </a:r>
-          </a:p>
-        </p:txBody>
-      </p:sp>
     </p:spTree>
   </p:cSld>
   <p:clrMapOvr>
     <a:masterClrMapping/>
   </p:clrMapOvr>
-  <p:extLst mod="1">
+  <p:extLst>
     <p:ext uri="{DCECCB84-F9BA-43D5-87BE-67443E8EF086}">
       <p15:sldGuideLst xmlns:p15="http://schemas.microsoft.com/office/powerpoint/2012/main">
         <p15:guide id="1" pos="128">
@@ -7842,36 +5330,6 @@
           </p15:clr>
         </p15:guide>
         <p15:guide id="9" orient="horz" pos="2192">
-          <p15:clr>
-            <a:srgbClr val="FBAE40"/>
-          </p15:clr>
-        </p15:guide>
-        <p15:guide id="10" pos="1731">
-          <p15:clr>
-            <a:srgbClr val="FBAE40"/>
-          </p15:clr>
-        </p15:guide>
-        <p15:guide id="11" pos="1810">
-          <p15:clr>
-            <a:srgbClr val="FBAE40"/>
-          </p15:clr>
-        </p15:guide>
-        <p15:guide id="12" pos="3416">
-          <p15:clr>
-            <a:srgbClr val="FBAE40"/>
-          </p15:clr>
-        </p15:guide>
-        <p15:guide id="13" pos="3497">
-          <p15:clr>
-            <a:srgbClr val="FBAE40"/>
-          </p15:clr>
-        </p15:guide>
-        <p15:guide id="14" pos="5098">
-          <p15:clr>
-            <a:srgbClr val="FBAE40"/>
-          </p15:clr>
-        </p15:guide>
-        <p15:guide id="15" pos="5177">
           <p15:clr>
             <a:srgbClr val="FBAE40"/>
           </p15:clr>
@@ -7883,11 +5341,11 @@
 </file>
 
 <file path=ppt/slideLayouts/slideLayout21.xml><?xml version="1.0" encoding="utf-8"?>
-<p:sldLayout xmlns:a="http://schemas.openxmlformats.org/drawingml/2006/main" xmlns:r="http://schemas.openxmlformats.org/officeDocument/2006/relationships" xmlns:p="http://schemas.openxmlformats.org/presentationml/2006/main" showMasterSp="0" matchingName="Headline only " userDrawn="1">
-  <p:cSld name="Headline only ">
+<p:sldLayout xmlns:a="http://schemas.openxmlformats.org/drawingml/2006/main" xmlns:r="http://schemas.openxmlformats.org/officeDocument/2006/relationships" xmlns:p="http://schemas.openxmlformats.org/presentationml/2006/main" showMasterSp="0" matchingName="2 x 2 Contents " userDrawn="1">
+  <p:cSld name="2 x 2 Contents ">
     <p:spTree>
       <p:nvGrpSpPr>
-        <p:cNvPr id="1" name="Shape 133"/>
+        <p:cNvPr id="1" name="Shape 99"/>
         <p:cNvGrpSpPr/>
         <p:nvPr/>
       </p:nvGrpSpPr>
@@ -7899,219 +5357,12 @@
           <a:chExt cx="0" cy="0"/>
         </a:xfrm>
       </p:grpSpPr>
-      <p:sp>
-        <p:nvSpPr>
-          <p:cNvPr id="137" name="Google Shape;137;p20"/>
-          <p:cNvSpPr txBox="1">
-            <a:spLocks noGrp="1"/>
-          </p:cNvSpPr>
-          <p:nvPr>
-            <p:ph type="sldNum" idx="12"/>
-          </p:nvPr>
-        </p:nvSpPr>
-        <p:spPr>
-          <a:xfrm>
-            <a:off x="205200" y="5666400"/>
-            <a:ext cx="288290" cy="410210"/>
-          </a:xfrm>
-          <a:prstGeom prst="rect">
-            <a:avLst/>
-          </a:prstGeom>
-          <a:noFill/>
-          <a:ln>
-            <a:noFill/>
-          </a:ln>
-        </p:spPr>
-        <p:txBody>
-          <a:bodyPr spcFirstLastPara="1" wrap="square" lIns="91425" tIns="45700" rIns="91425" bIns="45700" anchor="t" anchorCtr="0">
-            <a:noAutofit/>
-          </a:bodyPr>
-          <a:lstStyle>
-            <a:lvl1pPr marL="0" marR="0" lvl="0" indent="0" algn="l" rtl="0">
-              <a:spcBef>
-                <a:spcPts val="0"/>
-              </a:spcBef>
-              <a:spcAft>
-                <a:spcPts val="0"/>
-              </a:spcAft>
-              <a:buNone/>
-              <a:defRPr sz="1800">
-                <a:solidFill>
-                  <a:schemeClr val="dk1"/>
-                </a:solidFill>
-                <a:latin typeface="Arial"/>
-                <a:ea typeface="Arial"/>
-                <a:cs typeface="Arial"/>
-                <a:sym typeface="Arial"/>
-              </a:defRPr>
-            </a:lvl1pPr>
-            <a:lvl2pPr marL="0" marR="0" lvl="1" indent="0" algn="l" rtl="0">
-              <a:spcBef>
-                <a:spcPts val="0"/>
-              </a:spcBef>
-              <a:spcAft>
-                <a:spcPts val="0"/>
-              </a:spcAft>
-              <a:buNone/>
-              <a:defRPr sz="1800">
-                <a:solidFill>
-                  <a:schemeClr val="dk1"/>
-                </a:solidFill>
-                <a:latin typeface="Arial"/>
-                <a:ea typeface="Arial"/>
-                <a:cs typeface="Arial"/>
-                <a:sym typeface="Arial"/>
-              </a:defRPr>
-            </a:lvl2pPr>
-            <a:lvl3pPr marL="0" marR="0" lvl="2" indent="0" algn="l" rtl="0">
-              <a:spcBef>
-                <a:spcPts val="0"/>
-              </a:spcBef>
-              <a:spcAft>
-                <a:spcPts val="0"/>
-              </a:spcAft>
-              <a:buNone/>
-              <a:defRPr sz="1800">
-                <a:solidFill>
-                  <a:schemeClr val="dk1"/>
-                </a:solidFill>
-                <a:latin typeface="Arial"/>
-                <a:ea typeface="Arial"/>
-                <a:cs typeface="Arial"/>
-                <a:sym typeface="Arial"/>
-              </a:defRPr>
-            </a:lvl3pPr>
-            <a:lvl4pPr marL="0" marR="0" lvl="3" indent="0" algn="l" rtl="0">
-              <a:spcBef>
-                <a:spcPts val="0"/>
-              </a:spcBef>
-              <a:spcAft>
-                <a:spcPts val="0"/>
-              </a:spcAft>
-              <a:buNone/>
-              <a:defRPr sz="1800">
-                <a:solidFill>
-                  <a:schemeClr val="dk1"/>
-                </a:solidFill>
-                <a:latin typeface="Arial"/>
-                <a:ea typeface="Arial"/>
-                <a:cs typeface="Arial"/>
-                <a:sym typeface="Arial"/>
-              </a:defRPr>
-            </a:lvl4pPr>
-            <a:lvl5pPr marL="0" marR="0" lvl="4" indent="0" algn="l" rtl="0">
-              <a:spcBef>
-                <a:spcPts val="0"/>
-              </a:spcBef>
-              <a:spcAft>
-                <a:spcPts val="0"/>
-              </a:spcAft>
-              <a:buNone/>
-              <a:defRPr sz="1800">
-                <a:solidFill>
-                  <a:schemeClr val="dk1"/>
-                </a:solidFill>
-                <a:latin typeface="Arial"/>
-                <a:ea typeface="Arial"/>
-                <a:cs typeface="Arial"/>
-                <a:sym typeface="Arial"/>
-              </a:defRPr>
-            </a:lvl5pPr>
-            <a:lvl6pPr marL="0" marR="0" lvl="5" indent="0" algn="l" rtl="0">
-              <a:spcBef>
-                <a:spcPts val="0"/>
-              </a:spcBef>
-              <a:spcAft>
-                <a:spcPts val="0"/>
-              </a:spcAft>
-              <a:buNone/>
-              <a:defRPr sz="1800">
-                <a:solidFill>
-                  <a:schemeClr val="dk1"/>
-                </a:solidFill>
-                <a:latin typeface="Arial"/>
-                <a:ea typeface="Arial"/>
-                <a:cs typeface="Arial"/>
-                <a:sym typeface="Arial"/>
-              </a:defRPr>
-            </a:lvl6pPr>
-            <a:lvl7pPr marL="0" marR="0" lvl="6" indent="0" algn="l" rtl="0">
-              <a:spcBef>
-                <a:spcPts val="0"/>
-              </a:spcBef>
-              <a:spcAft>
-                <a:spcPts val="0"/>
-              </a:spcAft>
-              <a:buNone/>
-              <a:defRPr sz="1800">
-                <a:solidFill>
-                  <a:schemeClr val="dk1"/>
-                </a:solidFill>
-                <a:latin typeface="Arial"/>
-                <a:ea typeface="Arial"/>
-                <a:cs typeface="Arial"/>
-                <a:sym typeface="Arial"/>
-              </a:defRPr>
-            </a:lvl7pPr>
-            <a:lvl8pPr marL="0" marR="0" lvl="7" indent="0" algn="l" rtl="0">
-              <a:spcBef>
-                <a:spcPts val="0"/>
-              </a:spcBef>
-              <a:spcAft>
-                <a:spcPts val="0"/>
-              </a:spcAft>
-              <a:buNone/>
-              <a:defRPr sz="1800">
-                <a:solidFill>
-                  <a:schemeClr val="dk1"/>
-                </a:solidFill>
-                <a:latin typeface="Arial"/>
-                <a:ea typeface="Arial"/>
-                <a:cs typeface="Arial"/>
-                <a:sym typeface="Arial"/>
-              </a:defRPr>
-            </a:lvl8pPr>
-            <a:lvl9pPr marL="0" marR="0" lvl="8" indent="0" algn="l" rtl="0">
-              <a:spcBef>
-                <a:spcPts val="0"/>
-              </a:spcBef>
-              <a:spcAft>
-                <a:spcPts val="0"/>
-              </a:spcAft>
-              <a:buNone/>
-              <a:defRPr sz="1800">
-                <a:solidFill>
-                  <a:schemeClr val="dk1"/>
-                </a:solidFill>
-                <a:latin typeface="Arial"/>
-                <a:ea typeface="Arial"/>
-                <a:cs typeface="Arial"/>
-                <a:sym typeface="Arial"/>
-              </a:defRPr>
-            </a:lvl9pPr>
-          </a:lstStyle>
-          <a:p>
-            <a:pPr marL="0" lvl="0" indent="0" algn="l" rtl="0">
-              <a:spcBef>
-                <a:spcPts val="0"/>
-              </a:spcBef>
-              <a:spcAft>
-                <a:spcPts val="0"/>
-              </a:spcAft>
-              <a:buNone/>
-            </a:pPr>
-            <a:fld id="{00000000-1234-1234-1234-123412341234}" type="slidenum">
-              <a:rPr lang="de-DE"/>
-              <a:t>‹#›</a:t>
-            </a:fld>
-            <a:endParaRPr/>
-          </a:p>
-        </p:txBody>
-      </p:sp>
       <p:pic>
         <p:nvPicPr>
-          <p:cNvPr id="138" name="Google Shape;138;p20" descr="fit@hcmus · GitHub"/>
-          <p:cNvPicPr preferRelativeResize="0"/>
+          <p:cNvPr id="108" name="Logo" descr="fit@hcmus · GitHub"/>
+          <p:cNvPicPr preferRelativeResize="0">
+            <a:picLocks noGrp="1" noRot="1" noMove="1" noResize="1" noEditPoints="1" noAdjustHandles="1" noChangeArrowheads="1" noChangeShapeType="1" noCrop="1"/>
+          </p:cNvPicPr>
           <p:nvPr/>
         </p:nvPicPr>
         <p:blipFill rotWithShape="1">
@@ -8123,8 +5374,8 @@
         </p:blipFill>
         <p:spPr>
           <a:xfrm>
-            <a:off x="9220242" y="5471257"/>
-            <a:ext cx="1695408" cy="699356"/>
+            <a:off x="9740495" y="5589158"/>
+            <a:ext cx="1092317" cy="450581"/>
           </a:xfrm>
           <a:prstGeom prst="rect">
             <a:avLst/>
@@ -8137,7 +5388,7 @@
       </p:pic>
       <p:sp>
         <p:nvSpPr>
-          <p:cNvPr id="7" name="Chapter_titleonly"/>
+          <p:cNvPr id="11" name="Chapter Title"/>
           <p:cNvSpPr>
             <a:spLocks noGrp="1"/>
           </p:cNvSpPr>
@@ -8193,7 +5444,7 @@
       </p:sp>
       <p:sp>
         <p:nvSpPr>
-          <p:cNvPr id="8" name="Title 4">
+          <p:cNvPr id="12" name="Slide Title">
             <a:extLst>
               <a:ext uri="{FF2B5EF4-FFF2-40B4-BE49-F238E27FC236}">
                 <a16:creationId xmlns:a16="http://schemas.microsoft.com/office/drawing/2014/main" id="{5CC74776-286D-45CF-B42A-A491ED08BED4}"/>
@@ -8221,152 +5472,246 @@
           </a:p>
         </p:txBody>
       </p:sp>
-    </p:spTree>
-  </p:cSld>
-  <p:clrMapOvr>
-    <a:masterClrMapping/>
-  </p:clrMapOvr>
-  <p:extLst mod="1">
-    <p:ext uri="{DCECCB84-F9BA-43D5-87BE-67443E8EF086}">
-      <p15:sldGuideLst xmlns:p15="http://schemas.microsoft.com/office/powerpoint/2012/main">
-        <p15:guide id="1" pos="128">
-          <p15:clr>
-            <a:srgbClr val="FBAE40"/>
-          </p15:clr>
-        </p15:guide>
-        <p15:guide id="2" pos="6784">
-          <p15:clr>
-            <a:srgbClr val="FBAE40"/>
-          </p15:clr>
-        </p15:guide>
-        <p15:guide id="3" orient="horz" pos="162">
-          <p15:clr>
-            <a:srgbClr val="FBAE40"/>
-          </p15:clr>
-        </p15:guide>
-        <p15:guide id="4" orient="horz" pos="408">
-          <p15:clr>
-            <a:srgbClr val="FBAE40"/>
-          </p15:clr>
-        </p15:guide>
-        <p15:guide id="5" orient="horz" pos="654">
-          <p15:clr>
-            <a:srgbClr val="FBAE40"/>
-          </p15:clr>
-        </p15:guide>
-        <p15:guide id="6" orient="horz" pos="816">
-          <p15:clr>
-            <a:srgbClr val="FBAE40"/>
-          </p15:clr>
-        </p15:guide>
-        <p15:guide id="7" orient="horz" pos="3489">
-          <p15:clr>
-            <a:srgbClr val="FBAE40"/>
-          </p15:clr>
-        </p15:guide>
-      </p15:sldGuideLst>
-    </p:ext>
-  </p:extLst>
-</p:sldLayout>
-</file>
-
-<file path=ppt/slideLayouts/slideLayout22.xml><?xml version="1.0" encoding="utf-8"?>
-<p:sldLayout xmlns:a="http://schemas.openxmlformats.org/drawingml/2006/main" xmlns:r="http://schemas.openxmlformats.org/officeDocument/2006/relationships" xmlns:p="http://schemas.openxmlformats.org/presentationml/2006/main" showMasterSp="0" matchingName="Blank slide " type="blank">
-  <p:cSld name="BLANK">
-    <p:spTree>
-      <p:nvGrpSpPr>
-        <p:cNvPr id="1" name="Shape 139"/>
-        <p:cNvGrpSpPr/>
-        <p:nvPr/>
-      </p:nvGrpSpPr>
-      <p:grpSpPr>
-        <a:xfrm>
-          <a:off x="0" y="0"/>
-          <a:ext cx="0" cy="0"/>
-          <a:chOff x="0" y="0"/>
-          <a:chExt cx="0" cy="0"/>
-        </a:xfrm>
-      </p:grpSpPr>
       <p:sp>
         <p:nvSpPr>
-          <p:cNvPr id="140" name="Google Shape;140;p21"/>
-          <p:cNvSpPr/>
-          <p:nvPr/>
+          <p:cNvPr id="13" name="Content Placeholder 1"/>
+          <p:cNvSpPr>
+            <a:spLocks noGrp="1"/>
+          </p:cNvSpPr>
+          <p:nvPr>
+            <p:ph sz="half" idx="1" hasCustomPrompt="1"/>
+          </p:nvPr>
         </p:nvSpPr>
         <p:spPr>
           <a:xfrm>
-            <a:off x="9224010" y="259080"/>
-            <a:ext cx="1691640" cy="777240"/>
-          </a:xfrm>
-          <a:prstGeom prst="rect">
-            <a:avLst/>
-          </a:prstGeom>
-          <a:noFill/>
-          <a:ln>
-            <a:noFill/>
-          </a:ln>
+            <a:off x="205200" y="1296000"/>
+            <a:ext cx="4914000" cy="2055600"/>
+          </a:xfrm>
         </p:spPr>
         <p:txBody>
-          <a:bodyPr spcFirstLastPara="1" wrap="square" lIns="0" tIns="17775" rIns="0" bIns="0" anchor="t" anchorCtr="0">
-            <a:normAutofit/>
-          </a:bodyPr>
-          <a:lstStyle/>
-          <a:p>
-            <a:pPr marL="0" marR="0" lvl="0" indent="0" algn="l" rtl="0">
-              <a:lnSpc>
-                <a:spcPct val="163636"/>
-              </a:lnSpc>
-              <a:spcBef>
-                <a:spcPts val="0"/>
-              </a:spcBef>
-              <a:spcAft>
-                <a:spcPts val="0"/>
-              </a:spcAft>
-              <a:buNone/>
-            </a:pPr>
-            <a:r>
-              <a:rPr lang="de-DE" sz="550" b="0" i="0" u="none" strike="noStrike">
-                <a:solidFill>
-                  <a:srgbClr val="000000"/>
-                </a:solidFill>
-                <a:latin typeface="Arial"/>
-                <a:ea typeface="Arial"/>
-                <a:cs typeface="Arial"/>
-                <a:sym typeface="Arial"/>
-              </a:rPr>
-              <a:t> </a:t>
-            </a:r>
-            <a:endParaRPr/>
+          <a:bodyPr/>
+          <a:lstStyle>
+            <a:lvl1pPr>
+              <a:defRPr/>
+            </a:lvl1pPr>
+          </a:lstStyle>
+          <a:p>
+            <a:pPr lvl="0"/>
+            <a:r>
+              <a:rPr lang="en-US" noProof="1"/>
+              <a:t>Add Text </a:t>
+            </a:r>
+          </a:p>
+          <a:p>
+            <a:pPr lvl="1"/>
+            <a:r>
+              <a:rPr lang="en-US" noProof="1"/>
+              <a:t>Zweite Ebene</a:t>
+            </a:r>
+          </a:p>
+          <a:p>
+            <a:pPr lvl="2"/>
+            <a:r>
+              <a:rPr lang="en-US" noProof="1"/>
+              <a:t>Dritte Ebene</a:t>
+            </a:r>
+          </a:p>
+          <a:p>
+            <a:pPr lvl="3"/>
+            <a:r>
+              <a:rPr lang="en-US" noProof="1"/>
+              <a:t>Vierte Ebene</a:t>
+            </a:r>
+          </a:p>
+          <a:p>
+            <a:pPr lvl="4"/>
+            <a:r>
+              <a:rPr lang="en-US" noProof="1"/>
+              <a:t>Fünfte Ebene</a:t>
+            </a:r>
           </a:p>
         </p:txBody>
       </p:sp>
-      <p:pic>
-        <p:nvPicPr>
-          <p:cNvPr id="141" name="Google Shape;141;p21" descr="fit@hcmus · GitHub"/>
-          <p:cNvPicPr preferRelativeResize="0"/>
-          <p:nvPr/>
-        </p:nvPicPr>
-        <p:blipFill rotWithShape="1">
-          <a:blip r:embed="rId2">
-            <a:alphaModFix/>
-          </a:blip>
-          <a:srcRect/>
-          <a:stretch/>
-        </p:blipFill>
-        <p:spPr>
-          <a:xfrm>
-            <a:off x="9740495" y="5589158"/>
-            <a:ext cx="1092317" cy="450581"/>
-          </a:xfrm>
-          <a:prstGeom prst="rect">
-            <a:avLst/>
-          </a:prstGeom>
-          <a:noFill/>
-          <a:ln>
-            <a:noFill/>
-          </a:ln>
-        </p:spPr>
-      </p:pic>
+      <p:sp>
+        <p:nvSpPr>
+          <p:cNvPr id="14" name="Content Placeholder 2"/>
+          <p:cNvSpPr>
+            <a:spLocks noGrp="1"/>
+          </p:cNvSpPr>
+          <p:nvPr>
+            <p:ph sz="half" idx="3" hasCustomPrompt="1"/>
+          </p:nvPr>
+        </p:nvSpPr>
+        <p:spPr>
+          <a:xfrm>
+            <a:off x="5850000" y="1295999"/>
+            <a:ext cx="4914000" cy="2055600"/>
+          </a:xfrm>
+        </p:spPr>
+        <p:txBody>
+          <a:bodyPr/>
+          <a:lstStyle>
+            <a:lvl1pPr>
+              <a:defRPr/>
+            </a:lvl1pPr>
+          </a:lstStyle>
+          <a:p>
+            <a:pPr lvl="0"/>
+            <a:r>
+              <a:rPr lang="en-US" noProof="1"/>
+              <a:t>Add Text </a:t>
+            </a:r>
+          </a:p>
+          <a:p>
+            <a:pPr lvl="1"/>
+            <a:r>
+              <a:rPr lang="en-US" noProof="1"/>
+              <a:t>Zweite Ebene</a:t>
+            </a:r>
+          </a:p>
+          <a:p>
+            <a:pPr lvl="2"/>
+            <a:r>
+              <a:rPr lang="en-US" noProof="1"/>
+              <a:t>Dritte Ebene</a:t>
+            </a:r>
+          </a:p>
+          <a:p>
+            <a:pPr lvl="3"/>
+            <a:r>
+              <a:rPr lang="en-US" noProof="1"/>
+              <a:t>Vierte Ebene</a:t>
+            </a:r>
+          </a:p>
+          <a:p>
+            <a:pPr lvl="4"/>
+            <a:r>
+              <a:rPr lang="en-US" noProof="1"/>
+              <a:t>Fünfte Ebene</a:t>
+            </a:r>
+          </a:p>
+        </p:txBody>
+      </p:sp>
+      <p:sp>
+        <p:nvSpPr>
+          <p:cNvPr id="15" name="Content Placeholder 3"/>
+          <p:cNvSpPr>
+            <a:spLocks noGrp="1"/>
+          </p:cNvSpPr>
+          <p:nvPr>
+            <p:ph sz="half" idx="2" hasCustomPrompt="1"/>
+          </p:nvPr>
+        </p:nvSpPr>
+        <p:spPr>
+          <a:xfrm>
+            <a:off x="205200" y="3481200"/>
+            <a:ext cx="4914000" cy="2055600"/>
+          </a:xfrm>
+        </p:spPr>
+        <p:txBody>
+          <a:bodyPr/>
+          <a:lstStyle>
+            <a:lvl1pPr>
+              <a:defRPr/>
+            </a:lvl1pPr>
+          </a:lstStyle>
+          <a:p>
+            <a:pPr lvl="0"/>
+            <a:r>
+              <a:rPr lang="en-US" noProof="1"/>
+              <a:t>Add Text </a:t>
+            </a:r>
+          </a:p>
+          <a:p>
+            <a:pPr lvl="1"/>
+            <a:r>
+              <a:rPr lang="en-US" noProof="1"/>
+              <a:t>Zweite Ebene</a:t>
+            </a:r>
+          </a:p>
+          <a:p>
+            <a:pPr lvl="2"/>
+            <a:r>
+              <a:rPr lang="en-US" noProof="1"/>
+              <a:t>Dritte Ebene</a:t>
+            </a:r>
+          </a:p>
+          <a:p>
+            <a:pPr lvl="3"/>
+            <a:r>
+              <a:rPr lang="en-US" noProof="1"/>
+              <a:t>Vierte Ebene</a:t>
+            </a:r>
+          </a:p>
+          <a:p>
+            <a:pPr lvl="4"/>
+            <a:r>
+              <a:rPr lang="en-US" noProof="1"/>
+              <a:t>Fünfte Ebene</a:t>
+            </a:r>
+          </a:p>
+        </p:txBody>
+      </p:sp>
+      <p:sp>
+        <p:nvSpPr>
+          <p:cNvPr id="16" name="Content Placeholder 4"/>
+          <p:cNvSpPr>
+            <a:spLocks noGrp="1"/>
+          </p:cNvSpPr>
+          <p:nvPr>
+            <p:ph sz="half" idx="4" hasCustomPrompt="1"/>
+          </p:nvPr>
+        </p:nvSpPr>
+        <p:spPr>
+          <a:xfrm>
+            <a:off x="5850000" y="3481200"/>
+            <a:ext cx="4914000" cy="2055600"/>
+          </a:xfrm>
+        </p:spPr>
+        <p:txBody>
+          <a:bodyPr/>
+          <a:lstStyle>
+            <a:lvl1pPr>
+              <a:defRPr/>
+            </a:lvl1pPr>
+          </a:lstStyle>
+          <a:p>
+            <a:pPr lvl="0"/>
+            <a:r>
+              <a:rPr lang="en-US" noProof="1"/>
+              <a:t>Add Text </a:t>
+            </a:r>
+          </a:p>
+          <a:p>
+            <a:pPr lvl="1"/>
+            <a:r>
+              <a:rPr lang="en-US" noProof="1"/>
+              <a:t>Zweite Ebene</a:t>
+            </a:r>
+          </a:p>
+          <a:p>
+            <a:pPr lvl="2"/>
+            <a:r>
+              <a:rPr lang="en-US" noProof="1"/>
+              <a:t>Dritte Ebene</a:t>
+            </a:r>
+          </a:p>
+          <a:p>
+            <a:pPr lvl="3"/>
+            <a:r>
+              <a:rPr lang="en-US" noProof="1"/>
+              <a:t>Vierte Ebene</a:t>
+            </a:r>
+          </a:p>
+          <a:p>
+            <a:pPr lvl="4"/>
+            <a:r>
+              <a:rPr lang="en-US" noProof="1"/>
+              <a:t>Fünfte Ebene</a:t>
+            </a:r>
+          </a:p>
+        </p:txBody>
+      </p:sp>
     </p:spTree>
   </p:cSld>
   <p:clrMapOvr>
@@ -8390,7 +5735,42 @@
             <a:srgbClr val="FBAE40"/>
           </p15:clr>
         </p15:guide>
-        <p15:guide id="4" orient="horz" pos="3489">
+        <p15:guide id="4" orient="horz" pos="408">
+          <p15:clr>
+            <a:srgbClr val="FBAE40"/>
+          </p15:clr>
+        </p15:guide>
+        <p15:guide id="5" orient="horz" pos="654">
+          <p15:clr>
+            <a:srgbClr val="FBAE40"/>
+          </p15:clr>
+        </p15:guide>
+        <p15:guide id="6" orient="horz" pos="816">
+          <p15:clr>
+            <a:srgbClr val="FBAE40"/>
+          </p15:clr>
+        </p15:guide>
+        <p15:guide id="7" orient="horz" pos="3489">
+          <p15:clr>
+            <a:srgbClr val="FBAE40"/>
+          </p15:clr>
+        </p15:guide>
+        <p15:guide id="8" orient="horz" pos="2113">
+          <p15:clr>
+            <a:srgbClr val="FBAE40"/>
+          </p15:clr>
+        </p15:guide>
+        <p15:guide id="9" orient="horz" pos="2192">
+          <p15:clr>
+            <a:srgbClr val="FBAE40"/>
+          </p15:clr>
+        </p15:guide>
+        <p15:guide id="10" pos="3225">
+          <p15:clr>
+            <a:srgbClr val="FBAE40"/>
+          </p15:clr>
+        </p15:guide>
+        <p15:guide id="11" pos="3683">
           <p15:clr>
             <a:srgbClr val="FBAE40"/>
           </p15:clr>
@@ -8420,8 +5800,10 @@
       </p:grpSpPr>
       <p:sp>
         <p:nvSpPr>
-          <p:cNvPr id="26" name="Google Shape;26;p4"/>
-          <p:cNvSpPr/>
+          <p:cNvPr id="26" name="Banner"/>
+          <p:cNvSpPr>
+            <a:spLocks noGrp="1" noRot="1" noMove="1" noResize="1" noEditPoints="1" noAdjustHandles="1" noChangeArrowheads="1" noChangeShapeType="1"/>
+          </p:cNvSpPr>
           <p:nvPr userDrawn="1"/>
         </p:nvSpPr>
         <p:spPr>
@@ -8476,8 +5858,10 @@
       </p:sp>
       <p:pic>
         <p:nvPicPr>
-          <p:cNvPr id="28" name="Google Shape;28;p4" descr="fit@hcmus · GitHub"/>
-          <p:cNvPicPr preferRelativeResize="0"/>
+          <p:cNvPr id="28" name="Logo" descr="fit@hcmus · GitHub"/>
+          <p:cNvPicPr preferRelativeResize="0">
+            <a:picLocks noGrp="1" noRot="1" noMove="1" noResize="1" noEditPoints="1" noAdjustHandles="1" noChangeArrowheads="1" noChangeShapeType="1" noCrop="1"/>
+          </p:cNvPicPr>
           <p:nvPr/>
         </p:nvPicPr>
         <p:blipFill rotWithShape="1">
@@ -8550,16 +5934,15 @@
           </a:lstStyle>
           <a:p>
             <a:r>
-              <a:rPr lang="en-US" noProof="1" smtClean="0"/>
+              <a:rPr lang="en-US" noProof="1"/>
               <a:t>Chapter title</a:t>
             </a:r>
-            <a:endParaRPr lang="en-US" noProof="1"/>
           </a:p>
         </p:txBody>
       </p:sp>
       <p:sp>
         <p:nvSpPr>
-          <p:cNvPr id="9" name="Text Placeholder 3">
+          <p:cNvPr id="9" name="Chaper Number">
             <a:extLst>
               <a:ext uri="{FF2B5EF4-FFF2-40B4-BE49-F238E27FC236}">
                 <a16:creationId xmlns:a16="http://schemas.microsoft.com/office/drawing/2014/main" id="{D9EAE105-4DC3-4775-A78C-B758C32ACFF6}"/>
@@ -8621,10 +6004,9 @@
           <a:p>
             <a:pPr lvl="0"/>
             <a:r>
-              <a:rPr lang="en-US" dirty="0" smtClean="0"/>
+              <a:rPr lang="en-US" dirty="0"/>
               <a:t>01</a:t>
             </a:r>
-            <a:endParaRPr lang="en-US" dirty="0"/>
           </a:p>
         </p:txBody>
       </p:sp>
@@ -8633,7 +6015,7 @@
   <p:clrMapOvr>
     <a:masterClrMapping/>
   </p:clrMapOvr>
-  <p:extLst mod="1">
+  <p:extLst>
     <p:ext uri="{DCECCB84-F9BA-43D5-87BE-67443E8EF086}">
       <p15:sldGuideLst xmlns:p15="http://schemas.microsoft.com/office/powerpoint/2012/main">
         <p15:guide id="1" pos="342">
@@ -8681,8 +6063,10 @@
       </p:grpSpPr>
       <p:sp>
         <p:nvSpPr>
-          <p:cNvPr id="31" name="Google Shape;31;p5"/>
-          <p:cNvSpPr/>
+          <p:cNvPr id="31" name="Banner"/>
+          <p:cNvSpPr>
+            <a:spLocks noGrp="1" noRot="1" noMove="1" noResize="1" noEditPoints="1" noAdjustHandles="1" noChangeArrowheads="1" noChangeShapeType="1"/>
+          </p:cNvSpPr>
           <p:nvPr/>
         </p:nvSpPr>
         <p:spPr>
@@ -8737,8 +6121,10 @@
       </p:sp>
       <p:pic>
         <p:nvPicPr>
-          <p:cNvPr id="33" name="Google Shape;33;p5" descr="fit@hcmus · GitHub"/>
-          <p:cNvPicPr preferRelativeResize="0"/>
+          <p:cNvPr id="33" name="Logo" descr="fit@hcmus · GitHub"/>
+          <p:cNvPicPr preferRelativeResize="0">
+            <a:picLocks noGrp="1" noRot="1" noMove="1" noResize="1" noEditPoints="1" noAdjustHandles="1" noChangeArrowheads="1" noChangeShapeType="1" noCrop="1"/>
+          </p:cNvPicPr>
           <p:nvPr/>
         </p:nvPicPr>
         <p:blipFill rotWithShape="1">
@@ -8811,16 +6197,15 @@
           </a:lstStyle>
           <a:p>
             <a:r>
-              <a:rPr lang="en-US" noProof="1" smtClean="0"/>
+              <a:rPr lang="en-US" noProof="1"/>
               <a:t>Chapter title</a:t>
             </a:r>
-            <a:endParaRPr lang="en-US" noProof="1"/>
           </a:p>
         </p:txBody>
       </p:sp>
       <p:sp>
         <p:nvSpPr>
-          <p:cNvPr id="7" name="Text Placeholder 3">
+          <p:cNvPr id="7" name="Chapter Number">
             <a:extLst>
               <a:ext uri="{FF2B5EF4-FFF2-40B4-BE49-F238E27FC236}">
                 <a16:creationId xmlns:a16="http://schemas.microsoft.com/office/drawing/2014/main" id="{D9EAE105-4DC3-4775-A78C-B758C32ACFF6}"/>
@@ -8882,10 +6267,9 @@
           <a:p>
             <a:pPr lvl="0"/>
             <a:r>
-              <a:rPr lang="en-US" dirty="0" smtClean="0"/>
+              <a:rPr lang="en-US" dirty="0"/>
               <a:t>01</a:t>
             </a:r>
-            <a:endParaRPr lang="en-US" dirty="0"/>
           </a:p>
         </p:txBody>
       </p:sp>
@@ -8894,7 +6278,7 @@
   <p:clrMapOvr>
     <a:masterClrMapping/>
   </p:clrMapOvr>
-  <p:extLst mod="1">
+  <p:extLst>
     <p:ext uri="{DCECCB84-F9BA-43D5-87BE-67443E8EF086}">
       <p15:sldGuideLst xmlns:p15="http://schemas.microsoft.com/office/powerpoint/2012/main">
         <p15:guide id="1" pos="2064">
@@ -8947,8 +6331,10 @@
       </p:grpSpPr>
       <p:pic>
         <p:nvPicPr>
-          <p:cNvPr id="36" name="Google Shape;36;p6" descr="fit@hcmus · GitHub"/>
-          <p:cNvPicPr preferRelativeResize="0"/>
+          <p:cNvPr id="36" name="Logo" descr="fit@hcmus · GitHub"/>
+          <p:cNvPicPr preferRelativeResize="0">
+            <a:picLocks noGrp="1" noRot="1" noMove="1" noResize="1" noEditPoints="1" noAdjustHandles="1" noChangeArrowheads="1" noChangeShapeType="1" noCrop="1"/>
+          </p:cNvPicPr>
           <p:nvPr/>
         </p:nvPicPr>
         <p:blipFill rotWithShape="1">
@@ -8990,8 +6376,8 @@
         </p:nvSpPr>
         <p:spPr>
           <a:xfrm>
-            <a:off x="457201" y="430731"/>
-            <a:ext cx="10016358" cy="5158427"/>
+            <a:off x="457201" y="865414"/>
+            <a:ext cx="10016358" cy="4723744"/>
           </a:xfrm>
           <a:blipFill dpi="0" rotWithShape="1">
             <a:blip r:embed="rId3">
@@ -9023,12 +6409,74 @@
           </a:p>
         </p:txBody>
       </p:sp>
+      <p:sp>
+        <p:nvSpPr>
+          <p:cNvPr id="2" name="Chapter_title">
+            <a:extLst>
+              <a:ext uri="{FF2B5EF4-FFF2-40B4-BE49-F238E27FC236}">
+                <a16:creationId xmlns:a16="http://schemas.microsoft.com/office/drawing/2014/main" id="{C60446EF-ACEA-14E6-14E9-4F29361E4076}"/>
+              </a:ext>
+            </a:extLst>
+          </p:cNvPr>
+          <p:cNvSpPr>
+            <a:spLocks noGrp="1"/>
+          </p:cNvSpPr>
+          <p:nvPr>
+            <p:ph type="body" sz="quarter" idx="15"/>
+          </p:nvPr>
+        </p:nvSpPr>
+        <p:spPr>
+          <a:xfrm>
+            <a:off x="205200" y="259200"/>
+            <a:ext cx="10558800" cy="388800"/>
+          </a:xfrm>
+        </p:spPr>
+        <p:txBody>
+          <a:bodyPr/>
+          <a:lstStyle>
+            <a:lvl1pPr marL="0" indent="0">
+              <a:lnSpc>
+                <a:spcPct val="89000"/>
+              </a:lnSpc>
+              <a:spcBef>
+                <a:spcPts val="0"/>
+              </a:spcBef>
+              <a:buNone/>
+              <a:defRPr sz="2800" kern="0" baseline="0">
+                <a:solidFill>
+                  <a:schemeClr val="tx1"/>
+                </a:solidFill>
+              </a:defRPr>
+            </a:lvl1pPr>
+            <a:lvl2pPr marL="233983" indent="0">
+              <a:buNone/>
+              <a:defRPr sz="2800"/>
+            </a:lvl2pPr>
+            <a:lvl3pPr marL="525562" indent="0">
+              <a:buNone/>
+              <a:defRPr sz="2800"/>
+            </a:lvl3pPr>
+            <a:lvl4pPr marL="748745" indent="0">
+              <a:buNone/>
+              <a:defRPr sz="2800"/>
+            </a:lvl4pPr>
+            <a:lvl5pPr marL="748745" indent="0">
+              <a:buNone/>
+              <a:defRPr sz="2800"/>
+            </a:lvl5pPr>
+          </a:lstStyle>
+          <a:p>
+            <a:pPr lvl="0"/>
+            <a:endParaRPr lang="en-US" noProof="1"/>
+          </a:p>
+        </p:txBody>
+      </p:sp>
     </p:spTree>
   </p:cSld>
   <p:clrMapOvr>
     <a:masterClrMapping/>
   </p:clrMapOvr>
-  <p:extLst mod="1">
+  <p:extLst>
     <p:ext uri="{DCECCB84-F9BA-43D5-87BE-67443E8EF086}">
       <p15:sldGuideLst xmlns:p15="http://schemas.microsoft.com/office/powerpoint/2012/main">
         <p15:guide id="1" orient="horz" pos="3489">
@@ -9043,6 +6491,345 @@
 </file>
 
 <file path=ppt/slideLayouts/slideLayout6.xml><?xml version="1.0" encoding="utf-8"?>
+<p:sldLayout xmlns:a="http://schemas.openxmlformats.org/drawingml/2006/main" xmlns:r="http://schemas.openxmlformats.org/officeDocument/2006/relationships" xmlns:p="http://schemas.openxmlformats.org/presentationml/2006/main" preserve="1" userDrawn="1">
+  <p:cSld name="Reverse vertical split">
+    <p:spTree>
+      <p:nvGrpSpPr>
+        <p:cNvPr id="1" name=""/>
+        <p:cNvGrpSpPr/>
+        <p:nvPr/>
+      </p:nvGrpSpPr>
+      <p:grpSpPr>
+        <a:xfrm>
+          <a:off x="0" y="0"/>
+          <a:ext cx="0" cy="0"/>
+          <a:chOff x="0" y="0"/>
+          <a:chExt cx="0" cy="0"/>
+        </a:xfrm>
+      </p:grpSpPr>
+      <p:sp>
+        <p:nvSpPr>
+          <p:cNvPr id="9" name="Content"/>
+          <p:cNvSpPr txBox="1">
+            <a:spLocks noGrp="1"/>
+          </p:cNvSpPr>
+          <p:nvPr>
+            <p:ph type="body" idx="1" hasCustomPrompt="1"/>
+          </p:nvPr>
+        </p:nvSpPr>
+        <p:spPr>
+          <a:xfrm>
+            <a:off x="634875" y="808264"/>
+            <a:ext cx="4596486" cy="4796854"/>
+          </a:xfrm>
+          <a:prstGeom prst="rect">
+            <a:avLst/>
+          </a:prstGeom>
+          <a:noFill/>
+          <a:ln>
+            <a:noFill/>
+          </a:ln>
+        </p:spPr>
+        <p:txBody>
+          <a:bodyPr spcFirstLastPara="1" wrap="square" lIns="0" tIns="0" rIns="0" bIns="0" anchor="t" anchorCtr="0">
+            <a:normAutofit/>
+          </a:bodyPr>
+          <a:lstStyle>
+            <a:lvl1pPr marL="514350" lvl="0" indent="-285750" algn="l">
+              <a:lnSpc>
+                <a:spcPct val="107000"/>
+              </a:lnSpc>
+              <a:spcBef>
+                <a:spcPts val="500"/>
+              </a:spcBef>
+              <a:spcAft>
+                <a:spcPts val="0"/>
+              </a:spcAft>
+              <a:buClr>
+                <a:schemeClr val="dk1"/>
+              </a:buClr>
+              <a:buSzPts val="1800"/>
+              <a:buFont typeface="Wingdings" panose="05000000000000000000" pitchFamily="2" charset="2"/>
+              <a:buChar char="Ø"/>
+              <a:defRPr/>
+            </a:lvl1pPr>
+            <a:lvl2pPr marL="914400" lvl="1" indent="-228600" algn="l">
+              <a:lnSpc>
+                <a:spcPct val="103000"/>
+              </a:lnSpc>
+              <a:spcBef>
+                <a:spcPts val="500"/>
+              </a:spcBef>
+              <a:spcAft>
+                <a:spcPts val="0"/>
+              </a:spcAft>
+              <a:buClr>
+                <a:schemeClr val="dk1"/>
+              </a:buClr>
+              <a:buSzPts val="1600"/>
+              <a:buFont typeface="Arial"/>
+              <a:buNone/>
+              <a:defRPr/>
+            </a:lvl2pPr>
+            <a:lvl3pPr marL="1371600" lvl="2" indent="-228600" algn="l">
+              <a:lnSpc>
+                <a:spcPct val="102000"/>
+              </a:lnSpc>
+              <a:spcBef>
+                <a:spcPts val="500"/>
+              </a:spcBef>
+              <a:spcAft>
+                <a:spcPts val="0"/>
+              </a:spcAft>
+              <a:buClr>
+                <a:schemeClr val="dk1"/>
+              </a:buClr>
+              <a:buSzPts val="1400"/>
+              <a:buFont typeface="Arial"/>
+              <a:buNone/>
+              <a:defRPr/>
+            </a:lvl3pPr>
+            <a:lvl4pPr marL="1828800" lvl="3" indent="-228600" algn="l">
+              <a:lnSpc>
+                <a:spcPct val="103000"/>
+              </a:lnSpc>
+              <a:spcBef>
+                <a:spcPts val="500"/>
+              </a:spcBef>
+              <a:spcAft>
+                <a:spcPts val="0"/>
+              </a:spcAft>
+              <a:buClr>
+                <a:schemeClr val="dk1"/>
+              </a:buClr>
+              <a:buSzPts val="1300"/>
+              <a:buFont typeface="Arial"/>
+              <a:buNone/>
+              <a:defRPr/>
+            </a:lvl4pPr>
+            <a:lvl5pPr marL="2286000" lvl="4" indent="-228600" algn="l">
+              <a:lnSpc>
+                <a:spcPct val="103000"/>
+              </a:lnSpc>
+              <a:spcBef>
+                <a:spcPts val="500"/>
+              </a:spcBef>
+              <a:spcAft>
+                <a:spcPts val="0"/>
+              </a:spcAft>
+              <a:buClr>
+                <a:schemeClr val="dk1"/>
+              </a:buClr>
+              <a:buSzPts val="1300"/>
+              <a:buFont typeface="Arial"/>
+              <a:buNone/>
+              <a:defRPr/>
+            </a:lvl5pPr>
+            <a:lvl6pPr marL="2743200" lvl="5" indent="-342900" algn="l">
+              <a:lnSpc>
+                <a:spcPct val="103000"/>
+              </a:lnSpc>
+              <a:spcBef>
+                <a:spcPts val="500"/>
+              </a:spcBef>
+              <a:spcAft>
+                <a:spcPts val="0"/>
+              </a:spcAft>
+              <a:buClr>
+                <a:schemeClr val="dk1"/>
+              </a:buClr>
+              <a:buSzPts val="1800"/>
+              <a:buChar char="‒"/>
+              <a:defRPr/>
+            </a:lvl6pPr>
+            <a:lvl7pPr marL="3200400" lvl="6" indent="-342900" algn="l">
+              <a:lnSpc>
+                <a:spcPct val="103000"/>
+              </a:lnSpc>
+              <a:spcBef>
+                <a:spcPts val="500"/>
+              </a:spcBef>
+              <a:spcAft>
+                <a:spcPts val="0"/>
+              </a:spcAft>
+              <a:buClr>
+                <a:schemeClr val="dk1"/>
+              </a:buClr>
+              <a:buSzPts val="1800"/>
+              <a:buChar char="‒"/>
+              <a:defRPr/>
+            </a:lvl7pPr>
+            <a:lvl8pPr marL="3657600" lvl="7" indent="-342900" algn="l">
+              <a:lnSpc>
+                <a:spcPct val="103000"/>
+              </a:lnSpc>
+              <a:spcBef>
+                <a:spcPts val="500"/>
+              </a:spcBef>
+              <a:spcAft>
+                <a:spcPts val="0"/>
+              </a:spcAft>
+              <a:buClr>
+                <a:schemeClr val="dk1"/>
+              </a:buClr>
+              <a:buSzPts val="1800"/>
+              <a:buChar char="‒"/>
+              <a:defRPr/>
+            </a:lvl8pPr>
+            <a:lvl9pPr marL="4114800" lvl="8" indent="-342900" algn="l">
+              <a:lnSpc>
+                <a:spcPct val="103000"/>
+              </a:lnSpc>
+              <a:spcBef>
+                <a:spcPts val="500"/>
+              </a:spcBef>
+              <a:spcAft>
+                <a:spcPts val="0"/>
+              </a:spcAft>
+              <a:buClr>
+                <a:schemeClr val="dk1"/>
+              </a:buClr>
+              <a:buSzPts val="1800"/>
+              <a:buChar char="‒"/>
+              <a:defRPr/>
+            </a:lvl9pPr>
+          </a:lstStyle>
+          <a:p>
+            <a:pPr lvl="0"/>
+            <a:r>
+              <a:rPr lang="en-US" noProof="1"/>
+              <a:t>Add Text</a:t>
+            </a:r>
+          </a:p>
+        </p:txBody>
+      </p:sp>
+      <p:sp>
+        <p:nvSpPr>
+          <p:cNvPr id="5" name="Picture Placeholder 4">
+            <a:extLst>
+              <a:ext uri="{FF2B5EF4-FFF2-40B4-BE49-F238E27FC236}">
+                <a16:creationId xmlns:a16="http://schemas.microsoft.com/office/drawing/2014/main" id="{E4BBAF9A-7C35-481A-A051-34156DE6B27D}"/>
+              </a:ext>
+            </a:extLst>
+          </p:cNvPr>
+          <p:cNvSpPr>
+            <a:spLocks noGrp="1"/>
+          </p:cNvSpPr>
+          <p:nvPr>
+            <p:ph type="pic" sz="quarter" idx="10" hasCustomPrompt="1"/>
+          </p:nvPr>
+        </p:nvSpPr>
+        <p:spPr>
+          <a:xfrm>
+            <a:off x="5543549" y="808262"/>
+            <a:ext cx="4953001" cy="4796855"/>
+          </a:xfrm>
+          <a:blipFill dpi="0" rotWithShape="1">
+            <a:blip r:embed="rId2">
+              <a:alphaModFix amt="70000"/>
+            </a:blip>
+            <a:srcRect/>
+            <a:stretch>
+              <a:fillRect/>
+            </a:stretch>
+          </a:blipFill>
+        </p:spPr>
+        <p:txBody>
+          <a:bodyPr anchor="ctr"/>
+          <a:lstStyle>
+            <a:lvl1pPr marL="0" indent="0" algn="ctr">
+              <a:lnSpc>
+                <a:spcPct val="600000"/>
+              </a:lnSpc>
+              <a:buFontTx/>
+              <a:buNone/>
+              <a:defRPr sz="900"/>
+            </a:lvl1pPr>
+          </a:lstStyle>
+          <a:p>
+            <a:r>
+              <a:rPr lang="en-US" noProof="1"/>
+              <a:t>Insert photo</a:t>
+            </a:r>
+          </a:p>
+        </p:txBody>
+      </p:sp>
+      <p:sp>
+        <p:nvSpPr>
+          <p:cNvPr id="2" name="Chapter_title">
+            <a:extLst>
+              <a:ext uri="{FF2B5EF4-FFF2-40B4-BE49-F238E27FC236}">
+                <a16:creationId xmlns:a16="http://schemas.microsoft.com/office/drawing/2014/main" id="{70A7DDB5-9A93-2C32-858A-EA883E81F964}"/>
+              </a:ext>
+            </a:extLst>
+          </p:cNvPr>
+          <p:cNvSpPr>
+            <a:spLocks noGrp="1"/>
+          </p:cNvSpPr>
+          <p:nvPr>
+            <p:ph type="body" sz="quarter" idx="15"/>
+          </p:nvPr>
+        </p:nvSpPr>
+        <p:spPr>
+          <a:xfrm>
+            <a:off x="205200" y="259200"/>
+            <a:ext cx="10558800" cy="388800"/>
+          </a:xfrm>
+        </p:spPr>
+        <p:txBody>
+          <a:bodyPr/>
+          <a:lstStyle>
+            <a:lvl1pPr marL="0" indent="0">
+              <a:lnSpc>
+                <a:spcPct val="89000"/>
+              </a:lnSpc>
+              <a:spcBef>
+                <a:spcPts val="0"/>
+              </a:spcBef>
+              <a:buNone/>
+              <a:defRPr sz="2800" kern="0" baseline="0">
+                <a:solidFill>
+                  <a:schemeClr val="tx1"/>
+                </a:solidFill>
+              </a:defRPr>
+            </a:lvl1pPr>
+            <a:lvl2pPr marL="233983" indent="0">
+              <a:buNone/>
+              <a:defRPr sz="2800"/>
+            </a:lvl2pPr>
+            <a:lvl3pPr marL="525562" indent="0">
+              <a:buNone/>
+              <a:defRPr sz="2800"/>
+            </a:lvl3pPr>
+            <a:lvl4pPr marL="748745" indent="0">
+              <a:buNone/>
+              <a:defRPr sz="2800"/>
+            </a:lvl4pPr>
+            <a:lvl5pPr marL="748745" indent="0">
+              <a:buNone/>
+              <a:defRPr sz="2800"/>
+            </a:lvl5pPr>
+          </a:lstStyle>
+          <a:p>
+            <a:pPr lvl="0"/>
+            <a:endParaRPr lang="en-US" noProof="1"/>
+          </a:p>
+        </p:txBody>
+      </p:sp>
+    </p:spTree>
+    <p:extLst>
+      <p:ext uri="{BB962C8B-B14F-4D97-AF65-F5344CB8AC3E}">
+        <p14:creationId xmlns:p14="http://schemas.microsoft.com/office/powerpoint/2010/main" val="443251630"/>
+      </p:ext>
+    </p:extLst>
+  </p:cSld>
+  <p:clrMapOvr>
+    <a:masterClrMapping/>
+  </p:clrMapOvr>
+</p:sldLayout>
+</file>
+
+<file path=ppt/slideLayouts/slideLayout7.xml><?xml version="1.0" encoding="utf-8"?>
 <p:sldLayout xmlns:a="http://schemas.openxmlformats.org/drawingml/2006/main" xmlns:r="http://schemas.openxmlformats.org/officeDocument/2006/relationships" xmlns:p="http://schemas.openxmlformats.org/presentationml/2006/main" showMasterSp="0" matchingName="Full picture with text " userDrawn="1">
   <p:cSld name="Full picture with text ">
     <p:spTree>
@@ -9061,8 +6848,10 @@
       </p:grpSpPr>
       <p:pic>
         <p:nvPicPr>
-          <p:cNvPr id="40" name="Google Shape;40;p7" descr="fit@hcmus · GitHub"/>
-          <p:cNvPicPr preferRelativeResize="0"/>
+          <p:cNvPr id="40" name="Logo" descr="fit@hcmus · GitHub"/>
+          <p:cNvPicPr preferRelativeResize="0">
+            <a:picLocks noGrp="1" noRot="1" noMove="1" noResize="1" noEditPoints="1" noAdjustHandles="1" noChangeArrowheads="1" noChangeShapeType="1" noCrop="1"/>
+          </p:cNvPicPr>
           <p:nvPr/>
         </p:nvPicPr>
         <p:blipFill rotWithShape="1">
@@ -9104,8 +6893,8 @@
         </p:nvSpPr>
         <p:spPr>
           <a:xfrm>
-            <a:off x="0" y="0"/>
-            <a:ext cx="10969625" cy="5536800"/>
+            <a:off x="0" y="800100"/>
+            <a:ext cx="10969625" cy="4736699"/>
           </a:xfrm>
           <a:blipFill dpi="0" rotWithShape="1">
             <a:blip r:embed="rId3">
@@ -9139,7 +6928,7 @@
       </p:sp>
       <p:sp>
         <p:nvSpPr>
-          <p:cNvPr id="8" name="Text Placeholder 2">
+          <p:cNvPr id="8" name="Content">
             <a:extLst>
               <a:ext uri="{FF2B5EF4-FFF2-40B4-BE49-F238E27FC236}">
                 <a16:creationId xmlns:a16="http://schemas.microsoft.com/office/drawing/2014/main" id="{D346B548-69AA-497B-BD64-E14E4F9EA5F6}"/>
@@ -9155,8 +6944,8 @@
         </p:nvSpPr>
         <p:spPr>
           <a:xfrm>
-            <a:off x="7478109" y="4046483"/>
-            <a:ext cx="3491515" cy="1490317"/>
+            <a:off x="6849837" y="3168449"/>
+            <a:ext cx="4119788" cy="2368350"/>
           </a:xfrm>
           <a:solidFill>
             <a:schemeClr val="bg1"/>
@@ -9202,12 +6991,74 @@
           </a:p>
         </p:txBody>
       </p:sp>
+      <p:sp>
+        <p:nvSpPr>
+          <p:cNvPr id="2" name="Chapter_title">
+            <a:extLst>
+              <a:ext uri="{FF2B5EF4-FFF2-40B4-BE49-F238E27FC236}">
+                <a16:creationId xmlns:a16="http://schemas.microsoft.com/office/drawing/2014/main" id="{C29C2BE7-DD7B-94AA-BC5D-655381E0AAAC}"/>
+              </a:ext>
+            </a:extLst>
+          </p:cNvPr>
+          <p:cNvSpPr>
+            <a:spLocks noGrp="1"/>
+          </p:cNvSpPr>
+          <p:nvPr>
+            <p:ph type="body" sz="quarter" idx="15"/>
+          </p:nvPr>
+        </p:nvSpPr>
+        <p:spPr>
+          <a:xfrm>
+            <a:off x="205200" y="259200"/>
+            <a:ext cx="10558800" cy="388800"/>
+          </a:xfrm>
+        </p:spPr>
+        <p:txBody>
+          <a:bodyPr/>
+          <a:lstStyle>
+            <a:lvl1pPr marL="0" indent="0">
+              <a:lnSpc>
+                <a:spcPct val="89000"/>
+              </a:lnSpc>
+              <a:spcBef>
+                <a:spcPts val="0"/>
+              </a:spcBef>
+              <a:buNone/>
+              <a:defRPr sz="2800" kern="0" baseline="0">
+                <a:solidFill>
+                  <a:schemeClr val="tx1"/>
+                </a:solidFill>
+              </a:defRPr>
+            </a:lvl1pPr>
+            <a:lvl2pPr marL="233983" indent="0">
+              <a:buNone/>
+              <a:defRPr sz="2800"/>
+            </a:lvl2pPr>
+            <a:lvl3pPr marL="525562" indent="0">
+              <a:buNone/>
+              <a:defRPr sz="2800"/>
+            </a:lvl3pPr>
+            <a:lvl4pPr marL="748745" indent="0">
+              <a:buNone/>
+              <a:defRPr sz="2800"/>
+            </a:lvl4pPr>
+            <a:lvl5pPr marL="748745" indent="0">
+              <a:buNone/>
+              <a:defRPr sz="2800"/>
+            </a:lvl5pPr>
+          </a:lstStyle>
+          <a:p>
+            <a:pPr lvl="0"/>
+            <a:endParaRPr lang="en-US" noProof="1"/>
+          </a:p>
+        </p:txBody>
+      </p:sp>
     </p:spTree>
   </p:cSld>
   <p:clrMapOvr>
     <a:masterClrMapping/>
   </p:clrMapOvr>
-  <p:extLst mod="1">
+  <p:extLst>
     <p:ext uri="{DCECCB84-F9BA-43D5-87BE-67443E8EF086}">
       <p15:sldGuideLst xmlns:p15="http://schemas.microsoft.com/office/powerpoint/2012/main">
         <p15:guide id="1" orient="horz" pos="3489">
@@ -9221,7 +7072,7 @@
 </p:sldLayout>
 </file>
 
-<file path=ppt/slideLayouts/slideLayout7.xml><?xml version="1.0" encoding="utf-8"?>
+<file path=ppt/slideLayouts/slideLayout8.xml><?xml version="1.0" encoding="utf-8"?>
 <p:sldLayout xmlns:a="http://schemas.openxmlformats.org/drawingml/2006/main" xmlns:r="http://schemas.openxmlformats.org/officeDocument/2006/relationships" xmlns:p="http://schemas.openxmlformats.org/presentationml/2006/main" showMasterSp="0" matchingName="Split horizontal " userDrawn="1">
   <p:cSld name="Split horizontal ">
     <p:spTree>
@@ -9240,7 +7091,7 @@
       </p:grpSpPr>
       <p:pic>
         <p:nvPicPr>
-          <p:cNvPr id="44" name="Google Shape;44;p8" descr="fit@hcmus · GitHub"/>
+          <p:cNvPr id="44" name="Logo" descr="fit@hcmus · GitHub"/>
           <p:cNvPicPr preferRelativeResize="0"/>
           <p:nvPr/>
         </p:nvPicPr>
@@ -9283,7 +7134,7 @@
         </p:nvSpPr>
         <p:spPr>
           <a:xfrm>
-            <a:off x="163157" y="0"/>
+            <a:off x="231970" y="742950"/>
             <a:ext cx="10600842" cy="3216166"/>
           </a:xfrm>
           <a:blipFill dpi="0" rotWithShape="1">
@@ -9318,7 +7169,7 @@
       </p:sp>
       <p:sp>
         <p:nvSpPr>
-          <p:cNvPr id="9" name="Text Placeholder 2">
+          <p:cNvPr id="9" name="Content">
             <a:extLst>
               <a:ext uri="{FF2B5EF4-FFF2-40B4-BE49-F238E27FC236}">
                 <a16:creationId xmlns:a16="http://schemas.microsoft.com/office/drawing/2014/main" id="{990CB4FC-C276-4DB5-A6E3-49DD9BC66B63}"/>
@@ -9334,8 +7185,8 @@
         </p:nvSpPr>
         <p:spPr>
           <a:xfrm>
-            <a:off x="205199" y="3495705"/>
-            <a:ext cx="10558800" cy="2041094"/>
+            <a:off x="205199" y="4098471"/>
+            <a:ext cx="10558800" cy="1438328"/>
           </a:xfrm>
         </p:spPr>
         <p:txBody>
@@ -9343,9 +7194,9 @@
             <a:normAutofit/>
           </a:bodyPr>
           <a:lstStyle>
-            <a:lvl1pPr marL="0" indent="0">
-              <a:buFontTx/>
-              <a:buNone/>
+            <a:lvl1pPr marL="285750" indent="-285750">
+              <a:buFont typeface="Wingdings" panose="05000000000000000000" pitchFamily="2" charset="2"/>
+              <a:buChar char="Ø"/>
               <a:defRPr/>
             </a:lvl1pPr>
             <a:lvl2pPr marL="198000" indent="0">
@@ -9375,6 +7226,68 @@
               <a:rPr lang="en-US" noProof="1"/>
               <a:t>Add Text</a:t>
             </a:r>
+          </a:p>
+        </p:txBody>
+      </p:sp>
+      <p:sp>
+        <p:nvSpPr>
+          <p:cNvPr id="2" name="Chapter_title">
+            <a:extLst>
+              <a:ext uri="{FF2B5EF4-FFF2-40B4-BE49-F238E27FC236}">
+                <a16:creationId xmlns:a16="http://schemas.microsoft.com/office/drawing/2014/main" id="{0E0352A3-7FD0-92F9-450A-C67D7DC33FA4}"/>
+              </a:ext>
+            </a:extLst>
+          </p:cNvPr>
+          <p:cNvSpPr>
+            <a:spLocks noGrp="1"/>
+          </p:cNvSpPr>
+          <p:nvPr>
+            <p:ph type="body" sz="quarter" idx="15"/>
+          </p:nvPr>
+        </p:nvSpPr>
+        <p:spPr>
+          <a:xfrm>
+            <a:off x="205200" y="259200"/>
+            <a:ext cx="10558800" cy="388800"/>
+          </a:xfrm>
+        </p:spPr>
+        <p:txBody>
+          <a:bodyPr/>
+          <a:lstStyle>
+            <a:lvl1pPr marL="0" indent="0">
+              <a:lnSpc>
+                <a:spcPct val="89000"/>
+              </a:lnSpc>
+              <a:spcBef>
+                <a:spcPts val="0"/>
+              </a:spcBef>
+              <a:buNone/>
+              <a:defRPr sz="2800" kern="0" baseline="0">
+                <a:solidFill>
+                  <a:schemeClr val="tx1"/>
+                </a:solidFill>
+              </a:defRPr>
+            </a:lvl1pPr>
+            <a:lvl2pPr marL="233983" indent="0">
+              <a:buNone/>
+              <a:defRPr sz="2800"/>
+            </a:lvl2pPr>
+            <a:lvl3pPr marL="525562" indent="0">
+              <a:buNone/>
+              <a:defRPr sz="2800"/>
+            </a:lvl3pPr>
+            <a:lvl4pPr marL="748745" indent="0">
+              <a:buNone/>
+              <a:defRPr sz="2800"/>
+            </a:lvl4pPr>
+            <a:lvl5pPr marL="748745" indent="0">
+              <a:buNone/>
+              <a:defRPr sz="2800"/>
+            </a:lvl5pPr>
+          </a:lstStyle>
+          <a:p>
+            <a:pPr lvl="0"/>
+            <a:endParaRPr lang="en-US" noProof="1"/>
           </a:p>
         </p:txBody>
       </p:sp>
@@ -9383,7 +7296,7 @@
   <p:clrMapOvr>
     <a:masterClrMapping/>
   </p:clrMapOvr>
-  <p:extLst mod="1">
+  <p:extLst>
     <p:ext uri="{DCECCB84-F9BA-43D5-87BE-67443E8EF086}">
       <p15:sldGuideLst xmlns:p15="http://schemas.microsoft.com/office/powerpoint/2012/main">
         <p15:guide id="1" pos="128">
@@ -9417,7 +7330,7 @@
 </p:sldLayout>
 </file>
 
-<file path=ppt/slideLayouts/slideLayout8.xml><?xml version="1.0" encoding="utf-8"?>
+<file path=ppt/slideLayouts/slideLayout9.xml><?xml version="1.0" encoding="utf-8"?>
 <p:sldLayout xmlns:a="http://schemas.openxmlformats.org/drawingml/2006/main" xmlns:r="http://schemas.openxmlformats.org/officeDocument/2006/relationships" xmlns:p="http://schemas.openxmlformats.org/presentationml/2006/main" showMasterSp="0" matchingName="Split vertical " userDrawn="1">
   <p:cSld name="Split vertical ">
     <p:spTree>
@@ -9436,8 +7349,10 @@
       </p:grpSpPr>
       <p:pic>
         <p:nvPicPr>
-          <p:cNvPr id="48" name="Google Shape;48;p9" descr="fit@hcmus · GitHub"/>
-          <p:cNvPicPr preferRelativeResize="0"/>
+          <p:cNvPr id="48" name="Logo" descr="fit@hcmus · GitHub"/>
+          <p:cNvPicPr preferRelativeResize="0">
+            <a:picLocks noGrp="1" noRot="1" noMove="1" noResize="1" noEditPoints="1" noAdjustHandles="1" noChangeArrowheads="1" noChangeShapeType="1" noCrop="1"/>
+          </p:cNvPicPr>
           <p:nvPr/>
         </p:nvPicPr>
         <p:blipFill rotWithShape="1">
@@ -9514,7 +7429,7 @@
       </p:sp>
       <p:sp>
         <p:nvSpPr>
-          <p:cNvPr id="8" name="Text Placeholder 2">
+          <p:cNvPr id="8" name="Content">
             <a:extLst>
               <a:ext uri="{FF2B5EF4-FFF2-40B4-BE49-F238E27FC236}">
                 <a16:creationId xmlns:a16="http://schemas.microsoft.com/office/drawing/2014/main" id="{D6647D1E-89E9-4244-B52F-555902731C7A}"/>
@@ -9530,8 +7445,8 @@
         </p:nvSpPr>
         <p:spPr>
           <a:xfrm>
-            <a:off x="5895302" y="410492"/>
-            <a:ext cx="4596486" cy="5126308"/>
+            <a:off x="5895301" y="1118506"/>
+            <a:ext cx="4868697" cy="4418293"/>
           </a:xfrm>
         </p:spPr>
         <p:txBody>
@@ -9539,9 +7454,9 @@
             <a:normAutofit/>
           </a:bodyPr>
           <a:lstStyle>
-            <a:lvl1pPr marL="0" indent="0">
-              <a:buFontTx/>
-              <a:buNone/>
+            <a:lvl1pPr marL="285750" indent="-285750">
+              <a:buFont typeface="Wingdings" panose="05000000000000000000" pitchFamily="2" charset="2"/>
+              <a:buChar char="Ø"/>
               <a:defRPr/>
             </a:lvl1pPr>
             <a:lvl2pPr marL="198000" indent="0">
@@ -9571,6 +7486,68 @@
               <a:rPr lang="en-US" noProof="1"/>
               <a:t>Add Text</a:t>
             </a:r>
+          </a:p>
+        </p:txBody>
+      </p:sp>
+      <p:sp>
+        <p:nvSpPr>
+          <p:cNvPr id="2" name="Chapter_title">
+            <a:extLst>
+              <a:ext uri="{FF2B5EF4-FFF2-40B4-BE49-F238E27FC236}">
+                <a16:creationId xmlns:a16="http://schemas.microsoft.com/office/drawing/2014/main" id="{5804ED87-F3F8-31A9-810B-2DEE63510A81}"/>
+              </a:ext>
+            </a:extLst>
+          </p:cNvPr>
+          <p:cNvSpPr>
+            <a:spLocks noGrp="1"/>
+          </p:cNvSpPr>
+          <p:nvPr>
+            <p:ph type="body" sz="quarter" idx="15"/>
+          </p:nvPr>
+        </p:nvSpPr>
+        <p:spPr>
+          <a:xfrm>
+            <a:off x="5895302" y="130873"/>
+            <a:ext cx="4868698" cy="816183"/>
+          </a:xfrm>
+        </p:spPr>
+        <p:txBody>
+          <a:bodyPr/>
+          <a:lstStyle>
+            <a:lvl1pPr marL="0" indent="0">
+              <a:lnSpc>
+                <a:spcPct val="89000"/>
+              </a:lnSpc>
+              <a:spcBef>
+                <a:spcPts val="0"/>
+              </a:spcBef>
+              <a:buNone/>
+              <a:defRPr sz="2800" kern="0" baseline="0">
+                <a:solidFill>
+                  <a:schemeClr val="tx1"/>
+                </a:solidFill>
+              </a:defRPr>
+            </a:lvl1pPr>
+            <a:lvl2pPr marL="233983" indent="0">
+              <a:buNone/>
+              <a:defRPr sz="2800"/>
+            </a:lvl2pPr>
+            <a:lvl3pPr marL="525562" indent="0">
+              <a:buNone/>
+              <a:defRPr sz="2800"/>
+            </a:lvl3pPr>
+            <a:lvl4pPr marL="748745" indent="0">
+              <a:buNone/>
+              <a:defRPr sz="2800"/>
+            </a:lvl4pPr>
+            <a:lvl5pPr marL="748745" indent="0">
+              <a:buNone/>
+              <a:defRPr sz="2800"/>
+            </a:lvl5pPr>
+          </a:lstStyle>
+          <a:p>
+            <a:pPr lvl="0"/>
+            <a:endParaRPr lang="en-US" noProof="1"/>
           </a:p>
         </p:txBody>
       </p:sp>
@@ -9579,7 +7556,7 @@
   <p:clrMapOvr>
     <a:masterClrMapping/>
   </p:clrMapOvr>
-  <p:extLst mod="1">
+  <p:extLst>
     <p:ext uri="{DCECCB84-F9BA-43D5-87BE-67443E8EF086}">
       <p15:sldGuideLst xmlns:p15="http://schemas.microsoft.com/office/powerpoint/2012/main">
         <p15:guide id="1" pos="3456">
@@ -9610,284 +7587,6 @@
       </p15:sldGuideLst>
     </p:ext>
   </p:extLst>
-</p:sldLayout>
-</file>
-
-<file path=ppt/slideLayouts/slideLayout9.xml><?xml version="1.0" encoding="utf-8"?>
-<p:sldLayout xmlns:a="http://schemas.openxmlformats.org/drawingml/2006/main" xmlns:r="http://schemas.openxmlformats.org/officeDocument/2006/relationships" xmlns:p="http://schemas.openxmlformats.org/presentationml/2006/main" preserve="1" userDrawn="1">
-  <p:cSld name="Reverse vertical split">
-    <p:spTree>
-      <p:nvGrpSpPr>
-        <p:cNvPr id="1" name=""/>
-        <p:cNvGrpSpPr/>
-        <p:nvPr/>
-      </p:nvGrpSpPr>
-      <p:grpSpPr>
-        <a:xfrm>
-          <a:off x="0" y="0"/>
-          <a:ext cx="0" cy="0"/>
-          <a:chOff x="0" y="0"/>
-          <a:chExt cx="0" cy="0"/>
-        </a:xfrm>
-      </p:grpSpPr>
-      <p:sp>
-        <p:nvSpPr>
-          <p:cNvPr id="9" name="Google Shape;47;p9"/>
-          <p:cNvSpPr txBox="1">
-            <a:spLocks noGrp="1"/>
-          </p:cNvSpPr>
-          <p:nvPr>
-            <p:ph type="body" idx="1" hasCustomPrompt="1"/>
-          </p:nvPr>
-        </p:nvSpPr>
-        <p:spPr>
-          <a:xfrm>
-            <a:off x="634875" y="478810"/>
-            <a:ext cx="4596486" cy="5126308"/>
-          </a:xfrm>
-          <a:prstGeom prst="rect">
-            <a:avLst/>
-          </a:prstGeom>
-          <a:noFill/>
-          <a:ln>
-            <a:noFill/>
-          </a:ln>
-        </p:spPr>
-        <p:txBody>
-          <a:bodyPr spcFirstLastPara="1" wrap="square" lIns="0" tIns="0" rIns="0" bIns="0" anchor="t" anchorCtr="0">
-            <a:normAutofit/>
-          </a:bodyPr>
-          <a:lstStyle>
-            <a:lvl1pPr marL="457200" lvl="0" indent="-228600" algn="l">
-              <a:lnSpc>
-                <a:spcPct val="107000"/>
-              </a:lnSpc>
-              <a:spcBef>
-                <a:spcPts val="500"/>
-              </a:spcBef>
-              <a:spcAft>
-                <a:spcPts val="0"/>
-              </a:spcAft>
-              <a:buClr>
-                <a:schemeClr val="dk1"/>
-              </a:buClr>
-              <a:buSzPts val="1800"/>
-              <a:buFont typeface="Arial"/>
-              <a:buNone/>
-              <a:defRPr/>
-            </a:lvl1pPr>
-            <a:lvl2pPr marL="914400" lvl="1" indent="-228600" algn="l">
-              <a:lnSpc>
-                <a:spcPct val="103000"/>
-              </a:lnSpc>
-              <a:spcBef>
-                <a:spcPts val="500"/>
-              </a:spcBef>
-              <a:spcAft>
-                <a:spcPts val="0"/>
-              </a:spcAft>
-              <a:buClr>
-                <a:schemeClr val="dk1"/>
-              </a:buClr>
-              <a:buSzPts val="1600"/>
-              <a:buFont typeface="Arial"/>
-              <a:buNone/>
-              <a:defRPr/>
-            </a:lvl2pPr>
-            <a:lvl3pPr marL="1371600" lvl="2" indent="-228600" algn="l">
-              <a:lnSpc>
-                <a:spcPct val="102000"/>
-              </a:lnSpc>
-              <a:spcBef>
-                <a:spcPts val="500"/>
-              </a:spcBef>
-              <a:spcAft>
-                <a:spcPts val="0"/>
-              </a:spcAft>
-              <a:buClr>
-                <a:schemeClr val="dk1"/>
-              </a:buClr>
-              <a:buSzPts val="1400"/>
-              <a:buFont typeface="Arial"/>
-              <a:buNone/>
-              <a:defRPr/>
-            </a:lvl3pPr>
-            <a:lvl4pPr marL="1828800" lvl="3" indent="-228600" algn="l">
-              <a:lnSpc>
-                <a:spcPct val="103000"/>
-              </a:lnSpc>
-              <a:spcBef>
-                <a:spcPts val="500"/>
-              </a:spcBef>
-              <a:spcAft>
-                <a:spcPts val="0"/>
-              </a:spcAft>
-              <a:buClr>
-                <a:schemeClr val="dk1"/>
-              </a:buClr>
-              <a:buSzPts val="1300"/>
-              <a:buFont typeface="Arial"/>
-              <a:buNone/>
-              <a:defRPr/>
-            </a:lvl4pPr>
-            <a:lvl5pPr marL="2286000" lvl="4" indent="-228600" algn="l">
-              <a:lnSpc>
-                <a:spcPct val="103000"/>
-              </a:lnSpc>
-              <a:spcBef>
-                <a:spcPts val="500"/>
-              </a:spcBef>
-              <a:spcAft>
-                <a:spcPts val="0"/>
-              </a:spcAft>
-              <a:buClr>
-                <a:schemeClr val="dk1"/>
-              </a:buClr>
-              <a:buSzPts val="1300"/>
-              <a:buFont typeface="Arial"/>
-              <a:buNone/>
-              <a:defRPr/>
-            </a:lvl5pPr>
-            <a:lvl6pPr marL="2743200" lvl="5" indent="-342900" algn="l">
-              <a:lnSpc>
-                <a:spcPct val="103000"/>
-              </a:lnSpc>
-              <a:spcBef>
-                <a:spcPts val="500"/>
-              </a:spcBef>
-              <a:spcAft>
-                <a:spcPts val="0"/>
-              </a:spcAft>
-              <a:buClr>
-                <a:schemeClr val="dk1"/>
-              </a:buClr>
-              <a:buSzPts val="1800"/>
-              <a:buChar char="‒"/>
-              <a:defRPr/>
-            </a:lvl6pPr>
-            <a:lvl7pPr marL="3200400" lvl="6" indent="-342900" algn="l">
-              <a:lnSpc>
-                <a:spcPct val="103000"/>
-              </a:lnSpc>
-              <a:spcBef>
-                <a:spcPts val="500"/>
-              </a:spcBef>
-              <a:spcAft>
-                <a:spcPts val="0"/>
-              </a:spcAft>
-              <a:buClr>
-                <a:schemeClr val="dk1"/>
-              </a:buClr>
-              <a:buSzPts val="1800"/>
-              <a:buChar char="‒"/>
-              <a:defRPr/>
-            </a:lvl7pPr>
-            <a:lvl8pPr marL="3657600" lvl="7" indent="-342900" algn="l">
-              <a:lnSpc>
-                <a:spcPct val="103000"/>
-              </a:lnSpc>
-              <a:spcBef>
-                <a:spcPts val="500"/>
-              </a:spcBef>
-              <a:spcAft>
-                <a:spcPts val="0"/>
-              </a:spcAft>
-              <a:buClr>
-                <a:schemeClr val="dk1"/>
-              </a:buClr>
-              <a:buSzPts val="1800"/>
-              <a:buChar char="‒"/>
-              <a:defRPr/>
-            </a:lvl8pPr>
-            <a:lvl9pPr marL="4114800" lvl="8" indent="-342900" algn="l">
-              <a:lnSpc>
-                <a:spcPct val="103000"/>
-              </a:lnSpc>
-              <a:spcBef>
-                <a:spcPts val="500"/>
-              </a:spcBef>
-              <a:spcAft>
-                <a:spcPts val="0"/>
-              </a:spcAft>
-              <a:buClr>
-                <a:schemeClr val="dk1"/>
-              </a:buClr>
-              <a:buSzPts val="1800"/>
-              <a:buChar char="‒"/>
-              <a:defRPr/>
-            </a:lvl9pPr>
-          </a:lstStyle>
-          <a:p>
-            <a:pPr lvl="0"/>
-            <a:r>
-              <a:rPr lang="en-US" noProof="1" smtClean="0"/>
-              <a:t>Add Text</a:t>
-            </a:r>
-            <a:endParaRPr lang="en-US" noProof="1"/>
-          </a:p>
-        </p:txBody>
-      </p:sp>
-      <p:sp>
-        <p:nvSpPr>
-          <p:cNvPr id="5" name="Picture Placeholder 4">
-            <a:extLst>
-              <a:ext uri="{FF2B5EF4-FFF2-40B4-BE49-F238E27FC236}">
-                <a16:creationId xmlns:a16="http://schemas.microsoft.com/office/drawing/2014/main" id="{E4BBAF9A-7C35-481A-A051-34156DE6B27D}"/>
-              </a:ext>
-            </a:extLst>
-          </p:cNvPr>
-          <p:cNvSpPr>
-            <a:spLocks noGrp="1"/>
-          </p:cNvSpPr>
-          <p:nvPr>
-            <p:ph type="pic" sz="quarter" idx="10" hasCustomPrompt="1"/>
-          </p:nvPr>
-        </p:nvSpPr>
-        <p:spPr>
-          <a:xfrm>
-            <a:off x="5543549" y="478810"/>
-            <a:ext cx="4953001" cy="5126308"/>
-          </a:xfrm>
-          <a:blipFill dpi="0" rotWithShape="1">
-            <a:blip r:embed="rId2">
-              <a:alphaModFix amt="70000"/>
-            </a:blip>
-            <a:srcRect/>
-            <a:stretch>
-              <a:fillRect/>
-            </a:stretch>
-          </a:blipFill>
-        </p:spPr>
-        <p:txBody>
-          <a:bodyPr anchor="ctr"/>
-          <a:lstStyle>
-            <a:lvl1pPr marL="0" indent="0" algn="ctr">
-              <a:lnSpc>
-                <a:spcPct val="600000"/>
-              </a:lnSpc>
-              <a:buFontTx/>
-              <a:buNone/>
-              <a:defRPr sz="900"/>
-            </a:lvl1pPr>
-          </a:lstStyle>
-          <a:p>
-            <a:r>
-              <a:rPr lang="en-US" noProof="1"/>
-              <a:t>Insert photo</a:t>
-            </a:r>
-          </a:p>
-        </p:txBody>
-      </p:sp>
-    </p:spTree>
-    <p:extLst>
-      <p:ext uri="{BB962C8B-B14F-4D97-AF65-F5344CB8AC3E}">
-        <p14:creationId xmlns:p14="http://schemas.microsoft.com/office/powerpoint/2010/main" val="443251630"/>
-      </p:ext>
-    </p:extLst>
-  </p:cSld>
-  <p:clrMapOvr>
-    <a:masterClrMapping/>
-  </p:clrMapOvr>
 </p:sldLayout>
 </file>
 
@@ -10058,7 +7757,7 @@
           </a:lstStyle>
           <a:p>
             <a:r>
-              <a:rPr lang="en-US" noProof="1" smtClean="0"/>
+              <a:rPr lang="en-US" noProof="1"/>
               <a:t>Add Slide Title</a:t>
             </a:r>
             <a:endParaRPr dirty="0"/>
@@ -10331,38 +8030,37 @@
           <a:p>
             <a:pPr lvl="0"/>
             <a:r>
-              <a:rPr lang="en-US" noProof="1" smtClean="0"/>
+              <a:rPr lang="en-US" noProof="1"/>
               <a:t>Click to edit Master text styles</a:t>
             </a:r>
           </a:p>
           <a:p>
             <a:pPr lvl="1"/>
             <a:r>
-              <a:rPr lang="en-US" noProof="1" smtClean="0"/>
+              <a:rPr lang="en-US" noProof="1"/>
               <a:t>Second level</a:t>
             </a:r>
           </a:p>
           <a:p>
             <a:pPr lvl="2"/>
             <a:r>
-              <a:rPr lang="en-US" noProof="1" smtClean="0"/>
+              <a:rPr lang="en-US" noProof="1"/>
               <a:t>Third level</a:t>
             </a:r>
           </a:p>
           <a:p>
             <a:pPr lvl="3"/>
             <a:r>
-              <a:rPr lang="en-US" noProof="1" smtClean="0"/>
+              <a:rPr lang="en-US" noProof="1"/>
               <a:t>Fourth level</a:t>
             </a:r>
           </a:p>
           <a:p>
             <a:pPr lvl="4"/>
             <a:r>
-              <a:rPr lang="en-US" noProof="1" smtClean="0"/>
+              <a:rPr lang="en-US" noProof="1"/>
               <a:t>Fifth level</a:t>
             </a:r>
-            <a:endParaRPr lang="en-US" noProof="1"/>
           </a:p>
         </p:txBody>
       </p:sp>
@@ -10373,7 +8071,7 @@
           <p:nvPr/>
         </p:nvPicPr>
         <p:blipFill rotWithShape="1">
-          <a:blip r:embed="rId24">
+          <a:blip r:embed="rId23">
             <a:alphaModFix/>
           </a:blip>
           <a:srcRect/>
@@ -10402,23 +8100,22 @@
     <p:sldLayoutId id="2147483651" r:id="rId3"/>
     <p:sldLayoutId id="2147483652" r:id="rId4"/>
     <p:sldLayoutId id="2147483653" r:id="rId5"/>
-    <p:sldLayoutId id="2147483654" r:id="rId6"/>
-    <p:sldLayoutId id="2147483655" r:id="rId7"/>
-    <p:sldLayoutId id="2147483656" r:id="rId8"/>
-    <p:sldLayoutId id="2147483669" r:id="rId9"/>
-    <p:sldLayoutId id="2147483670" r:id="rId10"/>
-    <p:sldLayoutId id="2147483657" r:id="rId11"/>
-    <p:sldLayoutId id="2147483658" r:id="rId12"/>
-    <p:sldLayoutId id="2147483659" r:id="rId13"/>
-    <p:sldLayoutId id="2147483660" r:id="rId14"/>
-    <p:sldLayoutId id="2147483661" r:id="rId15"/>
-    <p:sldLayoutId id="2147483662" r:id="rId16"/>
-    <p:sldLayoutId id="2147483663" r:id="rId17"/>
-    <p:sldLayoutId id="2147483664" r:id="rId18"/>
-    <p:sldLayoutId id="2147483665" r:id="rId19"/>
-    <p:sldLayoutId id="2147483666" r:id="rId20"/>
-    <p:sldLayoutId id="2147483667" r:id="rId21"/>
-    <p:sldLayoutId id="2147483668" r:id="rId22"/>
+    <p:sldLayoutId id="2147483669" r:id="rId6"/>
+    <p:sldLayoutId id="2147483654" r:id="rId7"/>
+    <p:sldLayoutId id="2147483655" r:id="rId8"/>
+    <p:sldLayoutId id="2147483656" r:id="rId9"/>
+    <p:sldLayoutId id="2147483672" r:id="rId10"/>
+    <p:sldLayoutId id="2147483671" r:id="rId11"/>
+    <p:sldLayoutId id="2147483673" r:id="rId12"/>
+    <p:sldLayoutId id="2147483657" r:id="rId13"/>
+    <p:sldLayoutId id="2147483659" r:id="rId14"/>
+    <p:sldLayoutId id="2147483660" r:id="rId15"/>
+    <p:sldLayoutId id="2147483674" r:id="rId16"/>
+    <p:sldLayoutId id="2147483661" r:id="rId17"/>
+    <p:sldLayoutId id="2147483670" r:id="rId18"/>
+    <p:sldLayoutId id="2147483662" r:id="rId19"/>
+    <p:sldLayoutId id="2147483663" r:id="rId20"/>
+    <p:sldLayoutId id="2147483664" r:id="rId21"/>
   </p:sldLayoutIdLst>
   <p:hf hdr="0" ftr="0" dt="0"/>
   <p:txStyles>
